--- a/项目-开发团队人员调度软件/src/需求说明/需求说明.pptx
+++ b/项目-开发团队人员调度软件/src/需求说明/需求说明.pptx
@@ -5,33 +5,32 @@
     <p:sldMasterId id="2147483648" r:id="rId1"/>
   </p:sldMasterIdLst>
   <p:notesMasterIdLst>
-    <p:notesMasterId r:id="rId26"/>
+    <p:notesMasterId r:id="rId4"/>
   </p:notesMasterIdLst>
   <p:sldIdLst>
-    <p:sldId id="256" r:id="rId2"/>
-    <p:sldId id="260" r:id="rId3"/>
-    <p:sldId id="261" r:id="rId4"/>
-    <p:sldId id="262" r:id="rId5"/>
-    <p:sldId id="263" r:id="rId6"/>
-    <p:sldId id="264" r:id="rId7"/>
-    <p:sldId id="265" r:id="rId8"/>
-    <p:sldId id="266" r:id="rId9"/>
-    <p:sldId id="267" r:id="rId10"/>
-    <p:sldId id="268" r:id="rId11"/>
-    <p:sldId id="269" r:id="rId12"/>
-    <p:sldId id="270" r:id="rId13"/>
-    <p:sldId id="271" r:id="rId14"/>
-    <p:sldId id="272" r:id="rId15"/>
-    <p:sldId id="273" r:id="rId16"/>
-    <p:sldId id="274" r:id="rId17"/>
-    <p:sldId id="275" r:id="rId18"/>
-    <p:sldId id="276" r:id="rId19"/>
-    <p:sldId id="277" r:id="rId20"/>
-    <p:sldId id="278" r:id="rId21"/>
-    <p:sldId id="279" r:id="rId22"/>
-    <p:sldId id="280" r:id="rId23"/>
-    <p:sldId id="281" r:id="rId24"/>
-    <p:sldId id="259" r:id="rId25"/>
+    <p:sldId id="256" r:id="rId3"/>
+    <p:sldId id="260" r:id="rId5"/>
+    <p:sldId id="261" r:id="rId6"/>
+    <p:sldId id="262" r:id="rId7"/>
+    <p:sldId id="263" r:id="rId8"/>
+    <p:sldId id="264" r:id="rId9"/>
+    <p:sldId id="265" r:id="rId10"/>
+    <p:sldId id="266" r:id="rId11"/>
+    <p:sldId id="267" r:id="rId12"/>
+    <p:sldId id="268" r:id="rId13"/>
+    <p:sldId id="269" r:id="rId14"/>
+    <p:sldId id="270" r:id="rId15"/>
+    <p:sldId id="271" r:id="rId16"/>
+    <p:sldId id="272" r:id="rId17"/>
+    <p:sldId id="273" r:id="rId18"/>
+    <p:sldId id="274" r:id="rId19"/>
+    <p:sldId id="275" r:id="rId20"/>
+    <p:sldId id="276" r:id="rId21"/>
+    <p:sldId id="277" r:id="rId22"/>
+    <p:sldId id="278" r:id="rId23"/>
+    <p:sldId id="279" r:id="rId24"/>
+    <p:sldId id="280" r:id="rId25"/>
+    <p:sldId id="281" r:id="rId26"/>
   </p:sldIdLst>
   <p:sldSz cx="9144000" cy="5143500" type="screen16x9"/>
   <p:notesSz cx="6858000" cy="9144000"/>
@@ -130,22 +129,6 @@
       </a:defRPr>
     </a:lvl9pPr>
   </p:defaultTextStyle>
-  <p:extLst>
-    <p:ext uri="{EFAFB233-063F-42B5-8137-9DF3F51BA10A}">
-      <p15:sldGuideLst xmlns:p15="http://schemas.microsoft.com/office/powerpoint/2012/main">
-        <p15:guide id="1" orient="horz" pos="1620">
-          <p15:clr>
-            <a:srgbClr val="A4A3A4"/>
-          </p15:clr>
-        </p15:guide>
-        <p15:guide id="2" pos="2880">
-          <p15:clr>
-            <a:srgbClr val="A4A3A4"/>
-          </p15:clr>
-        </p15:guide>
-      </p15:sldGuideLst>
-    </p:ext>
-  </p:extLst>
 </p:presentation>
 </file>
 
@@ -231,7 +214,6 @@
           <a:p>
             <a:fld id="{7F25A8C7-CC1A-4A08-9B4B-31F43B054C7F}" type="datetimeFigureOut">
               <a:rPr lang="zh-CN" altLang="en-US" smtClean="0"/>
-              <a:t>2019/2/12 Tuesday</a:t>
             </a:fld>
             <a:endParaRPr lang="zh-CN" altLang="en-US"/>
           </a:p>
@@ -298,6 +280,7 @@
               <a:rPr lang="zh-CN" altLang="en-US"/>
               <a:t>单击此处编辑母版文本样式</a:t>
             </a:r>
+            <a:endParaRPr lang="zh-CN" altLang="en-US"/>
           </a:p>
           <a:p>
             <a:pPr lvl="1"/>
@@ -305,6 +288,7 @@
               <a:rPr lang="zh-CN" altLang="en-US"/>
               <a:t>第二级</a:t>
             </a:r>
+            <a:endParaRPr lang="zh-CN" altLang="en-US"/>
           </a:p>
           <a:p>
             <a:pPr lvl="2"/>
@@ -312,6 +296,7 @@
               <a:rPr lang="zh-CN" altLang="en-US"/>
               <a:t>第三级</a:t>
             </a:r>
+            <a:endParaRPr lang="zh-CN" altLang="en-US"/>
           </a:p>
           <a:p>
             <a:pPr lvl="3"/>
@@ -319,6 +304,7 @@
               <a:rPr lang="zh-CN" altLang="en-US"/>
               <a:t>第四级</a:t>
             </a:r>
+            <a:endParaRPr lang="zh-CN" altLang="en-US"/>
           </a:p>
           <a:p>
             <a:pPr lvl="4"/>
@@ -326,6 +312,7 @@
               <a:rPr lang="zh-CN" altLang="en-US"/>
               <a:t>第五级</a:t>
             </a:r>
+            <a:endParaRPr lang="zh-CN" altLang="en-US"/>
           </a:p>
         </p:txBody>
       </p:sp>
@@ -389,18 +376,12 @@
           <a:p>
             <a:fld id="{F9E1B693-632D-4080-9CF6-EA28B66DC801}" type="slidenum">
               <a:rPr lang="zh-CN" altLang="en-US" smtClean="0"/>
-              <a:t>‹#›</a:t>
             </a:fld>
             <a:endParaRPr lang="zh-CN" altLang="en-US"/>
           </a:p>
         </p:txBody>
       </p:sp>
     </p:spTree>
-    <p:extLst>
-      <p:ext uri="{BB962C8B-B14F-4D97-AF65-F5344CB8AC3E}">
-        <p14:creationId xmlns:p14="http://schemas.microsoft.com/office/powerpoint/2010/main" val="2661104217"/>
-      </p:ext>
-    </p:extLst>
   </p:cSld>
   <p:clrMap bg1="lt1" tx1="dk1" bg2="lt2" tx2="dk2" accent1="accent1" accent2="accent2" accent3="accent3" accent4="accent4" accent5="accent5" accent6="accent6" hlink="hlink" folHlink="folHlink"/>
   <p:notesStyle>
@@ -596,7 +577,6 @@
                 <a:latin typeface="Calibri" panose="020F0502020204030204" pitchFamily="34" charset="0"/>
                 <a:ea typeface="微软雅黑" panose="020B0503020204020204" pitchFamily="34" charset="-122"/>
               </a:rPr>
-              <a:t>1</a:t>
             </a:fld>
             <a:endParaRPr kumimoji="0" lang="zh-CN" altLang="en-US" sz="1200" b="0" i="0" u="none" strike="noStrike" kern="1200" cap="none" spc="0" normalizeH="0" baseline="0" noProof="0">
               <a:ln>
@@ -692,19 +672,12 @@
           <a:p>
             <a:fld id="{0979F713-E591-4BAA-98DC-A77FB579BE6A}" type="slidenum">
               <a:rPr lang="zh-CN" altLang="en-US" smtClean="0"/>
-              <a:pPr/>
-              <a:t>4</a:t>
             </a:fld>
             <a:endParaRPr lang="zh-CN" altLang="en-US"/>
           </a:p>
         </p:txBody>
       </p:sp>
     </p:spTree>
-    <p:extLst>
-      <p:ext uri="{BB962C8B-B14F-4D97-AF65-F5344CB8AC3E}">
-        <p14:creationId xmlns:p14="http://schemas.microsoft.com/office/powerpoint/2010/main" val="1745148246"/>
-      </p:ext>
-    </p:extLst>
   </p:cSld>
   <p:clrMapOvr>
     <a:masterClrMapping/>
@@ -759,6 +732,7 @@
               <a:rPr lang="zh-CN" altLang="en-US" dirty="0"/>
               <a:t>单击此处编辑标题</a:t>
             </a:r>
+            <a:endParaRPr lang="zh-CN" altLang="en-US" dirty="0"/>
           </a:p>
         </p:txBody>
       </p:sp>
@@ -825,6 +799,7 @@
               <a:rPr lang="zh-CN" altLang="en-US" dirty="0"/>
               <a:t>单击此处编辑母版副标题样式</a:t>
             </a:r>
+            <a:endParaRPr lang="zh-CN" altLang="en-US" dirty="0"/>
           </a:p>
         </p:txBody>
       </p:sp>
@@ -850,7 +825,6 @@
           <a:p>
             <a:fld id="{D997B5FA-0921-464F-AAE1-844C04324D75}" type="datetimeFigureOut">
               <a:rPr lang="zh-CN" altLang="en-US" smtClean="0"/>
-              <a:t>2019/2/12 Tuesday</a:t>
             </a:fld>
             <a:endParaRPr lang="zh-CN" altLang="en-US" dirty="0"/>
           </a:p>
@@ -902,7 +876,6 @@
           <a:p>
             <a:fld id="{565CE74E-AB26-4998-AD42-012C4C1AD076}" type="slidenum">
               <a:rPr lang="zh-CN" altLang="en-US" smtClean="0"/>
-              <a:t>‹#›</a:t>
             </a:fld>
             <a:endParaRPr lang="zh-CN" altLang="en-US"/>
           </a:p>
@@ -955,7 +928,6 @@
           <a:p>
             <a:fld id="{760FBDFE-C587-4B4C-A407-44438C67B59E}" type="datetimeFigureOut">
               <a:rPr lang="zh-CN" altLang="en-US" smtClean="0"/>
-              <a:t>2019/2/12 Tuesday</a:t>
             </a:fld>
             <a:endParaRPr lang="zh-CN" altLang="en-US"/>
           </a:p>
@@ -1007,7 +979,6 @@
           <a:p>
             <a:fld id="{49AE70B2-8BF9-45C0-BB95-33D1B9D3A854}" type="slidenum">
               <a:rPr lang="zh-CN" altLang="en-US" smtClean="0"/>
-              <a:t>‹#›</a:t>
             </a:fld>
             <a:endParaRPr lang="zh-CN" altLang="en-US"/>
           </a:p>
@@ -1038,6 +1009,7 @@
               <a:rPr lang="zh-CN" altLang="en-US" dirty="0"/>
               <a:t>单击此处编辑母版文本样式</a:t>
             </a:r>
+            <a:endParaRPr lang="zh-CN" altLang="en-US" dirty="0"/>
           </a:p>
           <a:p>
             <a:pPr lvl="1"/>
@@ -1045,6 +1017,7 @@
               <a:rPr lang="zh-CN" altLang="en-US" dirty="0"/>
               <a:t>第二级</a:t>
             </a:r>
+            <a:endParaRPr lang="zh-CN" altLang="en-US" dirty="0"/>
           </a:p>
           <a:p>
             <a:pPr lvl="2"/>
@@ -1052,6 +1025,7 @@
               <a:rPr lang="zh-CN" altLang="en-US" dirty="0"/>
               <a:t>第三级</a:t>
             </a:r>
+            <a:endParaRPr lang="zh-CN" altLang="en-US" dirty="0"/>
           </a:p>
           <a:p>
             <a:pPr lvl="3"/>
@@ -1059,6 +1033,7 @@
               <a:rPr lang="zh-CN" altLang="en-US" dirty="0"/>
               <a:t>第四级</a:t>
             </a:r>
+            <a:endParaRPr lang="zh-CN" altLang="en-US" dirty="0"/>
           </a:p>
           <a:p>
             <a:pPr lvl="4"/>
@@ -1066,6 +1041,7 @@
               <a:rPr lang="zh-CN" altLang="en-US" dirty="0"/>
               <a:t>第五级</a:t>
             </a:r>
+            <a:endParaRPr lang="zh-CN" altLang="en-US" dirty="0"/>
           </a:p>
         </p:txBody>
       </p:sp>
@@ -1118,6 +1094,7 @@
               <a:rPr lang="zh-CN" altLang="en-US" dirty="0"/>
               <a:t>单击此处编辑母版标题样式</a:t>
             </a:r>
+            <a:endParaRPr lang="zh-CN" altLang="en-US" dirty="0"/>
           </a:p>
         </p:txBody>
       </p:sp>
@@ -1162,6 +1139,7 @@
               <a:rPr lang="zh-CN" altLang="en-US" dirty="0"/>
               <a:t>单击此处编辑母版文本样式</a:t>
             </a:r>
+            <a:endParaRPr lang="zh-CN" altLang="en-US" dirty="0"/>
           </a:p>
           <a:p>
             <a:pPr lvl="1"/>
@@ -1169,6 +1147,7 @@
               <a:rPr lang="zh-CN" altLang="en-US" dirty="0"/>
               <a:t>第二级</a:t>
             </a:r>
+            <a:endParaRPr lang="zh-CN" altLang="en-US" dirty="0"/>
           </a:p>
           <a:p>
             <a:pPr lvl="2"/>
@@ -1176,6 +1155,7 @@
               <a:rPr lang="zh-CN" altLang="en-US" dirty="0"/>
               <a:t>第三级</a:t>
             </a:r>
+            <a:endParaRPr lang="zh-CN" altLang="en-US" dirty="0"/>
           </a:p>
           <a:p>
             <a:pPr lvl="3"/>
@@ -1183,6 +1163,7 @@
               <a:rPr lang="zh-CN" altLang="en-US" dirty="0"/>
               <a:t>第四级</a:t>
             </a:r>
+            <a:endParaRPr lang="zh-CN" altLang="en-US" dirty="0"/>
           </a:p>
           <a:p>
             <a:pPr lvl="4"/>
@@ -1190,6 +1171,7 @@
               <a:rPr lang="zh-CN" altLang="en-US" dirty="0"/>
               <a:t>第五级</a:t>
             </a:r>
+            <a:endParaRPr lang="zh-CN" altLang="en-US" dirty="0"/>
           </a:p>
         </p:txBody>
       </p:sp>
@@ -1215,7 +1197,6 @@
           <a:p>
             <a:fld id="{760FBDFE-C587-4B4C-A407-44438C67B59E}" type="datetimeFigureOut">
               <a:rPr lang="zh-CN" altLang="en-US" smtClean="0"/>
-              <a:t>2019/2/12 Tuesday</a:t>
             </a:fld>
             <a:endParaRPr lang="zh-CN" altLang="en-US" dirty="0"/>
           </a:p>
@@ -1267,7 +1248,6 @@
           <a:p>
             <a:fld id="{49AE70B2-8BF9-45C0-BB95-33D1B9D3A854}" type="slidenum">
               <a:rPr lang="zh-CN" altLang="en-US" smtClean="0"/>
-              <a:t>‹#›</a:t>
             </a:fld>
             <a:endParaRPr lang="zh-CN" altLang="en-US"/>
           </a:p>
@@ -1320,7 +1300,6 @@
           <a:p>
             <a:fld id="{20DD7636-5BE1-44BC-BB5F-15739D9E18E1}" type="datetimeFigureOut">
               <a:rPr lang="zh-CN" altLang="en-US" smtClean="0"/>
-              <a:t>2019/2/12 Tuesday</a:t>
             </a:fld>
             <a:endParaRPr lang="zh-CN" altLang="en-US"/>
           </a:p>
@@ -1372,7 +1351,6 @@
           <a:p>
             <a:fld id="{E87C0E1D-24C4-406F-9615-DBDA8D2D1F93}" type="slidenum">
               <a:rPr lang="zh-CN" altLang="en-US" smtClean="0"/>
-              <a:t>‹#›</a:t>
             </a:fld>
             <a:endParaRPr lang="zh-CN" altLang="en-US"/>
           </a:p>
@@ -1408,6 +1386,7 @@
               <a:rPr lang="zh-CN" altLang="en-US" dirty="0"/>
               <a:t>单击此处编辑标题</a:t>
             </a:r>
+            <a:endParaRPr lang="zh-CN" altLang="en-US" dirty="0"/>
           </a:p>
         </p:txBody>
       </p:sp>
@@ -1460,6 +1439,7 @@
               <a:rPr lang="zh-CN" altLang="en-US"/>
               <a:t>单击此处编辑母版标题样式</a:t>
             </a:r>
+            <a:endParaRPr lang="zh-CN" altLang="en-US"/>
           </a:p>
         </p:txBody>
       </p:sp>
@@ -1488,6 +1468,7 @@
               <a:rPr lang="zh-CN" altLang="en-US" dirty="0"/>
               <a:t>单击此处编辑母版文本样式</a:t>
             </a:r>
+            <a:endParaRPr lang="zh-CN" altLang="en-US" dirty="0"/>
           </a:p>
           <a:p>
             <a:pPr lvl="1"/>
@@ -1495,6 +1476,7 @@
               <a:rPr lang="zh-CN" altLang="en-US" dirty="0"/>
               <a:t>第二级</a:t>
             </a:r>
+            <a:endParaRPr lang="zh-CN" altLang="en-US" dirty="0"/>
           </a:p>
           <a:p>
             <a:pPr lvl="2"/>
@@ -1502,6 +1484,7 @@
               <a:rPr lang="zh-CN" altLang="en-US" dirty="0"/>
               <a:t>第三级</a:t>
             </a:r>
+            <a:endParaRPr lang="zh-CN" altLang="en-US" dirty="0"/>
           </a:p>
           <a:p>
             <a:pPr lvl="3"/>
@@ -1509,6 +1492,7 @@
               <a:rPr lang="zh-CN" altLang="en-US" dirty="0"/>
               <a:t>第四级</a:t>
             </a:r>
+            <a:endParaRPr lang="zh-CN" altLang="en-US" dirty="0"/>
           </a:p>
           <a:p>
             <a:pPr lvl="4"/>
@@ -1516,6 +1500,7 @@
               <a:rPr lang="zh-CN" altLang="en-US" dirty="0"/>
               <a:t>第五级</a:t>
             </a:r>
+            <a:endParaRPr lang="zh-CN" altLang="en-US" dirty="0"/>
           </a:p>
         </p:txBody>
       </p:sp>
@@ -1544,6 +1529,7 @@
               <a:rPr lang="zh-CN" altLang="en-US" dirty="0"/>
               <a:t>单击此处编辑母版文本样式</a:t>
             </a:r>
+            <a:endParaRPr lang="zh-CN" altLang="en-US" dirty="0"/>
           </a:p>
           <a:p>
             <a:pPr lvl="1"/>
@@ -1551,6 +1537,7 @@
               <a:rPr lang="zh-CN" altLang="en-US" dirty="0"/>
               <a:t>第二级</a:t>
             </a:r>
+            <a:endParaRPr lang="zh-CN" altLang="en-US" dirty="0"/>
           </a:p>
           <a:p>
             <a:pPr lvl="2"/>
@@ -1558,6 +1545,7 @@
               <a:rPr lang="zh-CN" altLang="en-US" dirty="0"/>
               <a:t>第三级</a:t>
             </a:r>
+            <a:endParaRPr lang="zh-CN" altLang="en-US" dirty="0"/>
           </a:p>
           <a:p>
             <a:pPr lvl="3"/>
@@ -1565,6 +1553,7 @@
               <a:rPr lang="zh-CN" altLang="en-US" dirty="0"/>
               <a:t>第四级</a:t>
             </a:r>
+            <a:endParaRPr lang="zh-CN" altLang="en-US" dirty="0"/>
           </a:p>
           <a:p>
             <a:pPr lvl="4"/>
@@ -1572,6 +1561,7 @@
               <a:rPr lang="zh-CN" altLang="en-US" dirty="0"/>
               <a:t>第五级</a:t>
             </a:r>
+            <a:endParaRPr lang="zh-CN" altLang="en-US" dirty="0"/>
           </a:p>
         </p:txBody>
       </p:sp>
@@ -1597,7 +1587,6 @@
           <a:p>
             <a:fld id="{760FBDFE-C587-4B4C-A407-44438C67B59E}" type="datetimeFigureOut">
               <a:rPr lang="zh-CN" altLang="en-US" smtClean="0"/>
-              <a:t>2019/2/12 Tuesday</a:t>
             </a:fld>
             <a:endParaRPr lang="zh-CN" altLang="en-US"/>
           </a:p>
@@ -1649,7 +1638,6 @@
           <a:p>
             <a:fld id="{49AE70B2-8BF9-45C0-BB95-33D1B9D3A854}" type="slidenum">
               <a:rPr lang="zh-CN" altLang="en-US" smtClean="0"/>
-              <a:t>‹#›</a:t>
             </a:fld>
             <a:endParaRPr lang="zh-CN" altLang="en-US"/>
           </a:p>
@@ -1704,6 +1692,7 @@
               <a:rPr lang="zh-CN" altLang="en-US"/>
               <a:t>单击此处编辑母版标题样式</a:t>
             </a:r>
+            <a:endParaRPr lang="zh-CN" altLang="en-US"/>
           </a:p>
         </p:txBody>
       </p:sp>
@@ -1769,6 +1758,7 @@
               <a:rPr lang="zh-CN" altLang="en-US" dirty="0"/>
               <a:t>单击此处编辑母版文本样式</a:t>
             </a:r>
+            <a:endParaRPr lang="zh-CN" altLang="en-US" dirty="0"/>
           </a:p>
         </p:txBody>
       </p:sp>
@@ -1797,6 +1787,7 @@
               <a:rPr lang="zh-CN" altLang="en-US" dirty="0"/>
               <a:t>单击此处编辑母版文本样式</a:t>
             </a:r>
+            <a:endParaRPr lang="zh-CN" altLang="en-US" dirty="0"/>
           </a:p>
           <a:p>
             <a:pPr lvl="1"/>
@@ -1804,6 +1795,7 @@
               <a:rPr lang="zh-CN" altLang="en-US" dirty="0"/>
               <a:t>第二级</a:t>
             </a:r>
+            <a:endParaRPr lang="zh-CN" altLang="en-US" dirty="0"/>
           </a:p>
           <a:p>
             <a:pPr lvl="2"/>
@@ -1811,6 +1803,7 @@
               <a:rPr lang="zh-CN" altLang="en-US" dirty="0"/>
               <a:t>第三级</a:t>
             </a:r>
+            <a:endParaRPr lang="zh-CN" altLang="en-US" dirty="0"/>
           </a:p>
           <a:p>
             <a:pPr lvl="3"/>
@@ -1818,6 +1811,7 @@
               <a:rPr lang="zh-CN" altLang="en-US" dirty="0"/>
               <a:t>第四级</a:t>
             </a:r>
+            <a:endParaRPr lang="zh-CN" altLang="en-US" dirty="0"/>
           </a:p>
           <a:p>
             <a:pPr lvl="4"/>
@@ -1825,6 +1819,7 @@
               <a:rPr lang="zh-CN" altLang="en-US" dirty="0"/>
               <a:t>第五级</a:t>
             </a:r>
+            <a:endParaRPr lang="zh-CN" altLang="en-US" dirty="0"/>
           </a:p>
         </p:txBody>
       </p:sp>
@@ -1890,6 +1885,7 @@
               <a:rPr lang="zh-CN" altLang="en-US" dirty="0"/>
               <a:t>单击此处编辑母版文本样式</a:t>
             </a:r>
+            <a:endParaRPr lang="zh-CN" altLang="en-US" dirty="0"/>
           </a:p>
         </p:txBody>
       </p:sp>
@@ -1918,6 +1914,7 @@
               <a:rPr lang="zh-CN" altLang="en-US" dirty="0"/>
               <a:t>单击此处编辑母版文本样式</a:t>
             </a:r>
+            <a:endParaRPr lang="zh-CN" altLang="en-US" dirty="0"/>
           </a:p>
           <a:p>
             <a:pPr lvl="1"/>
@@ -1925,6 +1922,7 @@
               <a:rPr lang="zh-CN" altLang="en-US" dirty="0"/>
               <a:t>第二级</a:t>
             </a:r>
+            <a:endParaRPr lang="zh-CN" altLang="en-US" dirty="0"/>
           </a:p>
           <a:p>
             <a:pPr lvl="2"/>
@@ -1932,6 +1930,7 @@
               <a:rPr lang="zh-CN" altLang="en-US" dirty="0"/>
               <a:t>第三级</a:t>
             </a:r>
+            <a:endParaRPr lang="zh-CN" altLang="en-US" dirty="0"/>
           </a:p>
           <a:p>
             <a:pPr lvl="3"/>
@@ -1939,6 +1938,7 @@
               <a:rPr lang="zh-CN" altLang="en-US" dirty="0"/>
               <a:t>第四级</a:t>
             </a:r>
+            <a:endParaRPr lang="zh-CN" altLang="en-US" dirty="0"/>
           </a:p>
           <a:p>
             <a:pPr lvl="4"/>
@@ -1946,6 +1946,7 @@
               <a:rPr lang="zh-CN" altLang="en-US" dirty="0"/>
               <a:t>第五级</a:t>
             </a:r>
+            <a:endParaRPr lang="zh-CN" altLang="en-US" dirty="0"/>
           </a:p>
         </p:txBody>
       </p:sp>
@@ -1971,7 +1972,6 @@
           <a:p>
             <a:fld id="{760FBDFE-C587-4B4C-A407-44438C67B59E}" type="datetimeFigureOut">
               <a:rPr lang="zh-CN" altLang="en-US" smtClean="0"/>
-              <a:t>2019/2/12 Tuesday</a:t>
             </a:fld>
             <a:endParaRPr lang="zh-CN" altLang="en-US"/>
           </a:p>
@@ -2023,7 +2023,6 @@
           <a:p>
             <a:fld id="{49AE70B2-8BF9-45C0-BB95-33D1B9D3A854}" type="slidenum">
               <a:rPr lang="zh-CN" altLang="en-US" smtClean="0"/>
-              <a:t>‹#›</a:t>
             </a:fld>
             <a:endParaRPr lang="zh-CN" altLang="en-US"/>
           </a:p>
@@ -2088,6 +2087,7 @@
               <a:rPr lang="zh-CN" altLang="en-US" dirty="0"/>
               <a:t>编辑标题</a:t>
             </a:r>
+            <a:endParaRPr lang="zh-CN" altLang="en-US" dirty="0"/>
           </a:p>
         </p:txBody>
       </p:sp>
@@ -2113,7 +2113,6 @@
           <a:p>
             <a:fld id="{20DD7636-5BE1-44BC-BB5F-15739D9E18E1}" type="datetimeFigureOut">
               <a:rPr lang="zh-CN" altLang="en-US" smtClean="0"/>
-              <a:t>2019/2/12 Tuesday</a:t>
             </a:fld>
             <a:endParaRPr lang="zh-CN" altLang="en-US"/>
           </a:p>
@@ -2165,7 +2164,6 @@
           <a:p>
             <a:fld id="{E87C0E1D-24C4-406F-9615-DBDA8D2D1F93}" type="slidenum">
               <a:rPr lang="zh-CN" altLang="en-US" smtClean="0"/>
-              <a:t>‹#›</a:t>
             </a:fld>
             <a:endParaRPr lang="zh-CN" altLang="en-US"/>
           </a:p>
@@ -2207,6 +2205,7 @@
               <a:rPr lang="zh-CN" altLang="en-US" dirty="0"/>
               <a:t>编辑文本</a:t>
             </a:r>
+            <a:endParaRPr lang="zh-CN" altLang="en-US" dirty="0"/>
           </a:p>
         </p:txBody>
       </p:sp>
@@ -2257,7 +2256,6 @@
           <a:p>
             <a:fld id="{760FBDFE-C587-4B4C-A407-44438C67B59E}" type="datetimeFigureOut">
               <a:rPr lang="zh-CN" altLang="en-US" smtClean="0"/>
-              <a:t>2019/2/12 Tuesday</a:t>
             </a:fld>
             <a:endParaRPr lang="zh-CN" altLang="en-US"/>
           </a:p>
@@ -2309,7 +2307,6 @@
           <a:p>
             <a:fld id="{49AE70B2-8BF9-45C0-BB95-33D1B9D3A854}" type="slidenum">
               <a:rPr lang="zh-CN" altLang="en-US" smtClean="0"/>
-              <a:t>‹#›</a:t>
             </a:fld>
             <a:endParaRPr lang="zh-CN" altLang="en-US"/>
           </a:p>
@@ -2370,6 +2367,7 @@
               <a:rPr lang="zh-CN" altLang="en-US" dirty="0"/>
               <a:t>单击此处编辑标题</a:t>
             </a:r>
+            <a:endParaRPr lang="zh-CN" altLang="en-US" dirty="0"/>
           </a:p>
         </p:txBody>
       </p:sp>
@@ -2498,6 +2496,7 @@
               <a:rPr lang="zh-CN" altLang="en-US" dirty="0"/>
               <a:t>单击此处编辑母版文本样式</a:t>
             </a:r>
+            <a:endParaRPr lang="zh-CN" altLang="en-US" dirty="0"/>
           </a:p>
         </p:txBody>
       </p:sp>
@@ -2523,7 +2522,6 @@
           <a:p>
             <a:fld id="{9EFD9D74-47D9-4702-A33C-335B63B48DBF}" type="datetimeFigureOut">
               <a:rPr lang="zh-CN" altLang="en-US" smtClean="0"/>
-              <a:t>2019/2/12 Tuesday</a:t>
             </a:fld>
             <a:endParaRPr lang="zh-CN" altLang="en-US" dirty="0"/>
           </a:p>
@@ -2575,7 +2573,6 @@
           <a:p>
             <a:fld id="{FABC47A4-756D-490B-A52F-7D9E2C9FC05F}" type="slidenum">
               <a:rPr lang="zh-CN" altLang="en-US" smtClean="0"/>
-              <a:t>‹#›</a:t>
             </a:fld>
             <a:endParaRPr lang="zh-CN" altLang="en-US"/>
           </a:p>
@@ -2636,6 +2633,7 @@
               <a:rPr lang="zh-CN" altLang="en-US" dirty="0"/>
               <a:t>单击此处编辑标题</a:t>
             </a:r>
+            <a:endParaRPr lang="zh-CN" altLang="en-US" dirty="0"/>
           </a:p>
         </p:txBody>
       </p:sp>
@@ -2664,6 +2662,7 @@
               <a:rPr lang="zh-CN" altLang="en-US" dirty="0"/>
               <a:t>单击此处编辑母版文本样式</a:t>
             </a:r>
+            <a:endParaRPr lang="zh-CN" altLang="en-US" dirty="0"/>
           </a:p>
           <a:p>
             <a:pPr lvl="1"/>
@@ -2671,6 +2670,7 @@
               <a:rPr lang="zh-CN" altLang="en-US" dirty="0"/>
               <a:t>第二级</a:t>
             </a:r>
+            <a:endParaRPr lang="zh-CN" altLang="en-US" dirty="0"/>
           </a:p>
           <a:p>
             <a:pPr lvl="2"/>
@@ -2678,6 +2678,7 @@
               <a:rPr lang="zh-CN" altLang="en-US" dirty="0"/>
               <a:t>第三级</a:t>
             </a:r>
+            <a:endParaRPr lang="zh-CN" altLang="en-US" dirty="0"/>
           </a:p>
           <a:p>
             <a:pPr lvl="3"/>
@@ -2685,6 +2686,7 @@
               <a:rPr lang="zh-CN" altLang="en-US" dirty="0"/>
               <a:t>第四级</a:t>
             </a:r>
+            <a:endParaRPr lang="zh-CN" altLang="en-US" dirty="0"/>
           </a:p>
           <a:p>
             <a:pPr lvl="4"/>
@@ -2692,6 +2694,7 @@
               <a:rPr lang="zh-CN" altLang="en-US" dirty="0"/>
               <a:t>第五级</a:t>
             </a:r>
+            <a:endParaRPr lang="zh-CN" altLang="en-US" dirty="0"/>
           </a:p>
         </p:txBody>
       </p:sp>
@@ -2717,7 +2720,6 @@
           <a:p>
             <a:fld id="{760FBDFE-C587-4B4C-A407-44438C67B59E}" type="datetimeFigureOut">
               <a:rPr lang="zh-CN" altLang="en-US" smtClean="0"/>
-              <a:t>2019/2/12 Tuesday</a:t>
             </a:fld>
             <a:endParaRPr lang="zh-CN" altLang="en-US"/>
           </a:p>
@@ -2769,7 +2771,6 @@
           <a:p>
             <a:fld id="{49AE70B2-8BF9-45C0-BB95-33D1B9D3A854}" type="slidenum">
               <a:rPr lang="zh-CN" altLang="en-US" smtClean="0"/>
-              <a:t>‹#›</a:t>
             </a:fld>
             <a:endParaRPr lang="zh-CN" altLang="en-US"/>
           </a:p>
@@ -2789,7 +2790,7 @@
     <p:bg>
       <p:bgPr>
         <a:blipFill dpi="0" rotWithShape="1">
-          <a:blip r:embed="rId13">
+          <a:blip r:embed="rId11">
             <a:lum/>
           </a:blip>
           <a:srcRect/>
@@ -3162,7 +3163,7 @@
     <p:bg>
       <p:bgPr>
         <a:blipFill dpi="0" rotWithShape="1">
-          <a:blip r:embed="rId5">
+          <a:blip r:embed="rId1">
             <a:lum/>
           </a:blip>
           <a:srcRect/>
@@ -3225,12 +3226,12 @@
                     </a:srgbClr>
                   </a:outerShdw>
                 </a:effectLst>
-                <a:latin typeface="楷体" pitchFamily="49" charset="-122"/>
-                <a:ea typeface="楷体" pitchFamily="49" charset="-122"/>
+                <a:latin typeface="楷体" panose="02010609060101010101" pitchFamily="49" charset="-122"/>
+                <a:ea typeface="楷体" panose="02010609060101010101" pitchFamily="49" charset="-122"/>
               </a:rPr>
               <a:t>项目三</a:t>
             </a:r>
-            <a:r>
+            <a:br>
               <a:rPr lang="en-US" altLang="zh-CN" sz="6000" b="1" smtClean="0">
                 <a:solidFill>
                   <a:srgbClr val="FEA006"/>
@@ -3242,13 +3243,12 @@
                     </a:srgbClr>
                   </a:outerShdw>
                 </a:effectLst>
-                <a:latin typeface="楷体" pitchFamily="49" charset="-122"/>
-                <a:ea typeface="楷体" pitchFamily="49" charset="-122"/>
-              </a:rPr>
-              <a:t/>
-            </a:r>
-            <a:br>
-              <a:rPr lang="en-US" altLang="zh-CN" sz="6000" b="1" smtClean="0">
+                <a:latin typeface="楷体" panose="02010609060101010101" pitchFamily="49" charset="-122"/>
+                <a:ea typeface="楷体" panose="02010609060101010101" pitchFamily="49" charset="-122"/>
+              </a:rPr>
+            </a:br>
+            <a:r>
+              <a:rPr lang="zh-CN" altLang="en-US" sz="6000" b="1" smtClean="0">
                 <a:solidFill>
                   <a:srgbClr val="FEA006"/>
                 </a:solidFill>
@@ -3259,24 +3259,8 @@
                     </a:srgbClr>
                   </a:outerShdw>
                 </a:effectLst>
-                <a:latin typeface="楷体" pitchFamily="49" charset="-122"/>
-                <a:ea typeface="楷体" pitchFamily="49" charset="-122"/>
-              </a:rPr>
-            </a:br>
-            <a:r>
-              <a:rPr lang="zh-CN" altLang="en-US" sz="6000" b="1" smtClean="0">
-                <a:solidFill>
-                  <a:srgbClr val="FEA006"/>
-                </a:solidFill>
-                <a:effectLst>
-                  <a:outerShdw blurRad="38100" dist="38100" dir="2700000" algn="tl">
-                    <a:srgbClr val="000000">
-                      <a:alpha val="43137"/>
-                    </a:srgbClr>
-                  </a:outerShdw>
-                </a:effectLst>
-                <a:latin typeface="楷体" pitchFamily="49" charset="-122"/>
-                <a:ea typeface="楷体" pitchFamily="49" charset="-122"/>
+                <a:latin typeface="楷体" panose="02010609060101010101" pitchFamily="49" charset="-122"/>
+                <a:ea typeface="楷体" panose="02010609060101010101" pitchFamily="49" charset="-122"/>
               </a:rPr>
               <a:t>开发团队调度软件</a:t>
             </a:r>
@@ -3291,8 +3275,8 @@
                   </a:srgbClr>
                 </a:outerShdw>
               </a:effectLst>
-              <a:latin typeface="楷体" pitchFamily="49" charset="-122"/>
-              <a:ea typeface="楷体" pitchFamily="49" charset="-122"/>
+              <a:latin typeface="楷体" panose="02010609060101010101" pitchFamily="49" charset="-122"/>
+              <a:ea typeface="楷体" panose="02010609060101010101" pitchFamily="49" charset="-122"/>
             </a:endParaRPr>
           </a:p>
         </p:txBody>
@@ -3325,8 +3309,8 @@
                 <a:solidFill>
                   <a:srgbClr val="00AF92"/>
                 </a:solidFill>
-                <a:latin typeface="楷体" pitchFamily="49" charset="-122"/>
-                <a:ea typeface="楷体" pitchFamily="49" charset="-122"/>
+                <a:latin typeface="楷体" panose="02010609060101010101" pitchFamily="49" charset="-122"/>
+                <a:ea typeface="楷体" panose="02010609060101010101" pitchFamily="49" charset="-122"/>
               </a:rPr>
               <a:t>讲师：宋红康   </a:t>
             </a:r>
@@ -3334,8 +3318,8 @@
               <a:solidFill>
                 <a:srgbClr val="00AF92"/>
               </a:solidFill>
-              <a:latin typeface="楷体" pitchFamily="49" charset="-122"/>
-              <a:ea typeface="楷体" pitchFamily="49" charset="-122"/>
+              <a:latin typeface="楷体" panose="02010609060101010101" pitchFamily="49" charset="-122"/>
+              <a:ea typeface="楷体" panose="02010609060101010101" pitchFamily="49" charset="-122"/>
             </a:endParaRPr>
           </a:p>
           <a:p>
@@ -3345,8 +3329,8 @@
                 <a:solidFill>
                   <a:srgbClr val="00AF92"/>
                 </a:solidFill>
-                <a:latin typeface="楷体" pitchFamily="49" charset="-122"/>
-                <a:ea typeface="楷体" pitchFamily="49" charset="-122"/>
+                <a:latin typeface="楷体" panose="02010609060101010101" pitchFamily="49" charset="-122"/>
+                <a:ea typeface="楷体" panose="02010609060101010101" pitchFamily="49" charset="-122"/>
               </a:rPr>
               <a:t>新浪微博：</a:t>
             </a:r>
@@ -3355,8 +3339,8 @@
                 <a:solidFill>
                   <a:srgbClr val="00AF92"/>
                 </a:solidFill>
-                <a:latin typeface="楷体" pitchFamily="49" charset="-122"/>
-                <a:ea typeface="楷体" pitchFamily="49" charset="-122"/>
+                <a:latin typeface="楷体" panose="02010609060101010101" pitchFamily="49" charset="-122"/>
+                <a:ea typeface="楷体" panose="02010609060101010101" pitchFamily="49" charset="-122"/>
               </a:rPr>
               <a:t>尚</a:t>
             </a:r>
@@ -3365,8 +3349,8 @@
                 <a:solidFill>
                   <a:srgbClr val="00AF92"/>
                 </a:solidFill>
-                <a:latin typeface="楷体" pitchFamily="49" charset="-122"/>
-                <a:ea typeface="楷体" pitchFamily="49" charset="-122"/>
+                <a:latin typeface="楷体" panose="02010609060101010101" pitchFamily="49" charset="-122"/>
+                <a:ea typeface="楷体" panose="02010609060101010101" pitchFamily="49" charset="-122"/>
               </a:rPr>
               <a:t>硅谷</a:t>
             </a:r>
@@ -3375,8 +3359,8 @@
                 <a:solidFill>
                   <a:srgbClr val="00AF92"/>
                 </a:solidFill>
-                <a:latin typeface="楷体" pitchFamily="49" charset="-122"/>
-                <a:ea typeface="楷体" pitchFamily="49" charset="-122"/>
+                <a:latin typeface="楷体" panose="02010609060101010101" pitchFamily="49" charset="-122"/>
+                <a:ea typeface="楷体" panose="02010609060101010101" pitchFamily="49" charset="-122"/>
               </a:rPr>
               <a:t>-</a:t>
             </a:r>
@@ -3385,8 +3369,8 @@
                 <a:solidFill>
                   <a:srgbClr val="00AF92"/>
                 </a:solidFill>
-                <a:latin typeface="楷体" pitchFamily="49" charset="-122"/>
-                <a:ea typeface="楷体" pitchFamily="49" charset="-122"/>
+                <a:latin typeface="楷体" panose="02010609060101010101" pitchFamily="49" charset="-122"/>
+                <a:ea typeface="楷体" panose="02010609060101010101" pitchFamily="49" charset="-122"/>
               </a:rPr>
               <a:t>宋红康</a:t>
             </a:r>
@@ -3394,8 +3378,8 @@
               <a:solidFill>
                 <a:srgbClr val="00AF92"/>
               </a:solidFill>
-              <a:latin typeface="楷体" pitchFamily="49" charset="-122"/>
-              <a:ea typeface="楷体" pitchFamily="49" charset="-122"/>
+              <a:latin typeface="楷体" panose="02010609060101010101" pitchFamily="49" charset="-122"/>
+              <a:ea typeface="楷体" panose="02010609060101010101" pitchFamily="49" charset="-122"/>
             </a:endParaRPr>
           </a:p>
         </p:txBody>
@@ -3455,19 +3439,19 @@
             </a:pPr>
             <a:r>
               <a:rPr lang="en-US" altLang="zh-CN" dirty="0" err="1" smtClean="0">
-                <a:ea typeface="宋体" pitchFamily="2" charset="-122"/>
+                <a:ea typeface="宋体" panose="02010600030101010101" pitchFamily="2" charset="-122"/>
               </a:rPr>
               <a:t>com.atguigu.team.domain</a:t>
             </a:r>
             <a:r>
               <a:rPr lang="zh-CN" altLang="en-US" dirty="0" smtClean="0">
-                <a:ea typeface="宋体" pitchFamily="2" charset="-122"/>
+                <a:ea typeface="宋体" panose="02010600030101010101" pitchFamily="2" charset="-122"/>
               </a:rPr>
               <a:t>模块中包含了所有实体类：</a:t>
             </a:r>
             <a:endParaRPr lang="en-US" altLang="zh-CN" dirty="0" smtClean="0">
               <a:latin typeface="+mj-lt"/>
-              <a:ea typeface="宋体" pitchFamily="2" charset="-122"/>
+              <a:ea typeface="宋体" panose="02010600030101010101" pitchFamily="2" charset="-122"/>
             </a:endParaRPr>
           </a:p>
           <a:p>
@@ -3476,7 +3460,7 @@
             </a:pPr>
             <a:endParaRPr lang="en-US" altLang="zh-CN" dirty="0" smtClean="0">
               <a:latin typeface="+mj-lt"/>
-              <a:ea typeface="宋体" pitchFamily="2" charset="-122"/>
+              <a:ea typeface="宋体" panose="02010600030101010101" pitchFamily="2" charset="-122"/>
             </a:endParaRPr>
           </a:p>
           <a:p>
@@ -3485,7 +3469,7 @@
             </a:pPr>
             <a:endParaRPr lang="en-US" altLang="zh-CN" dirty="0" smtClean="0">
               <a:latin typeface="+mj-lt"/>
-              <a:ea typeface="宋体" pitchFamily="2" charset="-122"/>
+              <a:ea typeface="宋体" panose="02010600030101010101" pitchFamily="2" charset="-122"/>
             </a:endParaRPr>
           </a:p>
           <a:p>
@@ -3494,7 +3478,7 @@
             </a:pPr>
             <a:endParaRPr lang="en-US" altLang="zh-CN" dirty="0" smtClean="0">
               <a:latin typeface="+mj-lt"/>
-              <a:ea typeface="宋体" pitchFamily="2" charset="-122"/>
+              <a:ea typeface="宋体" panose="02010600030101010101" pitchFamily="2" charset="-122"/>
             </a:endParaRPr>
           </a:p>
           <a:p>
@@ -3503,7 +3487,7 @@
             </a:pPr>
             <a:endParaRPr lang="en-US" altLang="zh-CN" dirty="0" smtClean="0">
               <a:latin typeface="+mj-lt"/>
-              <a:ea typeface="宋体" pitchFamily="2" charset="-122"/>
+              <a:ea typeface="宋体" panose="02010600030101010101" pitchFamily="2" charset="-122"/>
             </a:endParaRPr>
           </a:p>
           <a:p>
@@ -3512,7 +3496,7 @@
             </a:pPr>
             <a:endParaRPr lang="en-US" altLang="zh-CN" dirty="0" smtClean="0">
               <a:latin typeface="+mj-lt"/>
-              <a:ea typeface="宋体" pitchFamily="2" charset="-122"/>
+              <a:ea typeface="宋体" panose="02010600030101010101" pitchFamily="2" charset="-122"/>
             </a:endParaRPr>
           </a:p>
           <a:p>
@@ -3521,7 +3505,7 @@
             </a:pPr>
             <a:endParaRPr lang="en-US" altLang="zh-CN" dirty="0" smtClean="0">
               <a:latin typeface="+mj-lt"/>
-              <a:ea typeface="宋体" pitchFamily="2" charset="-122"/>
+              <a:ea typeface="宋体" panose="02010600030101010101" pitchFamily="2" charset="-122"/>
             </a:endParaRPr>
           </a:p>
           <a:p>
@@ -3530,7 +3514,7 @@
             </a:pPr>
             <a:endParaRPr lang="en-US" altLang="zh-CN" dirty="0" smtClean="0">
               <a:latin typeface="+mj-lt"/>
-              <a:ea typeface="宋体" pitchFamily="2" charset="-122"/>
+              <a:ea typeface="宋体" panose="02010600030101010101" pitchFamily="2" charset="-122"/>
             </a:endParaRPr>
           </a:p>
           <a:p>
@@ -3539,7 +3523,7 @@
             </a:pPr>
             <a:endParaRPr lang="en-US" altLang="zh-CN" dirty="0" smtClean="0">
               <a:latin typeface="+mj-lt"/>
-              <a:ea typeface="宋体" pitchFamily="2" charset="-122"/>
+              <a:ea typeface="宋体" panose="02010600030101010101" pitchFamily="2" charset="-122"/>
             </a:endParaRPr>
           </a:p>
           <a:p>
@@ -3548,7 +3532,7 @@
             </a:pPr>
             <a:endParaRPr lang="en-US" altLang="zh-CN" dirty="0" smtClean="0">
               <a:latin typeface="+mj-lt"/>
-              <a:ea typeface="宋体" pitchFamily="2" charset="-122"/>
+              <a:ea typeface="宋体" panose="02010600030101010101" pitchFamily="2" charset="-122"/>
             </a:endParaRPr>
           </a:p>
           <a:p>
@@ -3558,41 +3542,41 @@
             <a:r>
               <a:rPr lang="zh-CN" altLang="en-US" dirty="0" smtClean="0">
                 <a:latin typeface="+mj-lt"/>
-                <a:ea typeface="宋体" pitchFamily="2" charset="-122"/>
+                <a:ea typeface="宋体" panose="02010600030101010101" pitchFamily="2" charset="-122"/>
               </a:rPr>
               <a:t>其中程序员</a:t>
             </a:r>
             <a:r>
               <a:rPr lang="en-US" altLang="zh-CN" dirty="0" smtClean="0">
                 <a:latin typeface="+mj-lt"/>
-                <a:ea typeface="宋体" pitchFamily="2" charset="-122"/>
+                <a:ea typeface="宋体" panose="02010600030101010101" pitchFamily="2" charset="-122"/>
               </a:rPr>
               <a:t>(Programmer)</a:t>
             </a:r>
             <a:r>
               <a:rPr lang="zh-CN" altLang="en-US" dirty="0" smtClean="0">
                 <a:latin typeface="+mj-lt"/>
-                <a:ea typeface="宋体" pitchFamily="2" charset="-122"/>
+                <a:ea typeface="宋体" panose="02010600030101010101" pitchFamily="2" charset="-122"/>
               </a:rPr>
               <a:t>及其子类，均会领用某种电子设备</a:t>
             </a:r>
             <a:r>
               <a:rPr lang="en-US" altLang="zh-CN" dirty="0" smtClean="0">
                 <a:latin typeface="+mj-lt"/>
-                <a:ea typeface="宋体" pitchFamily="2" charset="-122"/>
+                <a:ea typeface="宋体" panose="02010600030101010101" pitchFamily="2" charset="-122"/>
               </a:rPr>
               <a:t>(Equipment)</a:t>
             </a:r>
             <a:r>
               <a:rPr lang="zh-CN" altLang="en-US" dirty="0" smtClean="0">
                 <a:latin typeface="+mj-lt"/>
-                <a:ea typeface="宋体" pitchFamily="2" charset="-122"/>
+                <a:ea typeface="宋体" panose="02010600030101010101" pitchFamily="2" charset="-122"/>
               </a:rPr>
               <a:t>。</a:t>
             </a:r>
             <a:endParaRPr lang="en-US" altLang="zh-CN" dirty="0" smtClean="0">
               <a:latin typeface="+mj-lt"/>
-              <a:ea typeface="宋体" pitchFamily="2" charset="-122"/>
+              <a:ea typeface="宋体" panose="02010600030101010101" pitchFamily="2" charset="-122"/>
             </a:endParaRPr>
           </a:p>
         </p:txBody>
@@ -3642,6 +3626,7 @@
               <a:rPr lang="en-US" altLang="zh-CN" sz="1200" dirty="0"/>
               <a:t>Employee</a:t>
             </a:r>
+            <a:endParaRPr lang="en-US" altLang="zh-CN" sz="1200" dirty="0"/>
           </a:p>
           <a:p>
             <a:endParaRPr lang="zh-CN" altLang="en-US" sz="750" dirty="0"/>
@@ -3690,12 +3675,14 @@
               <a:rPr lang="en-US" altLang="zh-CN" sz="975" dirty="0"/>
               <a:t>&lt;&lt;interface&gt;&gt;</a:t>
             </a:r>
+            <a:endParaRPr lang="en-US" altLang="zh-CN" sz="975" dirty="0"/>
           </a:p>
           <a:p>
             <a:r>
               <a:rPr lang="en-US" altLang="zh-CN" sz="1200" dirty="0"/>
               <a:t>Equipment</a:t>
             </a:r>
+            <a:endParaRPr lang="en-US" altLang="zh-CN" sz="1200" dirty="0"/>
           </a:p>
           <a:p>
             <a:endParaRPr lang="zh-CN" altLang="en-US" sz="750" dirty="0"/>
@@ -3778,6 +3765,7 @@
               <a:rPr lang="en-US" altLang="zh-CN" sz="1200" dirty="0"/>
               <a:t>Programmer</a:t>
             </a:r>
+            <a:endParaRPr lang="en-US" altLang="zh-CN" sz="1200" dirty="0"/>
           </a:p>
           <a:p>
             <a:endParaRPr lang="zh-CN" altLang="en-US" sz="750" dirty="0"/>
@@ -3829,6 +3817,7 @@
               <a:rPr lang="en-US" altLang="zh-CN" sz="1200" dirty="0"/>
               <a:t>Designer</a:t>
             </a:r>
+            <a:endParaRPr lang="en-US" altLang="zh-CN" sz="1200" dirty="0"/>
           </a:p>
           <a:p>
             <a:endParaRPr lang="zh-CN" altLang="en-US" sz="750" dirty="0"/>
@@ -3880,6 +3869,7 @@
               <a:rPr lang="en-US" altLang="zh-CN" sz="1200" dirty="0"/>
               <a:t>Architect</a:t>
             </a:r>
+            <a:endParaRPr lang="en-US" altLang="zh-CN" sz="1200" dirty="0"/>
           </a:p>
           <a:p>
             <a:endParaRPr lang="zh-CN" altLang="en-US" sz="750" dirty="0"/>
@@ -3931,6 +3921,7 @@
               <a:rPr lang="en-US" altLang="zh-CN" sz="1200" dirty="0"/>
               <a:t>Printer</a:t>
             </a:r>
+            <a:endParaRPr lang="en-US" altLang="zh-CN" sz="1200" dirty="0"/>
           </a:p>
           <a:p>
             <a:endParaRPr lang="zh-CN" altLang="en-US" sz="750" dirty="0"/>
@@ -4070,11 +4061,7 @@
           <a:effectLst/>
         </p:spPr>
         <p:txBody>
-          <a:bodyPr vert="horz" wrap="square" lIns="68580" tIns="34290" rIns="68580" bIns="34290" numCol="1" rtlCol="0" anchor="t" anchorCtr="0" compatLnSpc="1">
-            <a:prstTxWarp prst="textNoShape">
-              <a:avLst/>
-            </a:prstTxWarp>
-          </a:bodyPr>
+          <a:bodyPr vert="horz" wrap="square" lIns="68580" tIns="34290" rIns="68580" bIns="34290" numCol="1" rtlCol="0" anchor="t" anchorCtr="0" compatLnSpc="1"/>
           <a:lstStyle/>
           <a:p>
             <a:pPr algn="ctr" defTabSz="685800" fontAlgn="base" latinLnBrk="1">
@@ -4086,9 +4073,9 @@
               </a:spcAft>
             </a:pPr>
             <a:endParaRPr kumimoji="1" lang="zh-CN" altLang="en-US" sz="1350">
-              <a:latin typeface="굴림" pitchFamily="34" charset="-127"/>
-              <a:ea typeface="굴림" pitchFamily="34" charset="-127"/>
-              <a:cs typeface="Times New Roman" pitchFamily="18" charset="0"/>
+              <a:latin typeface="Gulim" panose="020B0600000101010101" pitchFamily="34" charset="-127"/>
+              <a:ea typeface="Gulim" panose="020B0600000101010101" pitchFamily="34" charset="-127"/>
+              <a:cs typeface="Times New Roman" panose="02020603050405020304" pitchFamily="18" charset="0"/>
             </a:endParaRPr>
           </a:p>
         </p:txBody>
@@ -4153,11 +4140,7 @@
           <a:effectLst/>
         </p:spPr>
         <p:txBody>
-          <a:bodyPr vert="horz" wrap="square" lIns="68580" tIns="34290" rIns="68580" bIns="34290" numCol="1" rtlCol="0" anchor="t" anchorCtr="0" compatLnSpc="1">
-            <a:prstTxWarp prst="textNoShape">
-              <a:avLst/>
-            </a:prstTxWarp>
-          </a:bodyPr>
+          <a:bodyPr vert="horz" wrap="square" lIns="68580" tIns="34290" rIns="68580" bIns="34290" numCol="1" rtlCol="0" anchor="t" anchorCtr="0" compatLnSpc="1"/>
           <a:lstStyle/>
           <a:p>
             <a:pPr algn="ctr" defTabSz="685800" fontAlgn="base" latinLnBrk="1">
@@ -4169,9 +4152,9 @@
               </a:spcAft>
             </a:pPr>
             <a:endParaRPr kumimoji="1" lang="zh-CN" altLang="en-US" sz="1350">
-              <a:latin typeface="굴림" pitchFamily="34" charset="-127"/>
-              <a:ea typeface="굴림" pitchFamily="34" charset="-127"/>
-              <a:cs typeface="Times New Roman" pitchFamily="18" charset="0"/>
+              <a:latin typeface="Gulim" panose="020B0600000101010101" pitchFamily="34" charset="-127"/>
+              <a:ea typeface="Gulim" panose="020B0600000101010101" pitchFamily="34" charset="-127"/>
+              <a:cs typeface="Times New Roman" panose="02020603050405020304" pitchFamily="18" charset="0"/>
             </a:endParaRPr>
           </a:p>
         </p:txBody>
@@ -4237,11 +4220,7 @@
           <a:effectLst/>
         </p:spPr>
         <p:txBody>
-          <a:bodyPr vert="horz" wrap="square" lIns="68580" tIns="34290" rIns="68580" bIns="34290" numCol="1" rtlCol="0" anchor="t" anchorCtr="0" compatLnSpc="1">
-            <a:prstTxWarp prst="textNoShape">
-              <a:avLst/>
-            </a:prstTxWarp>
-          </a:bodyPr>
+          <a:bodyPr vert="horz" wrap="square" lIns="68580" tIns="34290" rIns="68580" bIns="34290" numCol="1" rtlCol="0" anchor="t" anchorCtr="0" compatLnSpc="1"/>
           <a:lstStyle/>
           <a:p>
             <a:pPr algn="ctr" defTabSz="685800" fontAlgn="base" latinLnBrk="1">
@@ -4253,9 +4232,9 @@
               </a:spcAft>
             </a:pPr>
             <a:endParaRPr kumimoji="1" lang="zh-CN" altLang="en-US" sz="1350">
-              <a:latin typeface="굴림" pitchFamily="34" charset="-127"/>
-              <a:ea typeface="굴림" pitchFamily="34" charset="-127"/>
-              <a:cs typeface="Times New Roman" pitchFamily="18" charset="0"/>
+              <a:latin typeface="Gulim" panose="020B0600000101010101" pitchFamily="34" charset="-127"/>
+              <a:ea typeface="Gulim" panose="020B0600000101010101" pitchFamily="34" charset="-127"/>
+              <a:cs typeface="Times New Roman" panose="02020603050405020304" pitchFamily="18" charset="0"/>
             </a:endParaRPr>
           </a:p>
         </p:txBody>
@@ -4320,11 +4299,7 @@
           <a:effectLst/>
         </p:spPr>
         <p:txBody>
-          <a:bodyPr vert="horz" wrap="square" lIns="68580" tIns="34290" rIns="68580" bIns="34290" numCol="1" rtlCol="0" anchor="t" anchorCtr="0" compatLnSpc="1">
-            <a:prstTxWarp prst="textNoShape">
-              <a:avLst/>
-            </a:prstTxWarp>
-          </a:bodyPr>
+          <a:bodyPr vert="horz" wrap="square" lIns="68580" tIns="34290" rIns="68580" bIns="34290" numCol="1" rtlCol="0" anchor="t" anchorCtr="0" compatLnSpc="1"/>
           <a:lstStyle/>
           <a:p>
             <a:pPr algn="ctr" defTabSz="685800" fontAlgn="base" latinLnBrk="1">
@@ -4336,9 +4311,9 @@
               </a:spcAft>
             </a:pPr>
             <a:endParaRPr kumimoji="1" lang="zh-CN" altLang="en-US" sz="1350">
-              <a:latin typeface="굴림" pitchFamily="34" charset="-127"/>
-              <a:ea typeface="굴림" pitchFamily="34" charset="-127"/>
-              <a:cs typeface="Times New Roman" pitchFamily="18" charset="0"/>
+              <a:latin typeface="Gulim" panose="020B0600000101010101" pitchFamily="34" charset="-127"/>
+              <a:ea typeface="Gulim" panose="020B0600000101010101" pitchFamily="34" charset="-127"/>
+              <a:cs typeface="Times New Roman" panose="02020603050405020304" pitchFamily="18" charset="0"/>
             </a:endParaRPr>
           </a:p>
         </p:txBody>
@@ -4490,6 +4465,10 @@
               </a:rPr>
               <a:t>包含属性：</a:t>
             </a:r>
+            <a:endParaRPr lang="zh-CN" altLang="en-US" sz="1350">
+              <a:latin typeface="宋体" panose="02010600030101010101" pitchFamily="2" charset="-122"/>
+              <a:ea typeface="宋体" panose="02010600030101010101" pitchFamily="2" charset="-122"/>
+            </a:endParaRPr>
           </a:p>
         </p:txBody>
       </p:sp>
@@ -4518,24 +4497,19 @@
             <a:pPr algn="ctr"/>
             <a:r>
               <a:rPr lang="zh-CN" altLang="en-US" sz="2400" b="1" dirty="0">
-                <a:ea typeface="宋体" charset="-122"/>
+                <a:ea typeface="宋体" panose="02010600030101010101" pitchFamily="2" charset="-122"/>
               </a:rPr>
               <a:t>软件设计结构</a:t>
             </a:r>
             <a:endParaRPr lang="zh-CN" altLang="en-US" sz="2400" b="1" dirty="0">
-              <a:latin typeface="Times New Roman" pitchFamily="18" charset="0"/>
+              <a:latin typeface="Times New Roman" panose="02020603050405020304" pitchFamily="18" charset="0"/>
               <a:ea typeface="新宋体" panose="02010609030101010101" pitchFamily="49" charset="-122"/>
-              <a:cs typeface="Times New Roman" pitchFamily="18" charset="0"/>
+              <a:cs typeface="Times New Roman" panose="02020603050405020304" pitchFamily="18" charset="0"/>
             </a:endParaRPr>
           </a:p>
         </p:txBody>
       </p:sp>
     </p:spTree>
-    <p:extLst>
-      <p:ext uri="{BB962C8B-B14F-4D97-AF65-F5344CB8AC3E}">
-        <p14:creationId xmlns:p14="http://schemas.microsoft.com/office/powerpoint/2010/main" val="2292875101"/>
-      </p:ext>
-    </p:extLst>
   </p:cSld>
   <p:clrMapOvr>
     <a:masterClrMapping/>
@@ -4593,8 +4567,8 @@
                 <a:solidFill>
                   <a:srgbClr val="000000"/>
                 </a:solidFill>
-                <a:latin typeface="Times New Roman"/>
-                <a:ea typeface="宋体" charset="-122"/>
+                <a:latin typeface="Times New Roman" panose="02020603050405020304"/>
+                <a:ea typeface="宋体" panose="02010600030101010101" pitchFamily="2" charset="-122"/>
               </a:rPr>
               <a:t>第</a:t>
             </a:r>
@@ -4603,8 +4577,8 @@
                 <a:solidFill>
                   <a:srgbClr val="000000"/>
                 </a:solidFill>
-                <a:latin typeface="Times New Roman"/>
-                <a:ea typeface="宋体" charset="-122"/>
+                <a:latin typeface="Times New Roman" panose="02020603050405020304"/>
+                <a:ea typeface="宋体" panose="02010600030101010101" pitchFamily="2" charset="-122"/>
               </a:rPr>
               <a:t>1</a:t>
             </a:r>
@@ -4613,8 +4587,8 @@
                 <a:solidFill>
                   <a:srgbClr val="000000"/>
                 </a:solidFill>
-                <a:latin typeface="Times New Roman"/>
-                <a:ea typeface="宋体" charset="-122"/>
+                <a:latin typeface="Times New Roman" panose="02020603050405020304"/>
+                <a:ea typeface="宋体" panose="02010600030101010101" pitchFamily="2" charset="-122"/>
               </a:rPr>
               <a:t>步 </a:t>
             </a:r>
@@ -4623,8 +4597,8 @@
                 <a:solidFill>
                   <a:srgbClr val="000000"/>
                 </a:solidFill>
-                <a:latin typeface="Times New Roman"/>
-                <a:ea typeface="宋体" charset="-122"/>
+                <a:latin typeface="Times New Roman" panose="02020603050405020304"/>
+                <a:ea typeface="宋体" panose="02010600030101010101" pitchFamily="2" charset="-122"/>
               </a:rPr>
               <a:t>— </a:t>
             </a:r>
@@ -4633,8 +4607,8 @@
                 <a:solidFill>
                   <a:srgbClr val="000000"/>
                 </a:solidFill>
-                <a:latin typeface="Times New Roman"/>
-                <a:ea typeface="宋体" charset="-122"/>
+                <a:latin typeface="Times New Roman" panose="02020603050405020304"/>
+                <a:ea typeface="宋体" panose="02010600030101010101" pitchFamily="2" charset="-122"/>
               </a:rPr>
               <a:t>创建项目基本组件</a:t>
             </a:r>
@@ -4673,28 +4647,28 @@
             </a:pPr>
             <a:r>
               <a:rPr lang="en-US" altLang="zh-CN" smtClean="0">
-                <a:ea typeface="宋体" pitchFamily="2" charset="-122"/>
+                <a:ea typeface="宋体" panose="02010600030101010101" pitchFamily="2" charset="-122"/>
               </a:rPr>
               <a:t>1. </a:t>
             </a:r>
             <a:r>
               <a:rPr lang="zh-CN" altLang="en-US" smtClean="0">
-                <a:ea typeface="宋体" pitchFamily="2" charset="-122"/>
+                <a:ea typeface="宋体" panose="02010600030101010101" pitchFamily="2" charset="-122"/>
               </a:rPr>
               <a:t>完成</a:t>
             </a:r>
             <a:r>
               <a:rPr lang="zh-CN" altLang="en-US" dirty="0" smtClean="0">
-                <a:ea typeface="宋体" pitchFamily="2" charset="-122"/>
+                <a:ea typeface="宋体" panose="02010600030101010101" pitchFamily="2" charset="-122"/>
               </a:rPr>
               <a:t>以下工作：</a:t>
             </a:r>
             <a:endParaRPr lang="en-US" altLang="zh-CN" dirty="0" smtClean="0">
-              <a:ea typeface="宋体" pitchFamily="2" charset="-122"/>
-            </a:endParaRPr>
-          </a:p>
-          <a:p>
-            <a:pPr marL="600075" lvl="1" indent="-265510">
+              <a:ea typeface="宋体" panose="02010600030101010101" pitchFamily="2" charset="-122"/>
+            </a:endParaRPr>
+          </a:p>
+          <a:p>
+            <a:pPr marL="600075" lvl="1" indent="-265430">
               <a:lnSpc>
                 <a:spcPct val="100000"/>
               </a:lnSpc>
@@ -4704,28 +4678,28 @@
             </a:pPr>
             <a:r>
               <a:rPr lang="zh-CN" altLang="en-US" dirty="0" smtClean="0">
-                <a:ea typeface="宋体" pitchFamily="2" charset="-122"/>
+                <a:ea typeface="宋体" panose="02010600030101010101" pitchFamily="2" charset="-122"/>
               </a:rPr>
               <a:t>创建</a:t>
             </a:r>
             <a:r>
               <a:rPr lang="en-US" altLang="zh-CN" dirty="0" err="1" smtClean="0">
-                <a:ea typeface="宋体" pitchFamily="2" charset="-122"/>
+                <a:ea typeface="宋体" panose="02010600030101010101" pitchFamily="2" charset="-122"/>
               </a:rPr>
               <a:t>TeamSchedule</a:t>
             </a:r>
             <a:r>
               <a:rPr lang="zh-CN" altLang="en-US" dirty="0" smtClean="0">
-                <a:ea typeface="宋体" pitchFamily="2" charset="-122"/>
+                <a:ea typeface="宋体" panose="02010600030101010101" pitchFamily="2" charset="-122"/>
               </a:rPr>
               <a:t>项目</a:t>
             </a:r>
             <a:endParaRPr lang="en-US" altLang="zh-CN" dirty="0" smtClean="0">
-              <a:ea typeface="宋体" pitchFamily="2" charset="-122"/>
-            </a:endParaRPr>
-          </a:p>
-          <a:p>
-            <a:pPr marL="600075" lvl="1" indent="-265510">
+              <a:ea typeface="宋体" panose="02010600030101010101" pitchFamily="2" charset="-122"/>
+            </a:endParaRPr>
+          </a:p>
+          <a:p>
+            <a:pPr marL="600075" lvl="1" indent="-265430">
               <a:lnSpc>
                 <a:spcPct val="100000"/>
               </a:lnSpc>
@@ -4735,16 +4709,16 @@
             </a:pPr>
             <a:r>
               <a:rPr lang="zh-CN" altLang="en-US" dirty="0" smtClean="0">
-                <a:ea typeface="宋体" pitchFamily="2" charset="-122"/>
+                <a:ea typeface="宋体" panose="02010600030101010101" pitchFamily="2" charset="-122"/>
               </a:rPr>
               <a:t>按照设计要求，创建所有包</a:t>
             </a:r>
             <a:endParaRPr lang="en-US" altLang="zh-CN" dirty="0" smtClean="0">
-              <a:ea typeface="宋体" pitchFamily="2" charset="-122"/>
-            </a:endParaRPr>
-          </a:p>
-          <a:p>
-            <a:pPr marL="600075" lvl="1" indent="-265510">
+              <a:ea typeface="宋体" panose="02010600030101010101" pitchFamily="2" charset="-122"/>
+            </a:endParaRPr>
+          </a:p>
+          <a:p>
+            <a:pPr marL="600075" lvl="1" indent="-265430">
               <a:lnSpc>
                 <a:spcPct val="100000"/>
               </a:lnSpc>
@@ -4754,16 +4728,16 @@
             </a:pPr>
             <a:r>
               <a:rPr lang="zh-CN" altLang="en-US">
-                <a:ea typeface="宋体" pitchFamily="2" charset="-122"/>
+                <a:ea typeface="宋体" panose="02010600030101010101" pitchFamily="2" charset="-122"/>
               </a:rPr>
               <a:t>将项目提供的几个类复制到相应的包中</a:t>
             </a:r>
             <a:endParaRPr lang="en-US" altLang="zh-CN">
-              <a:ea typeface="宋体" pitchFamily="2" charset="-122"/>
-            </a:endParaRPr>
-          </a:p>
-          <a:p>
-            <a:pPr marL="334565" lvl="1" indent="0">
+              <a:ea typeface="宋体" panose="02010600030101010101" pitchFamily="2" charset="-122"/>
+            </a:endParaRPr>
+          </a:p>
+          <a:p>
+            <a:pPr marL="334645" lvl="1" indent="0">
               <a:lnSpc>
                 <a:spcPct val="100000"/>
               </a:lnSpc>
@@ -4772,7 +4746,7 @@
             </a:pPr>
             <a:r>
               <a:rPr lang="en-US" altLang="zh-CN">
-                <a:ea typeface="宋体" pitchFamily="2" charset="-122"/>
+                <a:ea typeface="宋体" panose="02010600030101010101" pitchFamily="2" charset="-122"/>
               </a:rPr>
               <a:t>	</a:t>
             </a:r>
@@ -4781,7 +4755,7 @@
                 <a:solidFill>
                   <a:srgbClr val="0000FF"/>
                 </a:solidFill>
-                <a:ea typeface="宋体" pitchFamily="2" charset="-122"/>
+                <a:ea typeface="宋体" panose="02010600030101010101" pitchFamily="2" charset="-122"/>
               </a:rPr>
               <a:t>(view</a:t>
             </a:r>
@@ -4790,7 +4764,7 @@
                 <a:solidFill>
                   <a:srgbClr val="0000FF"/>
                 </a:solidFill>
-                <a:ea typeface="宋体" pitchFamily="2" charset="-122"/>
+                <a:ea typeface="宋体" panose="02010600030101010101" pitchFamily="2" charset="-122"/>
               </a:rPr>
               <a:t>包中：</a:t>
             </a:r>
@@ -4799,7 +4773,7 @@
                 <a:solidFill>
                   <a:srgbClr val="0000FF"/>
                 </a:solidFill>
-                <a:ea typeface="宋体" pitchFamily="2" charset="-122"/>
+                <a:ea typeface="宋体" panose="02010600030101010101" pitchFamily="2" charset="-122"/>
               </a:rPr>
               <a:t>TSUtility.java;   service</a:t>
             </a:r>
@@ -4808,7 +4782,7 @@
                 <a:solidFill>
                   <a:srgbClr val="0000FF"/>
                 </a:solidFill>
-                <a:ea typeface="宋体" pitchFamily="2" charset="-122"/>
+                <a:ea typeface="宋体" panose="02010600030101010101" pitchFamily="2" charset="-122"/>
               </a:rPr>
               <a:t>包中：</a:t>
             </a:r>
@@ -4817,7 +4791,7 @@
                 <a:solidFill>
                   <a:srgbClr val="0000FF"/>
                 </a:solidFill>
-                <a:ea typeface="宋体" pitchFamily="2" charset="-122"/>
+                <a:ea typeface="宋体" panose="02010600030101010101" pitchFamily="2" charset="-122"/>
               </a:rPr>
               <a:t>Data.java</a:t>
             </a:r>
@@ -4826,13 +4800,19 @@
                 <a:solidFill>
                   <a:srgbClr val="0000FF"/>
                 </a:solidFill>
-                <a:ea typeface="宋体" pitchFamily="2" charset="-122"/>
+                <a:ea typeface="宋体" panose="02010600030101010101" pitchFamily="2" charset="-122"/>
               </a:rPr>
               <a:t>)</a:t>
             </a:r>
-          </a:p>
-          <a:p>
-            <a:pPr marL="77390" lvl="1" indent="0">
+            <a:endParaRPr lang="en-US" altLang="zh-CN" smtClean="0">
+              <a:solidFill>
+                <a:srgbClr val="0000FF"/>
+              </a:solidFill>
+              <a:ea typeface="宋体" panose="02010600030101010101" pitchFamily="2" charset="-122"/>
+            </a:endParaRPr>
+          </a:p>
+          <a:p>
+            <a:pPr marL="77470" lvl="1" indent="0">
               <a:lnSpc>
                 <a:spcPct val="100000"/>
               </a:lnSpc>
@@ -4880,7 +4860,7 @@
             </a:endParaRPr>
           </a:p>
           <a:p>
-            <a:pPr marL="77390" lvl="1" indent="0">
+            <a:pPr marL="77470" lvl="1" indent="0">
               <a:lnSpc>
                 <a:spcPct val="100000"/>
               </a:lnSpc>
@@ -4910,7 +4890,7 @@
             </a:endParaRPr>
           </a:p>
           <a:p>
-            <a:pPr marL="77390" indent="0">
+            <a:pPr marL="77470" indent="0">
               <a:lnSpc>
                 <a:spcPct val="100000"/>
               </a:lnSpc>
@@ -4964,7 +4944,7 @@
             </a:endParaRPr>
           </a:p>
           <a:p>
-            <a:pPr marL="77390" indent="0">
+            <a:pPr marL="77470" indent="0">
               <a:lnSpc>
                 <a:spcPct val="100000"/>
               </a:lnSpc>
@@ -5000,7 +4980,7 @@
             </a:endParaRPr>
           </a:p>
           <a:p>
-            <a:pPr marL="77390" indent="0">
+            <a:pPr marL="77470" indent="0">
               <a:lnSpc>
                 <a:spcPct val="100000"/>
               </a:lnSpc>
@@ -5009,40 +4989,35 @@
             </a:pPr>
             <a:r>
               <a:rPr lang="en-US" altLang="zh-CN" smtClean="0">
-                <a:ea typeface="宋体" pitchFamily="2" charset="-122"/>
+                <a:ea typeface="宋体" panose="02010600030101010101" pitchFamily="2" charset="-122"/>
               </a:rPr>
               <a:t>4. </a:t>
             </a:r>
             <a:r>
               <a:rPr lang="zh-CN" altLang="en-US" smtClean="0">
-                <a:ea typeface="宋体" pitchFamily="2" charset="-122"/>
+                <a:ea typeface="宋体" panose="02010600030101010101" pitchFamily="2" charset="-122"/>
               </a:rPr>
               <a:t>检验</a:t>
             </a:r>
             <a:r>
               <a:rPr lang="zh-CN" altLang="en-US" dirty="0" smtClean="0">
-                <a:ea typeface="宋体" pitchFamily="2" charset="-122"/>
+                <a:ea typeface="宋体" panose="02010600030101010101" pitchFamily="2" charset="-122"/>
               </a:rPr>
               <a:t>代码</a:t>
             </a:r>
             <a:r>
               <a:rPr lang="zh-CN" altLang="en-US" smtClean="0">
-                <a:ea typeface="宋体" pitchFamily="2" charset="-122"/>
+                <a:ea typeface="宋体" panose="02010600030101010101" pitchFamily="2" charset="-122"/>
               </a:rPr>
               <a:t>的正确性</a:t>
             </a:r>
             <a:endParaRPr lang="en-US" altLang="zh-CN" dirty="0" smtClean="0">
-              <a:ea typeface="宋体" pitchFamily="2" charset="-122"/>
+              <a:ea typeface="宋体" panose="02010600030101010101" pitchFamily="2" charset="-122"/>
             </a:endParaRPr>
           </a:p>
         </p:txBody>
       </p:sp>
     </p:spTree>
-    <p:extLst>
-      <p:ext uri="{BB962C8B-B14F-4D97-AF65-F5344CB8AC3E}">
-        <p14:creationId xmlns:p14="http://schemas.microsoft.com/office/powerpoint/2010/main" val="4110345742"/>
-      </p:ext>
-    </p:extLst>
   </p:cSld>
   <p:clrMapOvr>
     <a:masterClrMapping/>
@@ -5100,8 +5075,8 @@
                 <a:solidFill>
                   <a:srgbClr val="000000"/>
                 </a:solidFill>
-                <a:latin typeface="Times New Roman"/>
-                <a:ea typeface="宋体" charset="-122"/>
+                <a:latin typeface="Times New Roman" panose="02020603050405020304"/>
+                <a:ea typeface="宋体" panose="02010600030101010101" pitchFamily="2" charset="-122"/>
               </a:rPr>
               <a:t>键盘访问的实现</a:t>
             </a:r>
@@ -5136,42 +5111,42 @@
             </a:pPr>
             <a:r>
               <a:rPr lang="zh-CN" altLang="en-US" smtClean="0">
-                <a:ea typeface="宋体" pitchFamily="2" charset="-122"/>
+                <a:ea typeface="宋体" panose="02010600030101010101" pitchFamily="2" charset="-122"/>
               </a:rPr>
               <a:t>项目</a:t>
             </a:r>
             <a:r>
               <a:rPr lang="en-US" altLang="zh-CN" smtClean="0">
-                <a:ea typeface="宋体" pitchFamily="2" charset="-122"/>
+                <a:ea typeface="宋体" panose="02010600030101010101" pitchFamily="2" charset="-122"/>
               </a:rPr>
               <a:t>view</a:t>
             </a:r>
             <a:r>
               <a:rPr lang="zh-CN" altLang="en-US" smtClean="0">
-                <a:ea typeface="宋体" pitchFamily="2" charset="-122"/>
+                <a:ea typeface="宋体" panose="02010600030101010101" pitchFamily="2" charset="-122"/>
               </a:rPr>
               <a:t>包中</a:t>
             </a:r>
             <a:r>
               <a:rPr lang="zh-CN" altLang="en-US" dirty="0" smtClean="0">
-                <a:ea typeface="宋体" pitchFamily="2" charset="-122"/>
+                <a:ea typeface="宋体" panose="02010600030101010101" pitchFamily="2" charset="-122"/>
               </a:rPr>
               <a:t>提供了</a:t>
             </a:r>
             <a:r>
               <a:rPr lang="en-US" altLang="zh-CN" dirty="0" smtClean="0">
-                <a:ea typeface="宋体" pitchFamily="2" charset="-122"/>
+                <a:ea typeface="宋体" panose="02010600030101010101" pitchFamily="2" charset="-122"/>
               </a:rPr>
               <a:t>TSUtility.java</a:t>
             </a:r>
             <a:r>
               <a:rPr lang="zh-CN" altLang="en-US" dirty="0" smtClean="0">
-                <a:ea typeface="宋体" pitchFamily="2" charset="-122"/>
+                <a:ea typeface="宋体" panose="02010600030101010101" pitchFamily="2" charset="-122"/>
               </a:rPr>
               <a:t>类，可用来方便地实现键盘访问。</a:t>
             </a:r>
             <a:endParaRPr lang="en-US" altLang="zh-CN" dirty="0" smtClean="0">
-              <a:ea typeface="宋体" pitchFamily="2" charset="-122"/>
+              <a:ea typeface="宋体" panose="02010600030101010101" pitchFamily="2" charset="-122"/>
             </a:endParaRPr>
           </a:p>
           <a:p>
@@ -5180,12 +5155,12 @@
             </a:pPr>
             <a:r>
               <a:rPr lang="zh-CN" altLang="en-US" dirty="0" smtClean="0">
-                <a:ea typeface="宋体" pitchFamily="2" charset="-122"/>
+                <a:ea typeface="宋体" panose="02010600030101010101" pitchFamily="2" charset="-122"/>
               </a:rPr>
               <a:t>该类提供了以下静态方法：</a:t>
             </a:r>
             <a:endParaRPr lang="en-US" altLang="zh-CN" dirty="0" smtClean="0">
-              <a:ea typeface="宋体" pitchFamily="2" charset="-122"/>
+              <a:ea typeface="宋体" panose="02010600030101010101" pitchFamily="2" charset="-122"/>
             </a:endParaRPr>
           </a:p>
           <a:p>
@@ -5199,22 +5174,25 @@
             </a:pPr>
             <a:r>
               <a:rPr lang="en-US" altLang="zh-CN" dirty="0" smtClean="0">
-                <a:ea typeface="宋体" pitchFamily="2" charset="-122"/>
+                <a:ea typeface="宋体" panose="02010600030101010101" pitchFamily="2" charset="-122"/>
               </a:rPr>
               <a:t>public static char </a:t>
             </a:r>
             <a:r>
               <a:rPr lang="en-US" altLang="zh-CN" dirty="0" err="1" smtClean="0">
-                <a:ea typeface="宋体" pitchFamily="2" charset="-122"/>
+                <a:ea typeface="宋体" panose="02010600030101010101" pitchFamily="2" charset="-122"/>
               </a:rPr>
               <a:t>readMenuSelection</a:t>
             </a:r>
             <a:r>
               <a:rPr lang="en-US" altLang="zh-CN" dirty="0" smtClean="0">
-                <a:ea typeface="宋体" pitchFamily="2" charset="-122"/>
+                <a:ea typeface="宋体" panose="02010600030101010101" pitchFamily="2" charset="-122"/>
               </a:rPr>
               <a:t>() </a:t>
             </a:r>
+            <a:endParaRPr lang="en-US" altLang="zh-CN" dirty="0" smtClean="0">
+              <a:ea typeface="宋体" panose="02010600030101010101" pitchFamily="2" charset="-122"/>
+            </a:endParaRPr>
           </a:p>
           <a:p>
             <a:pPr marL="600075" lvl="1" indent="-342900">
@@ -5226,36 +5204,36 @@
             </a:pPr>
             <a:r>
               <a:rPr lang="en-US" altLang="zh-CN" dirty="0" smtClean="0">
-                <a:ea typeface="宋体" pitchFamily="2" charset="-122"/>
+                <a:ea typeface="宋体" panose="02010600030101010101" pitchFamily="2" charset="-122"/>
               </a:rPr>
               <a:t>	</a:t>
             </a:r>
             <a:r>
               <a:rPr lang="zh-CN" altLang="en-US" b="1" dirty="0" smtClean="0">
-                <a:ea typeface="宋体" pitchFamily="2" charset="-122"/>
+                <a:ea typeface="宋体" panose="02010600030101010101" pitchFamily="2" charset="-122"/>
               </a:rPr>
               <a:t>用途：</a:t>
             </a:r>
             <a:r>
               <a:rPr lang="zh-CN" altLang="en-US" dirty="0" smtClean="0">
-                <a:ea typeface="宋体" pitchFamily="2" charset="-122"/>
+                <a:ea typeface="宋体" panose="02010600030101010101" pitchFamily="2" charset="-122"/>
               </a:rPr>
               <a:t>该方法读取键盘，如果用户键入</a:t>
             </a:r>
             <a:r>
               <a:rPr lang="en-US" altLang="zh-CN" dirty="0" smtClean="0">
-                <a:ea typeface="宋体" pitchFamily="2" charset="-122"/>
+                <a:ea typeface="宋体" panose="02010600030101010101" pitchFamily="2" charset="-122"/>
               </a:rPr>
               <a:t>’1’-’4’</a:t>
             </a:r>
             <a:r>
               <a:rPr lang="zh-CN" altLang="en-US" dirty="0" smtClean="0">
-                <a:ea typeface="宋体" pitchFamily="2" charset="-122"/>
+                <a:ea typeface="宋体" panose="02010600030101010101" pitchFamily="2" charset="-122"/>
               </a:rPr>
               <a:t>中的任意字符，则方法返回。返回值为用户键入字符。</a:t>
             </a:r>
             <a:endParaRPr lang="en-US" altLang="zh-CN" dirty="0" smtClean="0">
-              <a:ea typeface="宋体" pitchFamily="2" charset="-122"/>
+              <a:ea typeface="宋体" panose="02010600030101010101" pitchFamily="2" charset="-122"/>
             </a:endParaRPr>
           </a:p>
           <a:p>
@@ -5269,22 +5247,25 @@
             </a:pPr>
             <a:r>
               <a:rPr lang="en-US" altLang="zh-CN" dirty="0" smtClean="0">
-                <a:ea typeface="宋体" pitchFamily="2" charset="-122"/>
+                <a:ea typeface="宋体" panose="02010600030101010101" pitchFamily="2" charset="-122"/>
               </a:rPr>
               <a:t>public static void </a:t>
             </a:r>
             <a:r>
               <a:rPr lang="en-US" altLang="zh-CN" dirty="0" err="1" smtClean="0">
-                <a:ea typeface="宋体" pitchFamily="2" charset="-122"/>
+                <a:ea typeface="宋体" panose="02010600030101010101" pitchFamily="2" charset="-122"/>
               </a:rPr>
               <a:t>readReturn</a:t>
             </a:r>
             <a:r>
               <a:rPr lang="en-US" altLang="zh-CN" dirty="0" smtClean="0">
-                <a:ea typeface="宋体" pitchFamily="2" charset="-122"/>
+                <a:ea typeface="宋体" panose="02010600030101010101" pitchFamily="2" charset="-122"/>
               </a:rPr>
               <a:t>() </a:t>
             </a:r>
+            <a:endParaRPr lang="en-US" altLang="zh-CN" dirty="0" smtClean="0">
+              <a:ea typeface="宋体" panose="02010600030101010101" pitchFamily="2" charset="-122"/>
+            </a:endParaRPr>
           </a:p>
           <a:p>
             <a:pPr marL="600075" lvl="1" indent="-342900">
@@ -5296,24 +5277,24 @@
             </a:pPr>
             <a:r>
               <a:rPr lang="en-US" altLang="zh-CN" b="1" dirty="0" smtClean="0">
-                <a:ea typeface="宋体" pitchFamily="2" charset="-122"/>
+                <a:ea typeface="宋体" panose="02010600030101010101" pitchFamily="2" charset="-122"/>
               </a:rPr>
               <a:t>	</a:t>
             </a:r>
             <a:r>
               <a:rPr lang="zh-CN" altLang="en-US" b="1" dirty="0" smtClean="0">
-                <a:ea typeface="宋体" pitchFamily="2" charset="-122"/>
+                <a:ea typeface="宋体" panose="02010600030101010101" pitchFamily="2" charset="-122"/>
               </a:rPr>
               <a:t>用途：</a:t>
             </a:r>
             <a:r>
               <a:rPr lang="zh-CN" altLang="en-US" dirty="0" smtClean="0">
-                <a:ea typeface="宋体" pitchFamily="2" charset="-122"/>
+                <a:ea typeface="宋体" panose="02010600030101010101" pitchFamily="2" charset="-122"/>
               </a:rPr>
               <a:t>该方法提示并等待，直到用户按回车键后返回。</a:t>
             </a:r>
             <a:endParaRPr lang="en-US" altLang="zh-CN" dirty="0" smtClean="0">
-              <a:ea typeface="宋体" pitchFamily="2" charset="-122"/>
+              <a:ea typeface="宋体" panose="02010600030101010101" pitchFamily="2" charset="-122"/>
             </a:endParaRPr>
           </a:p>
           <a:p>
@@ -5327,34 +5308,37 @@
             </a:pPr>
             <a:r>
               <a:rPr lang="en-US" altLang="zh-CN" dirty="0" smtClean="0">
-                <a:ea typeface="宋体" pitchFamily="2" charset="-122"/>
+                <a:ea typeface="宋体" panose="02010600030101010101" pitchFamily="2" charset="-122"/>
               </a:rPr>
               <a:t>public static </a:t>
             </a:r>
             <a:r>
               <a:rPr lang="en-US" altLang="zh-CN" dirty="0" err="1" smtClean="0">
-                <a:ea typeface="宋体" pitchFamily="2" charset="-122"/>
+                <a:ea typeface="宋体" panose="02010600030101010101" pitchFamily="2" charset="-122"/>
               </a:rPr>
               <a:t>int</a:t>
             </a:r>
             <a:r>
               <a:rPr lang="en-US" altLang="zh-CN" dirty="0" smtClean="0">
-                <a:ea typeface="宋体" pitchFamily="2" charset="-122"/>
+                <a:ea typeface="宋体" panose="02010600030101010101" pitchFamily="2" charset="-122"/>
               </a:rPr>
               <a:t> </a:t>
             </a:r>
             <a:r>
               <a:rPr lang="en-US" altLang="zh-CN" dirty="0" err="1" smtClean="0">
-                <a:ea typeface="宋体" pitchFamily="2" charset="-122"/>
+                <a:ea typeface="宋体" panose="02010600030101010101" pitchFamily="2" charset="-122"/>
               </a:rPr>
               <a:t>readInt</a:t>
             </a:r>
             <a:r>
               <a:rPr lang="en-US" altLang="zh-CN" dirty="0" smtClean="0">
-                <a:ea typeface="宋体" pitchFamily="2" charset="-122"/>
+                <a:ea typeface="宋体" panose="02010600030101010101" pitchFamily="2" charset="-122"/>
               </a:rPr>
               <a:t>() </a:t>
             </a:r>
+            <a:endParaRPr lang="en-US" altLang="zh-CN" dirty="0" smtClean="0">
+              <a:ea typeface="宋体" panose="02010600030101010101" pitchFamily="2" charset="-122"/>
+            </a:endParaRPr>
           </a:p>
           <a:p>
             <a:pPr marL="600075" lvl="1" indent="-342900">
@@ -5366,36 +5350,36 @@
             </a:pPr>
             <a:r>
               <a:rPr lang="en-US" altLang="zh-CN" b="1" dirty="0" smtClean="0">
-                <a:ea typeface="宋体" pitchFamily="2" charset="-122"/>
+                <a:ea typeface="宋体" panose="02010600030101010101" pitchFamily="2" charset="-122"/>
               </a:rPr>
               <a:t>	</a:t>
             </a:r>
             <a:r>
               <a:rPr lang="zh-CN" altLang="en-US" b="1" dirty="0" smtClean="0">
-                <a:ea typeface="宋体" pitchFamily="2" charset="-122"/>
+                <a:ea typeface="宋体" panose="02010600030101010101" pitchFamily="2" charset="-122"/>
               </a:rPr>
               <a:t>用途：</a:t>
             </a:r>
             <a:r>
               <a:rPr lang="zh-CN" altLang="en-US" dirty="0" smtClean="0">
-                <a:ea typeface="宋体" pitchFamily="2" charset="-122"/>
+                <a:ea typeface="宋体" panose="02010600030101010101" pitchFamily="2" charset="-122"/>
               </a:rPr>
               <a:t>该方法从键盘读取一个长度不超过</a:t>
             </a:r>
             <a:r>
               <a:rPr lang="en-US" altLang="zh-CN" dirty="0" smtClean="0">
-                <a:ea typeface="宋体" pitchFamily="2" charset="-122"/>
+                <a:ea typeface="宋体" panose="02010600030101010101" pitchFamily="2" charset="-122"/>
               </a:rPr>
               <a:t>2</a:t>
             </a:r>
             <a:r>
               <a:rPr lang="zh-CN" altLang="en-US" dirty="0" smtClean="0">
-                <a:ea typeface="宋体" pitchFamily="2" charset="-122"/>
+                <a:ea typeface="宋体" panose="02010600030101010101" pitchFamily="2" charset="-122"/>
               </a:rPr>
               <a:t>位的整数，并将其作为方法的返回值。</a:t>
             </a:r>
             <a:endParaRPr lang="en-US" altLang="zh-CN" dirty="0" smtClean="0">
-              <a:ea typeface="宋体" pitchFamily="2" charset="-122"/>
+              <a:ea typeface="宋体" panose="02010600030101010101" pitchFamily="2" charset="-122"/>
             </a:endParaRPr>
           </a:p>
           <a:p>
@@ -5409,30 +5393,30 @@
             </a:pPr>
             <a:r>
               <a:rPr lang="en-US" altLang="zh-CN" dirty="0" smtClean="0">
-                <a:ea typeface="宋体" pitchFamily="2" charset="-122"/>
+                <a:ea typeface="宋体" panose="02010600030101010101" pitchFamily="2" charset="-122"/>
               </a:rPr>
               <a:t>public static char </a:t>
             </a:r>
             <a:r>
               <a:rPr lang="en-US" altLang="zh-CN" dirty="0" err="1" smtClean="0">
-                <a:ea typeface="宋体" pitchFamily="2" charset="-122"/>
+                <a:ea typeface="宋体" panose="02010600030101010101" pitchFamily="2" charset="-122"/>
               </a:rPr>
               <a:t>readConfirmSelection</a:t>
             </a:r>
             <a:r>
               <a:rPr lang="en-US" altLang="zh-CN" dirty="0" smtClean="0">
-                <a:ea typeface="宋体" pitchFamily="2" charset="-122"/>
+                <a:ea typeface="宋体" panose="02010600030101010101" pitchFamily="2" charset="-122"/>
               </a:rPr>
               <a:t>() </a:t>
             </a:r>
             <a:r>
               <a:rPr lang="zh-CN" altLang="en-US" sz="1350" dirty="0">
-                <a:ea typeface="宋体" pitchFamily="2" charset="-122"/>
+                <a:ea typeface="宋体" panose="02010600030101010101" pitchFamily="2" charset="-122"/>
               </a:rPr>
               <a:t>：</a:t>
             </a:r>
             <a:endParaRPr lang="en-US" altLang="zh-CN" sz="1350" dirty="0">
-              <a:ea typeface="宋体" pitchFamily="2" charset="-122"/>
+              <a:ea typeface="宋体" panose="02010600030101010101" pitchFamily="2" charset="-122"/>
             </a:endParaRPr>
           </a:p>
           <a:p>
@@ -5445,58 +5429,53 @@
             </a:pPr>
             <a:r>
               <a:rPr lang="en-US" altLang="zh-CN" sz="1350" dirty="0">
-                <a:ea typeface="宋体" pitchFamily="2" charset="-122"/>
+                <a:ea typeface="宋体" panose="02010600030101010101" pitchFamily="2" charset="-122"/>
               </a:rPr>
               <a:t>	</a:t>
             </a:r>
             <a:r>
               <a:rPr lang="zh-CN" altLang="en-US" b="1" dirty="0" smtClean="0">
-                <a:ea typeface="宋体" pitchFamily="2" charset="-122"/>
+                <a:ea typeface="宋体" panose="02010600030101010101" pitchFamily="2" charset="-122"/>
               </a:rPr>
               <a:t>用途：</a:t>
             </a:r>
             <a:r>
               <a:rPr lang="zh-CN" altLang="en-US" dirty="0" smtClean="0">
-                <a:ea typeface="宋体" pitchFamily="2" charset="-122"/>
+                <a:ea typeface="宋体" panose="02010600030101010101" pitchFamily="2" charset="-122"/>
               </a:rPr>
               <a:t>从键盘读取‘</a:t>
             </a:r>
             <a:r>
               <a:rPr lang="en-US" altLang="zh-CN" dirty="0" smtClean="0">
-                <a:ea typeface="宋体" pitchFamily="2" charset="-122"/>
+                <a:ea typeface="宋体" panose="02010600030101010101" pitchFamily="2" charset="-122"/>
               </a:rPr>
               <a:t>Y’</a:t>
             </a:r>
             <a:r>
               <a:rPr lang="zh-CN" altLang="en-US" dirty="0" smtClean="0">
-                <a:ea typeface="宋体" pitchFamily="2" charset="-122"/>
+                <a:ea typeface="宋体" panose="02010600030101010101" pitchFamily="2" charset="-122"/>
               </a:rPr>
               <a:t>或</a:t>
             </a:r>
             <a:r>
               <a:rPr lang="en-US" altLang="zh-CN" dirty="0" smtClean="0">
-                <a:ea typeface="宋体" pitchFamily="2" charset="-122"/>
+                <a:ea typeface="宋体" panose="02010600030101010101" pitchFamily="2" charset="-122"/>
               </a:rPr>
               <a:t>’N’</a:t>
             </a:r>
             <a:r>
               <a:rPr lang="zh-CN" altLang="en-US" dirty="0" smtClean="0">
-                <a:ea typeface="宋体" pitchFamily="2" charset="-122"/>
+                <a:ea typeface="宋体" panose="02010600030101010101" pitchFamily="2" charset="-122"/>
               </a:rPr>
               <a:t>，并将其作为方法的返回值。</a:t>
             </a:r>
             <a:endParaRPr lang="en-US" altLang="zh-CN" dirty="0" smtClean="0">
-              <a:ea typeface="宋体" pitchFamily="2" charset="-122"/>
+              <a:ea typeface="宋体" panose="02010600030101010101" pitchFamily="2" charset="-122"/>
             </a:endParaRPr>
           </a:p>
         </p:txBody>
       </p:sp>
     </p:spTree>
-    <p:extLst>
-      <p:ext uri="{BB962C8B-B14F-4D97-AF65-F5344CB8AC3E}">
-        <p14:creationId xmlns:p14="http://schemas.microsoft.com/office/powerpoint/2010/main" val="3990409036"/>
-      </p:ext>
-    </p:extLst>
   </p:cSld>
   <p:clrMapOvr>
     <a:masterClrMapping/>
@@ -5555,7 +5534,7 @@
                   <a:srgbClr val="000000"/>
                 </a:solidFill>
                 <a:latin typeface="+mn-lt"/>
-                <a:ea typeface="굴림"/>
+                <a:ea typeface="Gulim" panose="020B0600000101010101" pitchFamily="34" charset="-127"/>
               </a:rPr>
               <a:t>Equipment</a:t>
             </a:r>
@@ -5603,7 +5582,7 @@
             </a:pPr>
             <a:endParaRPr lang="en-US" altLang="zh-CN" dirty="0" smtClean="0">
               <a:latin typeface="+mj-lt"/>
-              <a:ea typeface="宋体" pitchFamily="2" charset="-122"/>
+              <a:ea typeface="宋体" panose="02010600030101010101" pitchFamily="2" charset="-122"/>
             </a:endParaRPr>
           </a:p>
           <a:p>
@@ -5612,7 +5591,7 @@
             </a:pPr>
             <a:endParaRPr lang="en-US" altLang="zh-CN" dirty="0" smtClean="0">
               <a:latin typeface="+mj-lt"/>
-              <a:ea typeface="宋体" pitchFamily="2" charset="-122"/>
+              <a:ea typeface="宋体" panose="02010600030101010101" pitchFamily="2" charset="-122"/>
             </a:endParaRPr>
           </a:p>
           <a:p>
@@ -5621,7 +5600,7 @@
             </a:pPr>
             <a:endParaRPr lang="en-US" altLang="zh-CN" dirty="0" smtClean="0">
               <a:latin typeface="+mj-lt"/>
-              <a:ea typeface="宋体" pitchFamily="2" charset="-122"/>
+              <a:ea typeface="宋体" panose="02010600030101010101" pitchFamily="2" charset="-122"/>
             </a:endParaRPr>
           </a:p>
           <a:p>
@@ -5630,7 +5609,7 @@
             </a:pPr>
             <a:endParaRPr lang="en-US" altLang="zh-CN" dirty="0" smtClean="0">
               <a:latin typeface="+mj-lt"/>
-              <a:ea typeface="宋体" pitchFamily="2" charset="-122"/>
+              <a:ea typeface="宋体" panose="02010600030101010101" pitchFamily="2" charset="-122"/>
             </a:endParaRPr>
           </a:p>
           <a:p>
@@ -5639,7 +5618,7 @@
             </a:pPr>
             <a:endParaRPr lang="en-US" altLang="zh-CN" dirty="0" smtClean="0">
               <a:latin typeface="+mj-lt"/>
-              <a:ea typeface="宋体" pitchFamily="2" charset="-122"/>
+              <a:ea typeface="宋体" panose="02010600030101010101" pitchFamily="2" charset="-122"/>
             </a:endParaRPr>
           </a:p>
           <a:p>
@@ -5648,7 +5627,7 @@
             </a:pPr>
             <a:endParaRPr lang="en-US" altLang="zh-CN" dirty="0" smtClean="0">
               <a:latin typeface="+mj-lt"/>
-              <a:ea typeface="宋体" pitchFamily="2" charset="-122"/>
+              <a:ea typeface="宋体" panose="02010600030101010101" pitchFamily="2" charset="-122"/>
             </a:endParaRPr>
           </a:p>
           <a:p>
@@ -5658,17 +5637,17 @@
             <a:r>
               <a:rPr lang="zh-CN" altLang="en-US" dirty="0" smtClean="0">
                 <a:latin typeface="+mj-lt"/>
-                <a:ea typeface="宋体" pitchFamily="2" charset="-122"/>
+                <a:ea typeface="宋体" panose="02010600030101010101" pitchFamily="2" charset="-122"/>
               </a:rPr>
               <a:t>说明：</a:t>
             </a:r>
             <a:endParaRPr lang="en-US" altLang="zh-CN" dirty="0" smtClean="0">
               <a:latin typeface="+mj-lt"/>
-              <a:ea typeface="宋体" pitchFamily="2" charset="-122"/>
-            </a:endParaRPr>
-          </a:p>
-          <a:p>
-            <a:pPr marL="620315" lvl="1" indent="-285750">
+              <a:ea typeface="宋体" panose="02010600030101010101" pitchFamily="2" charset="-122"/>
+            </a:endParaRPr>
+          </a:p>
+          <a:p>
+            <a:pPr marL="620395" lvl="1" indent="-285750">
               <a:buFont typeface="Wingdings" panose="05000000000000000000" pitchFamily="2" charset="2"/>
               <a:buChar char="Ø"/>
               <a:defRPr/>
@@ -5680,24 +5659,24 @@
             <a:r>
               <a:rPr lang="zh-CN" altLang="en-US" sz="1575">
                 <a:latin typeface="+mj-lt"/>
-                <a:ea typeface="宋体" pitchFamily="2" charset="-122"/>
+                <a:ea typeface="宋体" panose="02010600030101010101" pitchFamily="2" charset="-122"/>
               </a:rPr>
               <a:t>表示</a:t>
             </a:r>
             <a:r>
               <a:rPr lang="zh-CN" altLang="en-US" sz="1575" dirty="0">
                 <a:latin typeface="+mj-lt"/>
-                <a:ea typeface="宋体" pitchFamily="2" charset="-122"/>
+                <a:ea typeface="宋体" panose="02010600030101010101" pitchFamily="2" charset="-122"/>
               </a:rPr>
               <a:t>机器的型号</a:t>
             </a:r>
             <a:endParaRPr lang="en-US" altLang="zh-CN" sz="1575" dirty="0">
               <a:latin typeface="+mj-lt"/>
-              <a:ea typeface="宋体" pitchFamily="2" charset="-122"/>
-            </a:endParaRPr>
-          </a:p>
-          <a:p>
-            <a:pPr marL="620315" lvl="1" indent="-285750">
+              <a:ea typeface="宋体" panose="02010600030101010101" pitchFamily="2" charset="-122"/>
+            </a:endParaRPr>
+          </a:p>
+          <a:p>
+            <a:pPr marL="620395" lvl="1" indent="-285750">
               <a:buFont typeface="Wingdings" panose="05000000000000000000" pitchFamily="2" charset="2"/>
               <a:buChar char="Ø"/>
               <a:defRPr/>
@@ -5709,17 +5688,17 @@
             <a:r>
               <a:rPr lang="zh-CN" altLang="en-US" sz="1575">
                 <a:latin typeface="+mj-lt"/>
-                <a:ea typeface="宋体" pitchFamily="2" charset="-122"/>
+                <a:ea typeface="宋体" panose="02010600030101010101" pitchFamily="2" charset="-122"/>
               </a:rPr>
               <a:t>表示显示器名称</a:t>
             </a:r>
             <a:endParaRPr lang="en-US" altLang="zh-CN" sz="1575">
               <a:latin typeface="+mj-lt"/>
-              <a:ea typeface="宋体" pitchFamily="2" charset="-122"/>
-            </a:endParaRPr>
-          </a:p>
-          <a:p>
-            <a:pPr marL="620315" lvl="1" indent="-285750">
+              <a:ea typeface="宋体" panose="02010600030101010101" pitchFamily="2" charset="-122"/>
+            </a:endParaRPr>
+          </a:p>
+          <a:p>
+            <a:pPr marL="620395" lvl="1" indent="-285750">
               <a:buFont typeface="Wingdings" panose="05000000000000000000" pitchFamily="2" charset="2"/>
               <a:buChar char="Ø"/>
               <a:defRPr/>
@@ -5727,20 +5706,20 @@
             <a:r>
               <a:rPr lang="en-US" altLang="zh-CN" smtClean="0">
                 <a:latin typeface="+mj-lt"/>
-                <a:ea typeface="宋体" pitchFamily="2" charset="-122"/>
+                <a:ea typeface="宋体" panose="02010600030101010101" pitchFamily="2" charset="-122"/>
               </a:rPr>
               <a:t>type </a:t>
             </a:r>
             <a:r>
               <a:rPr lang="zh-CN" altLang="en-US" sz="1575">
                 <a:latin typeface="+mj-lt"/>
-                <a:ea typeface="宋体" pitchFamily="2" charset="-122"/>
+                <a:ea typeface="宋体" panose="02010600030101010101" pitchFamily="2" charset="-122"/>
               </a:rPr>
               <a:t>表示机器的类型</a:t>
             </a:r>
             <a:endParaRPr lang="zh-CN" altLang="en-US" sz="1575" dirty="0">
               <a:latin typeface="+mj-lt"/>
-              <a:ea typeface="宋体" pitchFamily="2" charset="-122"/>
+              <a:ea typeface="宋体" panose="02010600030101010101" pitchFamily="2" charset="-122"/>
             </a:endParaRPr>
           </a:p>
           <a:p>
@@ -5750,41 +5729,41 @@
             <a:r>
               <a:rPr lang="zh-CN" altLang="en-US" smtClean="0">
                 <a:latin typeface="+mj-lt"/>
-                <a:ea typeface="宋体" pitchFamily="2" charset="-122"/>
+                <a:ea typeface="宋体" panose="02010600030101010101" pitchFamily="2" charset="-122"/>
               </a:rPr>
               <a:t>根据需要提供</a:t>
             </a:r>
             <a:r>
               <a:rPr lang="zh-CN" altLang="en-US" dirty="0" smtClean="0">
                 <a:latin typeface="+mj-lt"/>
-                <a:ea typeface="宋体" pitchFamily="2" charset="-122"/>
+                <a:ea typeface="宋体" panose="02010600030101010101" pitchFamily="2" charset="-122"/>
               </a:rPr>
               <a:t>各属性的</a:t>
             </a:r>
             <a:r>
               <a:rPr lang="en-US" altLang="zh-CN" dirty="0" smtClean="0">
                 <a:latin typeface="+mj-lt"/>
-                <a:ea typeface="宋体" pitchFamily="2" charset="-122"/>
+                <a:ea typeface="宋体" panose="02010600030101010101" pitchFamily="2" charset="-122"/>
               </a:rPr>
               <a:t>get/set</a:t>
             </a:r>
             <a:r>
               <a:rPr lang="zh-CN" altLang="en-US" dirty="0" smtClean="0">
                 <a:latin typeface="+mj-lt"/>
-                <a:ea typeface="宋体" pitchFamily="2" charset="-122"/>
+                <a:ea typeface="宋体" panose="02010600030101010101" pitchFamily="2" charset="-122"/>
               </a:rPr>
               <a:t>方法以及重载</a:t>
             </a:r>
             <a:r>
               <a:rPr lang="zh-CN" altLang="en-US" smtClean="0">
                 <a:latin typeface="+mj-lt"/>
-                <a:ea typeface="宋体" pitchFamily="2" charset="-122"/>
+                <a:ea typeface="宋体" panose="02010600030101010101" pitchFamily="2" charset="-122"/>
               </a:rPr>
               <a:t>构造器</a:t>
             </a:r>
             <a:endParaRPr lang="en-US" altLang="zh-CN" smtClean="0">
               <a:latin typeface="+mj-lt"/>
-              <a:ea typeface="宋体" pitchFamily="2" charset="-122"/>
+              <a:ea typeface="宋体" panose="02010600030101010101" pitchFamily="2" charset="-122"/>
             </a:endParaRPr>
           </a:p>
           <a:p>
@@ -5794,20 +5773,20 @@
             <a:r>
               <a:rPr lang="zh-CN" altLang="en-US">
                 <a:latin typeface="+mj-lt"/>
-                <a:ea typeface="宋体" pitchFamily="2" charset="-122"/>
+                <a:ea typeface="宋体" panose="02010600030101010101" pitchFamily="2" charset="-122"/>
               </a:rPr>
               <a:t>实现</a:t>
             </a:r>
             <a:r>
               <a:rPr lang="zh-CN" altLang="en-US" smtClean="0">
                 <a:latin typeface="+mj-lt"/>
-                <a:ea typeface="宋体" pitchFamily="2" charset="-122"/>
+                <a:ea typeface="宋体" panose="02010600030101010101" pitchFamily="2" charset="-122"/>
               </a:rPr>
               <a:t>类实现接口的方法，返回各自属性的信息</a:t>
             </a:r>
             <a:endParaRPr lang="en-US" altLang="zh-CN" dirty="0" smtClean="0">
               <a:latin typeface="+mj-lt"/>
-              <a:ea typeface="宋体" pitchFamily="2" charset="-122"/>
+              <a:ea typeface="宋体" panose="02010600030101010101" pitchFamily="2" charset="-122"/>
             </a:endParaRPr>
           </a:p>
         </p:txBody>
@@ -5854,12 +5833,14 @@
               <a:rPr lang="en-US" altLang="zh-CN" sz="1200" dirty="0"/>
               <a:t>&lt;&lt;interface&gt;&gt;</a:t>
             </a:r>
+            <a:endParaRPr lang="en-US" altLang="zh-CN" sz="1200" dirty="0"/>
           </a:p>
           <a:p>
             <a:r>
               <a:rPr lang="en-US" altLang="zh-CN" sz="1200" dirty="0"/>
               <a:t>Equipment</a:t>
             </a:r>
+            <a:endParaRPr lang="en-US" altLang="zh-CN" sz="1200" dirty="0"/>
           </a:p>
         </p:txBody>
       </p:sp>
@@ -5960,6 +5941,7 @@
               <a:rPr lang="en-US" altLang="zh-CN" sz="1200" dirty="0"/>
               <a:t> () : String </a:t>
             </a:r>
+            <a:endParaRPr lang="en-US" altLang="zh-CN" sz="1200" dirty="0"/>
           </a:p>
         </p:txBody>
       </p:sp>
@@ -6055,6 +6037,7 @@
               <a:rPr lang="en-US" altLang="zh-CN" sz="1200" dirty="0"/>
               <a:t> model: String</a:t>
             </a:r>
+            <a:endParaRPr lang="en-US" altLang="zh-CN" sz="1200" dirty="0"/>
           </a:p>
           <a:p>
             <a:pPr algn="l">
@@ -6065,6 +6048,7 @@
               <a:rPr lang="en-US" altLang="zh-CN" sz="1200" dirty="0"/>
               <a:t> price: double</a:t>
             </a:r>
+            <a:endParaRPr lang="en-US" altLang="zh-CN" sz="1200" dirty="0"/>
           </a:p>
         </p:txBody>
       </p:sp>
@@ -6165,6 +6149,7 @@
               <a:rPr lang="en-US" altLang="zh-CN" sz="1200" dirty="0"/>
               <a:t>PC</a:t>
             </a:r>
+            <a:endParaRPr lang="en-US" altLang="zh-CN" sz="1200" dirty="0"/>
           </a:p>
         </p:txBody>
       </p:sp>
@@ -6214,6 +6199,7 @@
               <a:rPr lang="en-US" altLang="zh-CN" sz="1200" dirty="0"/>
               <a:t> model: String</a:t>
             </a:r>
+            <a:endParaRPr lang="en-US" altLang="zh-CN" sz="1200" dirty="0"/>
           </a:p>
           <a:p>
             <a:pPr algn="l">
@@ -6224,6 +6210,7 @@
               <a:rPr lang="en-US" altLang="zh-CN" sz="1200" dirty="0"/>
               <a:t> display: String</a:t>
             </a:r>
+            <a:endParaRPr lang="en-US" altLang="zh-CN" sz="1200" dirty="0"/>
           </a:p>
         </p:txBody>
       </p:sp>
@@ -6316,6 +6303,7 @@
               <a:rPr lang="en-US" altLang="zh-CN" sz="1200" dirty="0"/>
               <a:t>Printer</a:t>
             </a:r>
+            <a:endParaRPr lang="en-US" altLang="zh-CN" sz="1200" dirty="0"/>
           </a:p>
         </p:txBody>
       </p:sp>
@@ -6365,6 +6353,7 @@
               <a:rPr lang="en-US" altLang="zh-CN" sz="1200"/>
               <a:t>name: String</a:t>
             </a:r>
+            <a:endParaRPr lang="en-US" altLang="zh-CN" sz="1200"/>
           </a:p>
           <a:p>
             <a:pPr>
@@ -6375,6 +6364,7 @@
               <a:rPr lang="en-US" altLang="zh-CN" sz="1200"/>
               <a:t> type: String</a:t>
             </a:r>
+            <a:endParaRPr lang="en-US" altLang="zh-CN" sz="1200"/>
           </a:p>
         </p:txBody>
       </p:sp>
@@ -6425,11 +6415,6 @@
         </p:txBody>
       </p:sp>
     </p:spTree>
-    <p:extLst>
-      <p:ext uri="{BB962C8B-B14F-4D97-AF65-F5344CB8AC3E}">
-        <p14:creationId xmlns:p14="http://schemas.microsoft.com/office/powerpoint/2010/main" val="1050499379"/>
-      </p:ext>
-    </p:extLst>
   </p:cSld>
   <p:clrMapOvr>
     <a:masterClrMapping/>
@@ -6504,6 +6489,13 @@
               </a:rPr>
               <a:t>类及其子类的设计</a:t>
             </a:r>
+            <a:endParaRPr kumimoji="1" lang="zh-CN" altLang="en-US" sz="2400" b="1" kern="0" dirty="0">
+              <a:solidFill>
+                <a:srgbClr val="000000"/>
+              </a:solidFill>
+              <a:latin typeface="+mn-lt"/>
+              <a:ea typeface="宋体" panose="02010600030101010101" pitchFamily="2" charset="-122"/>
+            </a:endParaRPr>
           </a:p>
         </p:txBody>
       </p:sp>
@@ -6534,7 +6526,7 @@
             </a:pPr>
             <a:endParaRPr lang="en-US" altLang="zh-CN" dirty="0" smtClean="0">
               <a:latin typeface="+mj-lt"/>
-              <a:ea typeface="宋体" pitchFamily="2" charset="-122"/>
+              <a:ea typeface="宋体" panose="02010600030101010101" pitchFamily="2" charset="-122"/>
             </a:endParaRPr>
           </a:p>
           <a:p>
@@ -6543,7 +6535,7 @@
             </a:pPr>
             <a:endParaRPr lang="en-US" altLang="zh-CN" dirty="0" smtClean="0">
               <a:latin typeface="+mj-lt"/>
-              <a:ea typeface="宋体" pitchFamily="2" charset="-122"/>
+              <a:ea typeface="宋体" panose="02010600030101010101" pitchFamily="2" charset="-122"/>
             </a:endParaRPr>
           </a:p>
           <a:p>
@@ -6552,7 +6544,7 @@
             </a:pPr>
             <a:endParaRPr lang="en-US" altLang="zh-CN" dirty="0" smtClean="0">
               <a:latin typeface="+mj-lt"/>
-              <a:ea typeface="宋体" pitchFamily="2" charset="-122"/>
+              <a:ea typeface="宋体" panose="02010600030101010101" pitchFamily="2" charset="-122"/>
             </a:endParaRPr>
           </a:p>
           <a:p>
@@ -6561,7 +6553,7 @@
             </a:pPr>
             <a:endParaRPr lang="en-US" altLang="zh-CN" dirty="0" smtClean="0">
               <a:latin typeface="+mj-lt"/>
-              <a:ea typeface="宋体" pitchFamily="2" charset="-122"/>
+              <a:ea typeface="宋体" panose="02010600030101010101" pitchFamily="2" charset="-122"/>
             </a:endParaRPr>
           </a:p>
           <a:p>
@@ -6570,7 +6562,7 @@
             </a:pPr>
             <a:endParaRPr lang="en-US" altLang="zh-CN" dirty="0" smtClean="0">
               <a:latin typeface="+mj-lt"/>
-              <a:ea typeface="宋体" pitchFamily="2" charset="-122"/>
+              <a:ea typeface="宋体" panose="02010600030101010101" pitchFamily="2" charset="-122"/>
             </a:endParaRPr>
           </a:p>
           <a:p>
@@ -6579,7 +6571,7 @@
             </a:pPr>
             <a:endParaRPr lang="en-US" altLang="zh-CN" dirty="0" smtClean="0">
               <a:latin typeface="+mj-lt"/>
-              <a:ea typeface="宋体" pitchFamily="2" charset="-122"/>
+              <a:ea typeface="宋体" panose="02010600030101010101" pitchFamily="2" charset="-122"/>
             </a:endParaRPr>
           </a:p>
           <a:p>
@@ -6589,17 +6581,17 @@
             <a:r>
               <a:rPr lang="zh-CN" altLang="en-US" sz="2300" dirty="0" smtClean="0">
                 <a:latin typeface="+mj-lt"/>
-                <a:ea typeface="宋体" pitchFamily="2" charset="-122"/>
+                <a:ea typeface="宋体" panose="02010600030101010101" pitchFamily="2" charset="-122"/>
               </a:rPr>
               <a:t>说明：</a:t>
             </a:r>
             <a:endParaRPr lang="en-US" altLang="zh-CN" sz="2300" dirty="0" smtClean="0">
               <a:latin typeface="+mj-lt"/>
-              <a:ea typeface="宋体" pitchFamily="2" charset="-122"/>
-            </a:endParaRPr>
-          </a:p>
-          <a:p>
-            <a:pPr marL="677465" lvl="1" indent="-342900">
+              <a:ea typeface="宋体" panose="02010600030101010101" pitchFamily="2" charset="-122"/>
+            </a:endParaRPr>
+          </a:p>
+          <a:p>
+            <a:pPr marL="677545" lvl="1" indent="-342900">
               <a:buFont typeface="Wingdings" panose="05000000000000000000" pitchFamily="2" charset="2"/>
               <a:buChar char="Ø"/>
               <a:defRPr/>
@@ -6615,20 +6607,24 @@
             <a:r>
               <a:rPr lang="zh-CN" altLang="en-US" sz="1725" dirty="0">
                 <a:latin typeface="+mj-lt"/>
-                <a:ea typeface="宋体" pitchFamily="2" charset="-122"/>
+                <a:ea typeface="宋体" panose="02010600030101010101" pitchFamily="2" charset="-122"/>
               </a:rPr>
               <a:t>用来记录成员加入开发团队后在团队中的</a:t>
             </a:r>
             <a:r>
               <a:rPr lang="en-US" altLang="zh-CN" sz="1725" dirty="0">
                 <a:latin typeface="+mj-lt"/>
-                <a:ea typeface="宋体" pitchFamily="2" charset="-122"/>
+                <a:ea typeface="宋体" panose="02010600030101010101" pitchFamily="2" charset="-122"/>
               </a:rPr>
               <a:t>ID</a:t>
             </a:r>
-          </a:p>
-          <a:p>
-            <a:pPr marL="677465" lvl="1" indent="-342900">
+            <a:endParaRPr lang="en-US" altLang="zh-CN" sz="1725" dirty="0">
+              <a:latin typeface="+mj-lt"/>
+              <a:ea typeface="宋体" panose="02010600030101010101" pitchFamily="2" charset="-122"/>
+            </a:endParaRPr>
+          </a:p>
+          <a:p>
+            <a:pPr marL="677545" lvl="1" indent="-342900">
               <a:buFont typeface="Wingdings" panose="05000000000000000000" pitchFamily="2" charset="2"/>
               <a:buChar char="Ø"/>
               <a:defRPr/>
@@ -6640,28 +6636,28 @@
             <a:r>
               <a:rPr lang="zh-CN" altLang="en-US" sz="1725">
                 <a:latin typeface="+mj-lt"/>
-                <a:ea typeface="宋体" pitchFamily="2" charset="-122"/>
+                <a:ea typeface="宋体" panose="02010600030101010101" pitchFamily="2" charset="-122"/>
               </a:rPr>
               <a:t>是项目</a:t>
             </a:r>
             <a:r>
               <a:rPr lang="en-US" altLang="zh-CN" sz="1725">
                 <a:latin typeface="+mj-lt"/>
-                <a:ea typeface="宋体" pitchFamily="2" charset="-122"/>
+                <a:ea typeface="宋体" panose="02010600030101010101" pitchFamily="2" charset="-122"/>
               </a:rPr>
               <a:t>service</a:t>
             </a:r>
             <a:r>
               <a:rPr lang="zh-CN" altLang="en-US" sz="1725">
                 <a:latin typeface="+mj-lt"/>
-                <a:ea typeface="宋体" pitchFamily="2" charset="-122"/>
+                <a:ea typeface="宋体" panose="02010600030101010101" pitchFamily="2" charset="-122"/>
               </a:rPr>
               <a:t>包下自定义</a:t>
             </a:r>
             <a:r>
               <a:rPr lang="zh-CN" altLang="en-US" sz="1725" smtClean="0">
                 <a:latin typeface="+mj-lt"/>
-                <a:ea typeface="宋体" pitchFamily="2" charset="-122"/>
+                <a:ea typeface="宋体" panose="02010600030101010101" pitchFamily="2" charset="-122"/>
               </a:rPr>
               <a:t>的类，</a:t>
             </a:r>
@@ -6671,7 +6667,7 @@
                   <a:srgbClr val="0000FF"/>
                 </a:solidFill>
                 <a:latin typeface="+mj-lt"/>
-                <a:ea typeface="宋体" pitchFamily="2" charset="-122"/>
+                <a:ea typeface="宋体" panose="02010600030101010101" pitchFamily="2" charset="-122"/>
               </a:rPr>
               <a:t>声明三个对象属性，分别表示</a:t>
             </a:r>
@@ -6681,7 +6677,7 @@
                   <a:srgbClr val="0000FF"/>
                 </a:solidFill>
                 <a:latin typeface="+mj-lt"/>
-                <a:ea typeface="宋体" pitchFamily="2" charset="-122"/>
+                <a:ea typeface="宋体" panose="02010600030101010101" pitchFamily="2" charset="-122"/>
               </a:rPr>
               <a:t>成员</a:t>
             </a:r>
@@ -6691,14 +6687,14 @@
                   <a:srgbClr val="0000FF"/>
                 </a:solidFill>
                 <a:latin typeface="+mj-lt"/>
-                <a:ea typeface="宋体" pitchFamily="2" charset="-122"/>
+                <a:ea typeface="宋体" panose="02010600030101010101" pitchFamily="2" charset="-122"/>
               </a:rPr>
               <a:t>的状态</a:t>
             </a:r>
             <a:r>
               <a:rPr lang="zh-CN" altLang="en-US" sz="1725">
                 <a:latin typeface="+mj-lt"/>
-                <a:ea typeface="宋体" pitchFamily="2" charset="-122"/>
+                <a:ea typeface="宋体" panose="02010600030101010101" pitchFamily="2" charset="-122"/>
               </a:rPr>
               <a:t>。</a:t>
             </a:r>
@@ -6707,11 +6703,11 @@
                 <a:srgbClr val="0000FF"/>
               </a:solidFill>
               <a:latin typeface="+mj-lt"/>
-              <a:ea typeface="宋体" pitchFamily="2" charset="-122"/>
-            </a:endParaRPr>
-          </a:p>
-          <a:p>
-            <a:pPr marL="878680" lvl="2" indent="-285750">
+              <a:ea typeface="宋体" panose="02010600030101010101" pitchFamily="2" charset="-122"/>
+            </a:endParaRPr>
+          </a:p>
+          <a:p>
+            <a:pPr marL="878840" lvl="2" indent="-285750">
               <a:buFont typeface="Wingdings" panose="05000000000000000000" pitchFamily="2" charset="2"/>
               <a:buChar char="ü"/>
               <a:defRPr/>
@@ -6722,7 +6718,7 @@
                   <a:srgbClr val="0000FF"/>
                 </a:solidFill>
                 <a:latin typeface="+mj-lt"/>
-                <a:ea typeface="宋体" pitchFamily="2" charset="-122"/>
+                <a:ea typeface="宋体" panose="02010600030101010101" pitchFamily="2" charset="-122"/>
               </a:rPr>
               <a:t>FREE-</a:t>
             </a:r>
@@ -6732,7 +6728,7 @@
                   <a:srgbClr val="0000FF"/>
                 </a:solidFill>
                 <a:latin typeface="+mj-lt"/>
-                <a:ea typeface="宋体" pitchFamily="2" charset="-122"/>
+                <a:ea typeface="宋体" panose="02010600030101010101" pitchFamily="2" charset="-122"/>
               </a:rPr>
               <a:t>空闲</a:t>
             </a:r>
@@ -6741,11 +6737,11 @@
                 <a:srgbClr val="0000FF"/>
               </a:solidFill>
               <a:latin typeface="+mj-lt"/>
-              <a:ea typeface="宋体" pitchFamily="2" charset="-122"/>
-            </a:endParaRPr>
-          </a:p>
-          <a:p>
-            <a:pPr marL="878680" lvl="2" indent="-285750">
+              <a:ea typeface="宋体" panose="02010600030101010101" pitchFamily="2" charset="-122"/>
+            </a:endParaRPr>
+          </a:p>
+          <a:p>
+            <a:pPr marL="878840" lvl="2" indent="-285750">
               <a:buFont typeface="Wingdings" panose="05000000000000000000" pitchFamily="2" charset="2"/>
               <a:buChar char="ü"/>
               <a:defRPr/>
@@ -6756,7 +6752,7 @@
                   <a:srgbClr val="0000FF"/>
                 </a:solidFill>
                 <a:latin typeface="+mj-lt"/>
-                <a:ea typeface="宋体" pitchFamily="2" charset="-122"/>
+                <a:ea typeface="宋体" panose="02010600030101010101" pitchFamily="2" charset="-122"/>
               </a:rPr>
               <a:t>BUSY-</a:t>
             </a:r>
@@ -6766,7 +6762,7 @@
                   <a:srgbClr val="0000FF"/>
                 </a:solidFill>
                 <a:latin typeface="+mj-lt"/>
-                <a:ea typeface="宋体" pitchFamily="2" charset="-122"/>
+                <a:ea typeface="宋体" panose="02010600030101010101" pitchFamily="2" charset="-122"/>
               </a:rPr>
               <a:t>已加入开发团队</a:t>
             </a:r>
@@ -6775,11 +6771,11 @@
                 <a:srgbClr val="0000FF"/>
               </a:solidFill>
               <a:latin typeface="+mj-lt"/>
-              <a:ea typeface="宋体" pitchFamily="2" charset="-122"/>
-            </a:endParaRPr>
-          </a:p>
-          <a:p>
-            <a:pPr marL="878680" lvl="2" indent="-285750">
+              <a:ea typeface="宋体" panose="02010600030101010101" pitchFamily="2" charset="-122"/>
+            </a:endParaRPr>
+          </a:p>
+          <a:p>
+            <a:pPr marL="878840" lvl="2" indent="-285750">
               <a:buFont typeface="Wingdings" panose="05000000000000000000" pitchFamily="2" charset="2"/>
               <a:buChar char="ü"/>
               <a:defRPr/>
@@ -6790,7 +6786,7 @@
                   <a:srgbClr val="0000FF"/>
                 </a:solidFill>
                 <a:latin typeface="+mj-lt"/>
-                <a:ea typeface="宋体" pitchFamily="2" charset="-122"/>
+                <a:ea typeface="宋体" panose="02010600030101010101" pitchFamily="2" charset="-122"/>
               </a:rPr>
               <a:t>VOCATION-</a:t>
             </a:r>
@@ -6800,7 +6796,7 @@
                   <a:srgbClr val="0000FF"/>
                 </a:solidFill>
                 <a:latin typeface="+mj-lt"/>
-                <a:ea typeface="宋体" pitchFamily="2" charset="-122"/>
+                <a:ea typeface="宋体" panose="02010600030101010101" pitchFamily="2" charset="-122"/>
               </a:rPr>
               <a:t>正在休假</a:t>
             </a:r>
@@ -6809,11 +6805,11 @@
                 <a:srgbClr val="0000FF"/>
               </a:solidFill>
               <a:latin typeface="+mj-lt"/>
-              <a:ea typeface="宋体" pitchFamily="2" charset="-122"/>
-            </a:endParaRPr>
-          </a:p>
-          <a:p>
-            <a:pPr marL="677465" lvl="1" indent="-342900">
+              <a:ea typeface="宋体" panose="02010600030101010101" pitchFamily="2" charset="-122"/>
+            </a:endParaRPr>
+          </a:p>
+          <a:p>
+            <a:pPr marL="677545" lvl="1" indent="-342900">
               <a:buFont typeface="Wingdings" panose="05000000000000000000" pitchFamily="2" charset="2"/>
               <a:buChar char="Ø"/>
               <a:defRPr/>
@@ -6825,13 +6821,13 @@
             <a:r>
               <a:rPr lang="zh-CN" altLang="en-US" sz="1950" dirty="0">
                 <a:latin typeface="+mj-lt"/>
-                <a:ea typeface="宋体" pitchFamily="2" charset="-122"/>
+                <a:ea typeface="宋体" panose="02010600030101010101" pitchFamily="2" charset="-122"/>
               </a:rPr>
               <a:t>表示该成员领用的设备</a:t>
             </a:r>
             <a:endParaRPr lang="en-US" altLang="zh-CN" sz="1950" dirty="0">
               <a:latin typeface="+mj-lt"/>
-              <a:ea typeface="宋体" pitchFamily="2" charset="-122"/>
+              <a:ea typeface="宋体" panose="02010600030101010101" pitchFamily="2" charset="-122"/>
             </a:endParaRPr>
           </a:p>
           <a:p>
@@ -6841,54 +6837,54 @@
             <a:r>
               <a:rPr lang="zh-CN" altLang="en-US" sz="2325" dirty="0">
                 <a:latin typeface="+mj-lt"/>
-                <a:ea typeface="宋体" pitchFamily="2" charset="-122"/>
+                <a:ea typeface="宋体" panose="02010600030101010101" pitchFamily="2" charset="-122"/>
               </a:rPr>
               <a:t>可</a:t>
             </a:r>
             <a:r>
               <a:rPr lang="zh-CN" altLang="en-US" sz="2325">
                 <a:latin typeface="+mj-lt"/>
-                <a:ea typeface="宋体" pitchFamily="2" charset="-122"/>
+                <a:ea typeface="宋体" panose="02010600030101010101" pitchFamily="2" charset="-122"/>
               </a:rPr>
               <a:t>根据需要为</a:t>
             </a:r>
             <a:r>
               <a:rPr lang="zh-CN" altLang="en-US" sz="2325" dirty="0">
                 <a:latin typeface="+mj-lt"/>
-                <a:ea typeface="宋体" pitchFamily="2" charset="-122"/>
+                <a:ea typeface="宋体" panose="02010600030101010101" pitchFamily="2" charset="-122"/>
               </a:rPr>
               <a:t>类提供各属性的</a:t>
             </a:r>
             <a:r>
               <a:rPr lang="en-US" altLang="zh-CN" sz="2325" dirty="0">
                 <a:latin typeface="+mj-lt"/>
-                <a:ea typeface="宋体" pitchFamily="2" charset="-122"/>
+                <a:ea typeface="宋体" panose="02010600030101010101" pitchFamily="2" charset="-122"/>
               </a:rPr>
               <a:t>get/set</a:t>
             </a:r>
             <a:r>
               <a:rPr lang="zh-CN" altLang="en-US" sz="2325" dirty="0">
                 <a:latin typeface="+mj-lt"/>
-                <a:ea typeface="宋体" pitchFamily="2" charset="-122"/>
+                <a:ea typeface="宋体" panose="02010600030101010101" pitchFamily="2" charset="-122"/>
               </a:rPr>
               <a:t>方法以及</a:t>
             </a:r>
             <a:r>
               <a:rPr lang="zh-CN" altLang="en-US" sz="2325" dirty="0">
-                <a:ea typeface="宋体" pitchFamily="2" charset="-122"/>
+                <a:ea typeface="宋体" panose="02010600030101010101" pitchFamily="2" charset="-122"/>
               </a:rPr>
               <a:t>重载</a:t>
             </a:r>
             <a:r>
               <a:rPr lang="zh-CN" altLang="en-US" sz="2325" dirty="0">
                 <a:latin typeface="+mj-lt"/>
-                <a:ea typeface="宋体" pitchFamily="2" charset="-122"/>
+                <a:ea typeface="宋体" panose="02010600030101010101" pitchFamily="2" charset="-122"/>
               </a:rPr>
               <a:t>构造器</a:t>
             </a:r>
             <a:endParaRPr lang="en-US" altLang="zh-CN" sz="2325" dirty="0">
               <a:latin typeface="+mj-lt"/>
-              <a:ea typeface="宋体" pitchFamily="2" charset="-122"/>
+              <a:ea typeface="宋体" panose="02010600030101010101" pitchFamily="2" charset="-122"/>
             </a:endParaRPr>
           </a:p>
         </p:txBody>
@@ -6935,6 +6931,7 @@
               <a:rPr lang="en-US" altLang="zh-CN" sz="1200" dirty="0"/>
               <a:t>Employee</a:t>
             </a:r>
+            <a:endParaRPr lang="en-US" altLang="zh-CN" sz="1200" dirty="0"/>
           </a:p>
         </p:txBody>
       </p:sp>
@@ -6989,6 +6986,7 @@
               <a:rPr lang="en-US" altLang="zh-CN" sz="1200" dirty="0"/>
               <a:t> </a:t>
             </a:r>
+            <a:endParaRPr lang="en-US" altLang="zh-CN" sz="1200" dirty="0"/>
           </a:p>
           <a:p>
             <a:pPr algn="l">
@@ -7084,6 +7082,7 @@
               <a:rPr lang="en-US" altLang="zh-CN" sz="1200" dirty="0"/>
               <a:t> , name: String, </a:t>
             </a:r>
+            <a:endParaRPr lang="en-US" altLang="zh-CN" sz="1200" dirty="0"/>
           </a:p>
           <a:p>
             <a:pPr algn="l"/>
@@ -7145,6 +7144,7 @@
               <a:rPr lang="en-US" altLang="zh-CN" sz="1200" dirty="0"/>
               <a:t>Programmer</a:t>
             </a:r>
+            <a:endParaRPr lang="en-US" altLang="zh-CN" sz="1200" dirty="0"/>
           </a:p>
         </p:txBody>
       </p:sp>
@@ -7241,6 +7241,7 @@
               <a:rPr lang="en-US" altLang="zh-CN" sz="1200" dirty="0"/>
               <a:t> equipment: Equipment</a:t>
             </a:r>
+            <a:endParaRPr lang="en-US" altLang="zh-CN" sz="1200" dirty="0"/>
           </a:p>
         </p:txBody>
       </p:sp>
@@ -7295,6 +7296,7 @@
               <a:rPr lang="en-US" altLang="zh-CN" sz="1200" dirty="0"/>
               <a:t> , name: String, </a:t>
             </a:r>
+            <a:endParaRPr lang="en-US" altLang="zh-CN" sz="1200" dirty="0"/>
           </a:p>
           <a:p>
             <a:pPr algn="l"/>
@@ -7310,6 +7312,7 @@
               <a:rPr lang="en-US" altLang="zh-CN" sz="1200" dirty="0"/>
               <a:t>, salary: double,</a:t>
             </a:r>
+            <a:endParaRPr lang="en-US" altLang="zh-CN" sz="1200" dirty="0"/>
           </a:p>
           <a:p>
             <a:pPr algn="l"/>
@@ -7322,11 +7325,6 @@
         </p:txBody>
       </p:sp>
     </p:spTree>
-    <p:extLst>
-      <p:ext uri="{BB962C8B-B14F-4D97-AF65-F5344CB8AC3E}">
-        <p14:creationId xmlns:p14="http://schemas.microsoft.com/office/powerpoint/2010/main" val="2598804845"/>
-      </p:ext>
-    </p:extLst>
   </p:cSld>
   <p:clrMapOvr>
     <a:masterClrMapping/>
@@ -7385,7 +7383,7 @@
                   <a:srgbClr val="000000"/>
                 </a:solidFill>
                 <a:latin typeface="+mn-lt"/>
-                <a:ea typeface="굴림"/>
+                <a:ea typeface="Gulim" panose="020B0600000101010101" pitchFamily="34" charset="-127"/>
               </a:rPr>
               <a:t>Status</a:t>
             </a:r>
@@ -7436,13 +7434,13 @@
             </a:pPr>
             <a:r>
               <a:rPr lang="en-US" altLang="zh-CN" dirty="0" smtClean="0">
-                <a:ea typeface="宋体" pitchFamily="2" charset="-122"/>
+                <a:ea typeface="宋体" panose="02010600030101010101" pitchFamily="2" charset="-122"/>
               </a:rPr>
               <a:t>Status</a:t>
             </a:r>
             <a:r>
               <a:rPr lang="zh-CN" altLang="en-US" dirty="0" smtClean="0">
-                <a:ea typeface="宋体" pitchFamily="2" charset="-122"/>
+                <a:ea typeface="宋体" panose="02010600030101010101" pitchFamily="2" charset="-122"/>
               </a:rPr>
               <a:t>枚举类位于</a:t>
             </a:r>
@@ -7452,24 +7450,24 @@
             </a:r>
             <a:r>
               <a:rPr lang="zh-CN" altLang="en-US" smtClean="0">
-                <a:ea typeface="宋体" pitchFamily="2" charset="-122"/>
+                <a:ea typeface="宋体" panose="02010600030101010101" pitchFamily="2" charset="-122"/>
               </a:rPr>
               <a:t>包中，封装员工的状态。其</a:t>
             </a:r>
             <a:r>
               <a:rPr lang="zh-CN" altLang="en-US" dirty="0" smtClean="0">
-                <a:ea typeface="宋体" pitchFamily="2" charset="-122"/>
+                <a:ea typeface="宋体" panose="02010600030101010101" pitchFamily="2" charset="-122"/>
               </a:rPr>
               <a:t>代码</a:t>
             </a:r>
             <a:r>
               <a:rPr lang="zh-CN" altLang="en-US" smtClean="0">
-                <a:ea typeface="宋体" pitchFamily="2" charset="-122"/>
+                <a:ea typeface="宋体" panose="02010600030101010101" pitchFamily="2" charset="-122"/>
               </a:rPr>
               <a:t>如下：</a:t>
             </a:r>
             <a:endParaRPr lang="en-US" altLang="zh-CN" dirty="0" smtClean="0">
-              <a:ea typeface="宋体" pitchFamily="2" charset="-122"/>
+              <a:ea typeface="宋体" panose="02010600030101010101" pitchFamily="2" charset="-122"/>
             </a:endParaRPr>
           </a:p>
         </p:txBody>
@@ -7513,6 +7511,12 @@
               </a:rPr>
               <a:t> com.atguigu.team.service;</a:t>
             </a:r>
+            <a:endParaRPr lang="en-US" altLang="zh-CN" sz="1400" b="1">
+              <a:solidFill>
+                <a:srgbClr val="000000"/>
+              </a:solidFill>
+              <a:latin typeface="Consolas" panose="020B0609020204030204" pitchFamily="49" charset="0"/>
+            </a:endParaRPr>
           </a:p>
           <a:p>
             <a:r>
@@ -7551,6 +7555,12 @@
               </a:rPr>
               <a:t> Status {</a:t>
             </a:r>
+            <a:endParaRPr lang="en-US" altLang="zh-CN" sz="1400" b="1">
+              <a:solidFill>
+                <a:srgbClr val="000000"/>
+              </a:solidFill>
+              <a:latin typeface="Consolas" panose="020B0609020204030204" pitchFamily="49" charset="0"/>
+            </a:endParaRPr>
           </a:p>
           <a:p>
             <a:r>
@@ -7607,6 +7617,12 @@
               </a:rPr>
               <a:t>;</a:t>
             </a:r>
+            <a:endParaRPr lang="en-US" altLang="zh-CN" sz="1400" b="1">
+              <a:solidFill>
+                <a:srgbClr val="000000"/>
+              </a:solidFill>
+              <a:latin typeface="Consolas" panose="020B0609020204030204" pitchFamily="49" charset="0"/>
+            </a:endParaRPr>
           </a:p>
           <a:p>
             <a:r>
@@ -7663,6 +7679,12 @@
               </a:rPr>
               <a:t>) {</a:t>
             </a:r>
+            <a:endParaRPr lang="en-US" altLang="zh-CN" sz="1400" b="1">
+              <a:solidFill>
+                <a:srgbClr val="000000"/>
+              </a:solidFill>
+              <a:latin typeface="Consolas" panose="020B0609020204030204" pitchFamily="49" charset="0"/>
+            </a:endParaRPr>
           </a:p>
           <a:p>
             <a:r>
@@ -7728,6 +7750,12 @@
               </a:rPr>
               <a:t>;</a:t>
             </a:r>
+            <a:endParaRPr lang="en-US" altLang="zh-CN" sz="1400" b="1">
+              <a:solidFill>
+                <a:srgbClr val="000000"/>
+              </a:solidFill>
+              <a:latin typeface="Consolas" panose="020B0609020204030204" pitchFamily="49" charset="0"/>
+            </a:endParaRPr>
           </a:p>
           <a:p>
             <a:r>
@@ -7855,6 +7883,12 @@
               </a:rPr>
               <a:t>);</a:t>
             </a:r>
+            <a:endParaRPr lang="en-US" altLang="zh-CN" sz="1400" b="1">
+              <a:solidFill>
+                <a:srgbClr val="000000"/>
+              </a:solidFill>
+              <a:latin typeface="Consolas" panose="020B0609020204030204" pitchFamily="49" charset="0"/>
+            </a:endParaRPr>
           </a:p>
           <a:p>
             <a:r>
@@ -7965,6 +7999,12 @@
               </a:rPr>
               <a:t>);</a:t>
             </a:r>
+            <a:endParaRPr lang="en-US" altLang="zh-CN" sz="1400" b="1">
+              <a:solidFill>
+                <a:srgbClr val="000000"/>
+              </a:solidFill>
+              <a:latin typeface="Consolas" panose="020B0609020204030204" pitchFamily="49" charset="0"/>
+            </a:endParaRPr>
           </a:p>
           <a:p>
             <a:r>
@@ -8075,6 +8115,12 @@
               </a:rPr>
               <a:t>);</a:t>
             </a:r>
+            <a:endParaRPr lang="en-US" altLang="zh-CN" sz="1400" b="1">
+              <a:solidFill>
+                <a:srgbClr val="000000"/>
+              </a:solidFill>
+              <a:latin typeface="Consolas" panose="020B0609020204030204" pitchFamily="49" charset="0"/>
+            </a:endParaRPr>
           </a:p>
           <a:p>
             <a:r>
@@ -8104,6 +8150,12 @@
               </a:rPr>
               <a:t>String getNAME() {</a:t>
             </a:r>
+            <a:endParaRPr lang="en-US" altLang="zh-CN" sz="1400" b="1">
+              <a:solidFill>
+                <a:srgbClr val="000000"/>
+              </a:solidFill>
+              <a:latin typeface="Consolas" panose="020B0609020204030204" pitchFamily="49" charset="0"/>
+            </a:endParaRPr>
           </a:p>
           <a:p>
             <a:r>
@@ -8142,6 +8194,12 @@
               </a:rPr>
               <a:t>;</a:t>
             </a:r>
+            <a:endParaRPr lang="en-US" altLang="zh-CN" sz="1400" b="1">
+              <a:solidFill>
+                <a:srgbClr val="000000"/>
+              </a:solidFill>
+              <a:latin typeface="Consolas" panose="020B0609020204030204" pitchFamily="49" charset="0"/>
+            </a:endParaRPr>
           </a:p>
           <a:p>
             <a:r>
@@ -8179,6 +8237,12 @@
               </a:rPr>
               <a:t>Override</a:t>
             </a:r>
+            <a:endParaRPr lang="en-US" altLang="zh-CN" sz="1400">
+              <a:solidFill>
+                <a:srgbClr val="646464"/>
+              </a:solidFill>
+              <a:latin typeface="Consolas" panose="020B0609020204030204" pitchFamily="49" charset="0"/>
+            </a:endParaRPr>
           </a:p>
           <a:p>
             <a:r>
@@ -8208,6 +8272,12 @@
               </a:rPr>
               <a:t>String toString() {</a:t>
             </a:r>
+            <a:endParaRPr lang="en-US" altLang="zh-CN" sz="1400" b="1">
+              <a:solidFill>
+                <a:srgbClr val="000000"/>
+              </a:solidFill>
+              <a:latin typeface="Consolas" panose="020B0609020204030204" pitchFamily="49" charset="0"/>
+            </a:endParaRPr>
           </a:p>
           <a:p>
             <a:r>
@@ -8246,6 +8316,12 @@
               </a:rPr>
               <a:t>;</a:t>
             </a:r>
+            <a:endParaRPr lang="en-US" altLang="zh-CN" sz="1400" b="1">
+              <a:solidFill>
+                <a:srgbClr val="000000"/>
+              </a:solidFill>
+              <a:latin typeface="Consolas" panose="020B0609020204030204" pitchFamily="49" charset="0"/>
+            </a:endParaRPr>
           </a:p>
           <a:p>
             <a:r>
@@ -8284,11 +8360,6 @@
         </p:txBody>
       </p:sp>
     </p:spTree>
-    <p:extLst>
-      <p:ext uri="{BB962C8B-B14F-4D97-AF65-F5344CB8AC3E}">
-        <p14:creationId xmlns:p14="http://schemas.microsoft.com/office/powerpoint/2010/main" val="543103440"/>
-      </p:ext>
-    </p:extLst>
   </p:cSld>
   <p:clrMapOvr>
     <a:masterClrMapping/>
@@ -8347,7 +8418,7 @@
                   <a:srgbClr val="000000"/>
                 </a:solidFill>
                 <a:latin typeface="+mn-lt"/>
-                <a:ea typeface="굴림"/>
+                <a:ea typeface="Gulim" panose="020B0600000101010101" pitchFamily="34" charset="-127"/>
               </a:rPr>
               <a:t>Employee</a:t>
             </a:r>
@@ -8395,7 +8466,7 @@
             </a:pPr>
             <a:endParaRPr lang="en-US" altLang="zh-CN" dirty="0" smtClean="0">
               <a:latin typeface="+mj-lt"/>
-              <a:ea typeface="宋体" pitchFamily="2" charset="-122"/>
+              <a:ea typeface="宋体" panose="02010600030101010101" pitchFamily="2" charset="-122"/>
             </a:endParaRPr>
           </a:p>
           <a:p>
@@ -8404,7 +8475,7 @@
             </a:pPr>
             <a:endParaRPr lang="en-US" altLang="zh-CN" dirty="0" smtClean="0">
               <a:latin typeface="+mj-lt"/>
-              <a:ea typeface="宋体" pitchFamily="2" charset="-122"/>
+              <a:ea typeface="宋体" panose="02010600030101010101" pitchFamily="2" charset="-122"/>
             </a:endParaRPr>
           </a:p>
           <a:p>
@@ -8413,7 +8484,7 @@
             </a:pPr>
             <a:endParaRPr lang="en-US" altLang="zh-CN" dirty="0" smtClean="0">
               <a:latin typeface="+mj-lt"/>
-              <a:ea typeface="宋体" pitchFamily="2" charset="-122"/>
+              <a:ea typeface="宋体" panose="02010600030101010101" pitchFamily="2" charset="-122"/>
             </a:endParaRPr>
           </a:p>
           <a:p>
@@ -8423,7 +8494,7 @@
             </a:pPr>
             <a:endParaRPr lang="en-US" altLang="zh-CN" dirty="0" smtClean="0">
               <a:latin typeface="+mj-lt"/>
-              <a:ea typeface="宋体" pitchFamily="2" charset="-122"/>
+              <a:ea typeface="宋体" panose="02010600030101010101" pitchFamily="2" charset="-122"/>
             </a:endParaRPr>
           </a:p>
           <a:p>
@@ -8433,17 +8504,17 @@
             <a:r>
               <a:rPr lang="zh-CN" altLang="en-US" dirty="0" smtClean="0">
                 <a:latin typeface="+mj-lt"/>
-                <a:ea typeface="宋体" pitchFamily="2" charset="-122"/>
+                <a:ea typeface="宋体" panose="02010600030101010101" pitchFamily="2" charset="-122"/>
               </a:rPr>
               <a:t>说明：</a:t>
             </a:r>
             <a:endParaRPr lang="en-US" altLang="zh-CN" dirty="0" smtClean="0">
               <a:latin typeface="+mj-lt"/>
-              <a:ea typeface="宋体" pitchFamily="2" charset="-122"/>
-            </a:endParaRPr>
-          </a:p>
-          <a:p>
-            <a:pPr marL="620315" lvl="1" indent="-285750">
+              <a:ea typeface="宋体" panose="02010600030101010101" pitchFamily="2" charset="-122"/>
+            </a:endParaRPr>
+          </a:p>
+          <a:p>
+            <a:pPr marL="620395" lvl="1" indent="-285750">
               <a:buFont typeface="Wingdings" panose="05000000000000000000" pitchFamily="2" charset="2"/>
               <a:buChar char="Ø"/>
               <a:defRPr/>
@@ -8459,17 +8530,17 @@
             <a:r>
               <a:rPr lang="zh-CN" altLang="en-US" sz="1575">
                 <a:latin typeface="+mj-lt"/>
-                <a:ea typeface="宋体" pitchFamily="2" charset="-122"/>
+                <a:ea typeface="宋体" panose="02010600030101010101" pitchFamily="2" charset="-122"/>
               </a:rPr>
               <a:t> 表示奖金</a:t>
             </a:r>
             <a:endParaRPr lang="en-US" altLang="zh-CN" sz="1575" dirty="0">
               <a:latin typeface="+mj-lt"/>
-              <a:ea typeface="宋体" pitchFamily="2" charset="-122"/>
-            </a:endParaRPr>
-          </a:p>
-          <a:p>
-            <a:pPr marL="620315" lvl="1" indent="-285750">
+              <a:ea typeface="宋体" panose="02010600030101010101" pitchFamily="2" charset="-122"/>
+            </a:endParaRPr>
+          </a:p>
+          <a:p>
+            <a:pPr marL="620395" lvl="1" indent="-285750">
               <a:buFont typeface="Wingdings" panose="05000000000000000000" pitchFamily="2" charset="2"/>
               <a:buChar char="Ø"/>
               <a:defRPr/>
@@ -8485,20 +8556,20 @@
             <a:r>
               <a:rPr lang="zh-CN" altLang="en-US" sz="1575">
                 <a:latin typeface="+mj-lt"/>
-                <a:ea typeface="宋体" pitchFamily="2" charset="-122"/>
+                <a:ea typeface="宋体" panose="02010600030101010101" pitchFamily="2" charset="-122"/>
               </a:rPr>
               <a:t>表示</a:t>
             </a:r>
             <a:r>
               <a:rPr lang="zh-CN" altLang="en-US" sz="1575" dirty="0">
                 <a:latin typeface="+mj-lt"/>
-                <a:ea typeface="宋体" pitchFamily="2" charset="-122"/>
+                <a:ea typeface="宋体" panose="02010600030101010101" pitchFamily="2" charset="-122"/>
               </a:rPr>
               <a:t>公司奖励的股票数量</a:t>
             </a:r>
             <a:endParaRPr lang="en-US" altLang="zh-CN" sz="1575" dirty="0">
               <a:latin typeface="+mj-lt"/>
-              <a:ea typeface="宋体" pitchFamily="2" charset="-122"/>
+              <a:ea typeface="宋体" panose="02010600030101010101" pitchFamily="2" charset="-122"/>
             </a:endParaRPr>
           </a:p>
           <a:p>
@@ -8508,53 +8579,53 @@
             <a:r>
               <a:rPr lang="zh-CN" altLang="en-US" dirty="0" smtClean="0">
                 <a:latin typeface="+mj-lt"/>
-                <a:ea typeface="宋体" pitchFamily="2" charset="-122"/>
+                <a:ea typeface="宋体" panose="02010600030101010101" pitchFamily="2" charset="-122"/>
               </a:rPr>
               <a:t>可</a:t>
             </a:r>
             <a:r>
               <a:rPr lang="zh-CN" altLang="en-US" smtClean="0">
                 <a:latin typeface="+mj-lt"/>
-                <a:ea typeface="宋体" pitchFamily="2" charset="-122"/>
+                <a:ea typeface="宋体" panose="02010600030101010101" pitchFamily="2" charset="-122"/>
               </a:rPr>
               <a:t>根据需要</a:t>
             </a:r>
             <a:r>
               <a:rPr lang="zh-CN" altLang="en-US" smtClean="0">
-                <a:ea typeface="宋体" pitchFamily="2" charset="-122"/>
+                <a:ea typeface="宋体" panose="02010600030101010101" pitchFamily="2" charset="-122"/>
               </a:rPr>
               <a:t>为</a:t>
             </a:r>
             <a:r>
               <a:rPr lang="zh-CN" altLang="en-US" dirty="0" smtClean="0">
-                <a:ea typeface="宋体" pitchFamily="2" charset="-122"/>
+                <a:ea typeface="宋体" panose="02010600030101010101" pitchFamily="2" charset="-122"/>
               </a:rPr>
               <a:t>类</a:t>
             </a:r>
             <a:r>
               <a:rPr lang="zh-CN" altLang="en-US" dirty="0" smtClean="0">
                 <a:latin typeface="+mj-lt"/>
-                <a:ea typeface="宋体" pitchFamily="2" charset="-122"/>
+                <a:ea typeface="宋体" panose="02010600030101010101" pitchFamily="2" charset="-122"/>
               </a:rPr>
               <a:t>提供各属性的</a:t>
             </a:r>
             <a:r>
               <a:rPr lang="en-US" altLang="zh-CN" dirty="0" smtClean="0">
                 <a:latin typeface="+mj-lt"/>
-                <a:ea typeface="宋体" pitchFamily="2" charset="-122"/>
+                <a:ea typeface="宋体" panose="02010600030101010101" pitchFamily="2" charset="-122"/>
               </a:rPr>
               <a:t>get/set</a:t>
             </a:r>
             <a:r>
               <a:rPr lang="zh-CN" altLang="en-US" dirty="0" smtClean="0">
                 <a:latin typeface="+mj-lt"/>
-                <a:ea typeface="宋体" pitchFamily="2" charset="-122"/>
+                <a:ea typeface="宋体" panose="02010600030101010101" pitchFamily="2" charset="-122"/>
               </a:rPr>
               <a:t>方法以及重载构造器</a:t>
             </a:r>
             <a:endParaRPr lang="en-US" altLang="zh-CN" dirty="0" smtClean="0">
               <a:latin typeface="+mj-lt"/>
-              <a:ea typeface="宋体" pitchFamily="2" charset="-122"/>
+              <a:ea typeface="宋体" panose="02010600030101010101" pitchFamily="2" charset="-122"/>
             </a:endParaRPr>
           </a:p>
         </p:txBody>
@@ -8601,6 +8672,7 @@
               <a:rPr lang="en-US" altLang="zh-CN" sz="1200" dirty="0"/>
               <a:t>Designer</a:t>
             </a:r>
+            <a:endParaRPr lang="en-US" altLang="zh-CN" sz="1200" dirty="0"/>
           </a:p>
         </p:txBody>
       </p:sp>
@@ -8650,6 +8722,7 @@
               <a:rPr lang="en-US" altLang="zh-CN" sz="1200" dirty="0"/>
               <a:t>bonus : double</a:t>
             </a:r>
+            <a:endParaRPr lang="en-US" altLang="zh-CN" sz="1200" dirty="0"/>
           </a:p>
           <a:p>
             <a:pPr algn="l">
@@ -8711,6 +8784,7 @@
               <a:rPr lang="en-US" altLang="zh-CN" sz="1200" dirty="0"/>
               <a:t> , name: String, </a:t>
             </a:r>
+            <a:endParaRPr lang="en-US" altLang="zh-CN" sz="1200" dirty="0"/>
           </a:p>
           <a:p>
             <a:pPr algn="l"/>
@@ -8726,6 +8800,7 @@
               <a:rPr lang="en-US" altLang="zh-CN" sz="1200" dirty="0"/>
               <a:t>, salary: double,</a:t>
             </a:r>
+            <a:endParaRPr lang="en-US" altLang="zh-CN" sz="1200" dirty="0"/>
           </a:p>
           <a:p>
             <a:pPr algn="l"/>
@@ -8733,6 +8808,7 @@
               <a:rPr lang="en-US" altLang="zh-CN" sz="1200" dirty="0"/>
               <a:t>                   equipment: Equipment,</a:t>
             </a:r>
+            <a:endParaRPr lang="en-US" altLang="zh-CN" sz="1200" dirty="0"/>
           </a:p>
           <a:p>
             <a:pPr algn="l"/>
@@ -8786,6 +8862,7 @@
               <a:rPr lang="en-US" altLang="zh-CN" sz="1200" dirty="0"/>
               <a:t>Architect</a:t>
             </a:r>
+            <a:endParaRPr lang="en-US" altLang="zh-CN" sz="1200" dirty="0"/>
           </a:p>
         </p:txBody>
       </p:sp>
@@ -8901,6 +8978,7 @@
               <a:rPr lang="en-US" altLang="zh-CN" sz="1200" dirty="0"/>
               <a:t> , name: String, </a:t>
             </a:r>
+            <a:endParaRPr lang="en-US" altLang="zh-CN" sz="1200" dirty="0"/>
           </a:p>
           <a:p>
             <a:pPr algn="l"/>
@@ -8916,6 +8994,7 @@
               <a:rPr lang="en-US" altLang="zh-CN" sz="1200" dirty="0"/>
               <a:t>, salary: double,</a:t>
             </a:r>
+            <a:endParaRPr lang="en-US" altLang="zh-CN" sz="1200" dirty="0"/>
           </a:p>
           <a:p>
             <a:pPr algn="l"/>
@@ -8923,6 +9002,7 @@
               <a:rPr lang="en-US" altLang="zh-CN" sz="1200" dirty="0"/>
               <a:t>                   equipment: Equipment,</a:t>
             </a:r>
+            <a:endParaRPr lang="en-US" altLang="zh-CN" sz="1200" dirty="0"/>
           </a:p>
           <a:p>
             <a:pPr algn="l"/>
@@ -8943,11 +9023,6 @@
         </p:txBody>
       </p:sp>
     </p:spTree>
-    <p:extLst>
-      <p:ext uri="{BB962C8B-B14F-4D97-AF65-F5344CB8AC3E}">
-        <p14:creationId xmlns:p14="http://schemas.microsoft.com/office/powerpoint/2010/main" val="2753010974"/>
-      </p:ext>
-    </p:extLst>
   </p:cSld>
   <p:clrMapOvr>
     <a:masterClrMapping/>
@@ -9006,7 +9081,7 @@
                   <a:srgbClr val="000000"/>
                 </a:solidFill>
                 <a:latin typeface="+mn-lt"/>
-                <a:ea typeface="宋体" charset="-122"/>
+                <a:ea typeface="宋体" panose="02010600030101010101" pitchFamily="2" charset="-122"/>
               </a:rPr>
               <a:t>第</a:t>
             </a:r>
@@ -9016,7 +9091,7 @@
                   <a:srgbClr val="000000"/>
                 </a:solidFill>
                 <a:latin typeface="+mn-lt"/>
-                <a:ea typeface="宋体" charset="-122"/>
+                <a:ea typeface="宋体" panose="02010600030101010101" pitchFamily="2" charset="-122"/>
               </a:rPr>
               <a:t>2</a:t>
             </a:r>
@@ -9026,7 +9101,7 @@
                   <a:srgbClr val="000000"/>
                 </a:solidFill>
                 <a:latin typeface="+mn-lt"/>
-                <a:ea typeface="宋体" charset="-122"/>
+                <a:ea typeface="宋体" panose="02010600030101010101" pitchFamily="2" charset="-122"/>
               </a:rPr>
               <a:t>步 </a:t>
             </a:r>
@@ -9036,7 +9111,7 @@
                   <a:srgbClr val="000000"/>
                 </a:solidFill>
                 <a:latin typeface="+mn-lt"/>
-                <a:ea typeface="宋体" charset="-122"/>
+                <a:ea typeface="宋体" panose="02010600030101010101" pitchFamily="2" charset="-122"/>
               </a:rPr>
               <a:t>— </a:t>
             </a:r>
@@ -9046,7 +9121,7 @@
                   <a:srgbClr val="000000"/>
                 </a:solidFill>
                 <a:latin typeface="+mn-lt"/>
-                <a:ea typeface="宋体" charset="-122"/>
+                <a:ea typeface="宋体" panose="02010600030101010101" pitchFamily="2" charset="-122"/>
               </a:rPr>
               <a:t>实现</a:t>
             </a:r>
@@ -9056,7 +9131,7 @@
                   <a:srgbClr val="000000"/>
                 </a:solidFill>
                 <a:latin typeface="+mn-lt"/>
-                <a:ea typeface="宋体" charset="-122"/>
+                <a:ea typeface="宋体" panose="02010600030101010101" pitchFamily="2" charset="-122"/>
               </a:rPr>
               <a:t>service</a:t>
             </a:r>
@@ -9066,7 +9141,7 @@
                   <a:srgbClr val="000000"/>
                 </a:solidFill>
                 <a:latin typeface="+mn-lt"/>
-                <a:ea typeface="宋体" charset="-122"/>
+                <a:ea typeface="宋体" panose="02010600030101010101" pitchFamily="2" charset="-122"/>
               </a:rPr>
               <a:t>包中的类</a:t>
             </a:r>
@@ -9105,24 +9180,24 @@
             </a:pPr>
             <a:r>
               <a:rPr lang="zh-CN" altLang="en-US" dirty="0">
-                <a:ea typeface="宋体" pitchFamily="2" charset="-122"/>
+                <a:ea typeface="宋体" panose="02010600030101010101" pitchFamily="2" charset="-122"/>
               </a:rPr>
               <a:t>按照设计要求编写</a:t>
             </a:r>
             <a:r>
               <a:rPr lang="en-US" altLang="zh-CN" dirty="0" err="1">
-                <a:ea typeface="宋体" charset="-122"/>
+                <a:ea typeface="宋体" panose="02010600030101010101" pitchFamily="2" charset="-122"/>
               </a:rPr>
               <a:t>NameListService</a:t>
             </a:r>
             <a:r>
               <a:rPr lang="zh-CN" altLang="en-US" dirty="0">
-                <a:ea typeface="宋体" pitchFamily="2" charset="-122"/>
+                <a:ea typeface="宋体" panose="02010600030101010101" pitchFamily="2" charset="-122"/>
               </a:rPr>
               <a:t>类</a:t>
             </a:r>
             <a:endParaRPr lang="en-US" altLang="zh-CN" dirty="0">
-              <a:ea typeface="宋体" pitchFamily="2" charset="-122"/>
+              <a:ea typeface="宋体" panose="02010600030101010101" pitchFamily="2" charset="-122"/>
             </a:endParaRPr>
           </a:p>
           <a:p>
@@ -9133,36 +9208,36 @@
             </a:pPr>
             <a:r>
               <a:rPr lang="zh-CN" altLang="en-US" dirty="0">
-                <a:ea typeface="宋体" pitchFamily="2" charset="-122"/>
+                <a:ea typeface="宋体" panose="02010600030101010101" pitchFamily="2" charset="-122"/>
               </a:rPr>
               <a:t>在</a:t>
             </a:r>
             <a:r>
               <a:rPr lang="en-US" altLang="zh-CN" dirty="0" err="1">
-                <a:ea typeface="宋体" charset="-122"/>
+                <a:ea typeface="宋体" panose="02010600030101010101" pitchFamily="2" charset="-122"/>
               </a:rPr>
               <a:t>NameListService</a:t>
             </a:r>
             <a:r>
               <a:rPr lang="zh-CN" altLang="en-US" dirty="0">
-                <a:ea typeface="宋体" charset="-122"/>
+                <a:ea typeface="宋体" panose="02010600030101010101" pitchFamily="2" charset="-122"/>
               </a:rPr>
               <a:t>类中临时添加一个</a:t>
             </a:r>
             <a:r>
               <a:rPr lang="en-US" altLang="zh-CN" dirty="0">
-                <a:ea typeface="宋体" pitchFamily="2" charset="-122"/>
+                <a:ea typeface="宋体" panose="02010600030101010101" pitchFamily="2" charset="-122"/>
               </a:rPr>
               <a:t>main</a:t>
             </a:r>
             <a:r>
               <a:rPr lang="zh-CN" altLang="en-US" dirty="0">
-                <a:ea typeface="宋体" pitchFamily="2" charset="-122"/>
+                <a:ea typeface="宋体" panose="02010600030101010101" pitchFamily="2" charset="-122"/>
               </a:rPr>
               <a:t>方法中，作为单元测试方法。</a:t>
             </a:r>
             <a:endParaRPr lang="en-US" altLang="zh-CN" dirty="0">
-              <a:ea typeface="宋体" pitchFamily="2" charset="-122"/>
+              <a:ea typeface="宋体" panose="02010600030101010101" pitchFamily="2" charset="-122"/>
             </a:endParaRPr>
           </a:p>
           <a:p>
@@ -9173,24 +9248,24 @@
             </a:pPr>
             <a:r>
               <a:rPr lang="zh-CN" altLang="en-US" dirty="0">
-                <a:ea typeface="宋体" pitchFamily="2" charset="-122"/>
+                <a:ea typeface="宋体" panose="02010600030101010101" pitchFamily="2" charset="-122"/>
               </a:rPr>
               <a:t>在方法中创建</a:t>
             </a:r>
             <a:r>
               <a:rPr lang="en-US" altLang="zh-CN" dirty="0" err="1">
-                <a:ea typeface="宋体" charset="-122"/>
+                <a:ea typeface="宋体" panose="02010600030101010101" pitchFamily="2" charset="-122"/>
               </a:rPr>
               <a:t>NameListService</a:t>
             </a:r>
             <a:r>
               <a:rPr lang="zh-CN" altLang="en-US" dirty="0">
-                <a:ea typeface="宋体" charset="-122"/>
+                <a:ea typeface="宋体" panose="02010600030101010101" pitchFamily="2" charset="-122"/>
               </a:rPr>
               <a:t>对象，然后分别用模拟数据调用该对象的各个方法，以测试是否正确。</a:t>
             </a:r>
             <a:endParaRPr lang="en-US" altLang="zh-CN" dirty="0">
-              <a:ea typeface="宋体" charset="-122"/>
+              <a:ea typeface="宋体" panose="02010600030101010101" pitchFamily="2" charset="-122"/>
             </a:endParaRPr>
           </a:p>
           <a:p>
@@ -9200,18 +9275,18 @@
             </a:pPr>
             <a:r>
               <a:rPr lang="en-US" altLang="zh-CN" dirty="0">
-                <a:ea typeface="宋体" charset="-122"/>
+                <a:ea typeface="宋体" panose="02010600030101010101" pitchFamily="2" charset="-122"/>
               </a:rPr>
               <a:t>	</a:t>
             </a:r>
             <a:r>
               <a:rPr lang="zh-CN" altLang="en-US" dirty="0">
-                <a:ea typeface="宋体" charset="-122"/>
+                <a:ea typeface="宋体" panose="02010600030101010101" pitchFamily="2" charset="-122"/>
               </a:rPr>
               <a:t>注：测试应细化到包含了所有非正常的情况，以确保方法完全正确。</a:t>
             </a:r>
             <a:endParaRPr lang="en-US" altLang="zh-CN" dirty="0">
-              <a:ea typeface="宋体" charset="-122"/>
+              <a:ea typeface="宋体" panose="02010600030101010101" pitchFamily="2" charset="-122"/>
             </a:endParaRPr>
           </a:p>
           <a:p>
@@ -9222,52 +9297,47 @@
             </a:pPr>
             <a:r>
               <a:rPr lang="zh-CN" altLang="en-US" dirty="0">
-                <a:ea typeface="宋体" charset="-122"/>
+                <a:ea typeface="宋体" panose="02010600030101010101" pitchFamily="2" charset="-122"/>
               </a:rPr>
               <a:t>重复</a:t>
             </a:r>
             <a:r>
               <a:rPr lang="en-US" altLang="zh-CN" dirty="0">
-                <a:ea typeface="宋体" charset="-122"/>
+                <a:ea typeface="宋体" panose="02010600030101010101" pitchFamily="2" charset="-122"/>
               </a:rPr>
               <a:t>1-3</a:t>
             </a:r>
             <a:r>
               <a:rPr lang="zh-CN" altLang="en-US" dirty="0">
-                <a:ea typeface="宋体" charset="-122"/>
+                <a:ea typeface="宋体" panose="02010600030101010101" pitchFamily="2" charset="-122"/>
               </a:rPr>
               <a:t>步，完成</a:t>
             </a:r>
             <a:r>
               <a:rPr lang="en-US" altLang="zh-CN" dirty="0" err="1">
-                <a:ea typeface="宋体" charset="-122"/>
+                <a:ea typeface="宋体" panose="02010600030101010101" pitchFamily="2" charset="-122"/>
               </a:rPr>
               <a:t>TeamService</a:t>
             </a:r>
             <a:r>
               <a:rPr lang="zh-CN" altLang="en-US" dirty="0">
-                <a:ea typeface="宋体" charset="-122"/>
+                <a:ea typeface="宋体" panose="02010600030101010101" pitchFamily="2" charset="-122"/>
               </a:rPr>
               <a:t>类</a:t>
             </a:r>
             <a:r>
               <a:rPr lang="zh-CN" altLang="en-US">
-                <a:ea typeface="宋体" charset="-122"/>
+                <a:ea typeface="宋体" panose="02010600030101010101" pitchFamily="2" charset="-122"/>
               </a:rPr>
               <a:t>的开发</a:t>
             </a:r>
             <a:endParaRPr lang="en-US" altLang="zh-CN" dirty="0">
-              <a:ea typeface="宋体" charset="-122"/>
+              <a:ea typeface="宋体" panose="02010600030101010101" pitchFamily="2" charset="-122"/>
             </a:endParaRPr>
           </a:p>
         </p:txBody>
       </p:sp>
     </p:spTree>
-    <p:extLst>
-      <p:ext uri="{BB962C8B-B14F-4D97-AF65-F5344CB8AC3E}">
-        <p14:creationId xmlns:p14="http://schemas.microsoft.com/office/powerpoint/2010/main" val="1054342886"/>
-      </p:ext>
-    </p:extLst>
   </p:cSld>
   <p:clrMapOvr>
     <a:masterClrMapping/>
@@ -9374,7 +9444,7 @@
             </a:pPr>
             <a:endParaRPr lang="en-US" altLang="zh-CN" dirty="0" smtClean="0">
               <a:latin typeface="+mj-lt"/>
-              <a:ea typeface="宋体" pitchFamily="2" charset="-122"/>
+              <a:ea typeface="宋体" panose="02010600030101010101" pitchFamily="2" charset="-122"/>
             </a:endParaRPr>
           </a:p>
           <a:p>
@@ -9383,7 +9453,7 @@
             </a:pPr>
             <a:endParaRPr lang="en-US" altLang="zh-CN" dirty="0" smtClean="0">
               <a:latin typeface="+mj-lt"/>
-              <a:ea typeface="宋体" pitchFamily="2" charset="-122"/>
+              <a:ea typeface="宋体" panose="02010600030101010101" pitchFamily="2" charset="-122"/>
             </a:endParaRPr>
           </a:p>
           <a:p>
@@ -9392,7 +9462,7 @@
             </a:pPr>
             <a:endParaRPr lang="en-US" altLang="zh-CN" dirty="0" smtClean="0">
               <a:latin typeface="+mj-lt"/>
-              <a:ea typeface="宋体" pitchFamily="2" charset="-122"/>
+              <a:ea typeface="宋体" panose="02010600030101010101" pitchFamily="2" charset="-122"/>
             </a:endParaRPr>
           </a:p>
           <a:p>
@@ -9401,7 +9471,7 @@
             </a:pPr>
             <a:endParaRPr lang="en-US" altLang="zh-CN" dirty="0" smtClean="0">
               <a:latin typeface="+mj-lt"/>
-              <a:ea typeface="宋体" pitchFamily="2" charset="-122"/>
+              <a:ea typeface="宋体" panose="02010600030101010101" pitchFamily="2" charset="-122"/>
             </a:endParaRPr>
           </a:p>
           <a:p>
@@ -9476,17 +9546,17 @@
             <a:r>
               <a:rPr lang="zh-CN" altLang="en-US" smtClean="0">
                 <a:latin typeface="+mj-lt"/>
-                <a:ea typeface="宋体" pitchFamily="2" charset="-122"/>
+                <a:ea typeface="宋体" panose="02010600030101010101" pitchFamily="2" charset="-122"/>
               </a:rPr>
               <a:t>说明：</a:t>
             </a:r>
             <a:endParaRPr lang="en-US" altLang="zh-CN" dirty="0" smtClean="0">
               <a:latin typeface="+mj-lt"/>
-              <a:ea typeface="宋体" pitchFamily="2" charset="-122"/>
-            </a:endParaRPr>
-          </a:p>
-          <a:p>
-            <a:pPr marL="620315" lvl="1" indent="-285750">
+              <a:ea typeface="宋体" panose="02010600030101010101" pitchFamily="2" charset="-122"/>
+            </a:endParaRPr>
+          </a:p>
+          <a:p>
+            <a:pPr marL="620395" lvl="1" indent="-285750">
               <a:buFont typeface="Wingdings" panose="05000000000000000000" pitchFamily="2" charset="2"/>
               <a:buChar char="Ø"/>
               <a:defRPr/>
@@ -9498,37 +9568,37 @@
             <a:r>
               <a:rPr lang="zh-CN" altLang="en-US" sz="1575">
                 <a:latin typeface="+mj-lt"/>
-                <a:ea typeface="宋体" pitchFamily="2" charset="-122"/>
+                <a:ea typeface="宋体" panose="02010600030101010101" pitchFamily="2" charset="-122"/>
               </a:rPr>
               <a:t>用来保存公司</a:t>
             </a:r>
             <a:r>
               <a:rPr lang="zh-CN" altLang="en-US" sz="1575">
-                <a:ea typeface="宋体" pitchFamily="2" charset="-122"/>
+                <a:ea typeface="宋体" panose="02010600030101010101" pitchFamily="2" charset="-122"/>
               </a:rPr>
               <a:t>所有</a:t>
             </a:r>
             <a:r>
               <a:rPr lang="zh-CN" altLang="en-US" sz="1575">
                 <a:latin typeface="+mj-lt"/>
-                <a:ea typeface="宋体" pitchFamily="2" charset="-122"/>
+                <a:ea typeface="宋体" panose="02010600030101010101" pitchFamily="2" charset="-122"/>
               </a:rPr>
               <a:t>员工</a:t>
             </a:r>
             <a:r>
               <a:rPr lang="zh-CN" altLang="en-US" sz="1575" dirty="0">
                 <a:latin typeface="+mj-lt"/>
-                <a:ea typeface="宋体" pitchFamily="2" charset="-122"/>
+                <a:ea typeface="宋体" panose="02010600030101010101" pitchFamily="2" charset="-122"/>
               </a:rPr>
               <a:t>对象</a:t>
             </a:r>
             <a:endParaRPr lang="en-US" altLang="zh-CN" sz="1575" dirty="0">
               <a:latin typeface="+mj-lt"/>
-              <a:ea typeface="宋体" pitchFamily="2" charset="-122"/>
-            </a:endParaRPr>
-          </a:p>
-          <a:p>
-            <a:pPr marL="620315" lvl="1" indent="-285750">
+              <a:ea typeface="宋体" panose="02010600030101010101" pitchFamily="2" charset="-122"/>
+            </a:endParaRPr>
+          </a:p>
+          <a:p>
+            <a:pPr marL="620395" lvl="1" indent="-285750">
               <a:buFont typeface="Wingdings" panose="05000000000000000000" pitchFamily="2" charset="2"/>
               <a:buChar char="Ø"/>
               <a:defRPr/>
@@ -9544,17 +9614,17 @@
             <a:r>
               <a:rPr lang="zh-CN" altLang="en-US" sz="1575" dirty="0">
                 <a:latin typeface="+mj-lt"/>
-                <a:ea typeface="宋体" pitchFamily="2" charset="-122"/>
+                <a:ea typeface="宋体" panose="02010600030101010101" pitchFamily="2" charset="-122"/>
               </a:rPr>
               <a:t>构造器：</a:t>
             </a:r>
             <a:endParaRPr lang="en-US" altLang="zh-CN" sz="1575" dirty="0">
               <a:latin typeface="+mj-lt"/>
-              <a:ea typeface="宋体" pitchFamily="2" charset="-122"/>
-            </a:endParaRPr>
-          </a:p>
-          <a:p>
-            <a:pPr marL="878680" lvl="2" indent="-285750">
+              <a:ea typeface="宋体" panose="02010600030101010101" pitchFamily="2" charset="-122"/>
+            </a:endParaRPr>
+          </a:p>
+          <a:p>
+            <a:pPr marL="878840" lvl="2" indent="-285750">
               <a:lnSpc>
                 <a:spcPct val="110000"/>
               </a:lnSpc>
@@ -9565,45 +9635,45 @@
             <a:r>
               <a:rPr lang="zh-CN" altLang="en-US" sz="1575" dirty="0">
                 <a:latin typeface="+mj-lt"/>
-                <a:ea typeface="宋体" pitchFamily="2" charset="-122"/>
+                <a:ea typeface="宋体" panose="02010600030101010101" pitchFamily="2" charset="-122"/>
               </a:rPr>
               <a:t>根据项目提供的</a:t>
             </a:r>
             <a:r>
               <a:rPr lang="en-US" altLang="zh-CN" sz="1575" dirty="0">
                 <a:latin typeface="+mj-lt"/>
-                <a:ea typeface="宋体" pitchFamily="2" charset="-122"/>
+                <a:ea typeface="宋体" panose="02010600030101010101" pitchFamily="2" charset="-122"/>
               </a:rPr>
               <a:t>Data</a:t>
             </a:r>
             <a:r>
               <a:rPr lang="zh-CN" altLang="en-US" sz="1575" dirty="0">
                 <a:latin typeface="+mj-lt"/>
-                <a:ea typeface="宋体" pitchFamily="2" charset="-122"/>
+                <a:ea typeface="宋体" panose="02010600030101010101" pitchFamily="2" charset="-122"/>
               </a:rPr>
               <a:t>类构建相应大小的</a:t>
             </a:r>
             <a:r>
               <a:rPr lang="en-US" altLang="zh-CN" sz="1575" dirty="0">
                 <a:latin typeface="+mj-lt"/>
-                <a:ea typeface="宋体" pitchFamily="2" charset="-122"/>
+                <a:ea typeface="宋体" panose="02010600030101010101" pitchFamily="2" charset="-122"/>
               </a:rPr>
               <a:t>employees</a:t>
             </a:r>
             <a:r>
               <a:rPr lang="zh-CN" altLang="en-US" sz="1575" dirty="0">
                 <a:latin typeface="+mj-lt"/>
-                <a:ea typeface="宋体" pitchFamily="2" charset="-122"/>
+                <a:ea typeface="宋体" panose="02010600030101010101" pitchFamily="2" charset="-122"/>
               </a:rPr>
               <a:t>数组</a:t>
             </a:r>
             <a:endParaRPr lang="en-US" altLang="zh-CN" sz="1575" dirty="0">
               <a:latin typeface="+mj-lt"/>
-              <a:ea typeface="宋体" pitchFamily="2" charset="-122"/>
-            </a:endParaRPr>
-          </a:p>
-          <a:p>
-            <a:pPr marL="878680" lvl="2" indent="-285750">
+              <a:ea typeface="宋体" panose="02010600030101010101" pitchFamily="2" charset="-122"/>
+            </a:endParaRPr>
+          </a:p>
+          <a:p>
+            <a:pPr marL="878840" lvl="2" indent="-285750">
               <a:lnSpc>
                 <a:spcPct val="110000"/>
               </a:lnSpc>
@@ -9614,94 +9684,94 @@
             <a:r>
               <a:rPr lang="zh-CN" altLang="en-US" sz="1575" dirty="0">
                 <a:latin typeface="+mj-lt"/>
-                <a:ea typeface="宋体" pitchFamily="2" charset="-122"/>
+                <a:ea typeface="宋体" panose="02010600030101010101" pitchFamily="2" charset="-122"/>
               </a:rPr>
               <a:t>再根据</a:t>
             </a:r>
             <a:r>
               <a:rPr lang="en-US" altLang="zh-CN" sz="1575" dirty="0">
-                <a:ea typeface="宋体" pitchFamily="2" charset="-122"/>
+                <a:ea typeface="宋体" panose="02010600030101010101" pitchFamily="2" charset="-122"/>
               </a:rPr>
               <a:t>Data</a:t>
             </a:r>
             <a:r>
               <a:rPr lang="zh-CN" altLang="en-US" sz="1575" dirty="0">
-                <a:ea typeface="宋体" pitchFamily="2" charset="-122"/>
+                <a:ea typeface="宋体" panose="02010600030101010101" pitchFamily="2" charset="-122"/>
               </a:rPr>
               <a:t>类中的数据构建不同的对象，包括</a:t>
             </a:r>
             <a:r>
               <a:rPr lang="en-US" altLang="zh-CN" sz="1575" dirty="0">
-                <a:ea typeface="宋体" pitchFamily="2" charset="-122"/>
+                <a:ea typeface="宋体" panose="02010600030101010101" pitchFamily="2" charset="-122"/>
               </a:rPr>
               <a:t>Employee</a:t>
             </a:r>
             <a:r>
               <a:rPr lang="zh-CN" altLang="en-US" sz="1575" dirty="0">
-                <a:ea typeface="宋体" pitchFamily="2" charset="-122"/>
+                <a:ea typeface="宋体" panose="02010600030101010101" pitchFamily="2" charset="-122"/>
               </a:rPr>
               <a:t>、</a:t>
             </a:r>
             <a:r>
               <a:rPr lang="en-US" altLang="zh-CN" sz="1575" dirty="0">
-                <a:ea typeface="宋体" pitchFamily="2" charset="-122"/>
+                <a:ea typeface="宋体" panose="02010600030101010101" pitchFamily="2" charset="-122"/>
               </a:rPr>
               <a:t>Programmer</a:t>
             </a:r>
             <a:r>
               <a:rPr lang="zh-CN" altLang="en-US" sz="1575" dirty="0">
-                <a:ea typeface="宋体" pitchFamily="2" charset="-122"/>
+                <a:ea typeface="宋体" panose="02010600030101010101" pitchFamily="2" charset="-122"/>
               </a:rPr>
               <a:t>、</a:t>
             </a:r>
             <a:r>
               <a:rPr lang="en-US" altLang="zh-CN" sz="1575" dirty="0">
-                <a:ea typeface="宋体" pitchFamily="2" charset="-122"/>
+                <a:ea typeface="宋体" panose="02010600030101010101" pitchFamily="2" charset="-122"/>
               </a:rPr>
               <a:t>Designer</a:t>
             </a:r>
             <a:r>
               <a:rPr lang="zh-CN" altLang="en-US" sz="1575" dirty="0">
-                <a:ea typeface="宋体" pitchFamily="2" charset="-122"/>
+                <a:ea typeface="宋体" panose="02010600030101010101" pitchFamily="2" charset="-122"/>
               </a:rPr>
               <a:t>和</a:t>
             </a:r>
             <a:r>
               <a:rPr lang="en-US" altLang="zh-CN" sz="1575" dirty="0">
-                <a:ea typeface="宋体" pitchFamily="2" charset="-122"/>
+                <a:ea typeface="宋体" panose="02010600030101010101" pitchFamily="2" charset="-122"/>
               </a:rPr>
               <a:t>Architect</a:t>
             </a:r>
             <a:r>
               <a:rPr lang="zh-CN" altLang="en-US" sz="1575" dirty="0">
-                <a:ea typeface="宋体" pitchFamily="2" charset="-122"/>
+                <a:ea typeface="宋体" panose="02010600030101010101" pitchFamily="2" charset="-122"/>
               </a:rPr>
               <a:t>对象，以及相关联</a:t>
             </a:r>
             <a:r>
               <a:rPr lang="zh-CN" altLang="en-US" sz="1575">
-                <a:ea typeface="宋体" pitchFamily="2" charset="-122"/>
+                <a:ea typeface="宋体" panose="02010600030101010101" pitchFamily="2" charset="-122"/>
               </a:rPr>
               <a:t>的</a:t>
             </a:r>
             <a:r>
               <a:rPr lang="en-US" altLang="zh-CN" sz="1575">
-                <a:ea typeface="宋体" pitchFamily="2" charset="-122"/>
+                <a:ea typeface="宋体" panose="02010600030101010101" pitchFamily="2" charset="-122"/>
               </a:rPr>
               <a:t>Equipment</a:t>
             </a:r>
             <a:r>
               <a:rPr lang="zh-CN" altLang="en-US" sz="1575" dirty="0">
-                <a:ea typeface="宋体" pitchFamily="2" charset="-122"/>
+                <a:ea typeface="宋体" panose="02010600030101010101" pitchFamily="2" charset="-122"/>
               </a:rPr>
               <a:t>子类的对象</a:t>
             </a:r>
             <a:endParaRPr lang="en-US" altLang="zh-CN" sz="1575" dirty="0">
-              <a:ea typeface="宋体" pitchFamily="2" charset="-122"/>
-            </a:endParaRPr>
-          </a:p>
-          <a:p>
-            <a:pPr marL="878680" lvl="2" indent="-285750">
+              <a:ea typeface="宋体" panose="02010600030101010101" pitchFamily="2" charset="-122"/>
+            </a:endParaRPr>
+          </a:p>
+          <a:p>
+            <a:pPr marL="878840" lvl="2" indent="-285750">
               <a:lnSpc>
                 <a:spcPct val="110000"/>
               </a:lnSpc>
@@ -9712,17 +9782,17 @@
             <a:r>
               <a:rPr lang="zh-CN" altLang="en-US" sz="1575" dirty="0">
                 <a:latin typeface="+mj-lt"/>
-                <a:ea typeface="宋体" pitchFamily="2" charset="-122"/>
+                <a:ea typeface="宋体" panose="02010600030101010101" pitchFamily="2" charset="-122"/>
               </a:rPr>
               <a:t>将对象存于数组中</a:t>
             </a:r>
             <a:endParaRPr lang="en-US" altLang="zh-CN" sz="1575" dirty="0">
               <a:latin typeface="+mj-lt"/>
-              <a:ea typeface="宋体" pitchFamily="2" charset="-122"/>
-            </a:endParaRPr>
-          </a:p>
-          <a:p>
-            <a:pPr marL="878680" lvl="2" indent="-285750">
+              <a:ea typeface="宋体" panose="02010600030101010101" pitchFamily="2" charset="-122"/>
+            </a:endParaRPr>
+          </a:p>
+          <a:p>
+            <a:pPr marL="878840" lvl="2" indent="-285750">
               <a:lnSpc>
                 <a:spcPct val="110000"/>
               </a:lnSpc>
@@ -9732,31 +9802,31 @@
             </a:pPr>
             <a:r>
               <a:rPr lang="en-US" altLang="zh-CN" sz="1575" dirty="0">
-                <a:ea typeface="宋体" pitchFamily="2" charset="-122"/>
+                <a:ea typeface="宋体" panose="02010600030101010101" pitchFamily="2" charset="-122"/>
               </a:rPr>
               <a:t>Data</a:t>
             </a:r>
             <a:r>
               <a:rPr lang="zh-CN" altLang="en-US" sz="1575" dirty="0">
-                <a:ea typeface="宋体" pitchFamily="2" charset="-122"/>
+                <a:ea typeface="宋体" panose="02010600030101010101" pitchFamily="2" charset="-122"/>
               </a:rPr>
               <a:t>类位于</a:t>
             </a:r>
             <a:r>
               <a:rPr lang="en-US" altLang="zh-CN" sz="1575" dirty="0" err="1">
-                <a:ea typeface="宋体" pitchFamily="2" charset="-122"/>
+                <a:ea typeface="宋体" panose="02010600030101010101" pitchFamily="2" charset="-122"/>
               </a:rPr>
               <a:t>com.atguigu.team.service</a:t>
             </a:r>
             <a:r>
               <a:rPr lang="zh-CN" altLang="en-US" sz="1575" dirty="0">
-                <a:ea typeface="宋体" pitchFamily="2" charset="-122"/>
+                <a:ea typeface="宋体" panose="02010600030101010101" pitchFamily="2" charset="-122"/>
               </a:rPr>
               <a:t>包中</a:t>
             </a:r>
             <a:endParaRPr lang="en-US" altLang="zh-CN" sz="1575" dirty="0">
               <a:latin typeface="+mj-lt"/>
-              <a:ea typeface="宋体" pitchFamily="2" charset="-122"/>
+              <a:ea typeface="宋体" panose="02010600030101010101" pitchFamily="2" charset="-122"/>
             </a:endParaRPr>
           </a:p>
         </p:txBody>
@@ -9858,6 +9928,7 @@
               <a:rPr lang="en-US" altLang="zh-CN" sz="1200" dirty="0"/>
               <a:t>()</a:t>
             </a:r>
+            <a:endParaRPr lang="en-US" altLang="zh-CN" sz="1200" dirty="0"/>
           </a:p>
           <a:p>
             <a:pPr algn="l"/>
@@ -9873,6 +9944,7 @@
               <a:rPr lang="en-US" altLang="zh-CN" sz="1200" dirty="0"/>
               <a:t>(): Employee[]</a:t>
             </a:r>
+            <a:endParaRPr lang="en-US" altLang="zh-CN" sz="1200" dirty="0"/>
           </a:p>
           <a:p>
             <a:pPr algn="l"/>
@@ -9916,6 +9988,7 @@
               <a:rPr lang="en-US" altLang="zh-CN" sz="1200" dirty="0"/>
               <a:t>: Employee </a:t>
             </a:r>
+            <a:endParaRPr lang="en-US" altLang="zh-CN" sz="1200" dirty="0"/>
           </a:p>
         </p:txBody>
       </p:sp>
@@ -9962,15 +10035,11 @@
               <a:rPr lang="en-US" altLang="zh-CN" sz="1200" dirty="0"/>
               <a:t>- employees: Employee[]</a:t>
             </a:r>
+            <a:endParaRPr lang="en-US" altLang="zh-CN" sz="1200" dirty="0"/>
           </a:p>
         </p:txBody>
       </p:sp>
     </p:spTree>
-    <p:extLst>
-      <p:ext uri="{BB962C8B-B14F-4D97-AF65-F5344CB8AC3E}">
-        <p14:creationId xmlns:p14="http://schemas.microsoft.com/office/powerpoint/2010/main" val="2104730503"/>
-      </p:ext>
-    </p:extLst>
   </p:cSld>
   <p:clrMapOvr>
     <a:masterClrMapping/>
@@ -10077,7 +10146,7 @@
             </a:pPr>
             <a:endParaRPr lang="en-US" altLang="zh-CN" dirty="0" smtClean="0">
               <a:latin typeface="+mj-lt"/>
-              <a:ea typeface="宋体" pitchFamily="2" charset="-122"/>
+              <a:ea typeface="宋体" panose="02010600030101010101" pitchFamily="2" charset="-122"/>
             </a:endParaRPr>
           </a:p>
           <a:p>
@@ -10086,7 +10155,7 @@
             </a:pPr>
             <a:endParaRPr lang="en-US" altLang="zh-CN" dirty="0" smtClean="0">
               <a:latin typeface="+mj-lt"/>
-              <a:ea typeface="宋体" pitchFamily="2" charset="-122"/>
+              <a:ea typeface="宋体" panose="02010600030101010101" pitchFamily="2" charset="-122"/>
             </a:endParaRPr>
           </a:p>
           <a:p>
@@ -10095,7 +10164,7 @@
             </a:pPr>
             <a:endParaRPr lang="en-US" altLang="zh-CN" dirty="0" smtClean="0">
               <a:latin typeface="+mj-lt"/>
-              <a:ea typeface="宋体" pitchFamily="2" charset="-122"/>
+              <a:ea typeface="宋体" panose="02010600030101010101" pitchFamily="2" charset="-122"/>
             </a:endParaRPr>
           </a:p>
           <a:p>
@@ -10104,7 +10173,7 @@
             </a:pPr>
             <a:endParaRPr lang="en-US" altLang="zh-CN" dirty="0" smtClean="0">
               <a:latin typeface="+mj-lt"/>
-              <a:ea typeface="宋体" pitchFamily="2" charset="-122"/>
+              <a:ea typeface="宋体" panose="02010600030101010101" pitchFamily="2" charset="-122"/>
             </a:endParaRPr>
           </a:p>
           <a:p>
@@ -10114,17 +10183,17 @@
             <a:r>
               <a:rPr lang="zh-CN" altLang="en-US" dirty="0" smtClean="0">
                 <a:latin typeface="+mj-lt"/>
-                <a:ea typeface="宋体" pitchFamily="2" charset="-122"/>
+                <a:ea typeface="宋体" panose="02010600030101010101" pitchFamily="2" charset="-122"/>
               </a:rPr>
               <a:t>说明：</a:t>
             </a:r>
             <a:endParaRPr lang="en-US" altLang="zh-CN" dirty="0" smtClean="0">
               <a:latin typeface="+mj-lt"/>
-              <a:ea typeface="宋体" pitchFamily="2" charset="-122"/>
-            </a:endParaRPr>
-          </a:p>
-          <a:p>
-            <a:pPr marL="620315" lvl="1" indent="-285750">
+              <a:ea typeface="宋体" panose="02010600030101010101" pitchFamily="2" charset="-122"/>
+            </a:endParaRPr>
+          </a:p>
+          <a:p>
+            <a:pPr marL="620395" lvl="1" indent="-285750">
               <a:lnSpc>
                 <a:spcPct val="120000"/>
               </a:lnSpc>
@@ -10143,17 +10212,17 @@
             <a:r>
               <a:rPr lang="zh-CN" altLang="en-US" sz="1575" dirty="0">
                 <a:latin typeface="+mj-lt"/>
-                <a:ea typeface="宋体" pitchFamily="2" charset="-122"/>
+                <a:ea typeface="宋体" panose="02010600030101010101" pitchFamily="2" charset="-122"/>
               </a:rPr>
               <a:t>方法：获取当前所有员工。</a:t>
             </a:r>
             <a:endParaRPr lang="en-US" altLang="zh-CN" sz="1575" dirty="0">
               <a:latin typeface="+mj-lt"/>
-              <a:ea typeface="宋体" pitchFamily="2" charset="-122"/>
-            </a:endParaRPr>
-          </a:p>
-          <a:p>
-            <a:pPr marL="878680" lvl="2" indent="-285750">
+              <a:ea typeface="宋体" panose="02010600030101010101" pitchFamily="2" charset="-122"/>
+            </a:endParaRPr>
+          </a:p>
+          <a:p>
+            <a:pPr marL="878840" lvl="2" indent="-285750">
               <a:lnSpc>
                 <a:spcPct val="120000"/>
               </a:lnSpc>
@@ -10164,17 +10233,17 @@
             <a:r>
               <a:rPr lang="zh-CN" altLang="en-US" sz="1575" dirty="0">
                 <a:latin typeface="+mj-lt"/>
-                <a:ea typeface="宋体" pitchFamily="2" charset="-122"/>
+                <a:ea typeface="宋体" panose="02010600030101010101" pitchFamily="2" charset="-122"/>
               </a:rPr>
               <a:t>返回：包含所有员工对象的数组</a:t>
             </a:r>
             <a:endParaRPr lang="en-US" altLang="zh-CN" sz="1575" dirty="0">
               <a:latin typeface="+mj-lt"/>
-              <a:ea typeface="宋体" pitchFamily="2" charset="-122"/>
-            </a:endParaRPr>
-          </a:p>
-          <a:p>
-            <a:pPr marL="620315" lvl="1" indent="-285750">
+              <a:ea typeface="宋体" panose="02010600030101010101" pitchFamily="2" charset="-122"/>
+            </a:endParaRPr>
+          </a:p>
+          <a:p>
+            <a:pPr marL="620395" lvl="1" indent="-285750">
               <a:lnSpc>
                 <a:spcPct val="120000"/>
               </a:lnSpc>
@@ -10200,28 +10269,28 @@
             </a:r>
             <a:r>
               <a:rPr lang="zh-CN" altLang="en-US" sz="1575" dirty="0">
-                <a:ea typeface="宋体" pitchFamily="2" charset="-122"/>
+                <a:ea typeface="宋体" panose="02010600030101010101" pitchFamily="2" charset="-122"/>
               </a:rPr>
               <a:t>方法：获取指定</a:t>
             </a:r>
             <a:r>
               <a:rPr lang="en-US" altLang="zh-CN" sz="1575" dirty="0">
-                <a:ea typeface="宋体" pitchFamily="2" charset="-122"/>
+                <a:ea typeface="宋体" panose="02010600030101010101" pitchFamily="2" charset="-122"/>
               </a:rPr>
               <a:t>ID</a:t>
             </a:r>
             <a:r>
               <a:rPr lang="zh-CN" altLang="en-US" sz="1575" dirty="0">
-                <a:ea typeface="宋体" pitchFamily="2" charset="-122"/>
+                <a:ea typeface="宋体" panose="02010600030101010101" pitchFamily="2" charset="-122"/>
               </a:rPr>
               <a:t>的员工对象。</a:t>
             </a:r>
             <a:endParaRPr lang="en-US" altLang="zh-CN" sz="1575" dirty="0">
-              <a:ea typeface="宋体" pitchFamily="2" charset="-122"/>
-            </a:endParaRPr>
-          </a:p>
-          <a:p>
-            <a:pPr marL="878680" lvl="2" indent="-285750">
+              <a:ea typeface="宋体" panose="02010600030101010101" pitchFamily="2" charset="-122"/>
+            </a:endParaRPr>
+          </a:p>
+          <a:p>
+            <a:pPr marL="878840" lvl="2" indent="-285750">
               <a:lnSpc>
                 <a:spcPct val="120000"/>
               </a:lnSpc>
@@ -10231,19 +10300,22 @@
             </a:pPr>
             <a:r>
               <a:rPr lang="zh-CN" altLang="en-US" sz="1575" dirty="0">
-                <a:ea typeface="宋体" pitchFamily="2" charset="-122"/>
+                <a:ea typeface="宋体" panose="02010600030101010101" pitchFamily="2" charset="-122"/>
               </a:rPr>
               <a:t>参数：指定员工的</a:t>
             </a:r>
             <a:r>
               <a:rPr lang="en-US" altLang="zh-CN" sz="1575" dirty="0">
-                <a:ea typeface="宋体" pitchFamily="2" charset="-122"/>
+                <a:ea typeface="宋体" panose="02010600030101010101" pitchFamily="2" charset="-122"/>
               </a:rPr>
               <a:t>ID</a:t>
             </a:r>
-          </a:p>
-          <a:p>
-            <a:pPr marL="878680" lvl="2" indent="-285750">
+            <a:endParaRPr lang="en-US" altLang="zh-CN" sz="1575" dirty="0">
+              <a:ea typeface="宋体" panose="02010600030101010101" pitchFamily="2" charset="-122"/>
+            </a:endParaRPr>
+          </a:p>
+          <a:p>
+            <a:pPr marL="878840" lvl="2" indent="-285750">
               <a:lnSpc>
                 <a:spcPct val="120000"/>
               </a:lnSpc>
@@ -10253,16 +10325,16 @@
             </a:pPr>
             <a:r>
               <a:rPr lang="zh-CN" altLang="en-US" sz="1575" dirty="0">
-                <a:ea typeface="宋体" pitchFamily="2" charset="-122"/>
+                <a:ea typeface="宋体" panose="02010600030101010101" pitchFamily="2" charset="-122"/>
               </a:rPr>
               <a:t>返回：指定员工对象</a:t>
             </a:r>
             <a:endParaRPr lang="en-US" altLang="zh-CN" sz="1575" dirty="0">
-              <a:ea typeface="宋体" pitchFamily="2" charset="-122"/>
-            </a:endParaRPr>
-          </a:p>
-          <a:p>
-            <a:pPr marL="878680" lvl="2" indent="-285750">
+              <a:ea typeface="宋体" panose="02010600030101010101" pitchFamily="2" charset="-122"/>
+            </a:endParaRPr>
+          </a:p>
+          <a:p>
+            <a:pPr marL="878840" lvl="2" indent="-285750">
               <a:lnSpc>
                 <a:spcPct val="120000"/>
               </a:lnSpc>
@@ -10273,7 +10345,7 @@
             <a:r>
               <a:rPr lang="zh-CN" altLang="en-US" sz="1575" dirty="0">
                 <a:latin typeface="+mj-lt"/>
-                <a:ea typeface="宋体" pitchFamily="2" charset="-122"/>
+                <a:ea typeface="宋体" panose="02010600030101010101" pitchFamily="2" charset="-122"/>
               </a:rPr>
               <a:t>异常：</a:t>
             </a:r>
@@ -10283,7 +10355,7 @@
                   <a:srgbClr val="0066FF"/>
                 </a:solidFill>
                 <a:latin typeface="+mj-lt"/>
-                <a:ea typeface="宋体" pitchFamily="2" charset="-122"/>
+                <a:ea typeface="宋体" panose="02010600030101010101" pitchFamily="2" charset="-122"/>
               </a:rPr>
               <a:t>找不到指定的员工</a:t>
             </a:r>
@@ -10292,7 +10364,7 @@
                 <a:srgbClr val="0066FF"/>
               </a:solidFill>
               <a:latin typeface="+mj-lt"/>
-              <a:ea typeface="宋体" pitchFamily="2" charset="-122"/>
+              <a:ea typeface="宋体" panose="02010600030101010101" pitchFamily="2" charset="-122"/>
             </a:endParaRPr>
           </a:p>
           <a:p>
@@ -10305,21 +10377,21 @@
             <a:r>
               <a:rPr lang="zh-CN" altLang="en-US" smtClean="0">
                 <a:latin typeface="+mj-lt"/>
-                <a:ea typeface="宋体" pitchFamily="2" charset="-122"/>
+                <a:ea typeface="宋体" panose="02010600030101010101" pitchFamily="2" charset="-122"/>
               </a:rPr>
               <a:t>在</a:t>
             </a:r>
             <a:r>
               <a:rPr lang="en-US" altLang="zh-CN" smtClean="0">
                 <a:latin typeface="+mj-lt"/>
-                <a:ea typeface="宋体" pitchFamily="2" charset="-122"/>
+                <a:ea typeface="宋体" panose="02010600030101010101" pitchFamily="2" charset="-122"/>
               </a:rPr>
               <a:t>service</a:t>
             </a:r>
             <a:r>
               <a:rPr lang="zh-CN" altLang="en-US" smtClean="0">
                 <a:latin typeface="+mj-lt"/>
-                <a:ea typeface="宋体" pitchFamily="2" charset="-122"/>
+                <a:ea typeface="宋体" panose="02010600030101010101" pitchFamily="2" charset="-122"/>
               </a:rPr>
               <a:t>子包下提供自定义异常类：</a:t>
             </a:r>
@@ -10329,10 +10401,17 @@
                   <a:srgbClr val="0066FF"/>
                 </a:solidFill>
                 <a:latin typeface="+mj-lt"/>
-                <a:ea typeface="宋体" pitchFamily="2" charset="-122"/>
+                <a:ea typeface="宋体" panose="02010600030101010101" pitchFamily="2" charset="-122"/>
               </a:rPr>
               <a:t>TeamException</a:t>
             </a:r>
+            <a:endParaRPr lang="en-US" altLang="zh-CN" smtClean="0">
+              <a:solidFill>
+                <a:srgbClr val="0066FF"/>
+              </a:solidFill>
+              <a:latin typeface="+mj-lt"/>
+              <a:ea typeface="宋体" panose="02010600030101010101" pitchFamily="2" charset="-122"/>
+            </a:endParaRPr>
           </a:p>
           <a:p>
             <a:pPr marL="342900" indent="-342900">
@@ -10344,33 +10423,33 @@
             <a:r>
               <a:rPr lang="zh-CN" altLang="en-US" smtClean="0">
                 <a:latin typeface="+mj-lt"/>
-                <a:ea typeface="宋体" pitchFamily="2" charset="-122"/>
+                <a:ea typeface="宋体" panose="02010600030101010101" pitchFamily="2" charset="-122"/>
               </a:rPr>
               <a:t>另外</a:t>
             </a:r>
             <a:r>
               <a:rPr lang="zh-CN" altLang="en-US" dirty="0" smtClean="0">
                 <a:latin typeface="+mj-lt"/>
-                <a:ea typeface="宋体" pitchFamily="2" charset="-122"/>
+                <a:ea typeface="宋体" panose="02010600030101010101" pitchFamily="2" charset="-122"/>
               </a:rPr>
               <a:t>，可根据需要</a:t>
             </a:r>
             <a:r>
               <a:rPr lang="zh-CN" altLang="en-US" dirty="0" smtClean="0">
-                <a:ea typeface="宋体" pitchFamily="2" charset="-122"/>
+                <a:ea typeface="宋体" panose="02010600030101010101" pitchFamily="2" charset="-122"/>
               </a:rPr>
               <a:t>自行添加其他方法或</a:t>
             </a:r>
             <a:r>
               <a:rPr lang="zh-CN" altLang="en-US" dirty="0" smtClean="0">
                 <a:latin typeface="+mj-lt"/>
-                <a:ea typeface="宋体" pitchFamily="2" charset="-122"/>
+                <a:ea typeface="宋体" panose="02010600030101010101" pitchFamily="2" charset="-122"/>
               </a:rPr>
               <a:t>重载构造器</a:t>
             </a:r>
             <a:endParaRPr lang="en-US" altLang="zh-CN" dirty="0" smtClean="0">
               <a:latin typeface="+mj-lt"/>
-              <a:ea typeface="宋体" pitchFamily="2" charset="-122"/>
+              <a:ea typeface="宋体" panose="02010600030101010101" pitchFamily="2" charset="-122"/>
             </a:endParaRPr>
           </a:p>
         </p:txBody>
@@ -10472,6 +10551,7 @@
               <a:rPr lang="en-US" altLang="zh-CN" sz="1200" dirty="0"/>
               <a:t>()</a:t>
             </a:r>
+            <a:endParaRPr lang="en-US" altLang="zh-CN" sz="1200" dirty="0"/>
           </a:p>
           <a:p>
             <a:pPr algn="l"/>
@@ -10487,6 +10567,7 @@
               <a:rPr lang="en-US" altLang="zh-CN" sz="1200" dirty="0"/>
               <a:t>(): Employee[]</a:t>
             </a:r>
+            <a:endParaRPr lang="en-US" altLang="zh-CN" sz="1200" dirty="0"/>
           </a:p>
           <a:p>
             <a:pPr algn="l"/>
@@ -10530,6 +10611,7 @@
               <a:rPr lang="en-US" altLang="zh-CN" sz="1200" dirty="0"/>
               <a:t>: Employee </a:t>
             </a:r>
+            <a:endParaRPr lang="en-US" altLang="zh-CN" sz="1200" dirty="0"/>
           </a:p>
         </p:txBody>
       </p:sp>
@@ -10576,15 +10658,11 @@
               <a:rPr lang="en-US" altLang="zh-CN" sz="1200" dirty="0"/>
               <a:t>- employees: Employee[]</a:t>
             </a:r>
+            <a:endParaRPr lang="en-US" altLang="zh-CN" sz="1200" dirty="0"/>
           </a:p>
         </p:txBody>
       </p:sp>
     </p:spTree>
-    <p:extLst>
-      <p:ext uri="{BB962C8B-B14F-4D97-AF65-F5344CB8AC3E}">
-        <p14:creationId xmlns:p14="http://schemas.microsoft.com/office/powerpoint/2010/main" val="3094146645"/>
-      </p:ext>
-    </p:extLst>
   </p:cSld>
   <p:clrMapOvr>
     <a:masterClrMapping/>
@@ -10642,15 +10720,15 @@
             <a:r>
               <a:rPr lang="zh-CN" altLang="en-US" b="1" smtClean="0">
                 <a:latin typeface="+mn-lt"/>
-                <a:ea typeface="宋体" pitchFamily="2" charset="-122"/>
-                <a:cs typeface="Times New Roman" pitchFamily="18" charset="0"/>
+                <a:ea typeface="宋体" panose="02010600030101010101" pitchFamily="2" charset="-122"/>
+                <a:cs typeface="Times New Roman" panose="02020603050405020304" pitchFamily="18" charset="0"/>
               </a:rPr>
               <a:t>目 标</a:t>
             </a:r>
             <a:endParaRPr lang="zh-CN" altLang="en-US" b="1" dirty="0">
               <a:latin typeface="+mn-lt"/>
-              <a:ea typeface="宋体" pitchFamily="2" charset="-122"/>
-              <a:cs typeface="Times New Roman" pitchFamily="18" charset="0"/>
+              <a:ea typeface="宋体" panose="02010600030101010101" pitchFamily="2" charset="-122"/>
+              <a:cs typeface="Times New Roman" panose="02020603050405020304" pitchFamily="18" charset="0"/>
             </a:endParaRPr>
           </a:p>
         </p:txBody>
@@ -10677,7 +10755,7 @@
           </a:bodyPr>
           <a:lstStyle/>
           <a:p>
-            <a:pPr marL="271463" indent="-271463">
+            <a:pPr marL="271780" indent="-271780">
               <a:lnSpc>
                 <a:spcPct val="100000"/>
               </a:lnSpc>
@@ -10685,43 +10763,46 @@
             </a:pPr>
             <a:r>
               <a:rPr lang="zh-CN" altLang="en-US" sz="2000" dirty="0" smtClean="0">
-                <a:ea typeface="宋体" pitchFamily="2" charset="-122"/>
+                <a:ea typeface="宋体" panose="02010600030101010101" pitchFamily="2" charset="-122"/>
               </a:rPr>
               <a:t>模拟实现一个基于文本界面</a:t>
             </a:r>
             <a:r>
               <a:rPr lang="zh-CN" altLang="en-US" sz="2000" smtClean="0">
-                <a:ea typeface="宋体" pitchFamily="2" charset="-122"/>
+                <a:ea typeface="宋体" panose="02010600030101010101" pitchFamily="2" charset="-122"/>
               </a:rPr>
               <a:t>的</a:t>
             </a:r>
             <a:r>
               <a:rPr lang="en-US" altLang="zh-CN" sz="2000" smtClean="0">
-                <a:ea typeface="宋体" pitchFamily="2" charset="-122"/>
+                <a:ea typeface="宋体" panose="02010600030101010101" pitchFamily="2" charset="-122"/>
               </a:rPr>
               <a:t>《</a:t>
             </a:r>
             <a:r>
               <a:rPr lang="zh-CN" altLang="en-US" sz="2000" smtClean="0">
-                <a:ea typeface="宋体" pitchFamily="2" charset="-122"/>
+                <a:ea typeface="宋体" panose="02010600030101010101" pitchFamily="2" charset="-122"/>
               </a:rPr>
               <a:t>开发团队调度</a:t>
             </a:r>
             <a:r>
               <a:rPr lang="zh-CN" altLang="en-US" sz="2000" dirty="0" smtClean="0">
-                <a:ea typeface="宋体" pitchFamily="2" charset="-122"/>
+                <a:ea typeface="宋体" panose="02010600030101010101" pitchFamily="2" charset="-122"/>
               </a:rPr>
               <a:t>软件</a:t>
             </a:r>
             <a:r>
               <a:rPr lang="en-US" altLang="zh-CN" sz="2000" dirty="0" smtClean="0">
-                <a:ea typeface="宋体" pitchFamily="2" charset="-122"/>
+                <a:ea typeface="宋体" panose="02010600030101010101" pitchFamily="2" charset="-122"/>
               </a:rPr>
               <a:t>》</a:t>
             </a:r>
-          </a:p>
-          <a:p>
-            <a:pPr marL="271463" indent="-271463">
+            <a:endParaRPr lang="en-US" altLang="zh-CN" sz="2000" dirty="0" smtClean="0">
+              <a:ea typeface="宋体" panose="02010600030101010101" pitchFamily="2" charset="-122"/>
+            </a:endParaRPr>
+          </a:p>
+          <a:p>
+            <a:pPr marL="271780" indent="-271780">
               <a:lnSpc>
                 <a:spcPct val="100000"/>
               </a:lnSpc>
@@ -10729,28 +10810,28 @@
             </a:pPr>
             <a:r>
               <a:rPr lang="zh-CN" altLang="en-US" sz="2000" dirty="0" smtClean="0">
-                <a:ea typeface="宋体" charset="-122"/>
+                <a:ea typeface="宋体" panose="02010600030101010101" pitchFamily="2" charset="-122"/>
               </a:rPr>
               <a:t>熟悉</a:t>
             </a:r>
             <a:r>
               <a:rPr lang="en-US" altLang="zh-CN" sz="2000" dirty="0" smtClean="0">
-                <a:ea typeface="宋体" charset="-122"/>
+                <a:ea typeface="宋体" panose="02010600030101010101" pitchFamily="2" charset="-122"/>
               </a:rPr>
               <a:t>Java</a:t>
             </a:r>
             <a:r>
               <a:rPr lang="zh-CN" altLang="en-US" sz="2000" dirty="0" smtClean="0">
-                <a:ea typeface="宋体" charset="-122"/>
+                <a:ea typeface="宋体" panose="02010600030101010101" pitchFamily="2" charset="-122"/>
               </a:rPr>
               <a:t>面向对象的高级特性，进一步掌握编程技巧和调试技巧</a:t>
             </a:r>
             <a:endParaRPr lang="zh-CN" altLang="en-US" sz="2000" dirty="0" smtClean="0">
-              <a:ea typeface="宋体" pitchFamily="2" charset="-122"/>
-            </a:endParaRPr>
-          </a:p>
-          <a:p>
-            <a:pPr marL="271463" indent="-271463">
+              <a:ea typeface="宋体" panose="02010600030101010101" pitchFamily="2" charset="-122"/>
+            </a:endParaRPr>
+          </a:p>
+          <a:p>
+            <a:pPr marL="271780" indent="-271780">
               <a:lnSpc>
                 <a:spcPct val="100000"/>
               </a:lnSpc>
@@ -10761,7 +10842,7 @@
                 <a:solidFill>
                   <a:srgbClr val="FF0000"/>
                 </a:solidFill>
-                <a:ea typeface="宋体" pitchFamily="2" charset="-122"/>
+                <a:ea typeface="宋体" panose="02010600030101010101" pitchFamily="2" charset="-122"/>
               </a:rPr>
               <a:t>主要涉及以下知识点：</a:t>
             </a:r>
@@ -10769,7 +10850,7 @@
               <a:solidFill>
                 <a:srgbClr val="FF0000"/>
               </a:solidFill>
-              <a:ea typeface="宋体" pitchFamily="2" charset="-122"/>
+              <a:ea typeface="宋体" panose="02010600030101010101" pitchFamily="2" charset="-122"/>
             </a:endParaRPr>
           </a:p>
           <a:p>
@@ -10786,7 +10867,7 @@
                 <a:solidFill>
                   <a:srgbClr val="FF0000"/>
                 </a:solidFill>
-                <a:ea typeface="宋体" pitchFamily="2" charset="-122"/>
+                <a:ea typeface="宋体" panose="02010600030101010101" pitchFamily="2" charset="-122"/>
               </a:rPr>
               <a:t>类</a:t>
             </a:r>
@@ -10795,7 +10876,7 @@
                 <a:solidFill>
                   <a:srgbClr val="FF0000"/>
                 </a:solidFill>
-                <a:ea typeface="宋体" pitchFamily="2" charset="-122"/>
+                <a:ea typeface="宋体" panose="02010600030101010101" pitchFamily="2" charset="-122"/>
               </a:rPr>
               <a:t>的继承性和多态性</a:t>
             </a:r>
@@ -10803,7 +10884,7 @@
               <a:solidFill>
                 <a:srgbClr val="FF0000"/>
               </a:solidFill>
-              <a:ea typeface="宋体" pitchFamily="2" charset="-122"/>
+              <a:ea typeface="宋体" panose="02010600030101010101" pitchFamily="2" charset="-122"/>
             </a:endParaRPr>
           </a:p>
           <a:p>
@@ -10820,7 +10901,7 @@
                 <a:solidFill>
                   <a:srgbClr val="FF0000"/>
                 </a:solidFill>
-                <a:ea typeface="宋体" pitchFamily="2" charset="-122"/>
+                <a:ea typeface="宋体" panose="02010600030101010101" pitchFamily="2" charset="-122"/>
               </a:rPr>
               <a:t>对象的值传递、接口</a:t>
             </a:r>
@@ -10828,7 +10909,7 @@
               <a:solidFill>
                 <a:srgbClr val="FF0000"/>
               </a:solidFill>
-              <a:ea typeface="宋体" pitchFamily="2" charset="-122"/>
+              <a:ea typeface="宋体" panose="02010600030101010101" pitchFamily="2" charset="-122"/>
             </a:endParaRPr>
           </a:p>
           <a:p>
@@ -10845,7 +10926,7 @@
                 <a:solidFill>
                   <a:srgbClr val="FF0000"/>
                 </a:solidFill>
-                <a:ea typeface="宋体" charset="-122"/>
+                <a:ea typeface="宋体" panose="02010600030101010101" pitchFamily="2" charset="-122"/>
               </a:rPr>
               <a:t>static</a:t>
             </a:r>
@@ -10854,7 +10935,7 @@
                 <a:solidFill>
                   <a:srgbClr val="FF0000"/>
                 </a:solidFill>
-                <a:ea typeface="宋体" charset="-122"/>
+                <a:ea typeface="宋体" panose="02010600030101010101" pitchFamily="2" charset="-122"/>
               </a:rPr>
               <a:t>和</a:t>
             </a:r>
@@ -10863,7 +10944,7 @@
                 <a:solidFill>
                   <a:srgbClr val="FF0000"/>
                 </a:solidFill>
-                <a:ea typeface="宋体" charset="-122"/>
+                <a:ea typeface="宋体" panose="02010600030101010101" pitchFamily="2" charset="-122"/>
               </a:rPr>
               <a:t>final</a:t>
             </a:r>
@@ -10872,7 +10953,7 @@
                 <a:solidFill>
                   <a:srgbClr val="FF0000"/>
                 </a:solidFill>
-                <a:ea typeface="宋体" charset="-122"/>
+                <a:ea typeface="宋体" panose="02010600030101010101" pitchFamily="2" charset="-122"/>
               </a:rPr>
               <a:t>修饰符</a:t>
             </a:r>
@@ -10880,7 +10961,7 @@
               <a:solidFill>
                 <a:srgbClr val="FF0000"/>
               </a:solidFill>
-              <a:ea typeface="宋体" charset="-122"/>
+              <a:ea typeface="宋体" panose="02010600030101010101" pitchFamily="2" charset="-122"/>
             </a:endParaRPr>
           </a:p>
           <a:p>
@@ -10897,7 +10978,7 @@
                 <a:solidFill>
                   <a:srgbClr val="FF0000"/>
                 </a:solidFill>
-                <a:ea typeface="宋体" charset="-122"/>
+                <a:ea typeface="宋体" panose="02010600030101010101" pitchFamily="2" charset="-122"/>
               </a:rPr>
               <a:t>特殊类</a:t>
             </a:r>
@@ -10906,7 +10987,7 @@
                 <a:solidFill>
                   <a:srgbClr val="FF0000"/>
                 </a:solidFill>
-                <a:ea typeface="宋体" charset="-122"/>
+                <a:ea typeface="宋体" panose="02010600030101010101" pitchFamily="2" charset="-122"/>
               </a:rPr>
               <a:t>的使用：包装类</a:t>
             </a:r>
@@ -10915,7 +10996,7 @@
                 <a:solidFill>
                   <a:srgbClr val="FF0000"/>
                 </a:solidFill>
-                <a:ea typeface="宋体" charset="-122"/>
+                <a:ea typeface="宋体" panose="02010600030101010101" pitchFamily="2" charset="-122"/>
               </a:rPr>
               <a:t>、抽象</a:t>
             </a:r>
@@ -10924,7 +11005,7 @@
                 <a:solidFill>
                   <a:srgbClr val="FF0000"/>
                 </a:solidFill>
-                <a:ea typeface="宋体" charset="-122"/>
+                <a:ea typeface="宋体" panose="02010600030101010101" pitchFamily="2" charset="-122"/>
               </a:rPr>
               <a:t>类、内部类</a:t>
             </a:r>
@@ -10932,7 +11013,7 @@
               <a:solidFill>
                 <a:srgbClr val="FF0000"/>
               </a:solidFill>
-              <a:ea typeface="宋体" charset="-122"/>
+              <a:ea typeface="宋体" panose="02010600030101010101" pitchFamily="2" charset="-122"/>
             </a:endParaRPr>
           </a:p>
           <a:p>
@@ -10949,7 +11030,7 @@
                 <a:solidFill>
                   <a:srgbClr val="FF0000"/>
                 </a:solidFill>
-                <a:ea typeface="宋体" charset="-122"/>
+                <a:ea typeface="宋体" panose="02010600030101010101" pitchFamily="2" charset="-122"/>
               </a:rPr>
               <a:t>异常处理</a:t>
             </a:r>
@@ -10957,17 +11038,12 @@
               <a:solidFill>
                 <a:srgbClr val="FF0000"/>
               </a:solidFill>
-              <a:ea typeface="宋体" charset="-122"/>
+              <a:ea typeface="宋体" panose="02010600030101010101" pitchFamily="2" charset="-122"/>
             </a:endParaRPr>
           </a:p>
         </p:txBody>
       </p:sp>
     </p:spTree>
-    <p:extLst>
-      <p:ext uri="{BB962C8B-B14F-4D97-AF65-F5344CB8AC3E}">
-        <p14:creationId xmlns:p14="http://schemas.microsoft.com/office/powerpoint/2010/main" val="632887094"/>
-      </p:ext>
-    </p:extLst>
   </p:cSld>
   <p:clrMapOvr>
     <a:masterClrMapping/>
@@ -11074,7 +11150,7 @@
             </a:pPr>
             <a:endParaRPr lang="en-US" altLang="zh-CN" dirty="0" smtClean="0">
               <a:latin typeface="+mj-lt"/>
-              <a:ea typeface="宋体" pitchFamily="2" charset="-122"/>
+              <a:ea typeface="宋体" panose="02010600030101010101" pitchFamily="2" charset="-122"/>
             </a:endParaRPr>
           </a:p>
           <a:p>
@@ -11083,7 +11159,7 @@
             </a:pPr>
             <a:endParaRPr lang="en-US" altLang="zh-CN" dirty="0" smtClean="0">
               <a:latin typeface="+mj-lt"/>
-              <a:ea typeface="宋体" pitchFamily="2" charset="-122"/>
+              <a:ea typeface="宋体" panose="02010600030101010101" pitchFamily="2" charset="-122"/>
             </a:endParaRPr>
           </a:p>
           <a:p>
@@ -11092,7 +11168,7 @@
             </a:pPr>
             <a:endParaRPr lang="en-US" altLang="zh-CN" dirty="0" smtClean="0">
               <a:latin typeface="+mj-lt"/>
-              <a:ea typeface="宋体" pitchFamily="2" charset="-122"/>
+              <a:ea typeface="宋体" panose="02010600030101010101" pitchFamily="2" charset="-122"/>
             </a:endParaRPr>
           </a:p>
           <a:p>
@@ -11101,7 +11177,7 @@
             </a:pPr>
             <a:endParaRPr lang="en-US" altLang="zh-CN" dirty="0" smtClean="0">
               <a:latin typeface="+mj-lt"/>
-              <a:ea typeface="宋体" pitchFamily="2" charset="-122"/>
+              <a:ea typeface="宋体" panose="02010600030101010101" pitchFamily="2" charset="-122"/>
             </a:endParaRPr>
           </a:p>
           <a:p>
@@ -11110,7 +11186,7 @@
             </a:pPr>
             <a:endParaRPr lang="en-US" altLang="zh-CN" dirty="0" smtClean="0">
               <a:latin typeface="+mj-lt"/>
-              <a:ea typeface="宋体" pitchFamily="2" charset="-122"/>
+              <a:ea typeface="宋体" panose="02010600030101010101" pitchFamily="2" charset="-122"/>
             </a:endParaRPr>
           </a:p>
           <a:p>
@@ -11119,7 +11195,7 @@
             </a:pPr>
             <a:endParaRPr lang="en-US" altLang="zh-CN" dirty="0" smtClean="0">
               <a:latin typeface="+mj-lt"/>
-              <a:ea typeface="宋体" pitchFamily="2" charset="-122"/>
+              <a:ea typeface="宋体" panose="02010600030101010101" pitchFamily="2" charset="-122"/>
             </a:endParaRPr>
           </a:p>
           <a:p>
@@ -11129,7 +11205,7 @@
             <a:r>
               <a:rPr lang="zh-CN" altLang="en-US" smtClean="0">
                 <a:latin typeface="+mj-lt"/>
-                <a:ea typeface="宋体" pitchFamily="2" charset="-122"/>
+                <a:ea typeface="宋体" panose="02010600030101010101" pitchFamily="2" charset="-122"/>
               </a:rPr>
               <a:t>功能：</a:t>
             </a:r>
@@ -11159,24 +11235,24 @@
             <a:r>
               <a:rPr lang="zh-CN" altLang="en-US" smtClean="0">
                 <a:latin typeface="+mj-lt"/>
-                <a:ea typeface="宋体" pitchFamily="2" charset="-122"/>
+                <a:ea typeface="宋体" panose="02010600030101010101" pitchFamily="2" charset="-122"/>
               </a:rPr>
               <a:t>说明</a:t>
             </a:r>
             <a:r>
               <a:rPr lang="zh-CN" altLang="en-US" dirty="0" smtClean="0">
                 <a:latin typeface="+mj-lt"/>
-                <a:ea typeface="宋体" pitchFamily="2" charset="-122"/>
+                <a:ea typeface="宋体" panose="02010600030101010101" pitchFamily="2" charset="-122"/>
               </a:rPr>
               <a:t>：</a:t>
             </a:r>
             <a:endParaRPr lang="en-US" altLang="zh-CN" dirty="0" smtClean="0">
               <a:latin typeface="+mj-lt"/>
-              <a:ea typeface="宋体" pitchFamily="2" charset="-122"/>
-            </a:endParaRPr>
-          </a:p>
-          <a:p>
-            <a:pPr marL="620315" lvl="1" indent="-285750">
+              <a:ea typeface="宋体" panose="02010600030101010101" pitchFamily="2" charset="-122"/>
+            </a:endParaRPr>
+          </a:p>
+          <a:p>
+            <a:pPr marL="620395" lvl="1" indent="-285750">
               <a:lnSpc>
                 <a:spcPct val="110000"/>
               </a:lnSpc>
@@ -11187,14 +11263,14 @@
             <a:r>
               <a:rPr lang="en-US" altLang="zh-CN" sz="1575" dirty="0">
                 <a:latin typeface="+mj-lt"/>
-                <a:ea typeface="宋体" pitchFamily="2" charset="-122"/>
+                <a:ea typeface="宋体" panose="02010600030101010101" pitchFamily="2" charset="-122"/>
               </a:rPr>
               <a:t>counter</a:t>
             </a:r>
             <a:r>
               <a:rPr lang="zh-CN" altLang="en-US" sz="1575" dirty="0">
                 <a:latin typeface="+mj-lt"/>
-                <a:ea typeface="宋体" pitchFamily="2" charset="-122"/>
+                <a:ea typeface="宋体" panose="02010600030101010101" pitchFamily="2" charset="-122"/>
               </a:rPr>
               <a:t>为</a:t>
             </a:r>
@@ -11204,66 +11280,66 @@
                   <a:srgbClr val="0000FF"/>
                 </a:solidFill>
                 <a:latin typeface="+mj-lt"/>
-                <a:ea typeface="宋体" pitchFamily="2" charset="-122"/>
+                <a:ea typeface="宋体" panose="02010600030101010101" pitchFamily="2" charset="-122"/>
               </a:rPr>
               <a:t>静态变量</a:t>
             </a:r>
             <a:r>
               <a:rPr lang="zh-CN" altLang="en-US" sz="1575" dirty="0">
                 <a:latin typeface="+mj-lt"/>
-                <a:ea typeface="宋体" pitchFamily="2" charset="-122"/>
+                <a:ea typeface="宋体" panose="02010600030101010101" pitchFamily="2" charset="-122"/>
               </a:rPr>
               <a:t>，用来为开发团队新增成员自动生成团队中的唯一</a:t>
             </a:r>
             <a:r>
               <a:rPr lang="en-US" altLang="zh-CN" sz="1575" dirty="0">
                 <a:latin typeface="+mj-lt"/>
-                <a:ea typeface="宋体" pitchFamily="2" charset="-122"/>
+                <a:ea typeface="宋体" panose="02010600030101010101" pitchFamily="2" charset="-122"/>
               </a:rPr>
               <a:t>ID</a:t>
             </a:r>
             <a:r>
               <a:rPr lang="zh-CN" altLang="en-US" sz="1575" dirty="0">
                 <a:latin typeface="+mj-lt"/>
-                <a:ea typeface="宋体" pitchFamily="2" charset="-122"/>
+                <a:ea typeface="宋体" panose="02010600030101010101" pitchFamily="2" charset="-122"/>
               </a:rPr>
               <a:t>，即</a:t>
             </a:r>
             <a:r>
               <a:rPr lang="en-US" altLang="zh-CN" sz="1575" dirty="0" err="1">
                 <a:latin typeface="+mj-lt"/>
-                <a:ea typeface="宋体" pitchFamily="2" charset="-122"/>
+                <a:ea typeface="宋体" panose="02010600030101010101" pitchFamily="2" charset="-122"/>
               </a:rPr>
               <a:t>memberId</a:t>
             </a:r>
             <a:r>
               <a:rPr lang="zh-CN" altLang="en-US" sz="1575" dirty="0">
                 <a:latin typeface="+mj-lt"/>
-                <a:ea typeface="宋体" pitchFamily="2" charset="-122"/>
+                <a:ea typeface="宋体" panose="02010600030101010101" pitchFamily="2" charset="-122"/>
               </a:rPr>
               <a:t>。（提示：应使用增</a:t>
             </a:r>
             <a:r>
               <a:rPr lang="en-US" altLang="zh-CN" sz="1575" dirty="0">
                 <a:latin typeface="+mj-lt"/>
-                <a:ea typeface="宋体" pitchFamily="2" charset="-122"/>
+                <a:ea typeface="宋体" panose="02010600030101010101" pitchFamily="2" charset="-122"/>
               </a:rPr>
               <a:t>1</a:t>
             </a:r>
             <a:r>
               <a:rPr lang="zh-CN" altLang="en-US" sz="1575" dirty="0">
                 <a:latin typeface="+mj-lt"/>
-                <a:ea typeface="宋体" pitchFamily="2" charset="-122"/>
+                <a:ea typeface="宋体" panose="02010600030101010101" pitchFamily="2" charset="-122"/>
               </a:rPr>
               <a:t>的方式）</a:t>
             </a:r>
             <a:endParaRPr lang="en-US" altLang="zh-CN" sz="1575" dirty="0">
               <a:latin typeface="+mj-lt"/>
-              <a:ea typeface="宋体" pitchFamily="2" charset="-122"/>
-            </a:endParaRPr>
-          </a:p>
-          <a:p>
-            <a:pPr marL="620315" lvl="1" indent="-285750">
+              <a:ea typeface="宋体" panose="02010600030101010101" pitchFamily="2" charset="-122"/>
+            </a:endParaRPr>
+          </a:p>
+          <a:p>
+            <a:pPr marL="620395" lvl="1" indent="-285750">
               <a:lnSpc>
                 <a:spcPct val="110000"/>
               </a:lnSpc>
@@ -11274,31 +11350,31 @@
             <a:r>
               <a:rPr lang="en-US" altLang="zh-CN" sz="1575" smtClean="0">
                 <a:latin typeface="+mj-lt"/>
-                <a:ea typeface="宋体" pitchFamily="2" charset="-122"/>
+                <a:ea typeface="宋体" panose="02010600030101010101" pitchFamily="2" charset="-122"/>
               </a:rPr>
               <a:t>MAX_MEMBER</a:t>
             </a:r>
             <a:r>
               <a:rPr lang="zh-CN" altLang="en-US" sz="1575" smtClean="0">
                 <a:latin typeface="+mj-lt"/>
-                <a:ea typeface="宋体" pitchFamily="2" charset="-122"/>
+                <a:ea typeface="宋体" panose="02010600030101010101" pitchFamily="2" charset="-122"/>
               </a:rPr>
               <a:t>：表示</a:t>
             </a:r>
             <a:r>
               <a:rPr lang="zh-CN" altLang="en-US" sz="1575" dirty="0">
                 <a:latin typeface="+mj-lt"/>
-                <a:ea typeface="宋体" pitchFamily="2" charset="-122"/>
+                <a:ea typeface="宋体" panose="02010600030101010101" pitchFamily="2" charset="-122"/>
               </a:rPr>
               <a:t>开发团队最大成员数</a:t>
             </a:r>
             <a:endParaRPr lang="en-US" altLang="zh-CN" sz="1575" dirty="0">
               <a:latin typeface="+mj-lt"/>
-              <a:ea typeface="宋体" pitchFamily="2" charset="-122"/>
-            </a:endParaRPr>
-          </a:p>
-          <a:p>
-            <a:pPr marL="620315" lvl="1" indent="-285750">
+              <a:ea typeface="宋体" panose="02010600030101010101" pitchFamily="2" charset="-122"/>
+            </a:endParaRPr>
+          </a:p>
+          <a:p>
+            <a:pPr marL="620395" lvl="1" indent="-285750">
               <a:lnSpc>
                 <a:spcPct val="110000"/>
               </a:lnSpc>
@@ -11309,31 +11385,31 @@
             <a:r>
               <a:rPr lang="en-US" altLang="zh-CN" sz="1575">
                 <a:latin typeface="+mj-lt"/>
-                <a:ea typeface="宋体" pitchFamily="2" charset="-122"/>
+                <a:ea typeface="宋体" panose="02010600030101010101" pitchFamily="2" charset="-122"/>
               </a:rPr>
               <a:t>team</a:t>
             </a:r>
             <a:r>
               <a:rPr lang="zh-CN" altLang="en-US" sz="1575" smtClean="0">
                 <a:latin typeface="+mj-lt"/>
-                <a:ea typeface="宋体" pitchFamily="2" charset="-122"/>
+                <a:ea typeface="宋体" panose="02010600030101010101" pitchFamily="2" charset="-122"/>
               </a:rPr>
               <a:t>数组：用来</a:t>
             </a:r>
             <a:r>
               <a:rPr lang="zh-CN" altLang="en-US" sz="1575" dirty="0">
                 <a:latin typeface="+mj-lt"/>
-                <a:ea typeface="宋体" pitchFamily="2" charset="-122"/>
+                <a:ea typeface="宋体" panose="02010600030101010101" pitchFamily="2" charset="-122"/>
               </a:rPr>
               <a:t>保存当前团队中的各成员对象 </a:t>
             </a:r>
             <a:endParaRPr lang="en-US" altLang="zh-CN" sz="1575" dirty="0">
               <a:latin typeface="+mj-lt"/>
-              <a:ea typeface="宋体" pitchFamily="2" charset="-122"/>
-            </a:endParaRPr>
-          </a:p>
-          <a:p>
-            <a:pPr marL="620315" lvl="1" indent="-285750">
+              <a:ea typeface="宋体" panose="02010600030101010101" pitchFamily="2" charset="-122"/>
+            </a:endParaRPr>
+          </a:p>
+          <a:p>
+            <a:pPr marL="620395" lvl="1" indent="-285750">
               <a:lnSpc>
                 <a:spcPct val="110000"/>
               </a:lnSpc>
@@ -11363,13 +11439,13 @@
             <a:r>
               <a:rPr lang="zh-CN" altLang="en-US" sz="1575" dirty="0">
                 <a:latin typeface="+mj-lt"/>
-                <a:ea typeface="宋体" pitchFamily="2" charset="-122"/>
+                <a:ea typeface="宋体" panose="02010600030101010101" pitchFamily="2" charset="-122"/>
               </a:rPr>
               <a:t>团队成员的实际人数</a:t>
             </a:r>
             <a:endParaRPr lang="en-US" altLang="zh-CN" sz="1575" dirty="0">
               <a:latin typeface="+mj-lt"/>
-              <a:ea typeface="宋体" pitchFamily="2" charset="-122"/>
+              <a:ea typeface="宋体" panose="02010600030101010101" pitchFamily="2" charset="-122"/>
             </a:endParaRPr>
           </a:p>
         </p:txBody>
@@ -11471,6 +11547,7 @@
               <a:rPr lang="en-US" altLang="zh-CN" sz="1200" dirty="0"/>
               <a:t>(): Programmer[]</a:t>
             </a:r>
+            <a:endParaRPr lang="en-US" altLang="zh-CN" sz="1200" dirty="0"/>
           </a:p>
           <a:p>
             <a:pPr algn="l"/>
@@ -11506,6 +11583,7 @@
               <a:rPr lang="en-US" altLang="zh-CN" sz="1200" dirty="0"/>
               <a:t>: void </a:t>
             </a:r>
+            <a:endParaRPr lang="en-US" altLang="zh-CN" sz="1200" dirty="0"/>
           </a:p>
           <a:p>
             <a:pPr algn="l"/>
@@ -11557,6 +11635,7 @@
               <a:rPr lang="en-US" altLang="zh-CN" sz="1200" dirty="0"/>
               <a:t>: void </a:t>
             </a:r>
+            <a:endParaRPr lang="en-US" altLang="zh-CN" sz="1200" dirty="0"/>
           </a:p>
         </p:txBody>
       </p:sp>
@@ -11611,6 +11690,7 @@
               <a:rPr lang="en-US" altLang="zh-CN" sz="1200" dirty="0"/>
               <a:t> = 1</a:t>
             </a:r>
+            <a:endParaRPr lang="en-US" altLang="zh-CN" sz="1200" dirty="0"/>
           </a:p>
           <a:p>
             <a:pPr algn="l">
@@ -11629,6 +11709,7 @@
               <a:rPr lang="en-US" altLang="zh-CN" sz="1200" dirty="0"/>
               <a:t> = 5</a:t>
             </a:r>
+            <a:endParaRPr lang="en-US" altLang="zh-CN" sz="1200" dirty="0"/>
           </a:p>
           <a:p>
             <a:pPr algn="l">
@@ -11639,6 +11720,7 @@
               <a:rPr lang="en-US" altLang="zh-CN" sz="1200" dirty="0"/>
               <a:t> team: Programmer[] = new Programmer[MAX_MEMBER];</a:t>
             </a:r>
+            <a:endParaRPr lang="en-US" altLang="zh-CN" sz="1200" dirty="0"/>
           </a:p>
           <a:p>
             <a:pPr algn="l"/>
@@ -11654,15 +11736,11 @@
               <a:rPr lang="en-US" altLang="zh-CN" sz="1200" dirty="0"/>
               <a:t> = 0;</a:t>
             </a:r>
+            <a:endParaRPr lang="en-US" altLang="zh-CN" sz="1200" dirty="0"/>
           </a:p>
         </p:txBody>
       </p:sp>
     </p:spTree>
-    <p:extLst>
-      <p:ext uri="{BB962C8B-B14F-4D97-AF65-F5344CB8AC3E}">
-        <p14:creationId xmlns:p14="http://schemas.microsoft.com/office/powerpoint/2010/main" val="2437033308"/>
-      </p:ext>
-    </p:extLst>
   </p:cSld>
   <p:clrMapOvr>
     <a:masterClrMapping/>
@@ -11769,7 +11847,7 @@
             </a:pPr>
             <a:endParaRPr lang="en-US" altLang="zh-CN" dirty="0" smtClean="0">
               <a:latin typeface="+mj-lt"/>
-              <a:ea typeface="宋体" pitchFamily="2" charset="-122"/>
+              <a:ea typeface="宋体" panose="02010600030101010101" pitchFamily="2" charset="-122"/>
             </a:endParaRPr>
           </a:p>
           <a:p>
@@ -11778,7 +11856,7 @@
             </a:pPr>
             <a:endParaRPr lang="en-US" altLang="zh-CN" dirty="0" smtClean="0">
               <a:latin typeface="+mj-lt"/>
-              <a:ea typeface="宋体" pitchFamily="2" charset="-122"/>
+              <a:ea typeface="宋体" panose="02010600030101010101" pitchFamily="2" charset="-122"/>
             </a:endParaRPr>
           </a:p>
           <a:p>
@@ -11787,7 +11865,7 @@
             </a:pPr>
             <a:endParaRPr lang="en-US" altLang="zh-CN" dirty="0" smtClean="0">
               <a:latin typeface="+mj-lt"/>
-              <a:ea typeface="宋体" pitchFamily="2" charset="-122"/>
+              <a:ea typeface="宋体" panose="02010600030101010101" pitchFamily="2" charset="-122"/>
             </a:endParaRPr>
           </a:p>
           <a:p>
@@ -11796,7 +11874,7 @@
             </a:pPr>
             <a:endParaRPr lang="en-US" altLang="zh-CN" dirty="0" smtClean="0">
               <a:latin typeface="+mj-lt"/>
-              <a:ea typeface="宋体" pitchFamily="2" charset="-122"/>
+              <a:ea typeface="宋体" panose="02010600030101010101" pitchFamily="2" charset="-122"/>
             </a:endParaRPr>
           </a:p>
           <a:p>
@@ -11805,7 +11883,7 @@
             </a:pPr>
             <a:endParaRPr lang="en-US" altLang="zh-CN" dirty="0" smtClean="0">
               <a:latin typeface="+mj-lt"/>
-              <a:ea typeface="宋体" pitchFamily="2" charset="-122"/>
+              <a:ea typeface="宋体" panose="02010600030101010101" pitchFamily="2" charset="-122"/>
             </a:endParaRPr>
           </a:p>
           <a:p>
@@ -11815,17 +11893,17 @@
             <a:r>
               <a:rPr lang="zh-CN" altLang="en-US" sz="2900" dirty="0" smtClean="0">
                 <a:latin typeface="+mj-lt"/>
-                <a:ea typeface="宋体" pitchFamily="2" charset="-122"/>
+                <a:ea typeface="宋体" panose="02010600030101010101" pitchFamily="2" charset="-122"/>
               </a:rPr>
               <a:t>说明：</a:t>
             </a:r>
             <a:endParaRPr lang="en-US" altLang="zh-CN" sz="2900" dirty="0" smtClean="0">
               <a:latin typeface="+mj-lt"/>
-              <a:ea typeface="宋体" pitchFamily="2" charset="-122"/>
-            </a:endParaRPr>
-          </a:p>
-          <a:p>
-            <a:pPr marL="677465" lvl="1" indent="-342900">
+              <a:ea typeface="宋体" panose="02010600030101010101" pitchFamily="2" charset="-122"/>
+            </a:endParaRPr>
+          </a:p>
+          <a:p>
+            <a:pPr marL="677545" lvl="1" indent="-342900">
               <a:lnSpc>
                 <a:spcPct val="120000"/>
               </a:lnSpc>
@@ -11844,17 +11922,17 @@
             <a:r>
               <a:rPr lang="zh-CN" altLang="en-US" sz="2500" dirty="0">
                 <a:latin typeface="+mj-lt"/>
-                <a:ea typeface="宋体" pitchFamily="2" charset="-122"/>
+                <a:ea typeface="宋体" panose="02010600030101010101" pitchFamily="2" charset="-122"/>
               </a:rPr>
               <a:t>方法：返回当前团队的所有对象</a:t>
             </a:r>
             <a:endParaRPr lang="en-US" altLang="zh-CN" sz="2500" dirty="0">
               <a:latin typeface="+mj-lt"/>
-              <a:ea typeface="宋体" pitchFamily="2" charset="-122"/>
-            </a:endParaRPr>
-          </a:p>
-          <a:p>
-            <a:pPr marL="935830" lvl="2" indent="-342900">
+              <a:ea typeface="宋体" panose="02010600030101010101" pitchFamily="2" charset="-122"/>
+            </a:endParaRPr>
+          </a:p>
+          <a:p>
+            <a:pPr marL="935990" lvl="2" indent="-342900">
               <a:lnSpc>
                 <a:spcPct val="120000"/>
               </a:lnSpc>
@@ -11865,7 +11943,7 @@
             <a:r>
               <a:rPr lang="zh-CN" altLang="en-US" sz="2500" dirty="0">
                 <a:latin typeface="+mj-lt"/>
-                <a:ea typeface="宋体" pitchFamily="2" charset="-122"/>
+                <a:ea typeface="宋体" panose="02010600030101010101" pitchFamily="2" charset="-122"/>
               </a:rPr>
               <a:t>返回：包含所有成员对象的</a:t>
             </a:r>
@@ -11883,17 +11961,17 @@
             <a:r>
               <a:rPr lang="zh-CN" altLang="en-US" sz="2500" dirty="0">
                 <a:latin typeface="+mj-lt"/>
-                <a:ea typeface="宋体" pitchFamily="2" charset="-122"/>
+                <a:ea typeface="宋体" panose="02010600030101010101" pitchFamily="2" charset="-122"/>
               </a:rPr>
               <a:t>数组大小与成员人数一致</a:t>
             </a:r>
             <a:endParaRPr lang="en-US" altLang="zh-CN" sz="2500" dirty="0">
               <a:latin typeface="+mj-lt"/>
-              <a:ea typeface="宋体" pitchFamily="2" charset="-122"/>
-            </a:endParaRPr>
-          </a:p>
-          <a:p>
-            <a:pPr marL="677465" lvl="1" indent="-342900">
+              <a:ea typeface="宋体" panose="02010600030101010101" pitchFamily="2" charset="-122"/>
+            </a:endParaRPr>
+          </a:p>
+          <a:p>
+            <a:pPr marL="677545" lvl="1" indent="-342900">
               <a:lnSpc>
                 <a:spcPct val="120000"/>
               </a:lnSpc>
@@ -11911,16 +11989,16 @@
             </a:r>
             <a:r>
               <a:rPr lang="zh-CN" altLang="en-US" sz="2500" dirty="0">
-                <a:ea typeface="宋体" pitchFamily="2" charset="-122"/>
+                <a:ea typeface="宋体" panose="02010600030101010101" pitchFamily="2" charset="-122"/>
               </a:rPr>
               <a:t>方法：向团队中添加成员</a:t>
             </a:r>
             <a:endParaRPr lang="en-US" altLang="zh-CN" sz="2500" dirty="0">
-              <a:ea typeface="宋体" pitchFamily="2" charset="-122"/>
-            </a:endParaRPr>
-          </a:p>
-          <a:p>
-            <a:pPr marL="935830" lvl="2" indent="-342900">
+              <a:ea typeface="宋体" panose="02010600030101010101" pitchFamily="2" charset="-122"/>
+            </a:endParaRPr>
+          </a:p>
+          <a:p>
+            <a:pPr marL="935990" lvl="2" indent="-342900">
               <a:lnSpc>
                 <a:spcPct val="120000"/>
               </a:lnSpc>
@@ -11930,16 +12008,16 @@
             </a:pPr>
             <a:r>
               <a:rPr lang="zh-CN" altLang="en-US" sz="2500" dirty="0">
-                <a:ea typeface="宋体" pitchFamily="2" charset="-122"/>
+                <a:ea typeface="宋体" panose="02010600030101010101" pitchFamily="2" charset="-122"/>
               </a:rPr>
               <a:t>参数：待添加成员的对象</a:t>
             </a:r>
             <a:endParaRPr lang="en-US" altLang="zh-CN" sz="2500" dirty="0">
-              <a:ea typeface="宋体" pitchFamily="2" charset="-122"/>
-            </a:endParaRPr>
-          </a:p>
-          <a:p>
-            <a:pPr marL="935830" lvl="2" indent="-342900">
+              <a:ea typeface="宋体" panose="02010600030101010101" pitchFamily="2" charset="-122"/>
+            </a:endParaRPr>
+          </a:p>
+          <a:p>
+            <a:pPr marL="935990" lvl="2" indent="-342900">
               <a:lnSpc>
                 <a:spcPct val="120000"/>
               </a:lnSpc>
@@ -11950,7 +12028,7 @@
             <a:r>
               <a:rPr lang="zh-CN" altLang="en-US" sz="2500" dirty="0">
                 <a:latin typeface="+mj-lt"/>
-                <a:ea typeface="宋体" pitchFamily="2" charset="-122"/>
+                <a:ea typeface="宋体" panose="02010600030101010101" pitchFamily="2" charset="-122"/>
               </a:rPr>
               <a:t>异常：</a:t>
             </a:r>
@@ -11960,7 +12038,7 @@
                   <a:srgbClr val="FF0000"/>
                 </a:solidFill>
                 <a:latin typeface="+mj-lt"/>
-                <a:ea typeface="宋体" pitchFamily="2" charset="-122"/>
+                <a:ea typeface="宋体" panose="02010600030101010101" pitchFamily="2" charset="-122"/>
               </a:rPr>
               <a:t>添加失败，</a:t>
             </a:r>
@@ -11978,7 +12056,7 @@
                   <a:srgbClr val="FF0000"/>
                 </a:solidFill>
                 <a:latin typeface="+mj-lt"/>
-                <a:ea typeface="宋体" pitchFamily="2" charset="-122"/>
+                <a:ea typeface="宋体" panose="02010600030101010101" pitchFamily="2" charset="-122"/>
               </a:rPr>
               <a:t>TeamException</a:t>
             </a:r>
@@ -11988,7 +12066,7 @@
                   <a:srgbClr val="FF0000"/>
                 </a:solidFill>
                 <a:latin typeface="+mj-lt"/>
-                <a:ea typeface="宋体" pitchFamily="2" charset="-122"/>
+                <a:ea typeface="宋体" panose="02010600030101010101" pitchFamily="2" charset="-122"/>
               </a:rPr>
               <a:t>中包含了失败原因</a:t>
             </a:r>
@@ -11997,11 +12075,11 @@
                 <a:srgbClr val="FF0000"/>
               </a:solidFill>
               <a:latin typeface="+mj-lt"/>
-              <a:ea typeface="宋体" pitchFamily="2" charset="-122"/>
-            </a:endParaRPr>
-          </a:p>
-          <a:p>
-            <a:pPr marL="677465" lvl="1" indent="-342900">
+              <a:ea typeface="宋体" panose="02010600030101010101" pitchFamily="2" charset="-122"/>
+            </a:endParaRPr>
+          </a:p>
+          <a:p>
+            <a:pPr marL="677545" lvl="1" indent="-342900">
               <a:lnSpc>
                 <a:spcPct val="120000"/>
               </a:lnSpc>
@@ -12032,24 +12110,24 @@
             <a:r>
               <a:rPr lang="en-US" altLang="zh-CN" sz="2500" dirty="0">
                 <a:latin typeface="+mj-lt"/>
-                <a:ea typeface="宋体" pitchFamily="2" charset="-122"/>
+                <a:ea typeface="宋体" panose="02010600030101010101" pitchFamily="2" charset="-122"/>
               </a:rPr>
               <a:t>)</a:t>
             </a:r>
             <a:r>
               <a:rPr lang="zh-CN" altLang="en-US" sz="2500" dirty="0">
                 <a:latin typeface="+mj-lt"/>
-                <a:ea typeface="宋体" pitchFamily="2" charset="-122"/>
+                <a:ea typeface="宋体" panose="02010600030101010101" pitchFamily="2" charset="-122"/>
               </a:rPr>
               <a:t>方法：从团队中删除成员</a:t>
             </a:r>
             <a:endParaRPr lang="en-US" altLang="zh-CN" sz="2500" dirty="0">
               <a:latin typeface="+mj-lt"/>
-              <a:ea typeface="宋体" pitchFamily="2" charset="-122"/>
-            </a:endParaRPr>
-          </a:p>
-          <a:p>
-            <a:pPr marL="935830" lvl="2" indent="-342900">
+              <a:ea typeface="宋体" panose="02010600030101010101" pitchFamily="2" charset="-122"/>
+            </a:endParaRPr>
+          </a:p>
+          <a:p>
+            <a:pPr marL="935990" lvl="2" indent="-342900">
               <a:lnSpc>
                 <a:spcPct val="120000"/>
               </a:lnSpc>
@@ -12059,7 +12137,7 @@
             </a:pPr>
             <a:r>
               <a:rPr lang="zh-CN" altLang="en-US" sz="2500" dirty="0">
-                <a:ea typeface="宋体" pitchFamily="2" charset="-122"/>
+                <a:ea typeface="宋体" panose="02010600030101010101" pitchFamily="2" charset="-122"/>
               </a:rPr>
               <a:t>参数：待删除成员的</a:t>
             </a:r>
@@ -12068,11 +12146,11 @@
               <a:t>memberId</a:t>
             </a:r>
             <a:endParaRPr lang="en-US" altLang="zh-CN" sz="2500" dirty="0">
-              <a:ea typeface="宋体" pitchFamily="2" charset="-122"/>
-            </a:endParaRPr>
-          </a:p>
-          <a:p>
-            <a:pPr marL="935830" lvl="2" indent="-342900">
+              <a:ea typeface="宋体" panose="02010600030101010101" pitchFamily="2" charset="-122"/>
+            </a:endParaRPr>
+          </a:p>
+          <a:p>
+            <a:pPr marL="935990" lvl="2" indent="-342900">
               <a:lnSpc>
                 <a:spcPct val="120000"/>
               </a:lnSpc>
@@ -12082,7 +12160,7 @@
             </a:pPr>
             <a:r>
               <a:rPr lang="zh-CN" altLang="en-US" sz="2500">
-                <a:ea typeface="宋体" pitchFamily="2" charset="-122"/>
+                <a:ea typeface="宋体" panose="02010600030101010101" pitchFamily="2" charset="-122"/>
               </a:rPr>
               <a:t>异常：</a:t>
             </a:r>
@@ -12091,7 +12169,7 @@
                 <a:solidFill>
                   <a:srgbClr val="FF0000"/>
                 </a:solidFill>
-                <a:ea typeface="宋体" pitchFamily="2" charset="-122"/>
+                <a:ea typeface="宋体" panose="02010600030101010101" pitchFamily="2" charset="-122"/>
               </a:rPr>
               <a:t>找不到指定</a:t>
             </a:r>
@@ -12100,7 +12178,7 @@
                 <a:solidFill>
                   <a:srgbClr val="FF0000"/>
                 </a:solidFill>
-                <a:ea typeface="宋体" pitchFamily="2" charset="-122"/>
+                <a:ea typeface="宋体" panose="02010600030101010101" pitchFamily="2" charset="-122"/>
               </a:rPr>
               <a:t>memberId</a:t>
             </a:r>
@@ -12109,7 +12187,7 @@
                 <a:solidFill>
                   <a:srgbClr val="FF0000"/>
                 </a:solidFill>
-                <a:ea typeface="宋体" pitchFamily="2" charset="-122"/>
+                <a:ea typeface="宋体" panose="02010600030101010101" pitchFamily="2" charset="-122"/>
               </a:rPr>
               <a:t>的员工，删除失败</a:t>
             </a:r>
@@ -12118,7 +12196,7 @@
                 <a:srgbClr val="FF0000"/>
               </a:solidFill>
               <a:latin typeface="+mj-lt"/>
-              <a:ea typeface="宋体" pitchFamily="2" charset="-122"/>
+              <a:ea typeface="宋体" panose="02010600030101010101" pitchFamily="2" charset="-122"/>
             </a:endParaRPr>
           </a:p>
           <a:p>
@@ -12131,26 +12209,26 @@
             <a:r>
               <a:rPr lang="zh-CN" altLang="en-US" sz="2850" dirty="0">
                 <a:latin typeface="+mj-lt"/>
-                <a:ea typeface="宋体" pitchFamily="2" charset="-122"/>
+                <a:ea typeface="宋体" panose="02010600030101010101" pitchFamily="2" charset="-122"/>
               </a:rPr>
               <a:t>另外，可根据需要</a:t>
             </a:r>
             <a:r>
               <a:rPr lang="zh-CN" altLang="en-US" sz="2850" dirty="0">
-                <a:ea typeface="宋体" pitchFamily="2" charset="-122"/>
+                <a:ea typeface="宋体" panose="02010600030101010101" pitchFamily="2" charset="-122"/>
               </a:rPr>
               <a:t>自行添加其他方法或</a:t>
             </a:r>
             <a:r>
               <a:rPr lang="zh-CN" altLang="en-US" sz="2850" dirty="0">
                 <a:latin typeface="+mj-lt"/>
-                <a:ea typeface="宋体" pitchFamily="2" charset="-122"/>
+                <a:ea typeface="宋体" panose="02010600030101010101" pitchFamily="2" charset="-122"/>
               </a:rPr>
               <a:t>重载构造器</a:t>
             </a:r>
             <a:endParaRPr lang="en-US" altLang="zh-CN" sz="2850" dirty="0">
               <a:latin typeface="+mj-lt"/>
-              <a:ea typeface="宋体" pitchFamily="2" charset="-122"/>
+              <a:ea typeface="宋体" panose="02010600030101010101" pitchFamily="2" charset="-122"/>
             </a:endParaRPr>
           </a:p>
         </p:txBody>
@@ -12252,6 +12330,7 @@
               <a:rPr lang="en-US" altLang="zh-CN" sz="1200" dirty="0"/>
               <a:t>(): Programmer[]</a:t>
             </a:r>
+            <a:endParaRPr lang="en-US" altLang="zh-CN" sz="1200" dirty="0"/>
           </a:p>
           <a:p>
             <a:pPr algn="l"/>
@@ -12287,6 +12366,7 @@
               <a:rPr lang="en-US" altLang="zh-CN" sz="1200" dirty="0"/>
               <a:t>: void </a:t>
             </a:r>
+            <a:endParaRPr lang="en-US" altLang="zh-CN" sz="1200" dirty="0"/>
           </a:p>
           <a:p>
             <a:pPr algn="l"/>
@@ -12338,6 +12418,7 @@
               <a:rPr lang="en-US" altLang="zh-CN" sz="1200" dirty="0"/>
               <a:t>: void </a:t>
             </a:r>
+            <a:endParaRPr lang="en-US" altLang="zh-CN" sz="1200" dirty="0"/>
           </a:p>
         </p:txBody>
       </p:sp>
@@ -12385,11 +12466,6 @@
         </p:txBody>
       </p:sp>
     </p:spTree>
-    <p:extLst>
-      <p:ext uri="{BB962C8B-B14F-4D97-AF65-F5344CB8AC3E}">
-        <p14:creationId xmlns:p14="http://schemas.microsoft.com/office/powerpoint/2010/main" val="1433318885"/>
-      </p:ext>
-    </p:extLst>
   </p:cSld>
   <p:clrMapOvr>
     <a:masterClrMapping/>
@@ -12448,7 +12524,7 @@
                   <a:srgbClr val="000000"/>
                 </a:solidFill>
                 <a:latin typeface="+mn-lt"/>
-                <a:ea typeface="宋体" charset="-122"/>
+                <a:ea typeface="宋体" panose="02010600030101010101" pitchFamily="2" charset="-122"/>
               </a:rPr>
               <a:t>第</a:t>
             </a:r>
@@ -12458,7 +12534,7 @@
                   <a:srgbClr val="000000"/>
                 </a:solidFill>
                 <a:latin typeface="+mn-lt"/>
-                <a:ea typeface="宋体" charset="-122"/>
+                <a:ea typeface="宋体" panose="02010600030101010101" pitchFamily="2" charset="-122"/>
               </a:rPr>
               <a:t>3</a:t>
             </a:r>
@@ -12468,7 +12544,7 @@
                   <a:srgbClr val="000000"/>
                 </a:solidFill>
                 <a:latin typeface="+mn-lt"/>
-                <a:ea typeface="宋体" charset="-122"/>
+                <a:ea typeface="宋体" panose="02010600030101010101" pitchFamily="2" charset="-122"/>
               </a:rPr>
               <a:t>步 </a:t>
             </a:r>
@@ -12478,7 +12554,7 @@
                   <a:srgbClr val="000000"/>
                 </a:solidFill>
                 <a:latin typeface="+mn-lt"/>
-                <a:ea typeface="宋体" charset="-122"/>
+                <a:ea typeface="宋体" panose="02010600030101010101" pitchFamily="2" charset="-122"/>
               </a:rPr>
               <a:t>— </a:t>
             </a:r>
@@ -12488,7 +12564,7 @@
                   <a:srgbClr val="000000"/>
                 </a:solidFill>
                 <a:latin typeface="+mn-lt"/>
-                <a:ea typeface="宋体" charset="-122"/>
+                <a:ea typeface="宋体" panose="02010600030101010101" pitchFamily="2" charset="-122"/>
               </a:rPr>
               <a:t>实现</a:t>
             </a:r>
@@ -12498,7 +12574,7 @@
                   <a:srgbClr val="000000"/>
                 </a:solidFill>
                 <a:latin typeface="+mn-lt"/>
-                <a:ea typeface="宋体" charset="-122"/>
+                <a:ea typeface="宋体" panose="02010600030101010101" pitchFamily="2" charset="-122"/>
               </a:rPr>
               <a:t>view</a:t>
             </a:r>
@@ -12508,7 +12584,7 @@
                   <a:srgbClr val="000000"/>
                 </a:solidFill>
                 <a:latin typeface="+mn-lt"/>
-                <a:ea typeface="宋体" charset="-122"/>
+                <a:ea typeface="宋体" panose="02010600030101010101" pitchFamily="2" charset="-122"/>
               </a:rPr>
               <a:t>包中类</a:t>
             </a:r>
@@ -12547,24 +12623,24 @@
             </a:pPr>
             <a:r>
               <a:rPr lang="zh-CN" altLang="en-US" dirty="0" smtClean="0">
-                <a:ea typeface="宋体" pitchFamily="2" charset="-122"/>
+                <a:ea typeface="宋体" panose="02010600030101010101" pitchFamily="2" charset="-122"/>
               </a:rPr>
               <a:t>按照设计要求编写</a:t>
             </a:r>
             <a:r>
               <a:rPr lang="en-US" altLang="zh-CN" dirty="0" err="1" smtClean="0">
-                <a:ea typeface="宋体" charset="-122"/>
+                <a:ea typeface="宋体" panose="02010600030101010101" pitchFamily="2" charset="-122"/>
               </a:rPr>
               <a:t>TeamView</a:t>
             </a:r>
             <a:r>
               <a:rPr lang="zh-CN" altLang="en-US" dirty="0" smtClean="0">
-                <a:ea typeface="宋体" pitchFamily="2" charset="-122"/>
+                <a:ea typeface="宋体" panose="02010600030101010101" pitchFamily="2" charset="-122"/>
               </a:rPr>
               <a:t>类，逐一实现各个方法，并编译</a:t>
             </a:r>
             <a:endParaRPr lang="en-US" altLang="zh-CN" dirty="0" smtClean="0">
-              <a:ea typeface="宋体" pitchFamily="2" charset="-122"/>
+              <a:ea typeface="宋体" panose="02010600030101010101" pitchFamily="2" charset="-122"/>
             </a:endParaRPr>
           </a:p>
           <a:p>
@@ -12575,34 +12651,29 @@
             </a:pPr>
             <a:r>
               <a:rPr lang="zh-CN" altLang="en-US" dirty="0" smtClean="0">
-                <a:ea typeface="宋体" pitchFamily="2" charset="-122"/>
+                <a:ea typeface="宋体" panose="02010600030101010101" pitchFamily="2" charset="-122"/>
               </a:rPr>
               <a:t>执行</a:t>
             </a:r>
             <a:r>
               <a:rPr lang="en-US" altLang="zh-CN" dirty="0" smtClean="0">
-                <a:ea typeface="宋体" pitchFamily="2" charset="-122"/>
+                <a:ea typeface="宋体" panose="02010600030101010101" pitchFamily="2" charset="-122"/>
               </a:rPr>
               <a:t>main</a:t>
             </a:r>
             <a:r>
               <a:rPr lang="zh-CN" altLang="en-US" dirty="0" smtClean="0">
-                <a:ea typeface="宋体" pitchFamily="2" charset="-122"/>
+                <a:ea typeface="宋体" panose="02010600030101010101" pitchFamily="2" charset="-122"/>
               </a:rPr>
               <a:t>方法中，测试软件全部功能</a:t>
             </a:r>
             <a:endParaRPr lang="en-US" altLang="zh-CN" dirty="0" smtClean="0">
-              <a:ea typeface="宋体" pitchFamily="2" charset="-122"/>
+              <a:ea typeface="宋体" panose="02010600030101010101" pitchFamily="2" charset="-122"/>
             </a:endParaRPr>
           </a:p>
         </p:txBody>
       </p:sp>
     </p:spTree>
-    <p:extLst>
-      <p:ext uri="{BB962C8B-B14F-4D97-AF65-F5344CB8AC3E}">
-        <p14:creationId xmlns:p14="http://schemas.microsoft.com/office/powerpoint/2010/main" val="4069056848"/>
-      </p:ext>
-    </p:extLst>
   </p:cSld>
   <p:clrMapOvr>
     <a:masterClrMapping/>
@@ -12709,7 +12780,7 @@
             </a:pPr>
             <a:endParaRPr lang="en-US" altLang="zh-CN" dirty="0" smtClean="0">
               <a:latin typeface="+mj-lt"/>
-              <a:ea typeface="宋体" pitchFamily="2" charset="-122"/>
+              <a:ea typeface="宋体" panose="02010600030101010101" pitchFamily="2" charset="-122"/>
             </a:endParaRPr>
           </a:p>
           <a:p>
@@ -12718,7 +12789,7 @@
             </a:pPr>
             <a:endParaRPr lang="en-US" altLang="zh-CN" dirty="0" smtClean="0">
               <a:latin typeface="+mj-lt"/>
-              <a:ea typeface="宋体" pitchFamily="2" charset="-122"/>
+              <a:ea typeface="宋体" panose="02010600030101010101" pitchFamily="2" charset="-122"/>
             </a:endParaRPr>
           </a:p>
           <a:p>
@@ -12727,7 +12798,7 @@
             </a:pPr>
             <a:endParaRPr lang="en-US" altLang="zh-CN" dirty="0" smtClean="0">
               <a:latin typeface="+mj-lt"/>
-              <a:ea typeface="宋体" pitchFamily="2" charset="-122"/>
+              <a:ea typeface="宋体" panose="02010600030101010101" pitchFamily="2" charset="-122"/>
             </a:endParaRPr>
           </a:p>
           <a:p>
@@ -12736,7 +12807,7 @@
             </a:pPr>
             <a:endParaRPr lang="en-US" altLang="zh-CN" dirty="0" smtClean="0">
               <a:latin typeface="+mj-lt"/>
-              <a:ea typeface="宋体" pitchFamily="2" charset="-122"/>
+              <a:ea typeface="宋体" panose="02010600030101010101" pitchFamily="2" charset="-122"/>
             </a:endParaRPr>
           </a:p>
           <a:p>
@@ -12745,7 +12816,7 @@
             </a:pPr>
             <a:endParaRPr lang="en-US" altLang="zh-CN" dirty="0" smtClean="0">
               <a:latin typeface="+mj-lt"/>
-              <a:ea typeface="宋体" pitchFamily="2" charset="-122"/>
+              <a:ea typeface="宋体" panose="02010600030101010101" pitchFamily="2" charset="-122"/>
             </a:endParaRPr>
           </a:p>
           <a:p>
@@ -12754,7 +12825,7 @@
             </a:pPr>
             <a:endParaRPr lang="en-US" altLang="zh-CN" dirty="0" smtClean="0">
               <a:latin typeface="+mj-lt"/>
-              <a:ea typeface="宋体" pitchFamily="2" charset="-122"/>
+              <a:ea typeface="宋体" panose="02010600030101010101" pitchFamily="2" charset="-122"/>
             </a:endParaRPr>
           </a:p>
           <a:p>
@@ -12764,7 +12835,7 @@
             </a:pPr>
             <a:endParaRPr lang="en-US" altLang="zh-CN" dirty="0" smtClean="0">
               <a:latin typeface="+mj-lt"/>
-              <a:ea typeface="宋体" pitchFamily="2" charset="-122"/>
+              <a:ea typeface="宋体" panose="02010600030101010101" pitchFamily="2" charset="-122"/>
             </a:endParaRPr>
           </a:p>
           <a:p>
@@ -12774,17 +12845,17 @@
             <a:r>
               <a:rPr lang="zh-CN" altLang="en-US" sz="2600" dirty="0" smtClean="0">
                 <a:latin typeface="+mj-lt"/>
-                <a:ea typeface="宋体" pitchFamily="2" charset="-122"/>
+                <a:ea typeface="宋体" panose="02010600030101010101" pitchFamily="2" charset="-122"/>
               </a:rPr>
               <a:t>说明：</a:t>
             </a:r>
             <a:endParaRPr lang="en-US" altLang="zh-CN" sz="2600" dirty="0" smtClean="0">
               <a:latin typeface="+mj-lt"/>
-              <a:ea typeface="宋体" pitchFamily="2" charset="-122"/>
-            </a:endParaRPr>
-          </a:p>
-          <a:p>
-            <a:pPr marL="677465" lvl="1" indent="-342900">
+              <a:ea typeface="宋体" panose="02010600030101010101" pitchFamily="2" charset="-122"/>
+            </a:endParaRPr>
+          </a:p>
+          <a:p>
+            <a:pPr marL="677545" lvl="1" indent="-342900">
               <a:lnSpc>
                 <a:spcPct val="120000"/>
               </a:lnSpc>
@@ -12795,38 +12866,38 @@
             <a:r>
               <a:rPr lang="en-US" altLang="zh-CN" sz="2025" dirty="0" err="1">
                 <a:latin typeface="+mj-lt"/>
-                <a:ea typeface="宋体" pitchFamily="2" charset="-122"/>
+                <a:ea typeface="宋体" panose="02010600030101010101" pitchFamily="2" charset="-122"/>
               </a:rPr>
               <a:t>listSvc</a:t>
             </a:r>
             <a:r>
               <a:rPr lang="zh-CN" altLang="en-US" sz="2025" dirty="0">
                 <a:latin typeface="+mj-lt"/>
-                <a:ea typeface="宋体" pitchFamily="2" charset="-122"/>
+                <a:ea typeface="宋体" panose="02010600030101010101" pitchFamily="2" charset="-122"/>
               </a:rPr>
               <a:t>和</a:t>
             </a:r>
             <a:r>
               <a:rPr lang="en-US" altLang="zh-CN" sz="2025" dirty="0" err="1">
                 <a:latin typeface="+mj-lt"/>
-                <a:ea typeface="宋体" pitchFamily="2" charset="-122"/>
+                <a:ea typeface="宋体" panose="02010600030101010101" pitchFamily="2" charset="-122"/>
               </a:rPr>
               <a:t>teamSvc</a:t>
             </a:r>
             <a:r>
               <a:rPr lang="zh-CN" altLang="en-US" sz="2025" dirty="0">
                 <a:latin typeface="+mj-lt"/>
-                <a:ea typeface="宋体" pitchFamily="2" charset="-122"/>
+                <a:ea typeface="宋体" panose="02010600030101010101" pitchFamily="2" charset="-122"/>
               </a:rPr>
               <a:t>属性：供类中的方法使用</a:t>
             </a:r>
             <a:endParaRPr lang="en-US" altLang="zh-CN" sz="2025" dirty="0">
               <a:latin typeface="+mj-lt"/>
-              <a:ea typeface="宋体" pitchFamily="2" charset="-122"/>
-            </a:endParaRPr>
-          </a:p>
-          <a:p>
-            <a:pPr marL="677465" lvl="1" indent="-342900">
+              <a:ea typeface="宋体" panose="02010600030101010101" pitchFamily="2" charset="-122"/>
+            </a:endParaRPr>
+          </a:p>
+          <a:p>
+            <a:pPr marL="677545" lvl="1" indent="-342900">
               <a:lnSpc>
                 <a:spcPct val="120000"/>
               </a:lnSpc>
@@ -12844,16 +12915,16 @@
             </a:r>
             <a:r>
               <a:rPr lang="zh-CN" altLang="en-US" sz="2025" dirty="0">
-                <a:ea typeface="宋体" pitchFamily="2" charset="-122"/>
+                <a:ea typeface="宋体" panose="02010600030101010101" pitchFamily="2" charset="-122"/>
               </a:rPr>
               <a:t>方法：主界面显示及控制方法。</a:t>
             </a:r>
             <a:endParaRPr lang="en-US" altLang="zh-CN" sz="2025" dirty="0">
-              <a:ea typeface="宋体" pitchFamily="2" charset="-122"/>
-            </a:endParaRPr>
-          </a:p>
-          <a:p>
-            <a:pPr marL="677465" lvl="1" indent="-342900">
+              <a:ea typeface="宋体" panose="02010600030101010101" pitchFamily="2" charset="-122"/>
+            </a:endParaRPr>
+          </a:p>
+          <a:p>
+            <a:pPr marL="677545" lvl="1" indent="-342900">
               <a:lnSpc>
                 <a:spcPct val="120000"/>
               </a:lnSpc>
@@ -12863,34 +12934,34 @@
             </a:pPr>
             <a:r>
               <a:rPr lang="zh-CN" altLang="en-US" sz="2025" dirty="0">
-                <a:ea typeface="宋体" pitchFamily="2" charset="-122"/>
+                <a:ea typeface="宋体" panose="02010600030101010101" pitchFamily="2" charset="-122"/>
               </a:rPr>
               <a:t>以下方法仅供</a:t>
             </a:r>
             <a:r>
               <a:rPr lang="en-US" altLang="zh-CN" sz="2025" dirty="0" err="1">
-                <a:ea typeface="宋体" pitchFamily="2" charset="-122"/>
+                <a:ea typeface="宋体" panose="02010600030101010101" pitchFamily="2" charset="-122"/>
               </a:rPr>
               <a:t>enterMainMenu</a:t>
             </a:r>
             <a:r>
               <a:rPr lang="en-US" altLang="zh-CN" sz="2025" dirty="0">
-                <a:ea typeface="宋体" pitchFamily="2" charset="-122"/>
+                <a:ea typeface="宋体" panose="02010600030101010101" pitchFamily="2" charset="-122"/>
               </a:rPr>
               <a:t>()</a:t>
             </a:r>
             <a:r>
               <a:rPr lang="zh-CN" altLang="en-US" sz="2025" dirty="0">
-                <a:ea typeface="宋体" pitchFamily="2" charset="-122"/>
+                <a:ea typeface="宋体" panose="02010600030101010101" pitchFamily="2" charset="-122"/>
               </a:rPr>
               <a:t>方法调用：</a:t>
             </a:r>
             <a:endParaRPr lang="en-US" altLang="zh-CN" sz="2025" dirty="0">
-              <a:ea typeface="宋体" pitchFamily="2" charset="-122"/>
-            </a:endParaRPr>
-          </a:p>
-          <a:p>
-            <a:pPr marL="935830" lvl="2" indent="-342900">
+              <a:ea typeface="宋体" panose="02010600030101010101" pitchFamily="2" charset="-122"/>
+            </a:endParaRPr>
+          </a:p>
+          <a:p>
+            <a:pPr marL="935990" lvl="2" indent="-342900">
               <a:lnSpc>
                 <a:spcPct val="120000"/>
               </a:lnSpc>
@@ -12900,7 +12971,7 @@
             </a:pPr>
             <a:r>
               <a:rPr lang="en-US" altLang="zh-CN" sz="2025" dirty="0" err="1">
-                <a:ea typeface="宋体" pitchFamily="2" charset="-122"/>
+                <a:ea typeface="宋体" panose="02010600030101010101" pitchFamily="2" charset="-122"/>
               </a:rPr>
               <a:t>listAllEmployees</a:t>
             </a:r>
@@ -12910,22 +12981,22 @@
             </a:r>
             <a:r>
               <a:rPr lang="zh-CN" altLang="en-US" sz="2025" dirty="0">
-                <a:ea typeface="宋体" pitchFamily="2" charset="-122"/>
+                <a:ea typeface="宋体" panose="02010600030101010101" pitchFamily="2" charset="-122"/>
               </a:rPr>
               <a:t>方法：以表格形式列出公司</a:t>
             </a:r>
             <a:r>
               <a:rPr lang="zh-CN" altLang="en-US" sz="2025">
-                <a:ea typeface="宋体" pitchFamily="2" charset="-122"/>
+                <a:ea typeface="宋体" panose="02010600030101010101" pitchFamily="2" charset="-122"/>
               </a:rPr>
               <a:t>所有成员</a:t>
             </a:r>
             <a:endParaRPr lang="en-US" altLang="zh-CN" sz="2025">
-              <a:ea typeface="宋体" pitchFamily="2" charset="-122"/>
-            </a:endParaRPr>
-          </a:p>
-          <a:p>
-            <a:pPr marL="935830" lvl="2" indent="-342900">
+              <a:ea typeface="宋体" panose="02010600030101010101" pitchFamily="2" charset="-122"/>
+            </a:endParaRPr>
+          </a:p>
+          <a:p>
+            <a:pPr marL="935990" lvl="2" indent="-342900">
               <a:lnSpc>
                 <a:spcPct val="120000"/>
               </a:lnSpc>
@@ -12935,22 +13006,22 @@
             </a:pPr>
             <a:r>
               <a:rPr lang="en-US" altLang="zh-CN" sz="2025">
-                <a:ea typeface="宋体" pitchFamily="2" charset="-122"/>
+                <a:ea typeface="宋体" panose="02010600030101010101" pitchFamily="2" charset="-122"/>
               </a:rPr>
               <a:t>getTeam()</a:t>
             </a:r>
             <a:r>
               <a:rPr lang="zh-CN" altLang="en-US" sz="2025">
-                <a:ea typeface="宋体" pitchFamily="2" charset="-122"/>
+                <a:ea typeface="宋体" panose="02010600030101010101" pitchFamily="2" charset="-122"/>
               </a:rPr>
               <a:t>方法：显示团队成员列表操作</a:t>
             </a:r>
             <a:endParaRPr lang="en-US" altLang="zh-CN" sz="2025" dirty="0">
-              <a:ea typeface="宋体" pitchFamily="2" charset="-122"/>
-            </a:endParaRPr>
-          </a:p>
-          <a:p>
-            <a:pPr marL="935830" lvl="2" indent="-342900">
+              <a:ea typeface="宋体" panose="02010600030101010101" pitchFamily="2" charset="-122"/>
+            </a:endParaRPr>
+          </a:p>
+          <a:p>
+            <a:pPr marL="935990" lvl="2" indent="-342900">
               <a:lnSpc>
                 <a:spcPct val="120000"/>
               </a:lnSpc>
@@ -12968,16 +13039,16 @@
             </a:r>
             <a:r>
               <a:rPr lang="zh-CN" altLang="en-US" sz="2025" dirty="0">
-                <a:ea typeface="宋体" pitchFamily="2" charset="-122"/>
+                <a:ea typeface="宋体" panose="02010600030101010101" pitchFamily="2" charset="-122"/>
               </a:rPr>
               <a:t>方法：实现添加成员操作</a:t>
             </a:r>
             <a:endParaRPr lang="en-US" altLang="zh-CN" sz="2025" dirty="0">
-              <a:ea typeface="宋体" pitchFamily="2" charset="-122"/>
-            </a:endParaRPr>
-          </a:p>
-          <a:p>
-            <a:pPr marL="935830" lvl="2" indent="-342900">
+              <a:ea typeface="宋体" panose="02010600030101010101" pitchFamily="2" charset="-122"/>
+            </a:endParaRPr>
+          </a:p>
+          <a:p>
+            <a:pPr marL="935990" lvl="2" indent="-342900">
               <a:lnSpc>
                 <a:spcPct val="120000"/>
               </a:lnSpc>
@@ -12995,12 +13066,12 @@
             </a:r>
             <a:r>
               <a:rPr lang="zh-CN" altLang="en-US" sz="2025" dirty="0">
-                <a:ea typeface="宋体" pitchFamily="2" charset="-122"/>
+                <a:ea typeface="宋体" panose="02010600030101010101" pitchFamily="2" charset="-122"/>
               </a:rPr>
               <a:t>方法：实现删除成员操作</a:t>
             </a:r>
             <a:endParaRPr lang="en-US" altLang="zh-CN" sz="2025" dirty="0">
-              <a:ea typeface="宋体" pitchFamily="2" charset="-122"/>
+              <a:ea typeface="宋体" panose="02010600030101010101" pitchFamily="2" charset="-122"/>
             </a:endParaRPr>
           </a:p>
         </p:txBody>
@@ -13059,7 +13130,7 @@
         </p:nvSpPr>
         <p:spPr>
           <a:xfrm>
-            <a:off x="2623369" y="1664535"/>
+            <a:off x="2623369" y="1682315"/>
             <a:ext cx="4000859" cy="1200329"/>
           </a:xfrm>
           <a:prstGeom prst="rect">
@@ -13102,6 +13173,7 @@
               <a:rPr lang="en-US" altLang="zh-CN" sz="1200" dirty="0"/>
               <a:t>(): void </a:t>
             </a:r>
+            <a:endParaRPr lang="en-US" altLang="zh-CN" sz="1200" dirty="0"/>
           </a:p>
           <a:p>
             <a:pPr algn="l"/>
@@ -13117,6 +13189,7 @@
               <a:rPr lang="en-US" altLang="zh-CN" sz="1200"/>
               <a:t>void </a:t>
             </a:r>
+            <a:endParaRPr lang="en-US" altLang="zh-CN" sz="1200"/>
           </a:p>
           <a:p>
             <a:pPr algn="l"/>
@@ -13140,6 +13213,7 @@
               <a:rPr lang="en-US" altLang="zh-CN" sz="1200" dirty="0"/>
               <a:t>(): void </a:t>
             </a:r>
+            <a:endParaRPr lang="en-US" altLang="zh-CN" sz="1200" dirty="0"/>
           </a:p>
           <a:p>
             <a:pPr algn="l"/>
@@ -13155,6 +13229,7 @@
               <a:rPr lang="en-US" altLang="zh-CN" sz="1200" dirty="0"/>
               <a:t>(): void </a:t>
             </a:r>
+            <a:endParaRPr lang="en-US" altLang="zh-CN" sz="1200" dirty="0"/>
           </a:p>
           <a:p>
             <a:pPr algn="l"/>
@@ -13249,6 +13324,7 @@
               <a:rPr lang="en-US" altLang="zh-CN" sz="1200" dirty="0"/>
               <a:t>()</a:t>
             </a:r>
+            <a:endParaRPr lang="en-US" altLang="zh-CN" sz="1200" dirty="0"/>
           </a:p>
           <a:p>
             <a:pPr algn="l"/>
@@ -13280,15 +13356,11 @@
               <a:rPr lang="en-US" altLang="zh-CN" sz="1200" dirty="0"/>
               <a:t>()</a:t>
             </a:r>
+            <a:endParaRPr lang="en-US" altLang="zh-CN" sz="1200" dirty="0"/>
           </a:p>
         </p:txBody>
       </p:sp>
     </p:spTree>
-    <p:extLst>
-      <p:ext uri="{BB962C8B-B14F-4D97-AF65-F5344CB8AC3E}">
-        <p14:creationId xmlns:p14="http://schemas.microsoft.com/office/powerpoint/2010/main" val="2073915812"/>
-      </p:ext>
-    </p:extLst>
   </p:cSld>
   <p:clrMapOvr>
     <a:masterClrMapping/>
@@ -13300,48 +13372,6 @@
       </p:par>
     </p:tnLst>
   </p:timing>
-</p:sld>
-</file>
-
-<file path=ppt/slides/slide24.xml><?xml version="1.0" encoding="utf-8"?>
-<p:sld xmlns:a="http://schemas.openxmlformats.org/drawingml/2006/main" xmlns:r="http://schemas.openxmlformats.org/officeDocument/2006/relationships" xmlns:p="http://schemas.openxmlformats.org/presentationml/2006/main">
-  <p:cSld>
-    <p:bg>
-      <p:bgPr>
-        <a:blipFill dpi="0" rotWithShape="1">
-          <a:blip r:embed="rId3">
-            <a:lum/>
-          </a:blip>
-          <a:srcRect/>
-          <a:stretch>
-            <a:fillRect/>
-          </a:stretch>
-        </a:blipFill>
-        <a:effectLst/>
-      </p:bgPr>
-    </p:bg>
-    <p:spTree>
-      <p:nvGrpSpPr>
-        <p:cNvPr id="1" name=""/>
-        <p:cNvGrpSpPr/>
-        <p:nvPr/>
-      </p:nvGrpSpPr>
-      <p:grpSpPr>
-        <a:xfrm>
-          <a:off x="0" y="0"/>
-          <a:ext cx="0" cy="0"/>
-          <a:chOff x="0" y="0"/>
-          <a:chExt cx="0" cy="0"/>
-        </a:xfrm>
-      </p:grpSpPr>
-    </p:spTree>
-    <p:custDataLst>
-      <p:tags r:id="rId1"/>
-    </p:custDataLst>
-  </p:cSld>
-  <p:clrMapOvr>
-    <a:masterClrMapping/>
-  </p:clrMapOvr>
 </p:sld>
 </file>
 
@@ -13388,11 +13418,16 @@
             <a:r>
               <a:rPr lang="zh-CN" altLang="en-US" sz="2400" b="1" dirty="0">
                 <a:latin typeface="+mn-lt"/>
-                <a:ea typeface="宋体" pitchFamily="2" charset="-122"/>
-                <a:cs typeface="Times New Roman" pitchFamily="18" charset="0"/>
+                <a:ea typeface="宋体" panose="02010600030101010101" pitchFamily="2" charset="-122"/>
+                <a:cs typeface="Times New Roman" panose="02020603050405020304" pitchFamily="18" charset="0"/>
               </a:rPr>
               <a:t>需求说明</a:t>
             </a:r>
+            <a:endParaRPr lang="zh-CN" altLang="en-US" sz="2400" b="1" dirty="0">
+              <a:latin typeface="+mn-lt"/>
+              <a:ea typeface="宋体" panose="02010600030101010101" pitchFamily="2" charset="-122"/>
+              <a:cs typeface="Times New Roman" panose="02020603050405020304" pitchFamily="18" charset="0"/>
+            </a:endParaRPr>
           </a:p>
         </p:txBody>
       </p:sp>
@@ -13418,7 +13453,7 @@
           </a:bodyPr>
           <a:lstStyle/>
           <a:p>
-            <a:pPr marL="267891" indent="-267891">
+            <a:pPr marL="267970" indent="-267970">
               <a:lnSpc>
                 <a:spcPct val="100000"/>
               </a:lnSpc>
@@ -13426,18 +13461,18 @@
             </a:pPr>
             <a:r>
               <a:rPr lang="zh-CN" altLang="en-US" sz="2000" smtClean="0">
-                <a:ea typeface="宋体" pitchFamily="2" charset="-122"/>
+                <a:ea typeface="宋体" panose="02010600030101010101" pitchFamily="2" charset="-122"/>
               </a:rPr>
               <a:t>该</a:t>
             </a:r>
             <a:r>
               <a:rPr lang="zh-CN" altLang="en-US" sz="2000" dirty="0" smtClean="0">
-                <a:ea typeface="宋体" pitchFamily="2" charset="-122"/>
+                <a:ea typeface="宋体" panose="02010600030101010101" pitchFamily="2" charset="-122"/>
               </a:rPr>
               <a:t>软件实现以下功能：</a:t>
             </a:r>
             <a:endParaRPr lang="en-US" altLang="zh-CN" sz="2000" dirty="0" smtClean="0">
-              <a:ea typeface="宋体" pitchFamily="2" charset="-122"/>
+              <a:ea typeface="宋体" panose="02010600030101010101" pitchFamily="2" charset="-122"/>
             </a:endParaRPr>
           </a:p>
           <a:p>
@@ -13454,12 +13489,12 @@
             </a:pPr>
             <a:r>
               <a:rPr lang="zh-CN" altLang="en-US" sz="1600" dirty="0" smtClean="0">
-                <a:ea typeface="宋体" pitchFamily="2" charset="-122"/>
+                <a:ea typeface="宋体" panose="02010600030101010101" pitchFamily="2" charset="-122"/>
               </a:rPr>
               <a:t>软件启动时，根据给定的数据创建公司部分成员列表（数组）</a:t>
             </a:r>
             <a:endParaRPr lang="en-US" altLang="zh-CN" sz="1600" dirty="0" smtClean="0">
-              <a:ea typeface="宋体" pitchFamily="2" charset="-122"/>
+              <a:ea typeface="宋体" panose="02010600030101010101" pitchFamily="2" charset="-122"/>
             </a:endParaRPr>
           </a:p>
           <a:p>
@@ -13476,36 +13511,36 @@
             </a:pPr>
             <a:r>
               <a:rPr lang="zh-CN" altLang="en-US" sz="1600" dirty="0" smtClean="0">
-                <a:ea typeface="宋体" pitchFamily="2" charset="-122"/>
+                <a:ea typeface="宋体" panose="02010600030101010101" pitchFamily="2" charset="-122"/>
               </a:rPr>
               <a:t>根据菜单提示，基于现有的</a:t>
             </a:r>
             <a:r>
               <a:rPr lang="zh-CN" altLang="en-US" sz="1600" u="sng" dirty="0" smtClean="0">
-                <a:ea typeface="宋体" pitchFamily="2" charset="-122"/>
+                <a:ea typeface="宋体" panose="02010600030101010101" pitchFamily="2" charset="-122"/>
               </a:rPr>
               <a:t>公司成员</a:t>
             </a:r>
             <a:r>
               <a:rPr lang="zh-CN" altLang="en-US" sz="1600" dirty="0" smtClean="0">
-                <a:ea typeface="宋体" pitchFamily="2" charset="-122"/>
+                <a:ea typeface="宋体" panose="02010600030101010101" pitchFamily="2" charset="-122"/>
               </a:rPr>
               <a:t>，组建一个</a:t>
             </a:r>
             <a:r>
               <a:rPr lang="zh-CN" altLang="en-US" sz="1600" u="sng" dirty="0" smtClean="0">
-                <a:ea typeface="宋体" pitchFamily="2" charset="-122"/>
+                <a:ea typeface="宋体" panose="02010600030101010101" pitchFamily="2" charset="-122"/>
               </a:rPr>
               <a:t>开发团队</a:t>
             </a:r>
             <a:r>
               <a:rPr lang="zh-CN" altLang="en-US" sz="1600" dirty="0" smtClean="0">
-                <a:ea typeface="宋体" pitchFamily="2" charset="-122"/>
+                <a:ea typeface="宋体" panose="02010600030101010101" pitchFamily="2" charset="-122"/>
               </a:rPr>
               <a:t>以开发一个新的项目</a:t>
             </a:r>
             <a:endParaRPr lang="en-US" altLang="zh-CN" sz="1600" dirty="0" smtClean="0">
-              <a:ea typeface="宋体" pitchFamily="2" charset="-122"/>
+              <a:ea typeface="宋体" panose="02010600030101010101" pitchFamily="2" charset="-122"/>
             </a:endParaRPr>
           </a:p>
           <a:p>
@@ -13522,24 +13557,24 @@
             </a:pPr>
             <a:r>
               <a:rPr lang="zh-CN" altLang="en-US" sz="1600" dirty="0" smtClean="0">
-                <a:ea typeface="宋体" pitchFamily="2" charset="-122"/>
+                <a:ea typeface="宋体" panose="02010600030101010101" pitchFamily="2" charset="-122"/>
               </a:rPr>
               <a:t>组建过程包括将成员插入到团队中，或从团队中删除某成员，还可以列出团队</a:t>
             </a:r>
             <a:r>
               <a:rPr lang="zh-CN" altLang="en-US" sz="1600" smtClean="0">
-                <a:ea typeface="宋体" pitchFamily="2" charset="-122"/>
+                <a:ea typeface="宋体" panose="02010600030101010101" pitchFamily="2" charset="-122"/>
               </a:rPr>
               <a:t>中现有成员</a:t>
             </a:r>
             <a:r>
               <a:rPr lang="zh-CN" altLang="en-US" sz="1600" dirty="0" smtClean="0">
-                <a:ea typeface="宋体" pitchFamily="2" charset="-122"/>
+                <a:ea typeface="宋体" panose="02010600030101010101" pitchFamily="2" charset="-122"/>
               </a:rPr>
               <a:t>的列表</a:t>
             </a:r>
             <a:endParaRPr lang="en-US" altLang="zh-CN" sz="1600" dirty="0" smtClean="0">
-              <a:ea typeface="宋体" pitchFamily="2" charset="-122"/>
+              <a:ea typeface="宋体" panose="02010600030101010101" pitchFamily="2" charset="-122"/>
             </a:endParaRPr>
           </a:p>
           <a:p>
@@ -13556,22 +13591,17 @@
             </a:pPr>
             <a:r>
               <a:rPr lang="zh-CN" altLang="en-US" sz="1600" dirty="0" smtClean="0">
-                <a:ea typeface="宋体" pitchFamily="2" charset="-122"/>
+                <a:ea typeface="宋体" panose="02010600030101010101" pitchFamily="2" charset="-122"/>
               </a:rPr>
               <a:t>开发团队成员包括架构师、设计师和程序员</a:t>
             </a:r>
             <a:endParaRPr lang="en-US" altLang="zh-CN" sz="1600" dirty="0" smtClean="0">
-              <a:ea typeface="宋体" pitchFamily="2" charset="-122"/>
+              <a:ea typeface="宋体" panose="02010600030101010101" pitchFamily="2" charset="-122"/>
             </a:endParaRPr>
           </a:p>
         </p:txBody>
       </p:sp>
     </p:spTree>
-    <p:extLst>
-      <p:ext uri="{BB962C8B-B14F-4D97-AF65-F5344CB8AC3E}">
-        <p14:creationId xmlns:p14="http://schemas.microsoft.com/office/powerpoint/2010/main" val="1948142765"/>
-      </p:ext>
-    </p:extLst>
   </p:cSld>
   <p:clrMapOvr>
     <a:masterClrMapping/>
@@ -13628,12 +13658,17 @@
             <a:pPr algn="ctr"/>
             <a:r>
               <a:rPr lang="zh-CN" altLang="en-US" sz="2400" b="1" dirty="0">
-                <a:latin typeface="Times New Roman" pitchFamily="18" charset="0"/>
+                <a:latin typeface="Times New Roman" panose="02020603050405020304" pitchFamily="18" charset="0"/>
                 <a:ea typeface="新宋体" panose="02010609030101010101" pitchFamily="49" charset="-122"/>
-                <a:cs typeface="Times New Roman" pitchFamily="18" charset="0"/>
+                <a:cs typeface="Times New Roman" panose="02020603050405020304" pitchFamily="18" charset="0"/>
               </a:rPr>
               <a:t>需求说明</a:t>
             </a:r>
+            <a:endParaRPr lang="zh-CN" altLang="en-US" sz="2400" b="1" dirty="0">
+              <a:latin typeface="Times New Roman" panose="02020603050405020304" pitchFamily="18" charset="0"/>
+              <a:ea typeface="新宋体" panose="02010609030101010101" pitchFamily="49" charset="-122"/>
+              <a:cs typeface="Times New Roman" panose="02020603050405020304" pitchFamily="18" charset="0"/>
+            </a:endParaRPr>
           </a:p>
         </p:txBody>
       </p:sp>
@@ -13658,47 +13693,47 @@
           </a:bodyPr>
           <a:lstStyle/>
           <a:p>
-            <a:pPr marL="267891" indent="-267891">
+            <a:pPr marL="267970" indent="-267970">
               <a:defRPr/>
             </a:pPr>
             <a:r>
               <a:rPr lang="en-US" altLang="zh-CN" sz="1500" dirty="0">
-                <a:ea typeface="宋体" pitchFamily="2" charset="-122"/>
+                <a:ea typeface="宋体" panose="02010600030101010101" pitchFamily="2" charset="-122"/>
               </a:rPr>
               <a:t>	</a:t>
             </a:r>
             <a:r>
               <a:rPr lang="zh-CN" altLang="en-US" sz="1500" dirty="0">
-                <a:ea typeface="宋体" pitchFamily="2" charset="-122"/>
+                <a:ea typeface="宋体" panose="02010600030101010101" pitchFamily="2" charset="-122"/>
               </a:rPr>
               <a:t>本软件采用单级菜单方式工作。当软件运行时，主界面显示</a:t>
             </a:r>
             <a:r>
               <a:rPr lang="zh-CN" altLang="en-US" sz="1500">
-                <a:ea typeface="宋体" pitchFamily="2" charset="-122"/>
+                <a:ea typeface="宋体" panose="02010600030101010101" pitchFamily="2" charset="-122"/>
               </a:rPr>
               <a:t>公司成员的</a:t>
             </a:r>
             <a:r>
               <a:rPr lang="zh-CN" altLang="en-US" sz="1500" dirty="0">
-                <a:ea typeface="宋体" pitchFamily="2" charset="-122"/>
+                <a:ea typeface="宋体" panose="02010600030101010101" pitchFamily="2" charset="-122"/>
               </a:rPr>
               <a:t>列表，如下：</a:t>
             </a:r>
             <a:endParaRPr lang="en-US" altLang="zh-CN" sz="1500" dirty="0">
-              <a:ea typeface="宋体" pitchFamily="2" charset="-122"/>
-            </a:endParaRPr>
-          </a:p>
-          <a:p>
-            <a:pPr marL="267891" indent="-267891">
+              <a:ea typeface="宋体" panose="02010600030101010101" pitchFamily="2" charset="-122"/>
+            </a:endParaRPr>
+          </a:p>
+          <a:p>
+            <a:pPr marL="267970" indent="-267970">
               <a:defRPr/>
             </a:pPr>
             <a:endParaRPr lang="en-US" altLang="zh-CN" dirty="0">
-              <a:ea typeface="宋体" pitchFamily="2" charset="-122"/>
-            </a:endParaRPr>
-          </a:p>
-          <a:p>
-            <a:pPr marL="525066" lvl="1" indent="-267891">
+              <a:ea typeface="宋体" panose="02010600030101010101" pitchFamily="2" charset="-122"/>
+            </a:endParaRPr>
+          </a:p>
+          <a:p>
+            <a:pPr marL="525145" lvl="1" indent="-267970">
               <a:defRPr/>
             </a:pPr>
             <a:r>
@@ -13731,11 +13766,6 @@
               </a:rPr>
               <a:t>--------------------------------------</a:t>
             </a:r>
-          </a:p>
-          <a:p>
-            <a:pPr marL="525066" lvl="1" indent="-267891">
-              <a:defRPr/>
-            </a:pPr>
             <a:endParaRPr lang="en-US" altLang="zh-CN" sz="1350" dirty="0">
               <a:solidFill>
                 <a:srgbClr val="0070C0"/>
@@ -13745,144 +13775,9 @@
             </a:endParaRPr>
           </a:p>
           <a:p>
-            <a:pPr marL="525066" lvl="1" indent="-267891">
-              <a:defRPr/>
-            </a:pPr>
-            <a:r>
-              <a:rPr lang="en-US" altLang="zh-CN" sz="1350" dirty="0">
-                <a:solidFill>
-                  <a:srgbClr val="0070C0"/>
-                </a:solidFill>
-                <a:latin typeface="微软雅黑" panose="020B0503020204020204" pitchFamily="34" charset="-122"/>
-                <a:ea typeface="微软雅黑" panose="020B0503020204020204" pitchFamily="34" charset="-122"/>
-              </a:rPr>
-              <a:t>ID     </a:t>
-            </a:r>
-            <a:r>
-              <a:rPr lang="zh-CN" altLang="en-US" sz="1350" dirty="0">
-                <a:solidFill>
-                  <a:srgbClr val="0070C0"/>
-                </a:solidFill>
-                <a:latin typeface="微软雅黑" panose="020B0503020204020204" pitchFamily="34" charset="-122"/>
-                <a:ea typeface="微软雅黑" panose="020B0503020204020204" pitchFamily="34" charset="-122"/>
-              </a:rPr>
-              <a:t>姓名      年龄    </a:t>
-            </a:r>
-            <a:r>
-              <a:rPr lang="zh-CN" altLang="en-US" sz="1350">
-                <a:solidFill>
-                  <a:srgbClr val="0070C0"/>
-                </a:solidFill>
-                <a:latin typeface="微软雅黑" panose="020B0503020204020204" pitchFamily="34" charset="-122"/>
-                <a:ea typeface="微软雅黑" panose="020B0503020204020204" pitchFamily="34" charset="-122"/>
-              </a:rPr>
-              <a:t>工资      </a:t>
-            </a:r>
-            <a:r>
-              <a:rPr lang="zh-CN" altLang="en-US" sz="1350" smtClean="0">
-                <a:solidFill>
-                  <a:srgbClr val="0070C0"/>
-                </a:solidFill>
-                <a:latin typeface="微软雅黑" panose="020B0503020204020204" pitchFamily="34" charset="-122"/>
-                <a:ea typeface="微软雅黑" panose="020B0503020204020204" pitchFamily="34" charset="-122"/>
-              </a:rPr>
-              <a:t>   职位      </a:t>
-            </a:r>
-            <a:r>
-              <a:rPr lang="zh-CN" altLang="en-US" sz="1350" dirty="0">
-                <a:solidFill>
-                  <a:srgbClr val="0070C0"/>
-                </a:solidFill>
-                <a:latin typeface="微软雅黑" panose="020B0503020204020204" pitchFamily="34" charset="-122"/>
-                <a:ea typeface="微软雅黑" panose="020B0503020204020204" pitchFamily="34" charset="-122"/>
-              </a:rPr>
-              <a:t>状态      </a:t>
-            </a:r>
-            <a:r>
-              <a:rPr lang="zh-CN" altLang="en-US" sz="1350">
-                <a:solidFill>
-                  <a:srgbClr val="0070C0"/>
-                </a:solidFill>
-                <a:latin typeface="微软雅黑" panose="020B0503020204020204" pitchFamily="34" charset="-122"/>
-                <a:ea typeface="微软雅黑" panose="020B0503020204020204" pitchFamily="34" charset="-122"/>
-              </a:rPr>
-              <a:t>奖金      </a:t>
-            </a:r>
-            <a:r>
-              <a:rPr lang="zh-CN" altLang="en-US" sz="1350" smtClean="0">
-                <a:solidFill>
-                  <a:srgbClr val="0070C0"/>
-                </a:solidFill>
-                <a:latin typeface="微软雅黑" panose="020B0503020204020204" pitchFamily="34" charset="-122"/>
-                <a:ea typeface="微软雅黑" panose="020B0503020204020204" pitchFamily="34" charset="-122"/>
-              </a:rPr>
-              <a:t>  股票     </a:t>
-            </a:r>
-            <a:r>
-              <a:rPr lang="zh-CN" altLang="en-US" sz="1350">
-                <a:solidFill>
-                  <a:srgbClr val="0070C0"/>
-                </a:solidFill>
-                <a:latin typeface="微软雅黑" panose="020B0503020204020204" pitchFamily="34" charset="-122"/>
-                <a:ea typeface="微软雅黑" panose="020B0503020204020204" pitchFamily="34" charset="-122"/>
-              </a:rPr>
-              <a:t>领</a:t>
-            </a:r>
-            <a:r>
-              <a:rPr lang="zh-CN" altLang="en-US" sz="1350" dirty="0">
-                <a:solidFill>
-                  <a:srgbClr val="0070C0"/>
-                </a:solidFill>
-                <a:latin typeface="微软雅黑" panose="020B0503020204020204" pitchFamily="34" charset="-122"/>
-                <a:ea typeface="微软雅黑" panose="020B0503020204020204" pitchFamily="34" charset="-122"/>
-              </a:rPr>
-              <a:t>用设备</a:t>
-            </a:r>
-          </a:p>
-          <a:p>
-            <a:pPr marL="525066" lvl="1" indent="-267891">
-              <a:defRPr/>
-            </a:pPr>
-            <a:r>
-              <a:rPr lang="zh-CN" altLang="en-US" sz="1350" dirty="0">
-                <a:solidFill>
-                  <a:srgbClr val="0070C0"/>
-                </a:solidFill>
-                <a:latin typeface="微软雅黑" panose="020B0503020204020204" pitchFamily="34" charset="-122"/>
-                <a:ea typeface="微软雅黑" panose="020B0503020204020204" pitchFamily="34" charset="-122"/>
-              </a:rPr>
-              <a:t> </a:t>
-            </a:r>
-            <a:r>
-              <a:rPr lang="en-US" altLang="zh-CN" sz="1350">
-                <a:solidFill>
-                  <a:srgbClr val="0070C0"/>
-                </a:solidFill>
-                <a:latin typeface="微软雅黑" panose="020B0503020204020204" pitchFamily="34" charset="-122"/>
-                <a:ea typeface="微软雅黑" panose="020B0503020204020204" pitchFamily="34" charset="-122"/>
-              </a:rPr>
-              <a:t>1      </a:t>
-            </a:r>
-            <a:r>
-              <a:rPr lang="zh-CN" altLang="en-US" sz="1350" smtClean="0">
-                <a:solidFill>
-                  <a:srgbClr val="0070C0"/>
-                </a:solidFill>
-                <a:latin typeface="微软雅黑" panose="020B0503020204020204" pitchFamily="34" charset="-122"/>
-                <a:ea typeface="微软雅黑" panose="020B0503020204020204" pitchFamily="34" charset="-122"/>
-              </a:rPr>
-              <a:t>马 云      </a:t>
-            </a:r>
-            <a:r>
-              <a:rPr lang="en-US" altLang="zh-CN" sz="1350" smtClean="0">
-                <a:solidFill>
-                  <a:srgbClr val="0070C0"/>
-                </a:solidFill>
-                <a:latin typeface="微软雅黑" panose="020B0503020204020204" pitchFamily="34" charset="-122"/>
-                <a:ea typeface="微软雅黑" panose="020B0503020204020204" pitchFamily="34" charset="-122"/>
-              </a:rPr>
-              <a:t>22      3000.0</a:t>
-            </a:r>
+            <a:pPr marL="525145" lvl="1" indent="-267970">
+              <a:defRPr/>
+            </a:pPr>
             <a:endParaRPr lang="en-US" altLang="zh-CN" sz="1350" dirty="0">
               <a:solidFill>
                 <a:srgbClr val="0070C0"/>
@@ -13892,7 +13787,7 @@
             </a:endParaRPr>
           </a:p>
           <a:p>
-            <a:pPr marL="525066" lvl="1" indent="-267891">
+            <a:pPr marL="525145" lvl="1" indent="-267970">
               <a:defRPr/>
             </a:pPr>
             <a:r>
@@ -13903,6 +13798,108 @@
                 <a:latin typeface="微软雅黑" panose="020B0503020204020204" pitchFamily="34" charset="-122"/>
                 <a:ea typeface="微软雅黑" panose="020B0503020204020204" pitchFamily="34" charset="-122"/>
               </a:rPr>
+              <a:t>ID     </a:t>
+            </a:r>
+            <a:r>
+              <a:rPr lang="zh-CN" altLang="en-US" sz="1350" dirty="0">
+                <a:solidFill>
+                  <a:srgbClr val="0070C0"/>
+                </a:solidFill>
+                <a:latin typeface="微软雅黑" panose="020B0503020204020204" pitchFamily="34" charset="-122"/>
+                <a:ea typeface="微软雅黑" panose="020B0503020204020204" pitchFamily="34" charset="-122"/>
+              </a:rPr>
+              <a:t>姓名      年龄    </a:t>
+            </a:r>
+            <a:r>
+              <a:rPr lang="zh-CN" altLang="en-US" sz="1350">
+                <a:solidFill>
+                  <a:srgbClr val="0070C0"/>
+                </a:solidFill>
+                <a:latin typeface="微软雅黑" panose="020B0503020204020204" pitchFamily="34" charset="-122"/>
+                <a:ea typeface="微软雅黑" panose="020B0503020204020204" pitchFamily="34" charset="-122"/>
+              </a:rPr>
+              <a:t>工资      </a:t>
+            </a:r>
+            <a:r>
+              <a:rPr lang="zh-CN" altLang="en-US" sz="1350" smtClean="0">
+                <a:solidFill>
+                  <a:srgbClr val="0070C0"/>
+                </a:solidFill>
+                <a:latin typeface="微软雅黑" panose="020B0503020204020204" pitchFamily="34" charset="-122"/>
+                <a:ea typeface="微软雅黑" panose="020B0503020204020204" pitchFamily="34" charset="-122"/>
+              </a:rPr>
+              <a:t>   职位      </a:t>
+            </a:r>
+            <a:r>
+              <a:rPr lang="zh-CN" altLang="en-US" sz="1350" dirty="0">
+                <a:solidFill>
+                  <a:srgbClr val="0070C0"/>
+                </a:solidFill>
+                <a:latin typeface="微软雅黑" panose="020B0503020204020204" pitchFamily="34" charset="-122"/>
+                <a:ea typeface="微软雅黑" panose="020B0503020204020204" pitchFamily="34" charset="-122"/>
+              </a:rPr>
+              <a:t>状态      </a:t>
+            </a:r>
+            <a:r>
+              <a:rPr lang="zh-CN" altLang="en-US" sz="1350">
+                <a:solidFill>
+                  <a:srgbClr val="0070C0"/>
+                </a:solidFill>
+                <a:latin typeface="微软雅黑" panose="020B0503020204020204" pitchFamily="34" charset="-122"/>
+                <a:ea typeface="微软雅黑" panose="020B0503020204020204" pitchFamily="34" charset="-122"/>
+              </a:rPr>
+              <a:t>奖金      </a:t>
+            </a:r>
+            <a:r>
+              <a:rPr lang="zh-CN" altLang="en-US" sz="1350" smtClean="0">
+                <a:solidFill>
+                  <a:srgbClr val="0070C0"/>
+                </a:solidFill>
+                <a:latin typeface="微软雅黑" panose="020B0503020204020204" pitchFamily="34" charset="-122"/>
+                <a:ea typeface="微软雅黑" panose="020B0503020204020204" pitchFamily="34" charset="-122"/>
+              </a:rPr>
+              <a:t>  股票     </a:t>
+            </a:r>
+            <a:r>
+              <a:rPr lang="zh-CN" altLang="en-US" sz="1350">
+                <a:solidFill>
+                  <a:srgbClr val="0070C0"/>
+                </a:solidFill>
+                <a:latin typeface="微软雅黑" panose="020B0503020204020204" pitchFamily="34" charset="-122"/>
+                <a:ea typeface="微软雅黑" panose="020B0503020204020204" pitchFamily="34" charset="-122"/>
+              </a:rPr>
+              <a:t>领</a:t>
+            </a:r>
+            <a:r>
+              <a:rPr lang="zh-CN" altLang="en-US" sz="1350" dirty="0">
+                <a:solidFill>
+                  <a:srgbClr val="0070C0"/>
+                </a:solidFill>
+                <a:latin typeface="微软雅黑" panose="020B0503020204020204" pitchFamily="34" charset="-122"/>
+                <a:ea typeface="微软雅黑" panose="020B0503020204020204" pitchFamily="34" charset="-122"/>
+              </a:rPr>
+              <a:t>用设备</a:t>
+            </a:r>
+            <a:endParaRPr lang="zh-CN" altLang="en-US" sz="1350" dirty="0">
+              <a:solidFill>
+                <a:srgbClr val="0070C0"/>
+              </a:solidFill>
+              <a:latin typeface="微软雅黑" panose="020B0503020204020204" pitchFamily="34" charset="-122"/>
+              <a:ea typeface="微软雅黑" panose="020B0503020204020204" pitchFamily="34" charset="-122"/>
+            </a:endParaRPr>
+          </a:p>
+          <a:p>
+            <a:pPr marL="525145" lvl="1" indent="-267970">
+              <a:defRPr/>
+            </a:pPr>
+            <a:r>
+              <a:rPr lang="zh-CN" altLang="en-US" sz="1350" dirty="0">
+                <a:solidFill>
+                  <a:srgbClr val="0070C0"/>
+                </a:solidFill>
+                <a:latin typeface="微软雅黑" panose="020B0503020204020204" pitchFamily="34" charset="-122"/>
+                <a:ea typeface="微软雅黑" panose="020B0503020204020204" pitchFamily="34" charset="-122"/>
+              </a:rPr>
               <a:t> </a:t>
             </a:r>
             <a:r>
@@ -13913,17 +13910,7 @@
                 <a:latin typeface="微软雅黑" panose="020B0503020204020204" pitchFamily="34" charset="-122"/>
                 <a:ea typeface="微软雅黑" panose="020B0503020204020204" pitchFamily="34" charset="-122"/>
               </a:rPr>
-              <a:t>2      </a:t>
-            </a:r>
-            <a:r>
-              <a:rPr lang="zh-CN" altLang="en-US" sz="1350">
-                <a:solidFill>
-                  <a:srgbClr val="0070C0"/>
-                </a:solidFill>
-                <a:latin typeface="微软雅黑" panose="020B0503020204020204" pitchFamily="34" charset="-122"/>
-                <a:ea typeface="微软雅黑" panose="020B0503020204020204" pitchFamily="34" charset="-122"/>
-              </a:rPr>
-              <a:t>马化腾  </a:t>
+              <a:t>1      </a:t>
             </a:r>
             <a:r>
               <a:rPr lang="zh-CN" altLang="en-US" sz="1350" smtClean="0">
@@ -13933,7 +13920,7 @@
                 <a:latin typeface="微软雅黑" panose="020B0503020204020204" pitchFamily="34" charset="-122"/>
                 <a:ea typeface="微软雅黑" panose="020B0503020204020204" pitchFamily="34" charset="-122"/>
               </a:rPr>
-              <a:t> </a:t>
+              <a:t>马 云      </a:t>
             </a:r>
             <a:r>
               <a:rPr lang="en-US" altLang="zh-CN" sz="1350" smtClean="0">
@@ -13943,502 +13930,7 @@
                 <a:latin typeface="微软雅黑" panose="020B0503020204020204" pitchFamily="34" charset="-122"/>
                 <a:ea typeface="微软雅黑" panose="020B0503020204020204" pitchFamily="34" charset="-122"/>
               </a:rPr>
-              <a:t>32       18000.0  </a:t>
-            </a:r>
-            <a:r>
-              <a:rPr lang="zh-CN" altLang="en-US" sz="1350" smtClean="0">
-                <a:solidFill>
-                  <a:srgbClr val="0070C0"/>
-                </a:solidFill>
-                <a:latin typeface="微软雅黑" panose="020B0503020204020204" pitchFamily="34" charset="-122"/>
-                <a:ea typeface="微软雅黑" panose="020B0503020204020204" pitchFamily="34" charset="-122"/>
-              </a:rPr>
-              <a:t>架构</a:t>
-            </a:r>
-            <a:r>
-              <a:rPr lang="zh-CN" altLang="en-US" sz="1350">
-                <a:solidFill>
-                  <a:srgbClr val="0070C0"/>
-                </a:solidFill>
-                <a:latin typeface="微软雅黑" panose="020B0503020204020204" pitchFamily="34" charset="-122"/>
-                <a:ea typeface="微软雅黑" panose="020B0503020204020204" pitchFamily="34" charset="-122"/>
-              </a:rPr>
-              <a:t>师  </a:t>
-            </a:r>
-            <a:r>
-              <a:rPr lang="zh-CN" altLang="en-US" sz="1350" smtClean="0">
-                <a:solidFill>
-                  <a:srgbClr val="0070C0"/>
-                </a:solidFill>
-                <a:latin typeface="微软雅黑" panose="020B0503020204020204" pitchFamily="34" charset="-122"/>
-                <a:ea typeface="微软雅黑" panose="020B0503020204020204" pitchFamily="34" charset="-122"/>
-              </a:rPr>
-              <a:t> </a:t>
-            </a:r>
-            <a:r>
-              <a:rPr lang="en-US" altLang="zh-CN" sz="1350" smtClean="0">
-                <a:solidFill>
-                  <a:srgbClr val="0070C0"/>
-                </a:solidFill>
-                <a:latin typeface="微软雅黑" panose="020B0503020204020204" pitchFamily="34" charset="-122"/>
-                <a:ea typeface="微软雅黑" panose="020B0503020204020204" pitchFamily="34" charset="-122"/>
-              </a:rPr>
-              <a:t>FREE    </a:t>
-            </a:r>
-            <a:r>
-              <a:rPr lang="en-US" altLang="zh-CN" sz="1350">
-                <a:solidFill>
-                  <a:srgbClr val="0070C0"/>
-                </a:solidFill>
-                <a:latin typeface="微软雅黑" panose="020B0503020204020204" pitchFamily="34" charset="-122"/>
-                <a:ea typeface="微软雅黑" panose="020B0503020204020204" pitchFamily="34" charset="-122"/>
-              </a:rPr>
-              <a:t>15000.0  </a:t>
-            </a:r>
-            <a:r>
-              <a:rPr lang="en-US" altLang="zh-CN" sz="1350" smtClean="0">
-                <a:solidFill>
-                  <a:srgbClr val="0070C0"/>
-                </a:solidFill>
-                <a:latin typeface="微软雅黑" panose="020B0503020204020204" pitchFamily="34" charset="-122"/>
-                <a:ea typeface="微软雅黑" panose="020B0503020204020204" pitchFamily="34" charset="-122"/>
-              </a:rPr>
-              <a:t> 2000    </a:t>
-            </a:r>
-            <a:r>
-              <a:rPr lang="zh-CN" altLang="en-US" sz="1350" dirty="0">
-                <a:solidFill>
-                  <a:srgbClr val="0070C0"/>
-                </a:solidFill>
-                <a:latin typeface="微软雅黑" panose="020B0503020204020204" pitchFamily="34" charset="-122"/>
-                <a:ea typeface="微软雅黑" panose="020B0503020204020204" pitchFamily="34" charset="-122"/>
-              </a:rPr>
-              <a:t>联想</a:t>
-            </a:r>
-            <a:r>
-              <a:rPr lang="en-US" altLang="zh-CN" sz="1350" dirty="0">
-                <a:solidFill>
-                  <a:srgbClr val="0070C0"/>
-                </a:solidFill>
-                <a:latin typeface="微软雅黑" panose="020B0503020204020204" pitchFamily="34" charset="-122"/>
-                <a:ea typeface="微软雅黑" panose="020B0503020204020204" pitchFamily="34" charset="-122"/>
-              </a:rPr>
-              <a:t>T4(6000.0)</a:t>
-            </a:r>
-          </a:p>
-          <a:p>
-            <a:pPr marL="525066" lvl="1" indent="-267891">
-              <a:defRPr/>
-            </a:pPr>
-            <a:r>
-              <a:rPr lang="en-US" altLang="zh-CN" sz="1350" dirty="0">
-                <a:solidFill>
-                  <a:srgbClr val="0070C0"/>
-                </a:solidFill>
-                <a:latin typeface="微软雅黑" panose="020B0503020204020204" pitchFamily="34" charset="-122"/>
-                <a:ea typeface="微软雅黑" panose="020B0503020204020204" pitchFamily="34" charset="-122"/>
-              </a:rPr>
-              <a:t> </a:t>
-            </a:r>
-            <a:r>
-              <a:rPr lang="en-US" altLang="zh-CN" sz="1350">
-                <a:solidFill>
-                  <a:srgbClr val="0070C0"/>
-                </a:solidFill>
-                <a:latin typeface="微软雅黑" panose="020B0503020204020204" pitchFamily="34" charset="-122"/>
-                <a:ea typeface="微软雅黑" panose="020B0503020204020204" pitchFamily="34" charset="-122"/>
-              </a:rPr>
-              <a:t>3      </a:t>
-            </a:r>
-            <a:r>
-              <a:rPr lang="zh-CN" altLang="en-US" sz="1350">
-                <a:solidFill>
-                  <a:srgbClr val="0070C0"/>
-                </a:solidFill>
-                <a:latin typeface="微软雅黑" panose="020B0503020204020204" pitchFamily="34" charset="-122"/>
-                <a:ea typeface="微软雅黑" panose="020B0503020204020204" pitchFamily="34" charset="-122"/>
-              </a:rPr>
-              <a:t>李彦宏  </a:t>
-            </a:r>
-            <a:r>
-              <a:rPr lang="zh-CN" altLang="en-US" sz="1350" smtClean="0">
-                <a:solidFill>
-                  <a:srgbClr val="0070C0"/>
-                </a:solidFill>
-                <a:latin typeface="微软雅黑" panose="020B0503020204020204" pitchFamily="34" charset="-122"/>
-                <a:ea typeface="微软雅黑" panose="020B0503020204020204" pitchFamily="34" charset="-122"/>
-              </a:rPr>
-              <a:t> </a:t>
-            </a:r>
-            <a:r>
-              <a:rPr lang="en-US" altLang="zh-CN" sz="1350" smtClean="0">
-                <a:solidFill>
-                  <a:srgbClr val="0070C0"/>
-                </a:solidFill>
-                <a:latin typeface="微软雅黑" panose="020B0503020204020204" pitchFamily="34" charset="-122"/>
-                <a:ea typeface="微软雅黑" panose="020B0503020204020204" pitchFamily="34" charset="-122"/>
-              </a:rPr>
-              <a:t>23       7000.0    </a:t>
-            </a:r>
-            <a:r>
-              <a:rPr lang="zh-CN" altLang="en-US" sz="1350" smtClean="0">
-                <a:solidFill>
-                  <a:srgbClr val="0070C0"/>
-                </a:solidFill>
-                <a:latin typeface="微软雅黑" panose="020B0503020204020204" pitchFamily="34" charset="-122"/>
-                <a:ea typeface="微软雅黑" panose="020B0503020204020204" pitchFamily="34" charset="-122"/>
-              </a:rPr>
-              <a:t>程序员   </a:t>
-            </a:r>
-            <a:r>
-              <a:rPr lang="en-US" altLang="zh-CN" sz="1350" smtClean="0">
-                <a:solidFill>
-                  <a:srgbClr val="0070C0"/>
-                </a:solidFill>
-                <a:latin typeface="微软雅黑" panose="020B0503020204020204" pitchFamily="34" charset="-122"/>
-                <a:ea typeface="微软雅黑" panose="020B0503020204020204" pitchFamily="34" charset="-122"/>
-              </a:rPr>
-              <a:t>FREE                                </a:t>
-            </a:r>
-            <a:r>
-              <a:rPr lang="zh-CN" altLang="en-US" sz="1350" smtClean="0">
-                <a:solidFill>
-                  <a:srgbClr val="0070C0"/>
-                </a:solidFill>
-                <a:latin typeface="微软雅黑" panose="020B0503020204020204" pitchFamily="34" charset="-122"/>
-                <a:ea typeface="微软雅黑" panose="020B0503020204020204" pitchFamily="34" charset="-122"/>
-              </a:rPr>
-              <a:t>戴尔</a:t>
-            </a:r>
-            <a:r>
-              <a:rPr lang="en-US" altLang="zh-CN" sz="1350" dirty="0">
-                <a:solidFill>
-                  <a:srgbClr val="0070C0"/>
-                </a:solidFill>
-                <a:latin typeface="微软雅黑" panose="020B0503020204020204" pitchFamily="34" charset="-122"/>
-                <a:ea typeface="微软雅黑" panose="020B0503020204020204" pitchFamily="34" charset="-122"/>
-              </a:rPr>
-              <a:t>(NEC17</a:t>
-            </a:r>
-            <a:r>
-              <a:rPr lang="zh-CN" altLang="en-US" sz="1350" dirty="0">
-                <a:solidFill>
-                  <a:srgbClr val="0070C0"/>
-                </a:solidFill>
-                <a:latin typeface="微软雅黑" panose="020B0503020204020204" pitchFamily="34" charset="-122"/>
-                <a:ea typeface="微软雅黑" panose="020B0503020204020204" pitchFamily="34" charset="-122"/>
-              </a:rPr>
-              <a:t>寸</a:t>
-            </a:r>
-            <a:r>
-              <a:rPr lang="en-US" altLang="zh-CN" sz="1350" dirty="0">
-                <a:solidFill>
-                  <a:srgbClr val="0070C0"/>
-                </a:solidFill>
-                <a:latin typeface="微软雅黑" panose="020B0503020204020204" pitchFamily="34" charset="-122"/>
-                <a:ea typeface="微软雅黑" panose="020B0503020204020204" pitchFamily="34" charset="-122"/>
-              </a:rPr>
-              <a:t>)</a:t>
-            </a:r>
-          </a:p>
-          <a:p>
-            <a:pPr marL="525066" lvl="1" indent="-267891">
-              <a:defRPr/>
-            </a:pPr>
-            <a:r>
-              <a:rPr lang="en-US" altLang="zh-CN" sz="1350" dirty="0">
-                <a:solidFill>
-                  <a:srgbClr val="0070C0"/>
-                </a:solidFill>
-                <a:latin typeface="微软雅黑" panose="020B0503020204020204" pitchFamily="34" charset="-122"/>
-                <a:ea typeface="微软雅黑" panose="020B0503020204020204" pitchFamily="34" charset="-122"/>
-              </a:rPr>
-              <a:t> </a:t>
-            </a:r>
-            <a:r>
-              <a:rPr lang="en-US" altLang="zh-CN" sz="1350">
-                <a:solidFill>
-                  <a:srgbClr val="0070C0"/>
-                </a:solidFill>
-                <a:latin typeface="微软雅黑" panose="020B0503020204020204" pitchFamily="34" charset="-122"/>
-                <a:ea typeface="微软雅黑" panose="020B0503020204020204" pitchFamily="34" charset="-122"/>
-              </a:rPr>
-              <a:t>4      </a:t>
-            </a:r>
-            <a:r>
-              <a:rPr lang="zh-CN" altLang="en-US" sz="1350">
-                <a:solidFill>
-                  <a:srgbClr val="0070C0"/>
-                </a:solidFill>
-                <a:latin typeface="微软雅黑" panose="020B0503020204020204" pitchFamily="34" charset="-122"/>
-                <a:ea typeface="微软雅黑" panose="020B0503020204020204" pitchFamily="34" charset="-122"/>
-              </a:rPr>
-              <a:t>刘强东  </a:t>
-            </a:r>
-            <a:r>
-              <a:rPr lang="zh-CN" altLang="en-US" sz="1350" smtClean="0">
-                <a:solidFill>
-                  <a:srgbClr val="0070C0"/>
-                </a:solidFill>
-                <a:latin typeface="微软雅黑" panose="020B0503020204020204" pitchFamily="34" charset="-122"/>
-                <a:ea typeface="微软雅黑" panose="020B0503020204020204" pitchFamily="34" charset="-122"/>
-              </a:rPr>
-              <a:t> </a:t>
-            </a:r>
-            <a:r>
-              <a:rPr lang="en-US" altLang="zh-CN" sz="1350" smtClean="0">
-                <a:solidFill>
-                  <a:srgbClr val="0070C0"/>
-                </a:solidFill>
-                <a:latin typeface="微软雅黑" panose="020B0503020204020204" pitchFamily="34" charset="-122"/>
-                <a:ea typeface="微软雅黑" panose="020B0503020204020204" pitchFamily="34" charset="-122"/>
-              </a:rPr>
-              <a:t>24       7300.0    </a:t>
-            </a:r>
-            <a:r>
-              <a:rPr lang="zh-CN" altLang="en-US" sz="1350" smtClean="0">
-                <a:solidFill>
-                  <a:srgbClr val="0070C0"/>
-                </a:solidFill>
-                <a:latin typeface="微软雅黑" panose="020B0503020204020204" pitchFamily="34" charset="-122"/>
-                <a:ea typeface="微软雅黑" panose="020B0503020204020204" pitchFamily="34" charset="-122"/>
-              </a:rPr>
-              <a:t>程序员   </a:t>
-            </a:r>
-            <a:r>
-              <a:rPr lang="en-US" altLang="zh-CN" sz="1350" smtClean="0">
-                <a:solidFill>
-                  <a:srgbClr val="0070C0"/>
-                </a:solidFill>
-                <a:latin typeface="微软雅黑" panose="020B0503020204020204" pitchFamily="34" charset="-122"/>
-                <a:ea typeface="微软雅黑" panose="020B0503020204020204" pitchFamily="34" charset="-122"/>
-              </a:rPr>
-              <a:t>FREE                                </a:t>
-            </a:r>
-            <a:r>
-              <a:rPr lang="zh-CN" altLang="en-US" sz="1350" smtClean="0">
-                <a:solidFill>
-                  <a:srgbClr val="0070C0"/>
-                </a:solidFill>
-                <a:latin typeface="微软雅黑" panose="020B0503020204020204" pitchFamily="34" charset="-122"/>
-                <a:ea typeface="微软雅黑" panose="020B0503020204020204" pitchFamily="34" charset="-122"/>
-              </a:rPr>
-              <a:t>戴尔</a:t>
-            </a:r>
-            <a:r>
-              <a:rPr lang="en-US" altLang="zh-CN" sz="1350" dirty="0">
-                <a:solidFill>
-                  <a:srgbClr val="0070C0"/>
-                </a:solidFill>
-                <a:latin typeface="微软雅黑" panose="020B0503020204020204" pitchFamily="34" charset="-122"/>
-                <a:ea typeface="微软雅黑" panose="020B0503020204020204" pitchFamily="34" charset="-122"/>
-              </a:rPr>
-              <a:t>(</a:t>
-            </a:r>
-            <a:r>
-              <a:rPr lang="zh-CN" altLang="en-US" sz="1350" dirty="0">
-                <a:solidFill>
-                  <a:srgbClr val="0070C0"/>
-                </a:solidFill>
-                <a:latin typeface="微软雅黑" panose="020B0503020204020204" pitchFamily="34" charset="-122"/>
-                <a:ea typeface="微软雅黑" panose="020B0503020204020204" pitchFamily="34" charset="-122"/>
-              </a:rPr>
-              <a:t>三星 </a:t>
-            </a:r>
-            <a:r>
-              <a:rPr lang="en-US" altLang="zh-CN" sz="1350" dirty="0">
-                <a:solidFill>
-                  <a:srgbClr val="0070C0"/>
-                </a:solidFill>
-                <a:latin typeface="微软雅黑" panose="020B0503020204020204" pitchFamily="34" charset="-122"/>
-                <a:ea typeface="微软雅黑" panose="020B0503020204020204" pitchFamily="34" charset="-122"/>
-              </a:rPr>
-              <a:t>17</a:t>
-            </a:r>
-            <a:r>
-              <a:rPr lang="zh-CN" altLang="en-US" sz="1350" dirty="0">
-                <a:solidFill>
-                  <a:srgbClr val="0070C0"/>
-                </a:solidFill>
-                <a:latin typeface="微软雅黑" panose="020B0503020204020204" pitchFamily="34" charset="-122"/>
-                <a:ea typeface="微软雅黑" panose="020B0503020204020204" pitchFamily="34" charset="-122"/>
-              </a:rPr>
-              <a:t>寸</a:t>
-            </a:r>
-            <a:r>
-              <a:rPr lang="en-US" altLang="zh-CN" sz="1350" dirty="0">
-                <a:solidFill>
-                  <a:srgbClr val="0070C0"/>
-                </a:solidFill>
-                <a:latin typeface="微软雅黑" panose="020B0503020204020204" pitchFamily="34" charset="-122"/>
-                <a:ea typeface="微软雅黑" panose="020B0503020204020204" pitchFamily="34" charset="-122"/>
-              </a:rPr>
-              <a:t>)</a:t>
-            </a:r>
-          </a:p>
-          <a:p>
-            <a:pPr marL="525066" lvl="1" indent="-267891">
-              <a:defRPr/>
-            </a:pPr>
-            <a:r>
-              <a:rPr lang="en-US" altLang="zh-CN" sz="1350" dirty="0">
-                <a:solidFill>
-                  <a:srgbClr val="0070C0"/>
-                </a:solidFill>
-                <a:latin typeface="微软雅黑" panose="020B0503020204020204" pitchFamily="34" charset="-122"/>
-                <a:ea typeface="微软雅黑" panose="020B0503020204020204" pitchFamily="34" charset="-122"/>
-              </a:rPr>
-              <a:t> </a:t>
-            </a:r>
-            <a:r>
-              <a:rPr lang="en-US" altLang="zh-CN" sz="1350">
-                <a:solidFill>
-                  <a:srgbClr val="0070C0"/>
-                </a:solidFill>
-                <a:latin typeface="微软雅黑" panose="020B0503020204020204" pitchFamily="34" charset="-122"/>
-                <a:ea typeface="微软雅黑" panose="020B0503020204020204" pitchFamily="34" charset="-122"/>
-              </a:rPr>
-              <a:t>5      </a:t>
-            </a:r>
-            <a:r>
-              <a:rPr lang="zh-CN" altLang="en-US" sz="1350">
-                <a:solidFill>
-                  <a:srgbClr val="0070C0"/>
-                </a:solidFill>
-                <a:latin typeface="微软雅黑" panose="020B0503020204020204" pitchFamily="34" charset="-122"/>
-                <a:ea typeface="微软雅黑" panose="020B0503020204020204" pitchFamily="34" charset="-122"/>
-              </a:rPr>
-              <a:t>雷军      </a:t>
-            </a:r>
-            <a:r>
-              <a:rPr lang="en-US" altLang="zh-CN" sz="1350">
-                <a:solidFill>
-                  <a:srgbClr val="0070C0"/>
-                </a:solidFill>
-                <a:latin typeface="微软雅黑" panose="020B0503020204020204" pitchFamily="34" charset="-122"/>
-                <a:ea typeface="微软雅黑" panose="020B0503020204020204" pitchFamily="34" charset="-122"/>
-              </a:rPr>
-              <a:t>28       </a:t>
-            </a:r>
-            <a:r>
-              <a:rPr lang="en-US" altLang="zh-CN" sz="1350" smtClean="0">
-                <a:solidFill>
-                  <a:srgbClr val="0070C0"/>
-                </a:solidFill>
-                <a:latin typeface="微软雅黑" panose="020B0503020204020204" pitchFamily="34" charset="-122"/>
-                <a:ea typeface="微软雅黑" panose="020B0503020204020204" pitchFamily="34" charset="-122"/>
-              </a:rPr>
-              <a:t>10000.0  </a:t>
-            </a:r>
-            <a:r>
-              <a:rPr lang="zh-CN" altLang="en-US" sz="1350" smtClean="0">
-                <a:solidFill>
-                  <a:srgbClr val="0070C0"/>
-                </a:solidFill>
-                <a:latin typeface="微软雅黑" panose="020B0503020204020204" pitchFamily="34" charset="-122"/>
-                <a:ea typeface="微软雅黑" panose="020B0503020204020204" pitchFamily="34" charset="-122"/>
-              </a:rPr>
-              <a:t>设计师   </a:t>
-            </a:r>
-            <a:r>
-              <a:rPr lang="en-US" altLang="zh-CN" sz="1350" smtClean="0">
-                <a:solidFill>
-                  <a:srgbClr val="0070C0"/>
-                </a:solidFill>
-                <a:latin typeface="微软雅黑" panose="020B0503020204020204" pitchFamily="34" charset="-122"/>
-                <a:ea typeface="微软雅黑" panose="020B0503020204020204" pitchFamily="34" charset="-122"/>
-              </a:rPr>
-              <a:t>FREE    </a:t>
-            </a:r>
-            <a:r>
-              <a:rPr lang="en-US" altLang="zh-CN" sz="1350">
-                <a:solidFill>
-                  <a:srgbClr val="0070C0"/>
-                </a:solidFill>
-                <a:latin typeface="微软雅黑" panose="020B0503020204020204" pitchFamily="34" charset="-122"/>
-                <a:ea typeface="微软雅黑" panose="020B0503020204020204" pitchFamily="34" charset="-122"/>
-              </a:rPr>
-              <a:t>5000.0                </a:t>
-            </a:r>
-            <a:r>
-              <a:rPr lang="en-US" altLang="zh-CN" sz="1350" smtClean="0">
-                <a:solidFill>
-                  <a:srgbClr val="0070C0"/>
-                </a:solidFill>
-                <a:latin typeface="微软雅黑" panose="020B0503020204020204" pitchFamily="34" charset="-122"/>
-                <a:ea typeface="微软雅黑" panose="020B0503020204020204" pitchFamily="34" charset="-122"/>
-              </a:rPr>
-              <a:t> </a:t>
-            </a:r>
-            <a:r>
-              <a:rPr lang="zh-CN" altLang="en-US" sz="1350" smtClean="0">
-                <a:solidFill>
-                  <a:srgbClr val="0070C0"/>
-                </a:solidFill>
-                <a:latin typeface="微软雅黑" panose="020B0503020204020204" pitchFamily="34" charset="-122"/>
-                <a:ea typeface="微软雅黑" panose="020B0503020204020204" pitchFamily="34" charset="-122"/>
-              </a:rPr>
-              <a:t>佳能 </a:t>
-            </a:r>
-            <a:r>
-              <a:rPr lang="en-US" altLang="zh-CN" sz="1350" dirty="0">
-                <a:solidFill>
-                  <a:srgbClr val="0070C0"/>
-                </a:solidFill>
-                <a:latin typeface="微软雅黑" panose="020B0503020204020204" pitchFamily="34" charset="-122"/>
-                <a:ea typeface="微软雅黑" panose="020B0503020204020204" pitchFamily="34" charset="-122"/>
-              </a:rPr>
-              <a:t>2900(</a:t>
-            </a:r>
-            <a:r>
-              <a:rPr lang="zh-CN" altLang="en-US" sz="1350" dirty="0">
-                <a:solidFill>
-                  <a:srgbClr val="0070C0"/>
-                </a:solidFill>
-                <a:latin typeface="微软雅黑" panose="020B0503020204020204" pitchFamily="34" charset="-122"/>
-                <a:ea typeface="微软雅黑" panose="020B0503020204020204" pitchFamily="34" charset="-122"/>
-              </a:rPr>
-              <a:t>激光</a:t>
-            </a:r>
-            <a:r>
-              <a:rPr lang="en-US" altLang="zh-CN" sz="1350" dirty="0">
-                <a:solidFill>
-                  <a:srgbClr val="0070C0"/>
-                </a:solidFill>
-                <a:latin typeface="微软雅黑" panose="020B0503020204020204" pitchFamily="34" charset="-122"/>
-                <a:ea typeface="微软雅黑" panose="020B0503020204020204" pitchFamily="34" charset="-122"/>
-              </a:rPr>
-              <a:t>)</a:t>
-            </a:r>
-          </a:p>
-          <a:p>
-            <a:pPr marL="525066" lvl="1" indent="-267891">
-              <a:defRPr/>
-            </a:pPr>
-            <a:r>
-              <a:rPr lang="en-US" altLang="zh-CN" sz="1350" dirty="0">
-                <a:solidFill>
-                  <a:srgbClr val="0070C0"/>
-                </a:solidFill>
-                <a:latin typeface="微软雅黑" panose="020B0503020204020204" pitchFamily="34" charset="-122"/>
-                <a:ea typeface="微软雅黑" panose="020B0503020204020204" pitchFamily="34" charset="-122"/>
-              </a:rPr>
-              <a:t> ……</a:t>
-            </a:r>
-          </a:p>
-          <a:p>
-            <a:pPr marL="525066" lvl="1" indent="-267891">
-              <a:defRPr/>
-            </a:pPr>
-            <a:r>
-              <a:rPr lang="en-US" altLang="zh-CN" sz="1350" smtClean="0">
-                <a:solidFill>
-                  <a:srgbClr val="0070C0"/>
-                </a:solidFill>
-                <a:latin typeface="微软雅黑" panose="020B0503020204020204" pitchFamily="34" charset="-122"/>
-                <a:ea typeface="微软雅黑" panose="020B0503020204020204" pitchFamily="34" charset="-122"/>
-              </a:rPr>
-              <a:t>----------------------------------------------------------------------------------------------</a:t>
+              <a:t>22      3000.0</a:t>
             </a:r>
             <a:endParaRPr lang="en-US" altLang="zh-CN" sz="1350" dirty="0">
               <a:solidFill>
@@ -14449,7 +13941,7 @@
             </a:endParaRPr>
           </a:p>
           <a:p>
-            <a:pPr marL="525066" lvl="1" indent="-267891">
+            <a:pPr marL="525145" lvl="1" indent="-267970">
               <a:defRPr/>
             </a:pPr>
             <a:r>
@@ -14460,6 +13952,598 @@
                 <a:latin typeface="微软雅黑" panose="020B0503020204020204" pitchFamily="34" charset="-122"/>
                 <a:ea typeface="微软雅黑" panose="020B0503020204020204" pitchFamily="34" charset="-122"/>
               </a:rPr>
+              <a:t> </a:t>
+            </a:r>
+            <a:r>
+              <a:rPr lang="en-US" altLang="zh-CN" sz="1350">
+                <a:solidFill>
+                  <a:srgbClr val="0070C0"/>
+                </a:solidFill>
+                <a:latin typeface="微软雅黑" panose="020B0503020204020204" pitchFamily="34" charset="-122"/>
+                <a:ea typeface="微软雅黑" panose="020B0503020204020204" pitchFamily="34" charset="-122"/>
+              </a:rPr>
+              <a:t>2      </a:t>
+            </a:r>
+            <a:r>
+              <a:rPr lang="zh-CN" altLang="en-US" sz="1350">
+                <a:solidFill>
+                  <a:srgbClr val="0070C0"/>
+                </a:solidFill>
+                <a:latin typeface="微软雅黑" panose="020B0503020204020204" pitchFamily="34" charset="-122"/>
+                <a:ea typeface="微软雅黑" panose="020B0503020204020204" pitchFamily="34" charset="-122"/>
+              </a:rPr>
+              <a:t>马化腾  </a:t>
+            </a:r>
+            <a:r>
+              <a:rPr lang="zh-CN" altLang="en-US" sz="1350" smtClean="0">
+                <a:solidFill>
+                  <a:srgbClr val="0070C0"/>
+                </a:solidFill>
+                <a:latin typeface="微软雅黑" panose="020B0503020204020204" pitchFamily="34" charset="-122"/>
+                <a:ea typeface="微软雅黑" panose="020B0503020204020204" pitchFamily="34" charset="-122"/>
+              </a:rPr>
+              <a:t> </a:t>
+            </a:r>
+            <a:r>
+              <a:rPr lang="en-US" altLang="zh-CN" sz="1350" smtClean="0">
+                <a:solidFill>
+                  <a:srgbClr val="0070C0"/>
+                </a:solidFill>
+                <a:latin typeface="微软雅黑" panose="020B0503020204020204" pitchFamily="34" charset="-122"/>
+                <a:ea typeface="微软雅黑" panose="020B0503020204020204" pitchFamily="34" charset="-122"/>
+              </a:rPr>
+              <a:t>32       18000.0  </a:t>
+            </a:r>
+            <a:r>
+              <a:rPr lang="zh-CN" altLang="en-US" sz="1350" smtClean="0">
+                <a:solidFill>
+                  <a:srgbClr val="0070C0"/>
+                </a:solidFill>
+                <a:latin typeface="微软雅黑" panose="020B0503020204020204" pitchFamily="34" charset="-122"/>
+                <a:ea typeface="微软雅黑" panose="020B0503020204020204" pitchFamily="34" charset="-122"/>
+              </a:rPr>
+              <a:t>架构</a:t>
+            </a:r>
+            <a:r>
+              <a:rPr lang="zh-CN" altLang="en-US" sz="1350">
+                <a:solidFill>
+                  <a:srgbClr val="0070C0"/>
+                </a:solidFill>
+                <a:latin typeface="微软雅黑" panose="020B0503020204020204" pitchFamily="34" charset="-122"/>
+                <a:ea typeface="微软雅黑" panose="020B0503020204020204" pitchFamily="34" charset="-122"/>
+              </a:rPr>
+              <a:t>师  </a:t>
+            </a:r>
+            <a:r>
+              <a:rPr lang="zh-CN" altLang="en-US" sz="1350" smtClean="0">
+                <a:solidFill>
+                  <a:srgbClr val="0070C0"/>
+                </a:solidFill>
+                <a:latin typeface="微软雅黑" panose="020B0503020204020204" pitchFamily="34" charset="-122"/>
+                <a:ea typeface="微软雅黑" panose="020B0503020204020204" pitchFamily="34" charset="-122"/>
+              </a:rPr>
+              <a:t> </a:t>
+            </a:r>
+            <a:r>
+              <a:rPr lang="en-US" altLang="zh-CN" sz="1350" smtClean="0">
+                <a:solidFill>
+                  <a:srgbClr val="0070C0"/>
+                </a:solidFill>
+                <a:latin typeface="微软雅黑" panose="020B0503020204020204" pitchFamily="34" charset="-122"/>
+                <a:ea typeface="微软雅黑" panose="020B0503020204020204" pitchFamily="34" charset="-122"/>
+              </a:rPr>
+              <a:t>FREE    </a:t>
+            </a:r>
+            <a:r>
+              <a:rPr lang="en-US" altLang="zh-CN" sz="1350">
+                <a:solidFill>
+                  <a:srgbClr val="0070C0"/>
+                </a:solidFill>
+                <a:latin typeface="微软雅黑" panose="020B0503020204020204" pitchFamily="34" charset="-122"/>
+                <a:ea typeface="微软雅黑" panose="020B0503020204020204" pitchFamily="34" charset="-122"/>
+              </a:rPr>
+              <a:t>15000.0  </a:t>
+            </a:r>
+            <a:r>
+              <a:rPr lang="en-US" altLang="zh-CN" sz="1350" smtClean="0">
+                <a:solidFill>
+                  <a:srgbClr val="0070C0"/>
+                </a:solidFill>
+                <a:latin typeface="微软雅黑" panose="020B0503020204020204" pitchFamily="34" charset="-122"/>
+                <a:ea typeface="微软雅黑" panose="020B0503020204020204" pitchFamily="34" charset="-122"/>
+              </a:rPr>
+              <a:t> 2000    </a:t>
+            </a:r>
+            <a:r>
+              <a:rPr lang="zh-CN" altLang="en-US" sz="1350" dirty="0">
+                <a:solidFill>
+                  <a:srgbClr val="0070C0"/>
+                </a:solidFill>
+                <a:latin typeface="微软雅黑" panose="020B0503020204020204" pitchFamily="34" charset="-122"/>
+                <a:ea typeface="微软雅黑" panose="020B0503020204020204" pitchFamily="34" charset="-122"/>
+              </a:rPr>
+              <a:t>联想</a:t>
+            </a:r>
+            <a:r>
+              <a:rPr lang="en-US" altLang="zh-CN" sz="1350" dirty="0">
+                <a:solidFill>
+                  <a:srgbClr val="0070C0"/>
+                </a:solidFill>
+                <a:latin typeface="微软雅黑" panose="020B0503020204020204" pitchFamily="34" charset="-122"/>
+                <a:ea typeface="微软雅黑" panose="020B0503020204020204" pitchFamily="34" charset="-122"/>
+              </a:rPr>
+              <a:t>T4(6000.0)</a:t>
+            </a:r>
+            <a:endParaRPr lang="en-US" altLang="zh-CN" sz="1350" dirty="0">
+              <a:solidFill>
+                <a:srgbClr val="0070C0"/>
+              </a:solidFill>
+              <a:latin typeface="微软雅黑" panose="020B0503020204020204" pitchFamily="34" charset="-122"/>
+              <a:ea typeface="微软雅黑" panose="020B0503020204020204" pitchFamily="34" charset="-122"/>
+            </a:endParaRPr>
+          </a:p>
+          <a:p>
+            <a:pPr marL="525145" lvl="1" indent="-267970">
+              <a:defRPr/>
+            </a:pPr>
+            <a:r>
+              <a:rPr lang="en-US" altLang="zh-CN" sz="1350" dirty="0">
+                <a:solidFill>
+                  <a:srgbClr val="0070C0"/>
+                </a:solidFill>
+                <a:latin typeface="微软雅黑" panose="020B0503020204020204" pitchFamily="34" charset="-122"/>
+                <a:ea typeface="微软雅黑" panose="020B0503020204020204" pitchFamily="34" charset="-122"/>
+              </a:rPr>
+              <a:t> </a:t>
+            </a:r>
+            <a:r>
+              <a:rPr lang="en-US" altLang="zh-CN" sz="1350">
+                <a:solidFill>
+                  <a:srgbClr val="0070C0"/>
+                </a:solidFill>
+                <a:latin typeface="微软雅黑" panose="020B0503020204020204" pitchFamily="34" charset="-122"/>
+                <a:ea typeface="微软雅黑" panose="020B0503020204020204" pitchFamily="34" charset="-122"/>
+              </a:rPr>
+              <a:t>3      </a:t>
+            </a:r>
+            <a:r>
+              <a:rPr lang="zh-CN" altLang="en-US" sz="1350">
+                <a:solidFill>
+                  <a:srgbClr val="0070C0"/>
+                </a:solidFill>
+                <a:latin typeface="微软雅黑" panose="020B0503020204020204" pitchFamily="34" charset="-122"/>
+                <a:ea typeface="微软雅黑" panose="020B0503020204020204" pitchFamily="34" charset="-122"/>
+              </a:rPr>
+              <a:t>李彦宏  </a:t>
+            </a:r>
+            <a:r>
+              <a:rPr lang="zh-CN" altLang="en-US" sz="1350" smtClean="0">
+                <a:solidFill>
+                  <a:srgbClr val="0070C0"/>
+                </a:solidFill>
+                <a:latin typeface="微软雅黑" panose="020B0503020204020204" pitchFamily="34" charset="-122"/>
+                <a:ea typeface="微软雅黑" panose="020B0503020204020204" pitchFamily="34" charset="-122"/>
+              </a:rPr>
+              <a:t> </a:t>
+            </a:r>
+            <a:r>
+              <a:rPr lang="en-US" altLang="zh-CN" sz="1350" smtClean="0">
+                <a:solidFill>
+                  <a:srgbClr val="0070C0"/>
+                </a:solidFill>
+                <a:latin typeface="微软雅黑" panose="020B0503020204020204" pitchFamily="34" charset="-122"/>
+                <a:ea typeface="微软雅黑" panose="020B0503020204020204" pitchFamily="34" charset="-122"/>
+              </a:rPr>
+              <a:t>23       7000.0    </a:t>
+            </a:r>
+            <a:r>
+              <a:rPr lang="zh-CN" altLang="en-US" sz="1350" smtClean="0">
+                <a:solidFill>
+                  <a:srgbClr val="0070C0"/>
+                </a:solidFill>
+                <a:latin typeface="微软雅黑" panose="020B0503020204020204" pitchFamily="34" charset="-122"/>
+                <a:ea typeface="微软雅黑" panose="020B0503020204020204" pitchFamily="34" charset="-122"/>
+              </a:rPr>
+              <a:t>程序员   </a:t>
+            </a:r>
+            <a:r>
+              <a:rPr lang="en-US" altLang="zh-CN" sz="1350" smtClean="0">
+                <a:solidFill>
+                  <a:srgbClr val="0070C0"/>
+                </a:solidFill>
+                <a:latin typeface="微软雅黑" panose="020B0503020204020204" pitchFamily="34" charset="-122"/>
+                <a:ea typeface="微软雅黑" panose="020B0503020204020204" pitchFamily="34" charset="-122"/>
+              </a:rPr>
+              <a:t>FREE                                </a:t>
+            </a:r>
+            <a:r>
+              <a:rPr lang="zh-CN" altLang="en-US" sz="1350" smtClean="0">
+                <a:solidFill>
+                  <a:srgbClr val="0070C0"/>
+                </a:solidFill>
+                <a:latin typeface="微软雅黑" panose="020B0503020204020204" pitchFamily="34" charset="-122"/>
+                <a:ea typeface="微软雅黑" panose="020B0503020204020204" pitchFamily="34" charset="-122"/>
+              </a:rPr>
+              <a:t>戴尔</a:t>
+            </a:r>
+            <a:r>
+              <a:rPr lang="en-US" altLang="zh-CN" sz="1350" dirty="0">
+                <a:solidFill>
+                  <a:srgbClr val="0070C0"/>
+                </a:solidFill>
+                <a:latin typeface="微软雅黑" panose="020B0503020204020204" pitchFamily="34" charset="-122"/>
+                <a:ea typeface="微软雅黑" panose="020B0503020204020204" pitchFamily="34" charset="-122"/>
+              </a:rPr>
+              <a:t>(NEC17</a:t>
+            </a:r>
+            <a:r>
+              <a:rPr lang="zh-CN" altLang="en-US" sz="1350" dirty="0">
+                <a:solidFill>
+                  <a:srgbClr val="0070C0"/>
+                </a:solidFill>
+                <a:latin typeface="微软雅黑" panose="020B0503020204020204" pitchFamily="34" charset="-122"/>
+                <a:ea typeface="微软雅黑" panose="020B0503020204020204" pitchFamily="34" charset="-122"/>
+              </a:rPr>
+              <a:t>寸</a:t>
+            </a:r>
+            <a:r>
+              <a:rPr lang="en-US" altLang="zh-CN" sz="1350" dirty="0">
+                <a:solidFill>
+                  <a:srgbClr val="0070C0"/>
+                </a:solidFill>
+                <a:latin typeface="微软雅黑" panose="020B0503020204020204" pitchFamily="34" charset="-122"/>
+                <a:ea typeface="微软雅黑" panose="020B0503020204020204" pitchFamily="34" charset="-122"/>
+              </a:rPr>
+              <a:t>)</a:t>
+            </a:r>
+            <a:endParaRPr lang="en-US" altLang="zh-CN" sz="1350" dirty="0">
+              <a:solidFill>
+                <a:srgbClr val="0070C0"/>
+              </a:solidFill>
+              <a:latin typeface="微软雅黑" panose="020B0503020204020204" pitchFamily="34" charset="-122"/>
+              <a:ea typeface="微软雅黑" panose="020B0503020204020204" pitchFamily="34" charset="-122"/>
+            </a:endParaRPr>
+          </a:p>
+          <a:p>
+            <a:pPr marL="525145" lvl="1" indent="-267970">
+              <a:defRPr/>
+            </a:pPr>
+            <a:r>
+              <a:rPr lang="en-US" altLang="zh-CN" sz="1350" dirty="0">
+                <a:solidFill>
+                  <a:srgbClr val="0070C0"/>
+                </a:solidFill>
+                <a:latin typeface="微软雅黑" panose="020B0503020204020204" pitchFamily="34" charset="-122"/>
+                <a:ea typeface="微软雅黑" panose="020B0503020204020204" pitchFamily="34" charset="-122"/>
+              </a:rPr>
+              <a:t> </a:t>
+            </a:r>
+            <a:r>
+              <a:rPr lang="en-US" altLang="zh-CN" sz="1350">
+                <a:solidFill>
+                  <a:srgbClr val="0070C0"/>
+                </a:solidFill>
+                <a:latin typeface="微软雅黑" panose="020B0503020204020204" pitchFamily="34" charset="-122"/>
+                <a:ea typeface="微软雅黑" panose="020B0503020204020204" pitchFamily="34" charset="-122"/>
+              </a:rPr>
+              <a:t>4      </a:t>
+            </a:r>
+            <a:r>
+              <a:rPr lang="zh-CN" altLang="en-US" sz="1350">
+                <a:solidFill>
+                  <a:srgbClr val="0070C0"/>
+                </a:solidFill>
+                <a:latin typeface="微软雅黑" panose="020B0503020204020204" pitchFamily="34" charset="-122"/>
+                <a:ea typeface="微软雅黑" panose="020B0503020204020204" pitchFamily="34" charset="-122"/>
+              </a:rPr>
+              <a:t>刘强东  </a:t>
+            </a:r>
+            <a:r>
+              <a:rPr lang="zh-CN" altLang="en-US" sz="1350" smtClean="0">
+                <a:solidFill>
+                  <a:srgbClr val="0070C0"/>
+                </a:solidFill>
+                <a:latin typeface="微软雅黑" panose="020B0503020204020204" pitchFamily="34" charset="-122"/>
+                <a:ea typeface="微软雅黑" panose="020B0503020204020204" pitchFamily="34" charset="-122"/>
+              </a:rPr>
+              <a:t> </a:t>
+            </a:r>
+            <a:r>
+              <a:rPr lang="en-US" altLang="zh-CN" sz="1350" smtClean="0">
+                <a:solidFill>
+                  <a:srgbClr val="0070C0"/>
+                </a:solidFill>
+                <a:latin typeface="微软雅黑" panose="020B0503020204020204" pitchFamily="34" charset="-122"/>
+                <a:ea typeface="微软雅黑" panose="020B0503020204020204" pitchFamily="34" charset="-122"/>
+              </a:rPr>
+              <a:t>24       7300.0    </a:t>
+            </a:r>
+            <a:r>
+              <a:rPr lang="zh-CN" altLang="en-US" sz="1350" smtClean="0">
+                <a:solidFill>
+                  <a:srgbClr val="0070C0"/>
+                </a:solidFill>
+                <a:latin typeface="微软雅黑" panose="020B0503020204020204" pitchFamily="34" charset="-122"/>
+                <a:ea typeface="微软雅黑" panose="020B0503020204020204" pitchFamily="34" charset="-122"/>
+              </a:rPr>
+              <a:t>程序员   </a:t>
+            </a:r>
+            <a:r>
+              <a:rPr lang="en-US" altLang="zh-CN" sz="1350" smtClean="0">
+                <a:solidFill>
+                  <a:srgbClr val="0070C0"/>
+                </a:solidFill>
+                <a:latin typeface="微软雅黑" panose="020B0503020204020204" pitchFamily="34" charset="-122"/>
+                <a:ea typeface="微软雅黑" panose="020B0503020204020204" pitchFamily="34" charset="-122"/>
+              </a:rPr>
+              <a:t>FREE                                </a:t>
+            </a:r>
+            <a:r>
+              <a:rPr lang="zh-CN" altLang="en-US" sz="1350" smtClean="0">
+                <a:solidFill>
+                  <a:srgbClr val="0070C0"/>
+                </a:solidFill>
+                <a:latin typeface="微软雅黑" panose="020B0503020204020204" pitchFamily="34" charset="-122"/>
+                <a:ea typeface="微软雅黑" panose="020B0503020204020204" pitchFamily="34" charset="-122"/>
+              </a:rPr>
+              <a:t>戴尔</a:t>
+            </a:r>
+            <a:r>
+              <a:rPr lang="en-US" altLang="zh-CN" sz="1350" dirty="0">
+                <a:solidFill>
+                  <a:srgbClr val="0070C0"/>
+                </a:solidFill>
+                <a:latin typeface="微软雅黑" panose="020B0503020204020204" pitchFamily="34" charset="-122"/>
+                <a:ea typeface="微软雅黑" panose="020B0503020204020204" pitchFamily="34" charset="-122"/>
+              </a:rPr>
+              <a:t>(</a:t>
+            </a:r>
+            <a:r>
+              <a:rPr lang="zh-CN" altLang="en-US" sz="1350" dirty="0">
+                <a:solidFill>
+                  <a:srgbClr val="0070C0"/>
+                </a:solidFill>
+                <a:latin typeface="微软雅黑" panose="020B0503020204020204" pitchFamily="34" charset="-122"/>
+                <a:ea typeface="微软雅黑" panose="020B0503020204020204" pitchFamily="34" charset="-122"/>
+              </a:rPr>
+              <a:t>三星 </a:t>
+            </a:r>
+            <a:r>
+              <a:rPr lang="en-US" altLang="zh-CN" sz="1350" dirty="0">
+                <a:solidFill>
+                  <a:srgbClr val="0070C0"/>
+                </a:solidFill>
+                <a:latin typeface="微软雅黑" panose="020B0503020204020204" pitchFamily="34" charset="-122"/>
+                <a:ea typeface="微软雅黑" panose="020B0503020204020204" pitchFamily="34" charset="-122"/>
+              </a:rPr>
+              <a:t>17</a:t>
+            </a:r>
+            <a:r>
+              <a:rPr lang="zh-CN" altLang="en-US" sz="1350" dirty="0">
+                <a:solidFill>
+                  <a:srgbClr val="0070C0"/>
+                </a:solidFill>
+                <a:latin typeface="微软雅黑" panose="020B0503020204020204" pitchFamily="34" charset="-122"/>
+                <a:ea typeface="微软雅黑" panose="020B0503020204020204" pitchFamily="34" charset="-122"/>
+              </a:rPr>
+              <a:t>寸</a:t>
+            </a:r>
+            <a:r>
+              <a:rPr lang="en-US" altLang="zh-CN" sz="1350" dirty="0">
+                <a:solidFill>
+                  <a:srgbClr val="0070C0"/>
+                </a:solidFill>
+                <a:latin typeface="微软雅黑" panose="020B0503020204020204" pitchFamily="34" charset="-122"/>
+                <a:ea typeface="微软雅黑" panose="020B0503020204020204" pitchFamily="34" charset="-122"/>
+              </a:rPr>
+              <a:t>)</a:t>
+            </a:r>
+            <a:endParaRPr lang="en-US" altLang="zh-CN" sz="1350" dirty="0">
+              <a:solidFill>
+                <a:srgbClr val="0070C0"/>
+              </a:solidFill>
+              <a:latin typeface="微软雅黑" panose="020B0503020204020204" pitchFamily="34" charset="-122"/>
+              <a:ea typeface="微软雅黑" panose="020B0503020204020204" pitchFamily="34" charset="-122"/>
+            </a:endParaRPr>
+          </a:p>
+          <a:p>
+            <a:pPr marL="525145" lvl="1" indent="-267970">
+              <a:defRPr/>
+            </a:pPr>
+            <a:r>
+              <a:rPr lang="en-US" altLang="zh-CN" sz="1350" dirty="0">
+                <a:solidFill>
+                  <a:srgbClr val="0070C0"/>
+                </a:solidFill>
+                <a:latin typeface="微软雅黑" panose="020B0503020204020204" pitchFamily="34" charset="-122"/>
+                <a:ea typeface="微软雅黑" panose="020B0503020204020204" pitchFamily="34" charset="-122"/>
+              </a:rPr>
+              <a:t> </a:t>
+            </a:r>
+            <a:r>
+              <a:rPr lang="en-US" altLang="zh-CN" sz="1350">
+                <a:solidFill>
+                  <a:srgbClr val="0070C0"/>
+                </a:solidFill>
+                <a:latin typeface="微软雅黑" panose="020B0503020204020204" pitchFamily="34" charset="-122"/>
+                <a:ea typeface="微软雅黑" panose="020B0503020204020204" pitchFamily="34" charset="-122"/>
+              </a:rPr>
+              <a:t>5      </a:t>
+            </a:r>
+            <a:r>
+              <a:rPr lang="zh-CN" altLang="en-US" sz="1350">
+                <a:solidFill>
+                  <a:srgbClr val="0070C0"/>
+                </a:solidFill>
+                <a:latin typeface="微软雅黑" panose="020B0503020204020204" pitchFamily="34" charset="-122"/>
+                <a:ea typeface="微软雅黑" panose="020B0503020204020204" pitchFamily="34" charset="-122"/>
+              </a:rPr>
+              <a:t>雷军      </a:t>
+            </a:r>
+            <a:r>
+              <a:rPr lang="en-US" altLang="zh-CN" sz="1350">
+                <a:solidFill>
+                  <a:srgbClr val="0070C0"/>
+                </a:solidFill>
+                <a:latin typeface="微软雅黑" panose="020B0503020204020204" pitchFamily="34" charset="-122"/>
+                <a:ea typeface="微软雅黑" panose="020B0503020204020204" pitchFamily="34" charset="-122"/>
+              </a:rPr>
+              <a:t>28       </a:t>
+            </a:r>
+            <a:r>
+              <a:rPr lang="en-US" altLang="zh-CN" sz="1350" smtClean="0">
+                <a:solidFill>
+                  <a:srgbClr val="0070C0"/>
+                </a:solidFill>
+                <a:latin typeface="微软雅黑" panose="020B0503020204020204" pitchFamily="34" charset="-122"/>
+                <a:ea typeface="微软雅黑" panose="020B0503020204020204" pitchFamily="34" charset="-122"/>
+              </a:rPr>
+              <a:t>10000.0  </a:t>
+            </a:r>
+            <a:r>
+              <a:rPr lang="zh-CN" altLang="en-US" sz="1350" smtClean="0">
+                <a:solidFill>
+                  <a:srgbClr val="0070C0"/>
+                </a:solidFill>
+                <a:latin typeface="微软雅黑" panose="020B0503020204020204" pitchFamily="34" charset="-122"/>
+                <a:ea typeface="微软雅黑" panose="020B0503020204020204" pitchFamily="34" charset="-122"/>
+              </a:rPr>
+              <a:t>设计师   </a:t>
+            </a:r>
+            <a:r>
+              <a:rPr lang="en-US" altLang="zh-CN" sz="1350" smtClean="0">
+                <a:solidFill>
+                  <a:srgbClr val="0070C0"/>
+                </a:solidFill>
+                <a:latin typeface="微软雅黑" panose="020B0503020204020204" pitchFamily="34" charset="-122"/>
+                <a:ea typeface="微软雅黑" panose="020B0503020204020204" pitchFamily="34" charset="-122"/>
+              </a:rPr>
+              <a:t>FREE    </a:t>
+            </a:r>
+            <a:r>
+              <a:rPr lang="en-US" altLang="zh-CN" sz="1350">
+                <a:solidFill>
+                  <a:srgbClr val="0070C0"/>
+                </a:solidFill>
+                <a:latin typeface="微软雅黑" panose="020B0503020204020204" pitchFamily="34" charset="-122"/>
+                <a:ea typeface="微软雅黑" panose="020B0503020204020204" pitchFamily="34" charset="-122"/>
+              </a:rPr>
+              <a:t>5000.0                </a:t>
+            </a:r>
+            <a:r>
+              <a:rPr lang="en-US" altLang="zh-CN" sz="1350" smtClean="0">
+                <a:solidFill>
+                  <a:srgbClr val="0070C0"/>
+                </a:solidFill>
+                <a:latin typeface="微软雅黑" panose="020B0503020204020204" pitchFamily="34" charset="-122"/>
+                <a:ea typeface="微软雅黑" panose="020B0503020204020204" pitchFamily="34" charset="-122"/>
+              </a:rPr>
+              <a:t> </a:t>
+            </a:r>
+            <a:r>
+              <a:rPr lang="zh-CN" altLang="en-US" sz="1350" smtClean="0">
+                <a:solidFill>
+                  <a:srgbClr val="0070C0"/>
+                </a:solidFill>
+                <a:latin typeface="微软雅黑" panose="020B0503020204020204" pitchFamily="34" charset="-122"/>
+                <a:ea typeface="微软雅黑" panose="020B0503020204020204" pitchFamily="34" charset="-122"/>
+              </a:rPr>
+              <a:t>佳能 </a:t>
+            </a:r>
+            <a:r>
+              <a:rPr lang="en-US" altLang="zh-CN" sz="1350" dirty="0">
+                <a:solidFill>
+                  <a:srgbClr val="0070C0"/>
+                </a:solidFill>
+                <a:latin typeface="微软雅黑" panose="020B0503020204020204" pitchFamily="34" charset="-122"/>
+                <a:ea typeface="微软雅黑" panose="020B0503020204020204" pitchFamily="34" charset="-122"/>
+              </a:rPr>
+              <a:t>2900(</a:t>
+            </a:r>
+            <a:r>
+              <a:rPr lang="zh-CN" altLang="en-US" sz="1350" dirty="0">
+                <a:solidFill>
+                  <a:srgbClr val="0070C0"/>
+                </a:solidFill>
+                <a:latin typeface="微软雅黑" panose="020B0503020204020204" pitchFamily="34" charset="-122"/>
+                <a:ea typeface="微软雅黑" panose="020B0503020204020204" pitchFamily="34" charset="-122"/>
+              </a:rPr>
+              <a:t>激光</a:t>
+            </a:r>
+            <a:r>
+              <a:rPr lang="en-US" altLang="zh-CN" sz="1350" dirty="0">
+                <a:solidFill>
+                  <a:srgbClr val="0070C0"/>
+                </a:solidFill>
+                <a:latin typeface="微软雅黑" panose="020B0503020204020204" pitchFamily="34" charset="-122"/>
+                <a:ea typeface="微软雅黑" panose="020B0503020204020204" pitchFamily="34" charset="-122"/>
+              </a:rPr>
+              <a:t>)</a:t>
+            </a:r>
+            <a:endParaRPr lang="en-US" altLang="zh-CN" sz="1350" dirty="0">
+              <a:solidFill>
+                <a:srgbClr val="0070C0"/>
+              </a:solidFill>
+              <a:latin typeface="微软雅黑" panose="020B0503020204020204" pitchFamily="34" charset="-122"/>
+              <a:ea typeface="微软雅黑" panose="020B0503020204020204" pitchFamily="34" charset="-122"/>
+            </a:endParaRPr>
+          </a:p>
+          <a:p>
+            <a:pPr marL="525145" lvl="1" indent="-267970">
+              <a:defRPr/>
+            </a:pPr>
+            <a:r>
+              <a:rPr lang="en-US" altLang="zh-CN" sz="1350" dirty="0">
+                <a:solidFill>
+                  <a:srgbClr val="0070C0"/>
+                </a:solidFill>
+                <a:latin typeface="微软雅黑" panose="020B0503020204020204" pitchFamily="34" charset="-122"/>
+                <a:ea typeface="微软雅黑" panose="020B0503020204020204" pitchFamily="34" charset="-122"/>
+              </a:rPr>
+              <a:t> ……</a:t>
+            </a:r>
+            <a:endParaRPr lang="en-US" altLang="zh-CN" sz="1350" dirty="0">
+              <a:solidFill>
+                <a:srgbClr val="0070C0"/>
+              </a:solidFill>
+              <a:latin typeface="微软雅黑" panose="020B0503020204020204" pitchFamily="34" charset="-122"/>
+              <a:ea typeface="微软雅黑" panose="020B0503020204020204" pitchFamily="34" charset="-122"/>
+            </a:endParaRPr>
+          </a:p>
+          <a:p>
+            <a:pPr marL="525145" lvl="1" indent="-267970">
+              <a:defRPr/>
+            </a:pPr>
+            <a:r>
+              <a:rPr lang="en-US" altLang="zh-CN" sz="1350" smtClean="0">
+                <a:solidFill>
+                  <a:srgbClr val="0070C0"/>
+                </a:solidFill>
+                <a:latin typeface="微软雅黑" panose="020B0503020204020204" pitchFamily="34" charset="-122"/>
+                <a:ea typeface="微软雅黑" panose="020B0503020204020204" pitchFamily="34" charset="-122"/>
+              </a:rPr>
+              <a:t>----------------------------------------------------------------------------------------------</a:t>
+            </a:r>
+            <a:endParaRPr lang="en-US" altLang="zh-CN" sz="1350" dirty="0">
+              <a:solidFill>
+                <a:srgbClr val="0070C0"/>
+              </a:solidFill>
+              <a:latin typeface="微软雅黑" panose="020B0503020204020204" pitchFamily="34" charset="-122"/>
+              <a:ea typeface="微软雅黑" panose="020B0503020204020204" pitchFamily="34" charset="-122"/>
+            </a:endParaRPr>
+          </a:p>
+          <a:p>
+            <a:pPr marL="525145" lvl="1" indent="-267970">
+              <a:defRPr/>
+            </a:pPr>
+            <a:r>
+              <a:rPr lang="en-US" altLang="zh-CN" sz="1350" dirty="0">
+                <a:solidFill>
+                  <a:srgbClr val="0070C0"/>
+                </a:solidFill>
+                <a:latin typeface="微软雅黑" panose="020B0503020204020204" pitchFamily="34" charset="-122"/>
+                <a:ea typeface="微软雅黑" panose="020B0503020204020204" pitchFamily="34" charset="-122"/>
+              </a:rPr>
               <a:t>1-</a:t>
             </a:r>
             <a:r>
@@ -14562,15 +14646,17 @@
               </a:rPr>
               <a:t>_</a:t>
             </a:r>
+            <a:endParaRPr lang="en-US" altLang="zh-CN" sz="1350" dirty="0">
+              <a:solidFill>
+                <a:srgbClr val="0070C0"/>
+              </a:solidFill>
+              <a:latin typeface="微软雅黑" panose="020B0503020204020204" pitchFamily="34" charset="-122"/>
+              <a:ea typeface="微软雅黑" panose="020B0503020204020204" pitchFamily="34" charset="-122"/>
+            </a:endParaRPr>
           </a:p>
         </p:txBody>
       </p:sp>
     </p:spTree>
-    <p:extLst>
-      <p:ext uri="{BB962C8B-B14F-4D97-AF65-F5344CB8AC3E}">
-        <p14:creationId xmlns:p14="http://schemas.microsoft.com/office/powerpoint/2010/main" val="373611904"/>
-      </p:ext>
-    </p:extLst>
   </p:cSld>
   <p:clrMapOvr>
     <a:masterClrMapping/>
@@ -14627,12 +14713,17 @@
             <a:pPr algn="ctr"/>
             <a:r>
               <a:rPr lang="zh-CN" altLang="en-US" sz="2400" b="1" dirty="0">
-                <a:latin typeface="Times New Roman" pitchFamily="18" charset="0"/>
+                <a:latin typeface="Times New Roman" panose="02020603050405020304" pitchFamily="18" charset="0"/>
                 <a:ea typeface="新宋体" panose="02010609030101010101" pitchFamily="49" charset="-122"/>
-                <a:cs typeface="Times New Roman" pitchFamily="18" charset="0"/>
+                <a:cs typeface="Times New Roman" panose="02020603050405020304" pitchFamily="18" charset="0"/>
               </a:rPr>
               <a:t>需求说明</a:t>
             </a:r>
+            <a:endParaRPr lang="zh-CN" altLang="en-US" sz="2400" b="1" dirty="0">
+              <a:latin typeface="Times New Roman" panose="02020603050405020304" pitchFamily="18" charset="0"/>
+              <a:ea typeface="新宋体" panose="02010609030101010101" pitchFamily="49" charset="-122"/>
+              <a:cs typeface="Times New Roman" panose="02020603050405020304" pitchFamily="18" charset="0"/>
+            </a:endParaRPr>
           </a:p>
         </p:txBody>
       </p:sp>
@@ -14657,7 +14748,7 @@
           </a:bodyPr>
           <a:lstStyle/>
           <a:p>
-            <a:pPr indent="-267891" fontAlgn="base" latinLnBrk="1">
+            <a:pPr indent="-267970" fontAlgn="base" latinLnBrk="1">
               <a:spcBef>
                 <a:spcPct val="20000"/>
               </a:spcBef>
@@ -14674,8 +14765,8 @@
                 <a:solidFill>
                   <a:srgbClr val="000000"/>
                 </a:solidFill>
-                <a:latin typeface="Times New Roman"/>
-                <a:ea typeface="宋体" pitchFamily="2" charset="-122"/>
+                <a:latin typeface="Times New Roman" panose="02020603050405020304"/>
+                <a:ea typeface="宋体" panose="02010600030101010101" pitchFamily="2" charset="-122"/>
               </a:rPr>
               <a:t>当选择“</a:t>
             </a:r>
@@ -14684,8 +14775,8 @@
                 <a:solidFill>
                   <a:srgbClr val="C00000"/>
                 </a:solidFill>
-                <a:latin typeface="Times New Roman"/>
-                <a:ea typeface="宋体" pitchFamily="2" charset="-122"/>
+                <a:latin typeface="Times New Roman" panose="02020603050405020304"/>
+                <a:ea typeface="宋体" panose="02010600030101010101" pitchFamily="2" charset="-122"/>
               </a:rPr>
               <a:t>添加团队成员</a:t>
             </a:r>
@@ -14694,8 +14785,8 @@
                 <a:solidFill>
                   <a:srgbClr val="000000"/>
                 </a:solidFill>
-                <a:latin typeface="Times New Roman"/>
-                <a:ea typeface="宋体" pitchFamily="2" charset="-122"/>
+                <a:latin typeface="Times New Roman" panose="02020603050405020304"/>
+                <a:ea typeface="宋体" panose="02010600030101010101" pitchFamily="2" charset="-122"/>
               </a:rPr>
               <a:t>”菜单时，将执行从列表中添加指定（通过</a:t>
             </a:r>
@@ -14704,8 +14795,8 @@
                 <a:solidFill>
                   <a:srgbClr val="000000"/>
                 </a:solidFill>
-                <a:latin typeface="Times New Roman"/>
-                <a:ea typeface="宋体" pitchFamily="2" charset="-122"/>
+                <a:latin typeface="Times New Roman" panose="02020603050405020304"/>
+                <a:ea typeface="宋体" panose="02010600030101010101" pitchFamily="2" charset="-122"/>
               </a:rPr>
               <a:t>ID</a:t>
             </a:r>
@@ -14714,8 +14805,8 @@
                 <a:solidFill>
                   <a:srgbClr val="000000"/>
                 </a:solidFill>
-                <a:latin typeface="Times New Roman"/>
-                <a:ea typeface="宋体" pitchFamily="2" charset="-122"/>
+                <a:latin typeface="Times New Roman" panose="02020603050405020304"/>
+                <a:ea typeface="宋体" panose="02010600030101010101" pitchFamily="2" charset="-122"/>
               </a:rPr>
               <a:t>）成员到</a:t>
             </a:r>
@@ -14724,8 +14815,8 @@
                 <a:solidFill>
                   <a:srgbClr val="000000"/>
                 </a:solidFill>
-                <a:latin typeface="Times New Roman"/>
-                <a:ea typeface="宋体" pitchFamily="2" charset="-122"/>
+                <a:latin typeface="Times New Roman" panose="02020603050405020304"/>
+                <a:ea typeface="宋体" panose="02010600030101010101" pitchFamily="2" charset="-122"/>
               </a:rPr>
               <a:t>开发团队</a:t>
             </a:r>
@@ -14734,8 +14825,8 @@
                 <a:solidFill>
                   <a:srgbClr val="000000"/>
                 </a:solidFill>
-                <a:latin typeface="Times New Roman"/>
-                <a:ea typeface="宋体" pitchFamily="2" charset="-122"/>
+                <a:latin typeface="Times New Roman" panose="02020603050405020304"/>
+                <a:ea typeface="宋体" panose="02010600030101010101" pitchFamily="2" charset="-122"/>
               </a:rPr>
               <a:t>的</a:t>
             </a:r>
@@ -14744,8 +14835,8 @@
                 <a:solidFill>
                   <a:srgbClr val="000000"/>
                 </a:solidFill>
-                <a:latin typeface="Times New Roman"/>
-                <a:ea typeface="宋体" pitchFamily="2" charset="-122"/>
+                <a:latin typeface="Times New Roman" panose="02020603050405020304"/>
+                <a:ea typeface="宋体" panose="02010600030101010101" pitchFamily="2" charset="-122"/>
               </a:rPr>
               <a:t>功能：</a:t>
             </a:r>
@@ -14753,12 +14844,12 @@
               <a:solidFill>
                 <a:srgbClr val="000000"/>
               </a:solidFill>
-              <a:latin typeface="Times New Roman"/>
-              <a:ea typeface="宋体" pitchFamily="2" charset="-122"/>
-            </a:endParaRPr>
-          </a:p>
-          <a:p>
-            <a:pPr marL="525066" lvl="1" indent="-267891" fontAlgn="base" latinLnBrk="1">
+              <a:latin typeface="Times New Roman" panose="02020603050405020304"/>
+              <a:ea typeface="宋体" panose="02010600030101010101" pitchFamily="2" charset="-122"/>
+            </a:endParaRPr>
+          </a:p>
+          <a:p>
+            <a:pPr marL="525145" lvl="1" indent="-267970" fontAlgn="base" latinLnBrk="1">
               <a:spcBef>
                 <a:spcPct val="20000"/>
               </a:spcBef>
@@ -14774,12 +14865,12 @@
               <a:solidFill>
                 <a:srgbClr val="0070C0"/>
               </a:solidFill>
-              <a:latin typeface="GungsuhChe" pitchFamily="49" charset="-127"/>
-              <a:ea typeface="GungsuhChe" pitchFamily="49" charset="-127"/>
-            </a:endParaRPr>
-          </a:p>
-          <a:p>
-            <a:pPr marL="525066" lvl="1" indent="-267891" fontAlgn="base" latinLnBrk="1">
+              <a:latin typeface="GungsuhChe" panose="02030609000101010101" pitchFamily="49" charset="-127"/>
+              <a:ea typeface="GungsuhChe" panose="02030609000101010101" pitchFamily="49" charset="-127"/>
+            </a:endParaRPr>
+          </a:p>
+          <a:p>
+            <a:pPr marL="525145" lvl="1" indent="-267970" fontAlgn="base" latinLnBrk="1">
               <a:spcBef>
                 <a:spcPct val="20000"/>
               </a:spcBef>
@@ -14911,9 +15002,16 @@
               </a:rPr>
               <a:t>2</a:t>
             </a:r>
-          </a:p>
-          <a:p>
-            <a:pPr marL="525066" lvl="1" indent="-267891" fontAlgn="base" latinLnBrk="1">
+            <a:endParaRPr kumimoji="1" lang="en-US" altLang="zh-CN" sz="1200" kern="0" dirty="0">
+              <a:solidFill>
+                <a:srgbClr val="0070C0"/>
+              </a:solidFill>
+              <a:latin typeface="微软雅黑" panose="020B0503020204020204" pitchFamily="34" charset="-122"/>
+              <a:ea typeface="微软雅黑" panose="020B0503020204020204" pitchFamily="34" charset="-122"/>
+            </a:endParaRPr>
+          </a:p>
+          <a:p>
+            <a:pPr marL="525145" lvl="1" indent="-267970" fontAlgn="base" latinLnBrk="1">
               <a:spcBef>
                 <a:spcPct val="20000"/>
               </a:spcBef>
@@ -14934,7 +15032,7 @@
             </a:endParaRPr>
           </a:p>
           <a:p>
-            <a:pPr marL="525066" lvl="1" indent="-267891" fontAlgn="base" latinLnBrk="1">
+            <a:pPr marL="525145" lvl="1" indent="-267970" fontAlgn="base" latinLnBrk="1">
               <a:spcBef>
                 <a:spcPct val="20000"/>
               </a:spcBef>
@@ -14976,9 +15074,16 @@
               </a:rPr>
               <a:t>---------------------</a:t>
             </a:r>
-          </a:p>
-          <a:p>
-            <a:pPr marL="525066" lvl="1" indent="-267891" fontAlgn="base" latinLnBrk="1">
+            <a:endParaRPr kumimoji="1" lang="en-US" altLang="zh-CN" sz="1200" kern="0" dirty="0">
+              <a:solidFill>
+                <a:srgbClr val="0070C0"/>
+              </a:solidFill>
+              <a:latin typeface="微软雅黑" panose="020B0503020204020204" pitchFamily="34" charset="-122"/>
+              <a:ea typeface="微软雅黑" panose="020B0503020204020204" pitchFamily="34" charset="-122"/>
+            </a:endParaRPr>
+          </a:p>
+          <a:p>
+            <a:pPr marL="525145" lvl="1" indent="-267970" fontAlgn="base" latinLnBrk="1">
               <a:spcBef>
                 <a:spcPct val="20000"/>
               </a:spcBef>
@@ -15030,9 +15135,16 @@
               </a:rPr>
               <a:t>2</a:t>
             </a:r>
-          </a:p>
-          <a:p>
-            <a:pPr marL="525066" lvl="1" indent="-267891" fontAlgn="base" latinLnBrk="1">
+            <a:endParaRPr kumimoji="1" lang="en-US" altLang="zh-CN" sz="1200" kern="0" dirty="0">
+              <a:solidFill>
+                <a:srgbClr val="0070C0"/>
+              </a:solidFill>
+              <a:latin typeface="微软雅黑" panose="020B0503020204020204" pitchFamily="34" charset="-122"/>
+              <a:ea typeface="微软雅黑" panose="020B0503020204020204" pitchFamily="34" charset="-122"/>
+            </a:endParaRPr>
+          </a:p>
+          <a:p>
+            <a:pPr marL="525145" lvl="1" indent="-267970" fontAlgn="base" latinLnBrk="1">
               <a:spcBef>
                 <a:spcPct val="20000"/>
               </a:spcBef>
@@ -15054,9 +15166,16 @@
               </a:rPr>
               <a:t>添加成功</a:t>
             </a:r>
-          </a:p>
-          <a:p>
-            <a:pPr marL="525066" lvl="1" indent="-267891" fontAlgn="base" latinLnBrk="1">
+            <a:endParaRPr kumimoji="1" lang="zh-CN" altLang="en-US" sz="1200" kern="0" dirty="0">
+              <a:solidFill>
+                <a:srgbClr val="0070C0"/>
+              </a:solidFill>
+              <a:latin typeface="微软雅黑" panose="020B0503020204020204" pitchFamily="34" charset="-122"/>
+              <a:ea typeface="微软雅黑" panose="020B0503020204020204" pitchFamily="34" charset="-122"/>
+            </a:endParaRPr>
+          </a:p>
+          <a:p>
+            <a:pPr marL="525145" lvl="1" indent="-267970" fontAlgn="base" latinLnBrk="1">
               <a:spcBef>
                 <a:spcPct val="20000"/>
               </a:spcBef>
@@ -15088,9 +15207,16 @@
               </a:rPr>
               <a:t>...</a:t>
             </a:r>
-          </a:p>
-          <a:p>
-            <a:pPr marL="525066" lvl="1" indent="-267891" fontAlgn="base" latinLnBrk="1">
+            <a:endParaRPr kumimoji="1" lang="en-US" altLang="zh-CN" sz="1200" kern="0" dirty="0">
+              <a:solidFill>
+                <a:srgbClr val="0070C0"/>
+              </a:solidFill>
+              <a:latin typeface="微软雅黑" panose="020B0503020204020204" pitchFamily="34" charset="-122"/>
+              <a:ea typeface="微软雅黑" panose="020B0503020204020204" pitchFamily="34" charset="-122"/>
+            </a:endParaRPr>
+          </a:p>
+          <a:p>
+            <a:pPr marL="525145" lvl="1" indent="-267970" fontAlgn="base" latinLnBrk="1">
               <a:spcBef>
                 <a:spcPct val="20000"/>
               </a:spcBef>
@@ -15106,12 +15232,12 @@
               <a:solidFill>
                 <a:srgbClr val="0070C0"/>
               </a:solidFill>
-              <a:latin typeface="GungsuhChe" pitchFamily="49" charset="-127"/>
-              <a:ea typeface="GungsuhChe" pitchFamily="49" charset="-127"/>
-            </a:endParaRPr>
-          </a:p>
-          <a:p>
-            <a:pPr marL="267891" indent="-267891" fontAlgn="base" latinLnBrk="1">
+              <a:latin typeface="GungsuhChe" panose="02030609000101010101" pitchFamily="49" charset="-127"/>
+              <a:ea typeface="GungsuhChe" panose="02030609000101010101" pitchFamily="49" charset="-127"/>
+            </a:endParaRPr>
+          </a:p>
+          <a:p>
+            <a:pPr marL="267970" indent="-267970" fontAlgn="base" latinLnBrk="1">
               <a:spcBef>
                 <a:spcPct val="20000"/>
               </a:spcBef>
@@ -15128,8 +15254,8 @@
                 <a:solidFill>
                   <a:srgbClr val="000000"/>
                 </a:solidFill>
-                <a:latin typeface="Times New Roman"/>
-                <a:ea typeface="宋体" pitchFamily="2" charset="-122"/>
+                <a:latin typeface="Times New Roman" panose="02020603050405020304"/>
+                <a:ea typeface="宋体" panose="02010600030101010101" pitchFamily="2" charset="-122"/>
               </a:rPr>
               <a:t>添加成功后，按回车键将重新显示主界面。</a:t>
             </a:r>
@@ -15137,12 +15263,12 @@
               <a:solidFill>
                 <a:srgbClr val="000000"/>
               </a:solidFill>
-              <a:latin typeface="Times New Roman"/>
-              <a:ea typeface="宋体" pitchFamily="2" charset="-122"/>
-            </a:endParaRPr>
-          </a:p>
-          <a:p>
-            <a:pPr marL="267891" indent="-267891" fontAlgn="base" latinLnBrk="1">
+              <a:latin typeface="Times New Roman" panose="02020603050405020304"/>
+              <a:ea typeface="宋体" panose="02010600030101010101" pitchFamily="2" charset="-122"/>
+            </a:endParaRPr>
+          </a:p>
+          <a:p>
+            <a:pPr marL="267970" indent="-267970" fontAlgn="base" latinLnBrk="1">
               <a:spcBef>
                 <a:spcPct val="20000"/>
               </a:spcBef>
@@ -15159,8 +15285,8 @@
                 <a:solidFill>
                   <a:srgbClr val="0066FF"/>
                 </a:solidFill>
-                <a:latin typeface="Times New Roman"/>
-                <a:ea typeface="宋体" pitchFamily="2" charset="-122"/>
+                <a:latin typeface="Times New Roman" panose="02020603050405020304"/>
+                <a:ea typeface="宋体" panose="02010600030101010101" pitchFamily="2" charset="-122"/>
               </a:rPr>
               <a:t>开发团队人员组成要求：</a:t>
             </a:r>
@@ -15168,12 +15294,12 @@
               <a:solidFill>
                 <a:srgbClr val="0066FF"/>
               </a:solidFill>
-              <a:latin typeface="Times New Roman"/>
-              <a:ea typeface="宋体" pitchFamily="2" charset="-122"/>
-            </a:endParaRPr>
-          </a:p>
-          <a:p>
-            <a:pPr marL="525066" lvl="1" indent="-267891" fontAlgn="base" latinLnBrk="1">
+              <a:latin typeface="Times New Roman" panose="02020603050405020304"/>
+              <a:ea typeface="宋体" panose="02010600030101010101" pitchFamily="2" charset="-122"/>
+            </a:endParaRPr>
+          </a:p>
+          <a:p>
+            <a:pPr marL="525145" lvl="1" indent="-267970" fontAlgn="base" latinLnBrk="1">
               <a:spcBef>
                 <a:spcPct val="20000"/>
               </a:spcBef>
@@ -15192,14 +15318,21 @@
                 <a:solidFill>
                   <a:srgbClr val="0066FF"/>
                 </a:solidFill>
-                <a:latin typeface="Times New Roman"/>
-                <a:ea typeface="宋体" pitchFamily="2" charset="-122"/>
+                <a:latin typeface="Times New Roman" panose="02020603050405020304"/>
+                <a:ea typeface="宋体" panose="02010600030101010101" pitchFamily="2" charset="-122"/>
               </a:rPr>
               <a:t>最多一名架构师</a:t>
             </a:r>
-          </a:p>
-          <a:p>
-            <a:pPr marL="525066" lvl="1" indent="-267891" fontAlgn="base" latinLnBrk="1">
+            <a:endParaRPr kumimoji="1" lang="zh-CN" altLang="en-US" sz="1500" kern="0" dirty="0">
+              <a:solidFill>
+                <a:srgbClr val="0066FF"/>
+              </a:solidFill>
+              <a:latin typeface="Times New Roman" panose="02020603050405020304"/>
+              <a:ea typeface="宋体" panose="02010600030101010101" pitchFamily="2" charset="-122"/>
+            </a:endParaRPr>
+          </a:p>
+          <a:p>
+            <a:pPr marL="525145" lvl="1" indent="-267970" fontAlgn="base" latinLnBrk="1">
               <a:spcBef>
                 <a:spcPct val="20000"/>
               </a:spcBef>
@@ -15218,14 +15351,21 @@
                 <a:solidFill>
                   <a:srgbClr val="0066FF"/>
                 </a:solidFill>
-                <a:latin typeface="Times New Roman"/>
-                <a:ea typeface="宋体" pitchFamily="2" charset="-122"/>
+                <a:latin typeface="Times New Roman" panose="02020603050405020304"/>
+                <a:ea typeface="宋体" panose="02010600030101010101" pitchFamily="2" charset="-122"/>
               </a:rPr>
               <a:t>最多两名设计师</a:t>
             </a:r>
-          </a:p>
-          <a:p>
-            <a:pPr marL="525066" lvl="1" indent="-267891" fontAlgn="base" latinLnBrk="1">
+            <a:endParaRPr kumimoji="1" lang="zh-CN" altLang="en-US" sz="1500" kern="0" dirty="0">
+              <a:solidFill>
+                <a:srgbClr val="0066FF"/>
+              </a:solidFill>
+              <a:latin typeface="Times New Roman" panose="02020603050405020304"/>
+              <a:ea typeface="宋体" panose="02010600030101010101" pitchFamily="2" charset="-122"/>
+            </a:endParaRPr>
+          </a:p>
+          <a:p>
+            <a:pPr marL="525145" lvl="1" indent="-267970" fontAlgn="base" latinLnBrk="1">
               <a:spcBef>
                 <a:spcPct val="20000"/>
               </a:spcBef>
@@ -15244,8 +15384,8 @@
                 <a:solidFill>
                   <a:srgbClr val="0066FF"/>
                 </a:solidFill>
-                <a:latin typeface="Times New Roman"/>
-                <a:ea typeface="宋体" pitchFamily="2" charset="-122"/>
+                <a:latin typeface="Times New Roman" panose="02020603050405020304"/>
+                <a:ea typeface="宋体" panose="02010600030101010101" pitchFamily="2" charset="-122"/>
               </a:rPr>
               <a:t>最多三名程序员</a:t>
             </a:r>
@@ -15253,18 +15393,13 @@
               <a:solidFill>
                 <a:srgbClr val="0066FF"/>
               </a:solidFill>
-              <a:latin typeface="Times New Roman"/>
-              <a:ea typeface="宋体" pitchFamily="2" charset="-122"/>
+              <a:latin typeface="Times New Roman" panose="02020603050405020304"/>
+              <a:ea typeface="宋体" panose="02010600030101010101" pitchFamily="2" charset="-122"/>
             </a:endParaRPr>
           </a:p>
         </p:txBody>
       </p:sp>
     </p:spTree>
-    <p:extLst>
-      <p:ext uri="{BB962C8B-B14F-4D97-AF65-F5344CB8AC3E}">
-        <p14:creationId xmlns:p14="http://schemas.microsoft.com/office/powerpoint/2010/main" val="379342946"/>
-      </p:ext>
-    </p:extLst>
   </p:cSld>
   <p:clrMapOvr>
     <a:masterClrMapping/>
@@ -15321,12 +15456,17 @@
             <a:pPr algn="ctr"/>
             <a:r>
               <a:rPr lang="zh-CN" altLang="en-US" sz="2400" b="1" dirty="0">
-                <a:latin typeface="Times New Roman" pitchFamily="18" charset="0"/>
+                <a:latin typeface="Times New Roman" panose="02020603050405020304" pitchFamily="18" charset="0"/>
                 <a:ea typeface="新宋体" panose="02010609030101010101" pitchFamily="49" charset="-122"/>
-                <a:cs typeface="Times New Roman" pitchFamily="18" charset="0"/>
+                <a:cs typeface="Times New Roman" panose="02020603050405020304" pitchFamily="18" charset="0"/>
               </a:rPr>
               <a:t>需求说明</a:t>
             </a:r>
+            <a:endParaRPr lang="zh-CN" altLang="en-US" sz="2400" b="1" dirty="0">
+              <a:latin typeface="Times New Roman" panose="02020603050405020304" pitchFamily="18" charset="0"/>
+              <a:ea typeface="新宋体" panose="02010609030101010101" pitchFamily="49" charset="-122"/>
+              <a:cs typeface="Times New Roman" panose="02020603050405020304" pitchFamily="18" charset="0"/>
+            </a:endParaRPr>
           </a:p>
         </p:txBody>
       </p:sp>
@@ -15351,7 +15491,7 @@
           </a:bodyPr>
           <a:lstStyle/>
           <a:p>
-            <a:pPr marL="267891" indent="-267891" fontAlgn="base" latinLnBrk="1">
+            <a:pPr marL="267970" indent="-267970" fontAlgn="base" latinLnBrk="1">
               <a:spcBef>
                 <a:spcPct val="20000"/>
               </a:spcBef>
@@ -15368,8 +15508,8 @@
                 <a:solidFill>
                   <a:srgbClr val="000000"/>
                 </a:solidFill>
-                <a:latin typeface="Times New Roman"/>
-                <a:ea typeface="宋体" pitchFamily="2" charset="-122"/>
+                <a:latin typeface="Times New Roman" panose="02020603050405020304"/>
+                <a:ea typeface="宋体" panose="02010600030101010101" pitchFamily="2" charset="-122"/>
               </a:rPr>
               <a:t>	</a:t>
             </a:r>
@@ -15378,8 +15518,8 @@
                 <a:solidFill>
                   <a:srgbClr val="000000"/>
                 </a:solidFill>
-                <a:latin typeface="Times New Roman"/>
-                <a:ea typeface="宋体" pitchFamily="2" charset="-122"/>
+                <a:latin typeface="Times New Roman" panose="02020603050405020304"/>
+                <a:ea typeface="宋体" panose="02010600030101010101" pitchFamily="2" charset="-122"/>
               </a:rPr>
               <a:t>如果添加操作因某种原因失败，将显示类似以下信息（失败原因视具体原因而不同）：</a:t>
             </a:r>
@@ -15387,12 +15527,12 @@
               <a:solidFill>
                 <a:srgbClr val="000000"/>
               </a:solidFill>
-              <a:latin typeface="Times New Roman"/>
-              <a:ea typeface="宋体" pitchFamily="2" charset="-122"/>
-            </a:endParaRPr>
-          </a:p>
-          <a:p>
-            <a:pPr marL="525066" lvl="1" indent="-267891" fontAlgn="base" latinLnBrk="1">
+              <a:latin typeface="Times New Roman" panose="02020603050405020304"/>
+              <a:ea typeface="宋体" panose="02010600030101010101" pitchFamily="2" charset="-122"/>
+            </a:endParaRPr>
+          </a:p>
+          <a:p>
+            <a:pPr marL="525145" lvl="1" indent="-267970" fontAlgn="base" latinLnBrk="1">
               <a:spcBef>
                 <a:spcPct val="20000"/>
               </a:spcBef>
@@ -15514,9 +15654,16 @@
               </a:rPr>
               <a:t>2</a:t>
             </a:r>
-          </a:p>
-          <a:p>
-            <a:pPr marL="525066" lvl="1" indent="-267891" fontAlgn="base" latinLnBrk="1">
+            <a:endParaRPr kumimoji="1" lang="en-US" altLang="zh-CN" sz="1125" kern="0" dirty="0">
+              <a:solidFill>
+                <a:srgbClr val="0070C0"/>
+              </a:solidFill>
+              <a:latin typeface="微软雅黑" panose="020B0503020204020204" pitchFamily="34" charset="-122"/>
+              <a:ea typeface="微软雅黑" panose="020B0503020204020204" pitchFamily="34" charset="-122"/>
+            </a:endParaRPr>
+          </a:p>
+          <a:p>
+            <a:pPr marL="525145" lvl="1" indent="-267970" fontAlgn="base" latinLnBrk="1">
               <a:spcBef>
                 <a:spcPct val="20000"/>
               </a:spcBef>
@@ -15537,7 +15684,7 @@
             </a:endParaRPr>
           </a:p>
           <a:p>
-            <a:pPr marL="525066" lvl="1" indent="-267891" fontAlgn="base" latinLnBrk="1">
+            <a:pPr marL="525145" lvl="1" indent="-267970" fontAlgn="base" latinLnBrk="1">
               <a:spcBef>
                 <a:spcPct val="20000"/>
               </a:spcBef>
@@ -15579,9 +15726,16 @@
               </a:rPr>
               <a:t>---------------------</a:t>
             </a:r>
-          </a:p>
-          <a:p>
-            <a:pPr marL="525066" lvl="1" indent="-267891" fontAlgn="base" latinLnBrk="1">
+            <a:endParaRPr kumimoji="1" lang="en-US" altLang="zh-CN" sz="1125" kern="0" dirty="0">
+              <a:solidFill>
+                <a:srgbClr val="0070C0"/>
+              </a:solidFill>
+              <a:latin typeface="微软雅黑" panose="020B0503020204020204" pitchFamily="34" charset="-122"/>
+              <a:ea typeface="微软雅黑" panose="020B0503020204020204" pitchFamily="34" charset="-122"/>
+            </a:endParaRPr>
+          </a:p>
+          <a:p>
+            <a:pPr marL="525145" lvl="1" indent="-267970" fontAlgn="base" latinLnBrk="1">
               <a:spcBef>
                 <a:spcPct val="20000"/>
               </a:spcBef>
@@ -15633,9 +15787,16 @@
               </a:rPr>
               <a:t>2</a:t>
             </a:r>
-          </a:p>
-          <a:p>
-            <a:pPr marL="525066" lvl="1" indent="-267891" fontAlgn="base" latinLnBrk="1">
+            <a:endParaRPr kumimoji="1" lang="en-US" altLang="zh-CN" sz="1125" kern="0" dirty="0">
+              <a:solidFill>
+                <a:srgbClr val="0070C0"/>
+              </a:solidFill>
+              <a:latin typeface="微软雅黑" panose="020B0503020204020204" pitchFamily="34" charset="-122"/>
+              <a:ea typeface="微软雅黑" panose="020B0503020204020204" pitchFamily="34" charset="-122"/>
+            </a:endParaRPr>
+          </a:p>
+          <a:p>
+            <a:pPr marL="525145" lvl="1" indent="-267970" fontAlgn="base" latinLnBrk="1">
               <a:spcBef>
                 <a:spcPct val="20000"/>
               </a:spcBef>
@@ -15677,9 +15838,16 @@
               </a:rPr>
               <a:t>成员</a:t>
             </a:r>
-          </a:p>
-          <a:p>
-            <a:pPr marL="525066" lvl="1" indent="-267891" fontAlgn="base" latinLnBrk="1">
+            <a:endParaRPr kumimoji="1" lang="zh-CN" altLang="en-US" sz="1125" kern="0" dirty="0">
+              <a:solidFill>
+                <a:srgbClr val="0070C0"/>
+              </a:solidFill>
+              <a:latin typeface="微软雅黑" panose="020B0503020204020204" pitchFamily="34" charset="-122"/>
+              <a:ea typeface="微软雅黑" panose="020B0503020204020204" pitchFamily="34" charset="-122"/>
+            </a:endParaRPr>
+          </a:p>
+          <a:p>
+            <a:pPr marL="525145" lvl="1" indent="-267970" fontAlgn="base" latinLnBrk="1">
               <a:spcBef>
                 <a:spcPct val="20000"/>
               </a:spcBef>
@@ -15711,9 +15879,16 @@
               </a:rPr>
               <a:t>...</a:t>
             </a:r>
-          </a:p>
-          <a:p>
-            <a:pPr marL="267891" indent="-267891" fontAlgn="base" latinLnBrk="1">
+            <a:endParaRPr kumimoji="1" lang="en-US" altLang="zh-CN" sz="1125" kern="0" dirty="0">
+              <a:solidFill>
+                <a:srgbClr val="0070C0"/>
+              </a:solidFill>
+              <a:latin typeface="微软雅黑" panose="020B0503020204020204" pitchFamily="34" charset="-122"/>
+              <a:ea typeface="微软雅黑" panose="020B0503020204020204" pitchFamily="34" charset="-122"/>
+            </a:endParaRPr>
+          </a:p>
+          <a:p>
+            <a:pPr marL="267970" indent="-267970" fontAlgn="base" latinLnBrk="1">
               <a:spcBef>
                 <a:spcPct val="20000"/>
               </a:spcBef>
@@ -15730,8 +15905,8 @@
                 <a:solidFill>
                   <a:srgbClr val="000000"/>
                 </a:solidFill>
-                <a:latin typeface="Times New Roman"/>
-                <a:ea typeface="宋体" pitchFamily="2" charset="-122"/>
+                <a:latin typeface="Times New Roman" panose="02020603050405020304"/>
+                <a:ea typeface="宋体" panose="02010600030101010101" pitchFamily="2" charset="-122"/>
               </a:rPr>
               <a:t>	</a:t>
             </a:r>
@@ -15740,8 +15915,8 @@
                 <a:solidFill>
                   <a:srgbClr val="FF0000"/>
                 </a:solidFill>
-                <a:latin typeface="Times New Roman"/>
-                <a:ea typeface="宋体" pitchFamily="2" charset="-122"/>
+                <a:latin typeface="Times New Roman" panose="02020603050405020304"/>
+                <a:ea typeface="宋体" panose="02010600030101010101" pitchFamily="2" charset="-122"/>
               </a:rPr>
               <a:t>失败信息包含以下几种：</a:t>
             </a:r>
@@ -15749,12 +15924,12 @@
               <a:solidFill>
                 <a:srgbClr val="FF0000"/>
               </a:solidFill>
-              <a:latin typeface="Times New Roman"/>
-              <a:ea typeface="宋体" pitchFamily="2" charset="-122"/>
-            </a:endParaRPr>
-          </a:p>
-          <a:p>
-            <a:pPr marL="525066" lvl="1" indent="-267891" fontAlgn="base" latinLnBrk="1">
+              <a:latin typeface="Times New Roman" panose="02020603050405020304"/>
+              <a:ea typeface="宋体" panose="02010600030101010101" pitchFamily="2" charset="-122"/>
+            </a:endParaRPr>
+          </a:p>
+          <a:p>
+            <a:pPr marL="525145" lvl="1" indent="-267970" fontAlgn="base" latinLnBrk="1">
               <a:spcBef>
                 <a:spcPct val="20000"/>
               </a:spcBef>
@@ -15773,14 +15948,21 @@
                 <a:solidFill>
                   <a:srgbClr val="FF0000"/>
                 </a:solidFill>
-                <a:latin typeface="Times New Roman"/>
-                <a:ea typeface="宋体" pitchFamily="2" charset="-122"/>
+                <a:latin typeface="Times New Roman" panose="02020603050405020304"/>
+                <a:ea typeface="宋体" panose="02010600030101010101" pitchFamily="2" charset="-122"/>
               </a:rPr>
               <a:t>成员已满，无法添加</a:t>
             </a:r>
-          </a:p>
-          <a:p>
-            <a:pPr marL="525066" lvl="1" indent="-267891" fontAlgn="base" latinLnBrk="1">
+            <a:endParaRPr kumimoji="1" lang="zh-CN" altLang="en-US" sz="1425" kern="0" dirty="0">
+              <a:solidFill>
+                <a:srgbClr val="FF0000"/>
+              </a:solidFill>
+              <a:latin typeface="Times New Roman" panose="02020603050405020304"/>
+              <a:ea typeface="宋体" panose="02010600030101010101" pitchFamily="2" charset="-122"/>
+            </a:endParaRPr>
+          </a:p>
+          <a:p>
+            <a:pPr marL="525145" lvl="1" indent="-267970" fontAlgn="base" latinLnBrk="1">
               <a:spcBef>
                 <a:spcPct val="20000"/>
               </a:spcBef>
@@ -15799,14 +15981,21 @@
                 <a:solidFill>
                   <a:srgbClr val="FF0000"/>
                 </a:solidFill>
-                <a:latin typeface="Times New Roman"/>
-                <a:ea typeface="宋体" pitchFamily="2" charset="-122"/>
+                <a:latin typeface="Times New Roman" panose="02020603050405020304"/>
+                <a:ea typeface="宋体" panose="02010600030101010101" pitchFamily="2" charset="-122"/>
               </a:rPr>
               <a:t>该成员不是开发人员，无法添加</a:t>
             </a:r>
-          </a:p>
-          <a:p>
-            <a:pPr marL="525066" lvl="1" indent="-267891" fontAlgn="base" latinLnBrk="1">
+            <a:endParaRPr kumimoji="1" lang="zh-CN" altLang="en-US" sz="1425" kern="0" dirty="0">
+              <a:solidFill>
+                <a:srgbClr val="FF0000"/>
+              </a:solidFill>
+              <a:latin typeface="Times New Roman" panose="02020603050405020304"/>
+              <a:ea typeface="宋体" panose="02010600030101010101" pitchFamily="2" charset="-122"/>
+            </a:endParaRPr>
+          </a:p>
+          <a:p>
+            <a:pPr marL="525145" lvl="1" indent="-267970" fontAlgn="base" latinLnBrk="1">
               <a:spcBef>
                 <a:spcPct val="20000"/>
               </a:spcBef>
@@ -15825,14 +16014,21 @@
                 <a:solidFill>
                   <a:srgbClr val="FF0000"/>
                 </a:solidFill>
-                <a:latin typeface="Times New Roman"/>
-                <a:ea typeface="宋体" pitchFamily="2" charset="-122"/>
+                <a:latin typeface="Times New Roman" panose="02020603050405020304"/>
+                <a:ea typeface="宋体" panose="02010600030101010101" pitchFamily="2" charset="-122"/>
               </a:rPr>
               <a:t>该员工已在本开发团队中</a:t>
             </a:r>
-          </a:p>
-          <a:p>
-            <a:pPr marL="525066" lvl="1" indent="-267891" fontAlgn="base" latinLnBrk="1">
+            <a:endParaRPr kumimoji="1" lang="zh-CN" altLang="en-US" sz="1425" kern="0">
+              <a:solidFill>
+                <a:srgbClr val="FF0000"/>
+              </a:solidFill>
+              <a:latin typeface="Times New Roman" panose="02020603050405020304"/>
+              <a:ea typeface="宋体" panose="02010600030101010101" pitchFamily="2" charset="-122"/>
+            </a:endParaRPr>
+          </a:p>
+          <a:p>
+            <a:pPr marL="525145" lvl="1" indent="-267970" fontAlgn="base" latinLnBrk="1">
               <a:spcBef>
                 <a:spcPct val="20000"/>
               </a:spcBef>
@@ -15851,8 +16047,8 @@
                 <a:solidFill>
                   <a:srgbClr val="FF0000"/>
                 </a:solidFill>
-                <a:latin typeface="Times New Roman"/>
-                <a:ea typeface="宋体" pitchFamily="2" charset="-122"/>
+                <a:latin typeface="Times New Roman" panose="02020603050405020304"/>
+                <a:ea typeface="宋体" panose="02010600030101010101" pitchFamily="2" charset="-122"/>
               </a:rPr>
               <a:t>该员工已是某团队</a:t>
             </a:r>
@@ -15861,8 +16057,8 @@
                 <a:solidFill>
                   <a:srgbClr val="FF0000"/>
                 </a:solidFill>
-                <a:latin typeface="Times New Roman"/>
-                <a:ea typeface="宋体" pitchFamily="2" charset="-122"/>
+                <a:latin typeface="Times New Roman" panose="02020603050405020304"/>
+                <a:ea typeface="宋体" panose="02010600030101010101" pitchFamily="2" charset="-122"/>
               </a:rPr>
               <a:t>成员 </a:t>
             </a:r>
@@ -15870,12 +16066,12 @@
               <a:solidFill>
                 <a:srgbClr val="FF0000"/>
               </a:solidFill>
-              <a:latin typeface="Times New Roman"/>
-              <a:ea typeface="宋体" pitchFamily="2" charset="-122"/>
-            </a:endParaRPr>
-          </a:p>
-          <a:p>
-            <a:pPr marL="525066" lvl="1" indent="-267891" fontAlgn="base" latinLnBrk="1">
+              <a:latin typeface="Times New Roman" panose="02020603050405020304"/>
+              <a:ea typeface="宋体" panose="02010600030101010101" pitchFamily="2" charset="-122"/>
+            </a:endParaRPr>
+          </a:p>
+          <a:p>
+            <a:pPr marL="525145" lvl="1" indent="-267970" fontAlgn="base" latinLnBrk="1">
               <a:spcBef>
                 <a:spcPct val="20000"/>
               </a:spcBef>
@@ -15894,8 +16090,8 @@
                 <a:solidFill>
                   <a:srgbClr val="FF0000"/>
                 </a:solidFill>
-                <a:latin typeface="Times New Roman"/>
-                <a:ea typeface="宋体" pitchFamily="2" charset="-122"/>
+                <a:latin typeface="Times New Roman" panose="02020603050405020304"/>
+                <a:ea typeface="宋体" panose="02010600030101010101" pitchFamily="2" charset="-122"/>
               </a:rPr>
               <a:t>该员正在休假，无法添加</a:t>
             </a:r>
@@ -15903,12 +16099,12 @@
               <a:solidFill>
                 <a:srgbClr val="FF0000"/>
               </a:solidFill>
-              <a:latin typeface="Times New Roman"/>
-              <a:ea typeface="宋体" pitchFamily="2" charset="-122"/>
-            </a:endParaRPr>
-          </a:p>
-          <a:p>
-            <a:pPr marL="525066" lvl="1" indent="-267891" fontAlgn="base" latinLnBrk="1">
+              <a:latin typeface="Times New Roman" panose="02020603050405020304"/>
+              <a:ea typeface="宋体" panose="02010600030101010101" pitchFamily="2" charset="-122"/>
+            </a:endParaRPr>
+          </a:p>
+          <a:p>
+            <a:pPr marL="525145" lvl="1" indent="-267970" fontAlgn="base" latinLnBrk="1">
               <a:spcBef>
                 <a:spcPct val="20000"/>
               </a:spcBef>
@@ -15927,8 +16123,8 @@
                 <a:solidFill>
                   <a:srgbClr val="FF0000"/>
                 </a:solidFill>
-                <a:latin typeface="Times New Roman"/>
-                <a:ea typeface="宋体" pitchFamily="2" charset="-122"/>
+                <a:latin typeface="Times New Roman" panose="02020603050405020304"/>
+                <a:ea typeface="宋体" panose="02010600030101010101" pitchFamily="2" charset="-122"/>
               </a:rPr>
               <a:t>团队中至多只能</a:t>
             </a:r>
@@ -15937,14 +16133,21 @@
                 <a:solidFill>
                   <a:srgbClr val="FF0000"/>
                 </a:solidFill>
-                <a:latin typeface="Times New Roman"/>
-                <a:ea typeface="宋体" pitchFamily="2" charset="-122"/>
+                <a:latin typeface="Times New Roman" panose="02020603050405020304"/>
+                <a:ea typeface="宋体" panose="02010600030101010101" pitchFamily="2" charset="-122"/>
               </a:rPr>
               <a:t>有一名架构师</a:t>
             </a:r>
-          </a:p>
-          <a:p>
-            <a:pPr marL="525066" lvl="1" indent="-267891" fontAlgn="base" latinLnBrk="1">
+            <a:endParaRPr kumimoji="1" lang="zh-CN" altLang="en-US" sz="1425" kern="0" dirty="0">
+              <a:solidFill>
+                <a:srgbClr val="FF0000"/>
+              </a:solidFill>
+              <a:latin typeface="Times New Roman" panose="02020603050405020304"/>
+              <a:ea typeface="宋体" panose="02010600030101010101" pitchFamily="2" charset="-122"/>
+            </a:endParaRPr>
+          </a:p>
+          <a:p>
+            <a:pPr marL="525145" lvl="1" indent="-267970" fontAlgn="base" latinLnBrk="1">
               <a:spcBef>
                 <a:spcPct val="20000"/>
               </a:spcBef>
@@ -15963,8 +16166,8 @@
                 <a:solidFill>
                   <a:srgbClr val="FF0000"/>
                 </a:solidFill>
-                <a:latin typeface="Times New Roman"/>
-                <a:ea typeface="宋体" pitchFamily="2" charset="-122"/>
+                <a:latin typeface="Times New Roman" panose="02020603050405020304"/>
+                <a:ea typeface="宋体" panose="02010600030101010101" pitchFamily="2" charset="-122"/>
               </a:rPr>
               <a:t>团队中至多只能</a:t>
             </a:r>
@@ -15973,14 +16176,21 @@
                 <a:solidFill>
                   <a:srgbClr val="FF0000"/>
                 </a:solidFill>
-                <a:latin typeface="Times New Roman"/>
-                <a:ea typeface="宋体" pitchFamily="2" charset="-122"/>
+                <a:latin typeface="Times New Roman" panose="02020603050405020304"/>
+                <a:ea typeface="宋体" panose="02010600030101010101" pitchFamily="2" charset="-122"/>
               </a:rPr>
               <a:t>有两名设计师</a:t>
             </a:r>
-          </a:p>
-          <a:p>
-            <a:pPr marL="525066" lvl="1" indent="-267891" fontAlgn="base" latinLnBrk="1">
+            <a:endParaRPr kumimoji="1" lang="zh-CN" altLang="en-US" sz="1425" kern="0" dirty="0">
+              <a:solidFill>
+                <a:srgbClr val="FF0000"/>
+              </a:solidFill>
+              <a:latin typeface="Times New Roman" panose="02020603050405020304"/>
+              <a:ea typeface="宋体" panose="02010600030101010101" pitchFamily="2" charset="-122"/>
+            </a:endParaRPr>
+          </a:p>
+          <a:p>
+            <a:pPr marL="525145" lvl="1" indent="-267970" fontAlgn="base" latinLnBrk="1">
               <a:spcBef>
                 <a:spcPct val="20000"/>
               </a:spcBef>
@@ -15999,8 +16209,8 @@
                 <a:solidFill>
                   <a:srgbClr val="FF0000"/>
                 </a:solidFill>
-                <a:latin typeface="Times New Roman"/>
-                <a:ea typeface="宋体" pitchFamily="2" charset="-122"/>
+                <a:latin typeface="Times New Roman" panose="02020603050405020304"/>
+                <a:ea typeface="宋体" panose="02010600030101010101" pitchFamily="2" charset="-122"/>
               </a:rPr>
               <a:t>团队中至多只能</a:t>
             </a:r>
@@ -16009,8 +16219,8 @@
                 <a:solidFill>
                   <a:srgbClr val="FF0000"/>
                 </a:solidFill>
-                <a:latin typeface="Times New Roman"/>
-                <a:ea typeface="宋体" pitchFamily="2" charset="-122"/>
+                <a:latin typeface="Times New Roman" panose="02020603050405020304"/>
+                <a:ea typeface="宋体" panose="02010600030101010101" pitchFamily="2" charset="-122"/>
               </a:rPr>
               <a:t>有三名程序员</a:t>
             </a:r>
@@ -16018,18 +16228,13 @@
               <a:solidFill>
                 <a:srgbClr val="FF0000"/>
               </a:solidFill>
-              <a:latin typeface="Times New Roman"/>
-              <a:ea typeface="宋体" pitchFamily="2" charset="-122"/>
+              <a:latin typeface="Times New Roman" panose="02020603050405020304"/>
+              <a:ea typeface="宋体" panose="02010600030101010101" pitchFamily="2" charset="-122"/>
             </a:endParaRPr>
           </a:p>
         </p:txBody>
       </p:sp>
     </p:spTree>
-    <p:extLst>
-      <p:ext uri="{BB962C8B-B14F-4D97-AF65-F5344CB8AC3E}">
-        <p14:creationId xmlns:p14="http://schemas.microsoft.com/office/powerpoint/2010/main" val="1125819324"/>
-      </p:ext>
-    </p:extLst>
   </p:cSld>
   <p:clrMapOvr>
     <a:masterClrMapping/>
@@ -16086,12 +16291,17 @@
             <a:pPr algn="ctr"/>
             <a:r>
               <a:rPr lang="zh-CN" altLang="en-US" sz="2400" b="1" dirty="0">
-                <a:latin typeface="Times New Roman" pitchFamily="18" charset="0"/>
+                <a:latin typeface="Times New Roman" panose="02020603050405020304" pitchFamily="18" charset="0"/>
                 <a:ea typeface="新宋体" panose="02010609030101010101" pitchFamily="49" charset="-122"/>
-                <a:cs typeface="Times New Roman" pitchFamily="18" charset="0"/>
+                <a:cs typeface="Times New Roman" panose="02020603050405020304" pitchFamily="18" charset="0"/>
               </a:rPr>
               <a:t>需求说明</a:t>
             </a:r>
+            <a:endParaRPr lang="zh-CN" altLang="en-US" sz="2400" b="1" dirty="0">
+              <a:latin typeface="Times New Roman" panose="02020603050405020304" pitchFamily="18" charset="0"/>
+              <a:ea typeface="新宋体" panose="02010609030101010101" pitchFamily="49" charset="-122"/>
+              <a:cs typeface="Times New Roman" panose="02020603050405020304" pitchFamily="18" charset="0"/>
+            </a:endParaRPr>
           </a:p>
         </p:txBody>
       </p:sp>
@@ -16116,18 +16326,18 @@
           </a:bodyPr>
           <a:lstStyle/>
           <a:p>
-            <a:pPr marL="267891" indent="-267891">
+            <a:pPr marL="267970" indent="-267970">
               <a:defRPr/>
             </a:pPr>
             <a:r>
               <a:rPr lang="en-US" altLang="zh-CN" sz="1500" dirty="0">
-                <a:ea typeface="宋体" pitchFamily="2" charset="-122"/>
+                <a:ea typeface="宋体" panose="02010600030101010101" pitchFamily="2" charset="-122"/>
               </a:rPr>
               <a:t>	</a:t>
             </a:r>
             <a:r>
               <a:rPr lang="zh-CN" altLang="en-US" sz="1500" dirty="0">
-                <a:ea typeface="宋体" pitchFamily="2" charset="-122"/>
+                <a:ea typeface="宋体" panose="02010600030101010101" pitchFamily="2" charset="-122"/>
               </a:rPr>
               <a:t>当选择“</a:t>
             </a:r>
@@ -16136,54 +16346,54 @@
                 <a:solidFill>
                   <a:srgbClr val="C00000"/>
                 </a:solidFill>
-                <a:ea typeface="宋体" pitchFamily="2" charset="-122"/>
+                <a:ea typeface="宋体" panose="02010600030101010101" pitchFamily="2" charset="-122"/>
               </a:rPr>
               <a:t>删除团队成员</a:t>
             </a:r>
             <a:r>
               <a:rPr lang="zh-CN" altLang="en-US" sz="1500" dirty="0">
-                <a:ea typeface="宋体" pitchFamily="2" charset="-122"/>
+                <a:ea typeface="宋体" panose="02010600030101010101" pitchFamily="2" charset="-122"/>
               </a:rPr>
               <a:t>”菜单时，将执行从</a:t>
             </a:r>
             <a:r>
               <a:rPr lang="zh-CN" altLang="en-US" sz="1500" u="sng" dirty="0">
-                <a:ea typeface="宋体" pitchFamily="2" charset="-122"/>
+                <a:ea typeface="宋体" panose="02010600030101010101" pitchFamily="2" charset="-122"/>
               </a:rPr>
               <a:t>开发团队</a:t>
             </a:r>
             <a:r>
               <a:rPr lang="zh-CN" altLang="en-US" sz="1500" dirty="0">
-                <a:ea typeface="宋体" pitchFamily="2" charset="-122"/>
+                <a:ea typeface="宋体" panose="02010600030101010101" pitchFamily="2" charset="-122"/>
               </a:rPr>
               <a:t>中删除指定（通过</a:t>
             </a:r>
             <a:r>
               <a:rPr lang="en-US" altLang="zh-CN" sz="1500" dirty="0" err="1">
-                <a:ea typeface="宋体" pitchFamily="2" charset="-122"/>
+                <a:ea typeface="宋体" panose="02010600030101010101" pitchFamily="2" charset="-122"/>
               </a:rPr>
               <a:t>TeamID</a:t>
             </a:r>
             <a:r>
               <a:rPr lang="zh-CN" altLang="en-US" sz="1500" dirty="0">
-                <a:ea typeface="宋体" pitchFamily="2" charset="-122"/>
+                <a:ea typeface="宋体" panose="02010600030101010101" pitchFamily="2" charset="-122"/>
               </a:rPr>
               <a:t>）成员的功能：</a:t>
             </a:r>
             <a:endParaRPr lang="en-US" altLang="zh-CN" sz="1500" dirty="0">
-              <a:ea typeface="宋体" pitchFamily="2" charset="-122"/>
-            </a:endParaRPr>
-          </a:p>
-          <a:p>
-            <a:pPr marL="267891" indent="-267891">
+              <a:ea typeface="宋体" panose="02010600030101010101" pitchFamily="2" charset="-122"/>
+            </a:endParaRPr>
+          </a:p>
+          <a:p>
+            <a:pPr marL="267970" indent="-267970">
               <a:defRPr/>
             </a:pPr>
             <a:endParaRPr lang="en-US" altLang="zh-CN" sz="1500" dirty="0">
-              <a:ea typeface="宋体" pitchFamily="2" charset="-122"/>
-            </a:endParaRPr>
-          </a:p>
-          <a:p>
-            <a:pPr marL="525066" lvl="1" indent="-267891">
+              <a:ea typeface="宋体" panose="02010600030101010101" pitchFamily="2" charset="-122"/>
+            </a:endParaRPr>
+          </a:p>
+          <a:p>
+            <a:pPr marL="525145" lvl="1" indent="-267970">
               <a:defRPr/>
             </a:pPr>
             <a:r>
@@ -16315,7 +16525,7 @@
             </a:endParaRPr>
           </a:p>
           <a:p>
-            <a:pPr marL="525066" lvl="1" indent="-267891">
+            <a:pPr marL="525145" lvl="1" indent="-267970">
               <a:defRPr/>
             </a:pPr>
             <a:endParaRPr lang="en-US" altLang="zh-CN" sz="1500" dirty="0">
@@ -16327,7 +16537,7 @@
             </a:endParaRPr>
           </a:p>
           <a:p>
-            <a:pPr marL="525066" lvl="1" indent="-267891">
+            <a:pPr marL="525145" lvl="1" indent="-267970">
               <a:defRPr/>
             </a:pPr>
             <a:r>
@@ -16360,177 +16570,207 @@
               </a:rPr>
               <a:t>---------------------</a:t>
             </a:r>
-          </a:p>
-          <a:p>
-            <a:pPr marL="525066" lvl="1" indent="-267891">
-              <a:defRPr/>
-            </a:pPr>
-            <a:r>
-              <a:rPr lang="zh-CN" altLang="en-US" sz="1500" dirty="0">
-                <a:solidFill>
-                  <a:srgbClr val="0070C0"/>
-                </a:solidFill>
-                <a:latin typeface="微软雅黑" panose="020B0503020204020204" pitchFamily="34" charset="-122"/>
-                <a:ea typeface="微软雅黑" panose="020B0503020204020204" pitchFamily="34" charset="-122"/>
-              </a:rPr>
-              <a:t>请输入要删除员工的</a:t>
-            </a:r>
-            <a:r>
-              <a:rPr lang="en-US" altLang="zh-CN" sz="1500" dirty="0">
-                <a:solidFill>
-                  <a:srgbClr val="0070C0"/>
-                </a:solidFill>
-                <a:latin typeface="微软雅黑" panose="020B0503020204020204" pitchFamily="34" charset="-122"/>
-                <a:ea typeface="微软雅黑" panose="020B0503020204020204" pitchFamily="34" charset="-122"/>
-              </a:rPr>
-              <a:t>TID</a:t>
-            </a:r>
-            <a:r>
-              <a:rPr lang="zh-CN" altLang="en-US" sz="1500" dirty="0">
-                <a:solidFill>
-                  <a:srgbClr val="0070C0"/>
-                </a:solidFill>
-                <a:latin typeface="微软雅黑" panose="020B0503020204020204" pitchFamily="34" charset="-122"/>
-                <a:ea typeface="微软雅黑" panose="020B0503020204020204" pitchFamily="34" charset="-122"/>
-              </a:rPr>
-              <a:t>：</a:t>
-            </a:r>
-            <a:r>
-              <a:rPr lang="en-US" altLang="zh-CN" sz="1500" dirty="0">
-                <a:solidFill>
-                  <a:srgbClr val="0070C0"/>
-                </a:solidFill>
-                <a:latin typeface="微软雅黑" panose="020B0503020204020204" pitchFamily="34" charset="-122"/>
-                <a:ea typeface="微软雅黑" panose="020B0503020204020204" pitchFamily="34" charset="-122"/>
-              </a:rPr>
-              <a:t>1</a:t>
-            </a:r>
-          </a:p>
-          <a:p>
-            <a:pPr marL="525066" lvl="1" indent="-267891">
-              <a:defRPr/>
-            </a:pPr>
-            <a:r>
-              <a:rPr lang="zh-CN" altLang="en-US" sz="1500" dirty="0">
-                <a:solidFill>
-                  <a:srgbClr val="0070C0"/>
-                </a:solidFill>
-                <a:latin typeface="微软雅黑" panose="020B0503020204020204" pitchFamily="34" charset="-122"/>
-                <a:ea typeface="微软雅黑" panose="020B0503020204020204" pitchFamily="34" charset="-122"/>
-              </a:rPr>
-              <a:t>确认是否删除</a:t>
-            </a:r>
-            <a:r>
-              <a:rPr lang="en-US" altLang="zh-CN" sz="1500" dirty="0">
-                <a:solidFill>
-                  <a:srgbClr val="0070C0"/>
-                </a:solidFill>
-                <a:latin typeface="微软雅黑" panose="020B0503020204020204" pitchFamily="34" charset="-122"/>
-                <a:ea typeface="微软雅黑" panose="020B0503020204020204" pitchFamily="34" charset="-122"/>
-              </a:rPr>
-              <a:t>(Y/N)</a:t>
-            </a:r>
-            <a:r>
-              <a:rPr lang="zh-CN" altLang="en-US" sz="1500" dirty="0">
-                <a:solidFill>
-                  <a:srgbClr val="0070C0"/>
-                </a:solidFill>
-                <a:latin typeface="微软雅黑" panose="020B0503020204020204" pitchFamily="34" charset="-122"/>
-                <a:ea typeface="微软雅黑" panose="020B0503020204020204" pitchFamily="34" charset="-122"/>
-              </a:rPr>
-              <a:t>：</a:t>
-            </a:r>
-            <a:r>
-              <a:rPr lang="en-US" altLang="zh-CN" sz="1500" dirty="0">
-                <a:solidFill>
-                  <a:srgbClr val="0070C0"/>
-                </a:solidFill>
-                <a:latin typeface="微软雅黑" panose="020B0503020204020204" pitchFamily="34" charset="-122"/>
-                <a:ea typeface="微软雅黑" panose="020B0503020204020204" pitchFamily="34" charset="-122"/>
-              </a:rPr>
-              <a:t>y</a:t>
-            </a:r>
-          </a:p>
-          <a:p>
-            <a:pPr marL="525066" lvl="1" indent="-267891">
-              <a:defRPr/>
-            </a:pPr>
-            <a:r>
-              <a:rPr lang="zh-CN" altLang="en-US" sz="1500" dirty="0">
-                <a:solidFill>
-                  <a:srgbClr val="0070C0"/>
-                </a:solidFill>
-                <a:latin typeface="微软雅黑" panose="020B0503020204020204" pitchFamily="34" charset="-122"/>
-                <a:ea typeface="微软雅黑" panose="020B0503020204020204" pitchFamily="34" charset="-122"/>
-              </a:rPr>
-              <a:t>删除成功</a:t>
-            </a:r>
-          </a:p>
-          <a:p>
-            <a:pPr marL="525066" lvl="1" indent="-267891">
-              <a:defRPr/>
-            </a:pPr>
-            <a:r>
-              <a:rPr lang="zh-CN" altLang="en-US" sz="1500" dirty="0">
-                <a:solidFill>
-                  <a:srgbClr val="0070C0"/>
-                </a:solidFill>
-                <a:latin typeface="微软雅黑" panose="020B0503020204020204" pitchFamily="34" charset="-122"/>
-                <a:ea typeface="微软雅黑" panose="020B0503020204020204" pitchFamily="34" charset="-122"/>
-              </a:rPr>
-              <a:t>按回车键继续</a:t>
-            </a:r>
-            <a:r>
-              <a:rPr lang="en-US" altLang="zh-CN" sz="1500" dirty="0">
-                <a:solidFill>
-                  <a:srgbClr val="0070C0"/>
-                </a:solidFill>
-                <a:latin typeface="微软雅黑" panose="020B0503020204020204" pitchFamily="34" charset="-122"/>
-                <a:ea typeface="微软雅黑" panose="020B0503020204020204" pitchFamily="34" charset="-122"/>
-              </a:rPr>
-              <a:t>...</a:t>
-            </a:r>
-          </a:p>
-          <a:p>
-            <a:pPr marL="525066" lvl="1" indent="-267891">
-              <a:defRPr/>
-            </a:pPr>
             <a:endParaRPr lang="en-US" altLang="zh-CN" sz="1500" dirty="0">
               <a:solidFill>
                 <a:srgbClr val="0070C0"/>
               </a:solidFill>
-              <a:latin typeface="GungsuhChe" pitchFamily="49" charset="-127"/>
-              <a:ea typeface="GungsuhChe" pitchFamily="49" charset="-127"/>
-            </a:endParaRPr>
-          </a:p>
-          <a:p>
-            <a:pPr marL="267891" indent="-267891">
-              <a:defRPr/>
-            </a:pPr>
+              <a:latin typeface="微软雅黑" panose="020B0503020204020204" pitchFamily="34" charset="-122"/>
+              <a:ea typeface="微软雅黑" panose="020B0503020204020204" pitchFamily="34" charset="-122"/>
+            </a:endParaRPr>
+          </a:p>
+          <a:p>
+            <a:pPr marL="525145" lvl="1" indent="-267970">
+              <a:defRPr/>
+            </a:pPr>
+            <a:r>
+              <a:rPr lang="zh-CN" altLang="en-US" sz="1500" dirty="0">
+                <a:solidFill>
+                  <a:srgbClr val="0070C0"/>
+                </a:solidFill>
+                <a:latin typeface="微软雅黑" panose="020B0503020204020204" pitchFamily="34" charset="-122"/>
+                <a:ea typeface="微软雅黑" panose="020B0503020204020204" pitchFamily="34" charset="-122"/>
+              </a:rPr>
+              <a:t>请输入要删除员工的</a:t>
+            </a:r>
             <a:r>
               <a:rPr lang="en-US" altLang="zh-CN" sz="1500" dirty="0">
-                <a:ea typeface="宋体" pitchFamily="2" charset="-122"/>
+                <a:solidFill>
+                  <a:srgbClr val="0070C0"/>
+                </a:solidFill>
+                <a:latin typeface="微软雅黑" panose="020B0503020204020204" pitchFamily="34" charset="-122"/>
+                <a:ea typeface="微软雅黑" panose="020B0503020204020204" pitchFamily="34" charset="-122"/>
+              </a:rPr>
+              <a:t>TID</a:t>
+            </a:r>
+            <a:r>
+              <a:rPr lang="zh-CN" altLang="en-US" sz="1500" dirty="0">
+                <a:solidFill>
+                  <a:srgbClr val="0070C0"/>
+                </a:solidFill>
+                <a:latin typeface="微软雅黑" panose="020B0503020204020204" pitchFamily="34" charset="-122"/>
+                <a:ea typeface="微软雅黑" panose="020B0503020204020204" pitchFamily="34" charset="-122"/>
+              </a:rPr>
+              <a:t>：</a:t>
+            </a:r>
+            <a:r>
+              <a:rPr lang="en-US" altLang="zh-CN" sz="1500" dirty="0">
+                <a:solidFill>
+                  <a:srgbClr val="0070C0"/>
+                </a:solidFill>
+                <a:latin typeface="微软雅黑" panose="020B0503020204020204" pitchFamily="34" charset="-122"/>
+                <a:ea typeface="微软雅黑" panose="020B0503020204020204" pitchFamily="34" charset="-122"/>
+              </a:rPr>
+              <a:t>1</a:t>
+            </a:r>
+            <a:endParaRPr lang="en-US" altLang="zh-CN" sz="1500" dirty="0">
+              <a:solidFill>
+                <a:srgbClr val="0070C0"/>
+              </a:solidFill>
+              <a:latin typeface="微软雅黑" panose="020B0503020204020204" pitchFamily="34" charset="-122"/>
+              <a:ea typeface="微软雅黑" panose="020B0503020204020204" pitchFamily="34" charset="-122"/>
+            </a:endParaRPr>
+          </a:p>
+          <a:p>
+            <a:pPr marL="525145" lvl="1" indent="-267970">
+              <a:defRPr/>
+            </a:pPr>
+            <a:r>
+              <a:rPr lang="zh-CN" altLang="en-US" sz="1500" dirty="0">
+                <a:solidFill>
+                  <a:srgbClr val="0070C0"/>
+                </a:solidFill>
+                <a:latin typeface="微软雅黑" panose="020B0503020204020204" pitchFamily="34" charset="-122"/>
+                <a:ea typeface="微软雅黑" panose="020B0503020204020204" pitchFamily="34" charset="-122"/>
+              </a:rPr>
+              <a:t>确认是否删除</a:t>
+            </a:r>
+            <a:r>
+              <a:rPr lang="en-US" altLang="zh-CN" sz="1500" dirty="0">
+                <a:solidFill>
+                  <a:srgbClr val="0070C0"/>
+                </a:solidFill>
+                <a:latin typeface="微软雅黑" panose="020B0503020204020204" pitchFamily="34" charset="-122"/>
+                <a:ea typeface="微软雅黑" panose="020B0503020204020204" pitchFamily="34" charset="-122"/>
+              </a:rPr>
+              <a:t>(Y/N)</a:t>
+            </a:r>
+            <a:r>
+              <a:rPr lang="zh-CN" altLang="en-US" sz="1500" dirty="0">
+                <a:solidFill>
+                  <a:srgbClr val="0070C0"/>
+                </a:solidFill>
+                <a:latin typeface="微软雅黑" panose="020B0503020204020204" pitchFamily="34" charset="-122"/>
+                <a:ea typeface="微软雅黑" panose="020B0503020204020204" pitchFamily="34" charset="-122"/>
+              </a:rPr>
+              <a:t>：</a:t>
+            </a:r>
+            <a:r>
+              <a:rPr lang="en-US" altLang="zh-CN" sz="1500" dirty="0">
+                <a:solidFill>
+                  <a:srgbClr val="0070C0"/>
+                </a:solidFill>
+                <a:latin typeface="微软雅黑" panose="020B0503020204020204" pitchFamily="34" charset="-122"/>
+                <a:ea typeface="微软雅黑" panose="020B0503020204020204" pitchFamily="34" charset="-122"/>
+              </a:rPr>
+              <a:t>y</a:t>
+            </a:r>
+            <a:endParaRPr lang="en-US" altLang="zh-CN" sz="1500" dirty="0">
+              <a:solidFill>
+                <a:srgbClr val="0070C0"/>
+              </a:solidFill>
+              <a:latin typeface="微软雅黑" panose="020B0503020204020204" pitchFamily="34" charset="-122"/>
+              <a:ea typeface="微软雅黑" panose="020B0503020204020204" pitchFamily="34" charset="-122"/>
+            </a:endParaRPr>
+          </a:p>
+          <a:p>
+            <a:pPr marL="525145" lvl="1" indent="-267970">
+              <a:defRPr/>
+            </a:pPr>
+            <a:r>
+              <a:rPr lang="zh-CN" altLang="en-US" sz="1500" dirty="0">
+                <a:solidFill>
+                  <a:srgbClr val="0070C0"/>
+                </a:solidFill>
+                <a:latin typeface="微软雅黑" panose="020B0503020204020204" pitchFamily="34" charset="-122"/>
+                <a:ea typeface="微软雅黑" panose="020B0503020204020204" pitchFamily="34" charset="-122"/>
+              </a:rPr>
+              <a:t>删除成功</a:t>
+            </a:r>
+            <a:endParaRPr lang="zh-CN" altLang="en-US" sz="1500" dirty="0">
+              <a:solidFill>
+                <a:srgbClr val="0070C0"/>
+              </a:solidFill>
+              <a:latin typeface="微软雅黑" panose="020B0503020204020204" pitchFamily="34" charset="-122"/>
+              <a:ea typeface="微软雅黑" panose="020B0503020204020204" pitchFamily="34" charset="-122"/>
+            </a:endParaRPr>
+          </a:p>
+          <a:p>
+            <a:pPr marL="525145" lvl="1" indent="-267970">
+              <a:defRPr/>
+            </a:pPr>
+            <a:r>
+              <a:rPr lang="zh-CN" altLang="en-US" sz="1500" dirty="0">
+                <a:solidFill>
+                  <a:srgbClr val="0070C0"/>
+                </a:solidFill>
+                <a:latin typeface="微软雅黑" panose="020B0503020204020204" pitchFamily="34" charset="-122"/>
+                <a:ea typeface="微软雅黑" panose="020B0503020204020204" pitchFamily="34" charset="-122"/>
+              </a:rPr>
+              <a:t>按回车键继续</a:t>
+            </a:r>
+            <a:r>
+              <a:rPr lang="en-US" altLang="zh-CN" sz="1500" dirty="0">
+                <a:solidFill>
+                  <a:srgbClr val="0070C0"/>
+                </a:solidFill>
+                <a:latin typeface="微软雅黑" panose="020B0503020204020204" pitchFamily="34" charset="-122"/>
+                <a:ea typeface="微软雅黑" panose="020B0503020204020204" pitchFamily="34" charset="-122"/>
+              </a:rPr>
+              <a:t>...</a:t>
+            </a:r>
+            <a:endParaRPr lang="en-US" altLang="zh-CN" sz="1500" dirty="0">
+              <a:solidFill>
+                <a:srgbClr val="0070C0"/>
+              </a:solidFill>
+              <a:latin typeface="微软雅黑" panose="020B0503020204020204" pitchFamily="34" charset="-122"/>
+              <a:ea typeface="微软雅黑" panose="020B0503020204020204" pitchFamily="34" charset="-122"/>
+            </a:endParaRPr>
+          </a:p>
+          <a:p>
+            <a:pPr marL="525145" lvl="1" indent="-267970">
+              <a:defRPr/>
+            </a:pPr>
+            <a:endParaRPr lang="en-US" altLang="zh-CN" sz="1500" dirty="0">
+              <a:solidFill>
+                <a:srgbClr val="0070C0"/>
+              </a:solidFill>
+              <a:latin typeface="GungsuhChe" panose="02030609000101010101" pitchFamily="49" charset="-127"/>
+              <a:ea typeface="GungsuhChe" panose="02030609000101010101" pitchFamily="49" charset="-127"/>
+            </a:endParaRPr>
+          </a:p>
+          <a:p>
+            <a:pPr marL="267970" indent="-267970">
+              <a:defRPr/>
+            </a:pPr>
+            <a:r>
+              <a:rPr lang="en-US" altLang="zh-CN" sz="1500" dirty="0">
+                <a:ea typeface="宋体" panose="02010600030101010101" pitchFamily="2" charset="-122"/>
               </a:rPr>
               <a:t>	</a:t>
             </a:r>
             <a:r>
               <a:rPr lang="zh-CN" altLang="en-US" sz="1500" dirty="0">
-                <a:ea typeface="宋体" pitchFamily="2" charset="-122"/>
+                <a:ea typeface="宋体" panose="02010600030101010101" pitchFamily="2" charset="-122"/>
               </a:rPr>
               <a:t>删除成功后，按回车键将重新显示主界面。</a:t>
             </a:r>
             <a:endParaRPr lang="en-US" altLang="zh-CN" sz="1500" dirty="0">
-              <a:ea typeface="宋体" pitchFamily="2" charset="-122"/>
+              <a:ea typeface="宋体" panose="02010600030101010101" pitchFamily="2" charset="-122"/>
             </a:endParaRPr>
           </a:p>
         </p:txBody>
       </p:sp>
     </p:spTree>
-    <p:extLst>
-      <p:ext uri="{BB962C8B-B14F-4D97-AF65-F5344CB8AC3E}">
-        <p14:creationId xmlns:p14="http://schemas.microsoft.com/office/powerpoint/2010/main" val="2191102810"/>
-      </p:ext>
-    </p:extLst>
   </p:cSld>
   <p:clrMapOvr>
     <a:masterClrMapping/>
@@ -16587,10 +16827,13 @@
             <a:pPr algn="ctr"/>
             <a:r>
               <a:rPr lang="zh-CN" altLang="en-US" sz="2400" b="1" dirty="0">
-                <a:ea typeface="宋体" charset="-122"/>
+                <a:ea typeface="宋体" panose="02010600030101010101" pitchFamily="2" charset="-122"/>
               </a:rPr>
               <a:t>需求说明</a:t>
             </a:r>
+            <a:endParaRPr lang="zh-CN" altLang="en-US" sz="2400" b="1" dirty="0">
+              <a:ea typeface="宋体" panose="02010600030101010101" pitchFamily="2" charset="-122"/>
+            </a:endParaRPr>
           </a:p>
         </p:txBody>
       </p:sp>
@@ -16615,12 +16858,12 @@
           </a:bodyPr>
           <a:lstStyle/>
           <a:p>
-            <a:pPr marL="267891" indent="-267891">
+            <a:pPr marL="267970" indent="-267970">
               <a:defRPr/>
             </a:pPr>
             <a:r>
               <a:rPr lang="zh-CN" altLang="en-US" sz="1500" dirty="0">
-                <a:ea typeface="宋体" pitchFamily="2" charset="-122"/>
+                <a:ea typeface="宋体" panose="02010600030101010101" pitchFamily="2" charset="-122"/>
               </a:rPr>
               <a:t>当选择“</a:t>
             </a:r>
@@ -16629,30 +16872,30 @@
                 <a:solidFill>
                   <a:srgbClr val="C00000"/>
                 </a:solidFill>
-                <a:ea typeface="宋体" pitchFamily="2" charset="-122"/>
+                <a:ea typeface="宋体" panose="02010600030101010101" pitchFamily="2" charset="-122"/>
               </a:rPr>
               <a:t>团队列表</a:t>
             </a:r>
             <a:r>
               <a:rPr lang="zh-CN" altLang="en-US" sz="1500" dirty="0">
-                <a:ea typeface="宋体" pitchFamily="2" charset="-122"/>
+                <a:ea typeface="宋体" panose="02010600030101010101" pitchFamily="2" charset="-122"/>
               </a:rPr>
               <a:t>”菜单时，将列出开发团队中的现有成员，例如：</a:t>
             </a:r>
             <a:endParaRPr lang="en-US" altLang="zh-CN" sz="1500" dirty="0">
-              <a:ea typeface="宋体" pitchFamily="2" charset="-122"/>
-            </a:endParaRPr>
-          </a:p>
-          <a:p>
-            <a:pPr marL="267891" indent="-267891">
+              <a:ea typeface="宋体" panose="02010600030101010101" pitchFamily="2" charset="-122"/>
+            </a:endParaRPr>
+          </a:p>
+          <a:p>
+            <a:pPr marL="267970" indent="-267970">
               <a:defRPr/>
             </a:pPr>
             <a:endParaRPr lang="en-US" altLang="zh-CN" sz="1500">
-              <a:ea typeface="宋体" pitchFamily="2" charset="-122"/>
-            </a:endParaRPr>
-          </a:p>
-          <a:p>
-            <a:pPr marL="267891" lvl="1" indent="-267891">
+              <a:ea typeface="宋体" panose="02010600030101010101" pitchFamily="2" charset="-122"/>
+            </a:endParaRPr>
+          </a:p>
+          <a:p>
+            <a:pPr marL="267970" lvl="1" indent="-267970">
               <a:defRPr/>
             </a:pPr>
             <a:r>
@@ -16765,9 +17008,16 @@
               </a:rPr>
               <a:t>1</a:t>
             </a:r>
-          </a:p>
-          <a:p>
-            <a:pPr marL="267891" lvl="1" indent="-267891">
+            <a:endParaRPr lang="en-US" altLang="zh-CN" sz="1350">
+              <a:solidFill>
+                <a:srgbClr val="0070C0"/>
+              </a:solidFill>
+              <a:latin typeface="微软雅黑" panose="020B0503020204020204" pitchFamily="34" charset="-122"/>
+              <a:ea typeface="微软雅黑" panose="020B0503020204020204" pitchFamily="34" charset="-122"/>
+            </a:endParaRPr>
+          </a:p>
+          <a:p>
+            <a:pPr marL="267970" lvl="1" indent="-267970">
               <a:defRPr/>
             </a:pPr>
             <a:endParaRPr lang="en-US" altLang="zh-CN" sz="1500" dirty="0">
@@ -16779,7 +17029,7 @@
             </a:endParaRPr>
           </a:p>
           <a:p>
-            <a:pPr marL="525066" lvl="1" indent="-267891">
+            <a:pPr marL="525145" lvl="1" indent="-267970">
               <a:defRPr/>
             </a:pPr>
             <a:r>
@@ -16812,11 +17062,6 @@
               </a:rPr>
               <a:t>---------------------</a:t>
             </a:r>
-          </a:p>
-          <a:p>
-            <a:pPr marL="525066" lvl="1" indent="-267891">
-              <a:defRPr/>
-            </a:pPr>
             <a:endParaRPr lang="en-US" altLang="zh-CN" sz="1350" dirty="0">
               <a:solidFill>
                 <a:srgbClr val="0070C0"/>
@@ -16826,7 +17071,19 @@
             </a:endParaRPr>
           </a:p>
           <a:p>
-            <a:pPr marL="525066" lvl="1" indent="-267891">
+            <a:pPr marL="525145" lvl="1" indent="-267970">
+              <a:defRPr/>
+            </a:pPr>
+            <a:endParaRPr lang="en-US" altLang="zh-CN" sz="1350" dirty="0">
+              <a:solidFill>
+                <a:srgbClr val="0070C0"/>
+              </a:solidFill>
+              <a:latin typeface="微软雅黑" panose="020B0503020204020204" pitchFamily="34" charset="-122"/>
+              <a:ea typeface="微软雅黑" panose="020B0503020204020204" pitchFamily="34" charset="-122"/>
+            </a:endParaRPr>
+          </a:p>
+          <a:p>
+            <a:pPr marL="525145" lvl="1" indent="-267970">
               <a:defRPr/>
             </a:pPr>
             <a:r>
@@ -16878,7 +17135,7 @@
             </a:endParaRPr>
           </a:p>
           <a:p>
-            <a:pPr marL="525066" lvl="1" indent="-267891">
+            <a:pPr marL="525145" lvl="1" indent="-267970">
               <a:defRPr/>
             </a:pPr>
             <a:r>
@@ -16970,7 +17227,7 @@
             </a:endParaRPr>
           </a:p>
           <a:p>
-            <a:pPr marL="525066" lvl="1" indent="-267891">
+            <a:pPr marL="525145" lvl="1" indent="-267970">
               <a:defRPr/>
             </a:pPr>
             <a:r>
@@ -17072,7 +17329,7 @@
             </a:endParaRPr>
           </a:p>
           <a:p>
-            <a:pPr marL="525066" lvl="1" indent="-267891">
+            <a:pPr marL="525145" lvl="1" indent="-267970">
               <a:defRPr/>
             </a:pPr>
             <a:r>
@@ -17164,7 +17421,7 @@
             </a:endParaRPr>
           </a:p>
           <a:p>
-            <a:pPr marL="525066" lvl="1" indent="-267891">
+            <a:pPr marL="525145" lvl="1" indent="-267970">
               <a:defRPr/>
             </a:pPr>
             <a:r>
@@ -17246,7 +17503,7 @@
             </a:endParaRPr>
           </a:p>
           <a:p>
-            <a:pPr marL="525066" lvl="1" indent="-267891">
+            <a:pPr marL="525145" lvl="1" indent="-267970">
               <a:defRPr/>
             </a:pPr>
             <a:r>
@@ -17270,11 +17527,6 @@
         </p:txBody>
       </p:sp>
     </p:spTree>
-    <p:extLst>
-      <p:ext uri="{BB962C8B-B14F-4D97-AF65-F5344CB8AC3E}">
-        <p14:creationId xmlns:p14="http://schemas.microsoft.com/office/powerpoint/2010/main" val="286774762"/>
-      </p:ext>
-    </p:extLst>
   </p:cSld>
   <p:clrMapOvr>
     <a:masterClrMapping/>
@@ -17331,14 +17583,14 @@
             <a:pPr algn="ctr"/>
             <a:r>
               <a:rPr lang="zh-CN" altLang="en-US" sz="2400" b="1" dirty="0">
-                <a:ea typeface="宋体" charset="-122"/>
+                <a:ea typeface="宋体" panose="02010600030101010101" pitchFamily="2" charset="-122"/>
               </a:rPr>
               <a:t>软件设计结构</a:t>
             </a:r>
             <a:endParaRPr lang="zh-CN" altLang="en-US" sz="2400" b="1" dirty="0">
-              <a:latin typeface="Times New Roman" pitchFamily="18" charset="0"/>
+              <a:latin typeface="Times New Roman" panose="02020603050405020304" pitchFamily="18" charset="0"/>
               <a:ea typeface="新宋体" panose="02010609030101010101" pitchFamily="49" charset="-122"/>
-              <a:cs typeface="Times New Roman" pitchFamily="18" charset="0"/>
+              <a:cs typeface="Times New Roman" panose="02020603050405020304" pitchFamily="18" charset="0"/>
             </a:endParaRPr>
           </a:p>
         </p:txBody>
@@ -17369,12 +17621,12 @@
             </a:pPr>
             <a:r>
               <a:rPr lang="zh-CN" altLang="en-US" dirty="0">
-                <a:ea typeface="宋体" pitchFamily="2" charset="-122"/>
+                <a:ea typeface="宋体" panose="02010600030101010101" pitchFamily="2" charset="-122"/>
               </a:rPr>
               <a:t>该软件由以下三个模块组成：</a:t>
             </a:r>
             <a:endParaRPr lang="en-US" altLang="zh-CN" dirty="0">
-              <a:ea typeface="宋体" pitchFamily="2" charset="-122"/>
+              <a:ea typeface="宋体" panose="02010600030101010101" pitchFamily="2" charset="-122"/>
             </a:endParaRPr>
           </a:p>
           <a:p>
@@ -17382,7 +17634,7 @@
               <a:defRPr/>
             </a:pPr>
             <a:endParaRPr lang="en-US" altLang="zh-CN" sz="1500" dirty="0">
-              <a:ea typeface="宋体" pitchFamily="2" charset="-122"/>
+              <a:ea typeface="宋体" panose="02010600030101010101" pitchFamily="2" charset="-122"/>
             </a:endParaRPr>
           </a:p>
           <a:p>
@@ -17390,7 +17642,7 @@
               <a:defRPr/>
             </a:pPr>
             <a:endParaRPr lang="en-US" altLang="zh-CN" sz="1500" dirty="0">
-              <a:ea typeface="宋体" pitchFamily="2" charset="-122"/>
+              <a:ea typeface="宋体" panose="02010600030101010101" pitchFamily="2" charset="-122"/>
             </a:endParaRPr>
           </a:p>
           <a:p>
@@ -17398,7 +17650,7 @@
               <a:defRPr/>
             </a:pPr>
             <a:endParaRPr lang="en-US" altLang="zh-CN" sz="1500" dirty="0">
-              <a:ea typeface="宋体" pitchFamily="2" charset="-122"/>
+              <a:ea typeface="宋体" panose="02010600030101010101" pitchFamily="2" charset="-122"/>
             </a:endParaRPr>
           </a:p>
           <a:p>
@@ -17406,7 +17658,7 @@
               <a:defRPr/>
             </a:pPr>
             <a:endParaRPr lang="en-US" altLang="zh-CN" sz="1500" dirty="0">
-              <a:ea typeface="宋体" pitchFamily="2" charset="-122"/>
+              <a:ea typeface="宋体" panose="02010600030101010101" pitchFamily="2" charset="-122"/>
             </a:endParaRPr>
           </a:p>
           <a:p>
@@ -17414,7 +17666,7 @@
               <a:defRPr/>
             </a:pPr>
             <a:endParaRPr lang="en-US" altLang="zh-CN" sz="1500" dirty="0">
-              <a:ea typeface="宋体" pitchFamily="2" charset="-122"/>
+              <a:ea typeface="宋体" panose="02010600030101010101" pitchFamily="2" charset="-122"/>
             </a:endParaRPr>
           </a:p>
           <a:p>
@@ -17422,7 +17674,7 @@
               <a:defRPr/>
             </a:pPr>
             <a:endParaRPr lang="en-US" altLang="zh-CN" sz="1500" smtClean="0">
-              <a:ea typeface="宋体" pitchFamily="2" charset="-122"/>
+              <a:ea typeface="宋体" panose="02010600030101010101" pitchFamily="2" charset="-122"/>
             </a:endParaRPr>
           </a:p>
           <a:p>
@@ -17430,7 +17682,7 @@
               <a:defRPr/>
             </a:pPr>
             <a:endParaRPr lang="en-US" altLang="zh-CN" sz="1500" dirty="0">
-              <a:ea typeface="宋体" pitchFamily="2" charset="-122"/>
+              <a:ea typeface="宋体" panose="02010600030101010101" pitchFamily="2" charset="-122"/>
             </a:endParaRPr>
           </a:p>
           <a:p>
@@ -17438,7 +17690,7 @@
               <a:defRPr/>
             </a:pPr>
             <a:endParaRPr lang="en-US" altLang="zh-CN" sz="1500" dirty="0">
-              <a:ea typeface="宋体" pitchFamily="2" charset="-122"/>
+              <a:ea typeface="宋体" panose="02010600030101010101" pitchFamily="2" charset="-122"/>
             </a:endParaRPr>
           </a:p>
           <a:p>
@@ -17446,7 +17698,7 @@
               <a:defRPr/>
             </a:pPr>
             <a:endParaRPr lang="en-US" altLang="zh-CN" sz="1500" dirty="0">
-              <a:ea typeface="宋体" pitchFamily="2" charset="-122"/>
+              <a:ea typeface="宋体" panose="02010600030101010101" pitchFamily="2" charset="-122"/>
             </a:endParaRPr>
           </a:p>
           <a:p>
@@ -17454,7 +17706,7 @@
               <a:defRPr/>
             </a:pPr>
             <a:endParaRPr lang="en-US" altLang="zh-CN" sz="1500" dirty="0">
-              <a:ea typeface="宋体" pitchFamily="2" charset="-122"/>
+              <a:ea typeface="宋体" panose="02010600030101010101" pitchFamily="2" charset="-122"/>
             </a:endParaRPr>
           </a:p>
           <a:p>
@@ -17464,7 +17716,7 @@
               <a:defRPr/>
             </a:pPr>
             <a:endParaRPr lang="en-US" altLang="zh-CN" sz="1500" smtClean="0">
-              <a:ea typeface="宋体" pitchFamily="2" charset="-122"/>
+              <a:ea typeface="宋体" panose="02010600030101010101" pitchFamily="2" charset="-122"/>
             </a:endParaRPr>
           </a:p>
           <a:p>
@@ -17475,30 +17727,30 @@
             </a:pPr>
             <a:r>
               <a:rPr lang="en-US" altLang="zh-CN" sz="1500" smtClean="0">
-                <a:ea typeface="宋体" pitchFamily="2" charset="-122"/>
+                <a:ea typeface="宋体" panose="02010600030101010101" pitchFamily="2" charset="-122"/>
               </a:rPr>
               <a:t>com.atguigu.team.view</a:t>
             </a:r>
             <a:r>
               <a:rPr lang="zh-CN" altLang="en-US" sz="1500" dirty="0">
-                <a:ea typeface="宋体" pitchFamily="2" charset="-122"/>
+                <a:ea typeface="宋体" panose="02010600030101010101" pitchFamily="2" charset="-122"/>
               </a:rPr>
               <a:t>模块为主控模块，负责菜单的显示和处理</a:t>
             </a:r>
             <a:r>
               <a:rPr lang="zh-CN" altLang="en-US" sz="1500">
-                <a:ea typeface="宋体" pitchFamily="2" charset="-122"/>
+                <a:ea typeface="宋体" panose="02010600030101010101" pitchFamily="2" charset="-122"/>
               </a:rPr>
               <a:t>用户</a:t>
             </a:r>
             <a:r>
               <a:rPr lang="zh-CN" altLang="en-US" sz="1500" smtClean="0">
-                <a:ea typeface="宋体" pitchFamily="2" charset="-122"/>
+                <a:ea typeface="宋体" panose="02010600030101010101" pitchFamily="2" charset="-122"/>
               </a:rPr>
               <a:t>操作</a:t>
             </a:r>
             <a:endParaRPr lang="en-US" altLang="zh-CN" sz="1500" smtClean="0">
-              <a:ea typeface="宋体" pitchFamily="2" charset="-122"/>
+              <a:ea typeface="宋体" panose="02010600030101010101" pitchFamily="2" charset="-122"/>
             </a:endParaRPr>
           </a:p>
           <a:p>
@@ -17509,72 +17761,72 @@
             </a:pPr>
             <a:r>
               <a:rPr lang="en-US" altLang="zh-CN" sz="1500" dirty="0" err="1">
-                <a:ea typeface="宋体" pitchFamily="2" charset="-122"/>
+                <a:ea typeface="宋体" panose="02010600030101010101" pitchFamily="2" charset="-122"/>
               </a:rPr>
               <a:t>com.atguigu.team.service</a:t>
             </a:r>
             <a:r>
               <a:rPr lang="zh-CN" altLang="en-US" sz="1500" dirty="0">
-                <a:ea typeface="宋体" pitchFamily="2" charset="-122"/>
+                <a:ea typeface="宋体" panose="02010600030101010101" pitchFamily="2" charset="-122"/>
               </a:rPr>
               <a:t>模块为实体对象（</a:t>
             </a:r>
             <a:r>
               <a:rPr lang="en-US" altLang="zh-CN" sz="1500" dirty="0">
-                <a:ea typeface="宋体" pitchFamily="2" charset="-122"/>
+                <a:ea typeface="宋体" panose="02010600030101010101" pitchFamily="2" charset="-122"/>
               </a:rPr>
               <a:t>Employee</a:t>
             </a:r>
             <a:r>
               <a:rPr lang="zh-CN" altLang="en-US" sz="1500" dirty="0">
-                <a:ea typeface="宋体" pitchFamily="2" charset="-122"/>
+                <a:ea typeface="宋体" panose="02010600030101010101" pitchFamily="2" charset="-122"/>
               </a:rPr>
               <a:t>及其子类如程序员等）的管理模块，</a:t>
             </a:r>
             <a:r>
               <a:rPr lang="en-US" altLang="zh-CN" sz="1500" dirty="0">
-                <a:ea typeface="宋体" pitchFamily="2" charset="-122"/>
+                <a:ea typeface="宋体" panose="02010600030101010101" pitchFamily="2" charset="-122"/>
               </a:rPr>
               <a:t> </a:t>
             </a:r>
             <a:r>
               <a:rPr lang="en-US" altLang="zh-CN" sz="1500" dirty="0" err="1">
-                <a:ea typeface="宋体" pitchFamily="2" charset="-122"/>
+                <a:ea typeface="宋体" panose="02010600030101010101" pitchFamily="2" charset="-122"/>
               </a:rPr>
               <a:t>NameListService</a:t>
             </a:r>
             <a:r>
               <a:rPr lang="zh-CN" altLang="en-US" sz="1500" dirty="0">
-                <a:ea typeface="宋体" pitchFamily="2" charset="-122"/>
+                <a:ea typeface="宋体" panose="02010600030101010101" pitchFamily="2" charset="-122"/>
               </a:rPr>
               <a:t>和</a:t>
             </a:r>
             <a:r>
               <a:rPr lang="en-US" altLang="zh-CN" sz="1500" dirty="0" err="1">
-                <a:ea typeface="宋体" pitchFamily="2" charset="-122"/>
+                <a:ea typeface="宋体" panose="02010600030101010101" pitchFamily="2" charset="-122"/>
               </a:rPr>
               <a:t>TeamService</a:t>
             </a:r>
             <a:r>
               <a:rPr lang="zh-CN" altLang="en-US" sz="1500" dirty="0">
-                <a:ea typeface="宋体" pitchFamily="2" charset="-122"/>
+                <a:ea typeface="宋体" panose="02010600030101010101" pitchFamily="2" charset="-122"/>
               </a:rPr>
               <a:t>类分别用各自的数组来管理公司员工和开发团队</a:t>
             </a:r>
             <a:r>
               <a:rPr lang="zh-CN" altLang="en-US" sz="1500">
-                <a:ea typeface="宋体" pitchFamily="2" charset="-122"/>
+                <a:ea typeface="宋体" panose="02010600030101010101" pitchFamily="2" charset="-122"/>
               </a:rPr>
               <a:t>成员</a:t>
             </a:r>
             <a:r>
               <a:rPr lang="zh-CN" altLang="en-US" sz="1500" smtClean="0">
-                <a:ea typeface="宋体" pitchFamily="2" charset="-122"/>
+                <a:ea typeface="宋体" panose="02010600030101010101" pitchFamily="2" charset="-122"/>
               </a:rPr>
               <a:t>对象</a:t>
             </a:r>
             <a:endParaRPr lang="en-US" altLang="zh-CN" sz="1500" smtClean="0">
-              <a:ea typeface="宋体" pitchFamily="2" charset="-122"/>
+              <a:ea typeface="宋体" panose="02010600030101010101" pitchFamily="2" charset="-122"/>
             </a:endParaRPr>
           </a:p>
           <a:p>
@@ -17585,42 +17837,42 @@
             </a:pPr>
             <a:r>
               <a:rPr lang="en-US" altLang="zh-CN" sz="1500" smtClean="0">
-                <a:ea typeface="宋体" pitchFamily="2" charset="-122"/>
+                <a:ea typeface="宋体" panose="02010600030101010101" pitchFamily="2" charset="-122"/>
               </a:rPr>
               <a:t>domain</a:t>
             </a:r>
             <a:r>
               <a:rPr lang="zh-CN" altLang="en-US" sz="1500" smtClean="0">
-                <a:ea typeface="宋体" pitchFamily="2" charset="-122"/>
+                <a:ea typeface="宋体" panose="02010600030101010101" pitchFamily="2" charset="-122"/>
               </a:rPr>
               <a:t>模块为</a:t>
             </a:r>
             <a:r>
               <a:rPr lang="en-US" altLang="zh-CN" sz="1500" smtClean="0">
-                <a:ea typeface="宋体" pitchFamily="2" charset="-122"/>
+                <a:ea typeface="宋体" panose="02010600030101010101" pitchFamily="2" charset="-122"/>
               </a:rPr>
               <a:t>Employee</a:t>
             </a:r>
             <a:r>
               <a:rPr lang="zh-CN" altLang="en-US" sz="1500" smtClean="0">
-                <a:ea typeface="宋体" pitchFamily="2" charset="-122"/>
+                <a:ea typeface="宋体" panose="02010600030101010101" pitchFamily="2" charset="-122"/>
               </a:rPr>
               <a:t>及其子类等</a:t>
             </a:r>
             <a:r>
               <a:rPr lang="en-US" altLang="zh-CN" sz="1500" smtClean="0">
-                <a:ea typeface="宋体" pitchFamily="2" charset="-122"/>
+                <a:ea typeface="宋体" panose="02010600030101010101" pitchFamily="2" charset="-122"/>
               </a:rPr>
               <a:t>JavaBean</a:t>
             </a:r>
             <a:r>
               <a:rPr lang="zh-CN" altLang="en-US" sz="1500" smtClean="0">
-                <a:ea typeface="宋体" pitchFamily="2" charset="-122"/>
+                <a:ea typeface="宋体" panose="02010600030101010101" pitchFamily="2" charset="-122"/>
               </a:rPr>
               <a:t>类所在的包</a:t>
             </a:r>
             <a:endParaRPr lang="en-US" altLang="zh-CN" sz="1500" dirty="0">
-              <a:ea typeface="宋体" pitchFamily="2" charset="-122"/>
+              <a:ea typeface="宋体" panose="02010600030101010101" pitchFamily="2" charset="-122"/>
             </a:endParaRPr>
           </a:p>
         </p:txBody>
@@ -17657,11 +17909,7 @@
           <a:effectLst/>
         </p:spPr>
         <p:txBody>
-          <a:bodyPr vert="horz" wrap="square" lIns="68580" tIns="34290" rIns="68580" bIns="34290" numCol="1" rtlCol="0" anchor="t" anchorCtr="0" compatLnSpc="1">
-            <a:prstTxWarp prst="textNoShape">
-              <a:avLst/>
-            </a:prstTxWarp>
-          </a:bodyPr>
+          <a:bodyPr vert="horz" wrap="square" lIns="68580" tIns="34290" rIns="68580" bIns="34290" numCol="1" rtlCol="0" anchor="t" anchorCtr="0" compatLnSpc="1"/>
           <a:lstStyle/>
           <a:p>
             <a:pPr algn="ctr" defTabSz="685800" fontAlgn="base" latinLnBrk="1">
@@ -17673,9 +17921,9 @@
               </a:spcAft>
             </a:pPr>
             <a:endParaRPr kumimoji="1" lang="zh-CN" altLang="en-US" sz="1350">
-              <a:latin typeface="굴림" pitchFamily="34" charset="-127"/>
-              <a:ea typeface="굴림" pitchFamily="34" charset="-127"/>
-              <a:cs typeface="Times New Roman" pitchFamily="18" charset="0"/>
+              <a:latin typeface="Gulim" panose="020B0600000101010101" pitchFamily="34" charset="-127"/>
+              <a:ea typeface="Gulim" panose="020B0600000101010101" pitchFamily="34" charset="-127"/>
+              <a:cs typeface="Times New Roman" panose="02020603050405020304" pitchFamily="18" charset="0"/>
             </a:endParaRPr>
           </a:p>
         </p:txBody>
@@ -17709,11 +17957,7 @@
           <a:effectLst/>
         </p:spPr>
         <p:txBody>
-          <a:bodyPr vert="horz" wrap="square" lIns="68580" tIns="34290" rIns="68580" bIns="34290" numCol="1" rtlCol="0" anchor="t" anchorCtr="0" compatLnSpc="1">
-            <a:prstTxWarp prst="textNoShape">
-              <a:avLst/>
-            </a:prstTxWarp>
-          </a:bodyPr>
+          <a:bodyPr vert="horz" wrap="square" lIns="68580" tIns="34290" rIns="68580" bIns="34290" numCol="1" rtlCol="0" anchor="t" anchorCtr="0" compatLnSpc="1"/>
           <a:lstStyle/>
           <a:p>
             <a:pPr algn="ctr" defTabSz="685800" fontAlgn="base" latinLnBrk="1">
@@ -17725,9 +17969,9 @@
               </a:spcAft>
             </a:pPr>
             <a:endParaRPr kumimoji="1" lang="zh-CN" altLang="en-US" sz="1350">
-              <a:latin typeface="굴림" pitchFamily="34" charset="-127"/>
-              <a:ea typeface="굴림" pitchFamily="34" charset="-127"/>
-              <a:cs typeface="Times New Roman" pitchFamily="18" charset="0"/>
+              <a:latin typeface="Gulim" panose="020B0600000101010101" pitchFamily="34" charset="-127"/>
+              <a:ea typeface="Gulim" panose="020B0600000101010101" pitchFamily="34" charset="-127"/>
+              <a:cs typeface="Times New Roman" panose="02020603050405020304" pitchFamily="18" charset="0"/>
             </a:endParaRPr>
           </a:p>
         </p:txBody>
@@ -17761,11 +18005,7 @@
           <a:effectLst/>
         </p:spPr>
         <p:txBody>
-          <a:bodyPr vert="horz" wrap="square" lIns="68580" tIns="34290" rIns="68580" bIns="34290" numCol="1" rtlCol="0" anchor="t" anchorCtr="0" compatLnSpc="1">
-            <a:prstTxWarp prst="textNoShape">
-              <a:avLst/>
-            </a:prstTxWarp>
-          </a:bodyPr>
+          <a:bodyPr vert="horz" wrap="square" lIns="68580" tIns="34290" rIns="68580" bIns="34290" numCol="1" rtlCol="0" anchor="t" anchorCtr="0" compatLnSpc="1"/>
           <a:lstStyle/>
           <a:p>
             <a:pPr algn="ctr" defTabSz="685800" fontAlgn="base" latinLnBrk="1">
@@ -17777,9 +18017,9 @@
               </a:spcAft>
             </a:pPr>
             <a:endParaRPr kumimoji="1" lang="zh-CN" altLang="en-US" sz="1350">
-              <a:latin typeface="굴림" pitchFamily="34" charset="-127"/>
-              <a:ea typeface="굴림" pitchFamily="34" charset="-127"/>
-              <a:cs typeface="Times New Roman" pitchFamily="18" charset="0"/>
+              <a:latin typeface="Gulim" panose="020B0600000101010101" pitchFamily="34" charset="-127"/>
+              <a:ea typeface="Gulim" panose="020B0600000101010101" pitchFamily="34" charset="-127"/>
+              <a:cs typeface="Times New Roman" panose="02020603050405020304" pitchFamily="18" charset="0"/>
             </a:endParaRPr>
           </a:p>
         </p:txBody>
@@ -17933,6 +18173,7 @@
               <a:rPr lang="en-US" altLang="zh-CN" sz="1200" smtClean="0"/>
               <a:t>TeamService</a:t>
             </a:r>
+            <a:endParaRPr lang="en-US" altLang="zh-CN" sz="1200" smtClean="0"/>
           </a:p>
           <a:p>
             <a:endParaRPr lang="zh-CN" altLang="en-US" sz="750" dirty="0"/>
@@ -18028,11 +18269,7 @@
           <a:effectLst/>
         </p:spPr>
         <p:txBody>
-          <a:bodyPr vert="horz" wrap="square" lIns="68580" tIns="34290" rIns="68580" bIns="34290" numCol="1" rtlCol="0" anchor="t" anchorCtr="0" compatLnSpc="1">
-            <a:prstTxWarp prst="textNoShape">
-              <a:avLst/>
-            </a:prstTxWarp>
-          </a:bodyPr>
+          <a:bodyPr vert="horz" wrap="square" lIns="68580" tIns="34290" rIns="68580" bIns="34290" numCol="1" rtlCol="0" anchor="t" anchorCtr="0" compatLnSpc="1"/>
           <a:lstStyle/>
           <a:p>
             <a:pPr algn="ctr" defTabSz="685800" fontAlgn="base" latinLnBrk="1">
@@ -18044,9 +18281,9 @@
               </a:spcAft>
             </a:pPr>
             <a:endParaRPr kumimoji="1" lang="zh-CN" altLang="en-US" sz="1350">
-              <a:latin typeface="굴림" pitchFamily="34" charset="-127"/>
-              <a:ea typeface="굴림" pitchFamily="34" charset="-127"/>
-              <a:cs typeface="Times New Roman" pitchFamily="18" charset="0"/>
+              <a:latin typeface="Gulim" panose="020B0600000101010101" pitchFamily="34" charset="-127"/>
+              <a:ea typeface="Gulim" panose="020B0600000101010101" pitchFamily="34" charset="-127"/>
+              <a:cs typeface="Times New Roman" panose="02020603050405020304" pitchFamily="18" charset="0"/>
             </a:endParaRPr>
           </a:p>
         </p:txBody>
@@ -18207,6 +18444,11 @@
               </a:rPr>
               <a:t>view</a:t>
             </a:r>
+            <a:endParaRPr lang="en-US" altLang="zh-CN" sz="1200" dirty="0">
+              <a:solidFill>
+                <a:schemeClr val="bg1"/>
+              </a:solidFill>
+            </a:endParaRPr>
           </a:p>
         </p:txBody>
       </p:sp>
@@ -18304,6 +18546,11 @@
               </a:rPr>
               <a:t>service</a:t>
             </a:r>
+            <a:endParaRPr lang="en-US" altLang="zh-CN" sz="1200" dirty="0">
+              <a:solidFill>
+                <a:schemeClr val="bg1"/>
+              </a:solidFill>
+            </a:endParaRPr>
           </a:p>
         </p:txBody>
       </p:sp>
@@ -18315,7 +18562,7 @@
         </p:nvSpPr>
         <p:spPr>
           <a:xfrm>
-            <a:off x="5768597" y="1839809"/>
+            <a:off x="5782567" y="1842349"/>
             <a:ext cx="756084" cy="276999"/>
           </a:xfrm>
           <a:prstGeom prst="rect">
@@ -18355,6 +18602,11 @@
               </a:rPr>
               <a:t>domain</a:t>
             </a:r>
+            <a:endParaRPr lang="en-US" altLang="zh-CN" sz="1200" dirty="0">
+              <a:solidFill>
+                <a:schemeClr val="bg1"/>
+              </a:solidFill>
+            </a:endParaRPr>
           </a:p>
         </p:txBody>
       </p:sp>
@@ -18419,11 +18671,6 @@
         </p:spPr>
       </p:cxnSp>
     </p:spTree>
-    <p:extLst>
-      <p:ext uri="{BB962C8B-B14F-4D97-AF65-F5344CB8AC3E}">
-        <p14:creationId xmlns:p14="http://schemas.microsoft.com/office/powerpoint/2010/main" val="32406255"/>
-      </p:ext>
-    </p:extLst>
   </p:cSld>
   <p:clrMapOvr>
     <a:masterClrMapping/>
@@ -18439,7 +18686,7 @@
 </file>
 
 <file path=ppt/tags/tag1.xml><?xml version="1.0" encoding="utf-8"?>
-<p:tagLst xmlns:a="http://schemas.openxmlformats.org/drawingml/2006/main" xmlns:r="http://schemas.openxmlformats.org/officeDocument/2006/relationships" xmlns:p="http://schemas.openxmlformats.org/presentationml/2006/main">
+<p:tagLst xmlns:p="http://schemas.openxmlformats.org/presentationml/2006/main">
   <p:tag name="KSO_WM_TEMPLATE_TOPIC_DEFAULT" val="1"/>
   <p:tag name="KSO_WM_TEMPLATE_JOB_ID" val="2"/>
   <p:tag name="KSO_WM_TEMPLATE_SCENE_ID" val="1"/>
@@ -18454,7 +18701,7 @@
 </file>
 
 <file path=ppt/tags/tag2.xml><?xml version="1.0" encoding="utf-8"?>
-<p:tagLst xmlns:a="http://schemas.openxmlformats.org/drawingml/2006/main" xmlns:r="http://schemas.openxmlformats.org/officeDocument/2006/relationships" xmlns:p="http://schemas.openxmlformats.org/presentationml/2006/main">
+<p:tagLst xmlns:p="http://schemas.openxmlformats.org/presentationml/2006/main">
   <p:tag name="KSO_WM_SLIDE_SUBTYPE" val="pureTxt"/>
   <p:tag name="KSO_WM_TEMPLATE_TOPIC_DEFAULT" val="1"/>
   <p:tag name="KSO_WM_TEMPLATE_JOB_ID" val="2"/>
@@ -18474,14 +18721,6 @@
   <p:tag name="KSO_WM_TEMPLATE_INDEX" val="20184553"/>
   <p:tag name="KSO_WM_TEMPLATE_CATEGORY" val="custom"/>
   <p:tag name="KSO_WM_TEMPLATE_THUMBS_INDEX" val="1"/>
-</p:tagLst>
-</file>
-
-<file path=ppt/tags/tag3.xml><?xml version="1.0" encoding="utf-8"?>
-<p:tagLst xmlns:a="http://schemas.openxmlformats.org/drawingml/2006/main" xmlns:r="http://schemas.openxmlformats.org/officeDocument/2006/relationships" xmlns:p="http://schemas.openxmlformats.org/presentationml/2006/main">
-  <p:tag name="KSO_WM_BEAUTIFY_FLAG" val="#wm#"/>
-  <p:tag name="KSO_WM_TEMPLATE_CATEGORY" val="custom"/>
-  <p:tag name="KSO_WM_TEMPLATE_INDEX" val="20184553"/>
 </p:tagLst>
 </file>
 
@@ -18726,7 +18965,6 @@
       </a:style>
     </a:lnDef>
   </a:objectDefaults>
-  <a:extraClrSchemeLst/>
   <a:extLst>
     <a:ext uri="{05A4C25C-085E-4340-85A3-A5531E510DB2}">
       <thm15:themeFamily xmlns:thm15="http://schemas.microsoft.com/office/thememl/2012/main" name="Office Theme" id="{62F939B6-93AF-4DB8-9C6B-D6C7DFDC589F}" vid="{4A3C46E8-61CC-4603-A589-7422A47A8E4A}"/>
@@ -18743,7 +18981,7 @@
         <a:sysClr val="windowText" lastClr="000000"/>
       </a:dk1>
       <a:lt1>
-        <a:sysClr val="window" lastClr="CCE8CF"/>
+        <a:sysClr val="window" lastClr="FFFFFF"/>
       </a:lt1>
       <a:dk2>
         <a:srgbClr val="44546A"/>
@@ -18986,8 +19224,6 @@
       </a:bgFillStyleLst>
     </a:fmtScheme>
   </a:themeElements>
-  <a:objectDefaults/>
-  <a:extraClrSchemeLst/>
   <a:extLst>
     <a:ext uri="{05A4C25C-085E-4340-85A3-A5531E510DB2}">
       <thm15:themeFamily xmlns:thm15="http://schemas.microsoft.com/office/thememl/2012/main" name="Office Theme" id="{62F939B6-93AF-4DB8-9C6B-D6C7DFDC589F}" vid="{4A3C46E8-61CC-4603-A589-7422A47A8E4A}"/>
